--- a/prezentacije/1-1 Uvod i SPA aplikacije.pptx
+++ b/prezentacije/1-1 Uvod i SPA aplikacije.pptx
@@ -259,7 +259,7 @@
           <a:p>
             <a:fld id="{F86C9DD6-B089-4487-A9E2-208BB7D75419}" type="datetimeFigureOut">
               <a:rPr lang="hr-HR" smtClean="0"/>
-              <a:t>19.4.2017.</a:t>
+              <a:t>30.4.2017.</a:t>
             </a:fld>
             <a:endParaRPr lang="hr-HR"/>
           </a:p>
@@ -429,7 +429,7 @@
           <a:p>
             <a:fld id="{F86C9DD6-B089-4487-A9E2-208BB7D75419}" type="datetimeFigureOut">
               <a:rPr lang="hr-HR" smtClean="0"/>
-              <a:t>19.4.2017.</a:t>
+              <a:t>30.4.2017.</a:t>
             </a:fld>
             <a:endParaRPr lang="hr-HR"/>
           </a:p>
@@ -609,7 +609,7 @@
           <a:p>
             <a:fld id="{F86C9DD6-B089-4487-A9E2-208BB7D75419}" type="datetimeFigureOut">
               <a:rPr lang="hr-HR" smtClean="0"/>
-              <a:t>19.4.2017.</a:t>
+              <a:t>30.4.2017.</a:t>
             </a:fld>
             <a:endParaRPr lang="hr-HR"/>
           </a:p>
@@ -779,7 +779,7 @@
           <a:p>
             <a:fld id="{F86C9DD6-B089-4487-A9E2-208BB7D75419}" type="datetimeFigureOut">
               <a:rPr lang="hr-HR" smtClean="0"/>
-              <a:t>19.4.2017.</a:t>
+              <a:t>30.4.2017.</a:t>
             </a:fld>
             <a:endParaRPr lang="hr-HR"/>
           </a:p>
@@ -1025,7 +1025,7 @@
           <a:p>
             <a:fld id="{F86C9DD6-B089-4487-A9E2-208BB7D75419}" type="datetimeFigureOut">
               <a:rPr lang="hr-HR" smtClean="0"/>
-              <a:t>19.4.2017.</a:t>
+              <a:t>30.4.2017.</a:t>
             </a:fld>
             <a:endParaRPr lang="hr-HR"/>
           </a:p>
@@ -1257,7 +1257,7 @@
           <a:p>
             <a:fld id="{F86C9DD6-B089-4487-A9E2-208BB7D75419}" type="datetimeFigureOut">
               <a:rPr lang="hr-HR" smtClean="0"/>
-              <a:t>19.4.2017.</a:t>
+              <a:t>30.4.2017.</a:t>
             </a:fld>
             <a:endParaRPr lang="hr-HR"/>
           </a:p>
@@ -1624,7 +1624,7 @@
           <a:p>
             <a:fld id="{F86C9DD6-B089-4487-A9E2-208BB7D75419}" type="datetimeFigureOut">
               <a:rPr lang="hr-HR" smtClean="0"/>
-              <a:t>19.4.2017.</a:t>
+              <a:t>30.4.2017.</a:t>
             </a:fld>
             <a:endParaRPr lang="hr-HR"/>
           </a:p>
@@ -1742,7 +1742,7 @@
           <a:p>
             <a:fld id="{F86C9DD6-B089-4487-A9E2-208BB7D75419}" type="datetimeFigureOut">
               <a:rPr lang="hr-HR" smtClean="0"/>
-              <a:t>19.4.2017.</a:t>
+              <a:t>30.4.2017.</a:t>
             </a:fld>
             <a:endParaRPr lang="hr-HR"/>
           </a:p>
@@ -1837,7 +1837,7 @@
           <a:p>
             <a:fld id="{F86C9DD6-B089-4487-A9E2-208BB7D75419}" type="datetimeFigureOut">
               <a:rPr lang="hr-HR" smtClean="0"/>
-              <a:t>19.4.2017.</a:t>
+              <a:t>30.4.2017.</a:t>
             </a:fld>
             <a:endParaRPr lang="hr-HR"/>
           </a:p>
@@ -2114,7 +2114,7 @@
           <a:p>
             <a:fld id="{F86C9DD6-B089-4487-A9E2-208BB7D75419}" type="datetimeFigureOut">
               <a:rPr lang="hr-HR" smtClean="0"/>
-              <a:t>19.4.2017.</a:t>
+              <a:t>30.4.2017.</a:t>
             </a:fld>
             <a:endParaRPr lang="hr-HR"/>
           </a:p>
@@ -2367,7 +2367,7 @@
           <a:p>
             <a:fld id="{F86C9DD6-B089-4487-A9E2-208BB7D75419}" type="datetimeFigureOut">
               <a:rPr lang="hr-HR" smtClean="0"/>
-              <a:t>19.4.2017.</a:t>
+              <a:t>30.4.2017.</a:t>
             </a:fld>
             <a:endParaRPr lang="hr-HR"/>
           </a:p>
@@ -2580,7 +2580,7 @@
           <a:p>
             <a:fld id="{F86C9DD6-B089-4487-A9E2-208BB7D75419}" type="datetimeFigureOut">
               <a:rPr lang="hr-HR" smtClean="0"/>
-              <a:t>19.4.2017.</a:t>
+              <a:t>30.4.2017.</a:t>
             </a:fld>
             <a:endParaRPr lang="hr-HR"/>
           </a:p>
@@ -3029,7 +3029,7 @@
           <a:p>
             <a:r>
               <a:rPr lang="hr-HR" dirty="0" smtClean="0"/>
-              <a:t>Razvijati profesionalne </a:t>
+              <a:t>Smjernice za razvoj kvalitetnih </a:t>
             </a:r>
             <a:r>
               <a:rPr lang="hr-HR" dirty="0"/>
@@ -3043,6 +3043,10 @@
           </a:p>
           <a:p>
             <a:r>
+              <a:rPr lang="hr-HR" dirty="0" smtClean="0"/>
+              <a:t>Upoznavanje sa </a:t>
+            </a:r>
+            <a:r>
               <a:rPr lang="hr-HR" dirty="0" err="1" smtClean="0"/>
               <a:t>Angular</a:t>
             </a:r>
@@ -3057,24 +3061,56 @@
           </a:p>
           <a:p>
             <a:r>
+              <a:rPr lang="hr-HR" dirty="0" smtClean="0"/>
+              <a:t>Detaljno </a:t>
+            </a:r>
+            <a:r>
+              <a:rPr lang="hr-HR" dirty="0" smtClean="0"/>
+              <a:t>upoznavanje sa „MS </a:t>
+            </a:r>
+            <a:r>
+              <a:rPr lang="hr-HR" dirty="0" err="1" smtClean="0"/>
+              <a:t>Stack</a:t>
+            </a:r>
+            <a:r>
+              <a:rPr lang="hr-HR" dirty="0" smtClean="0"/>
+              <a:t>”</a:t>
+            </a:r>
+          </a:p>
+          <a:p>
+            <a:pPr lvl="1"/>
+            <a:r>
+              <a:rPr lang="hr-HR" dirty="0" smtClean="0"/>
+              <a:t>Upoznavanje sa Web </a:t>
+            </a:r>
+            <a:r>
               <a:rPr lang="hr-HR" dirty="0"/>
-              <a:t>Web API</a:t>
-            </a:r>
-          </a:p>
-          <a:p>
-            <a:r>
-              <a:rPr lang="hr-HR" dirty="0" err="1"/>
+              <a:t>API</a:t>
+            </a:r>
+          </a:p>
+          <a:p>
+            <a:pPr lvl="1"/>
+            <a:r>
+              <a:rPr lang="hr-HR" dirty="0" smtClean="0"/>
+              <a:t>Upoznavanje sa </a:t>
+            </a:r>
+            <a:r>
+              <a:rPr lang="hr-HR" dirty="0" err="1" smtClean="0"/>
               <a:t>Entity</a:t>
             </a:r>
             <a:r>
+              <a:rPr lang="hr-HR" dirty="0" smtClean="0"/>
+              <a:t> </a:t>
+            </a:r>
+            <a:r>
               <a:rPr lang="hr-HR" dirty="0"/>
-              <a:t> Framework</a:t>
-            </a:r>
-          </a:p>
-          <a:p>
-            <a:r>
-              <a:rPr lang="hr-HR" dirty="0" smtClean="0"/>
-              <a:t>Koristiti alate vezane </a:t>
+              <a:t>Framework</a:t>
+            </a:r>
+          </a:p>
+          <a:p>
+            <a:r>
+              <a:rPr lang="hr-HR" dirty="0" smtClean="0"/>
+              <a:t>Upoznavanje sa razvojnim alatima vezanim </a:t>
             </a:r>
             <a:r>
               <a:rPr lang="hr-HR" dirty="0"/>
@@ -4193,11 +4229,7 @@
             </a:r>
             <a:r>
               <a:rPr lang="hr-HR" dirty="0"/>
-              <a:t> i CSS </a:t>
-            </a:r>
-            <a:r>
-              <a:rPr lang="hr-HR" dirty="0"/>
-              <a:t>(</a:t>
+              <a:t> i CSS (</a:t>
             </a:r>
             <a:r>
               <a:rPr lang="hr-HR" dirty="0">
@@ -4296,7 +4328,7 @@
         <p:spPr/>
         <p:txBody>
           <a:bodyPr>
-            <a:normAutofit/>
+            <a:normAutofit lnSpcReduction="10000"/>
           </a:bodyPr>
           <a:lstStyle/>
           <a:p>
@@ -4360,8 +4392,44 @@
           <a:p>
             <a:pPr lvl="1"/>
             <a:r>
+              <a:rPr lang="hr-HR" dirty="0" err="1" smtClean="0"/>
+              <a:t>Mvc</a:t>
+            </a:r>
+            <a:r>
+              <a:rPr lang="hr-HR" dirty="0" smtClean="0"/>
+              <a:t> </a:t>
+            </a:r>
+            <a:r>
+              <a:rPr lang="hr-HR" dirty="0" err="1" smtClean="0"/>
+              <a:t>pre</a:t>
+            </a:r>
+            <a:r>
+              <a:rPr lang="hr-HR" dirty="0" smtClean="0"/>
+              <a:t> 1 (2008) – </a:t>
+            </a:r>
+            <a:r>
+              <a:rPr lang="hr-HR" dirty="0" err="1" smtClean="0"/>
+              <a:t>Phil</a:t>
+            </a:r>
+            <a:r>
+              <a:rPr lang="hr-HR" dirty="0" smtClean="0"/>
+              <a:t> </a:t>
+            </a:r>
+            <a:r>
+              <a:rPr lang="hr-HR" dirty="0" err="1" smtClean="0"/>
+              <a:t>Haack</a:t>
+            </a:r>
+            <a:endParaRPr lang="hr-HR" dirty="0" smtClean="0"/>
+          </a:p>
+          <a:p>
+            <a:pPr lvl="1"/>
+            <a:r>
+              <a:rPr lang="hr-HR" dirty="0" smtClean="0"/>
+              <a:t>MVC </a:t>
+            </a:r>
+            <a:r>
               <a:rPr lang="hr-HR" dirty="0"/>
-              <a:t>MVC 1 (2009) – web </a:t>
+              <a:t>1 (2009) – web </a:t>
             </a:r>
             <a:r>
               <a:rPr lang="hr-HR" dirty="0" err="1"/>
@@ -4373,8 +4441,62 @@
             <a:pPr lvl="1"/>
             <a:r>
               <a:rPr lang="hr-HR" dirty="0"/>
-              <a:t>MVC 3 (2011) - razor</a:t>
-            </a:r>
+              <a:t>MVC 3 (2011) </a:t>
+            </a:r>
+            <a:r>
+              <a:rPr lang="hr-HR" dirty="0" smtClean="0"/>
+              <a:t>– razor</a:t>
+            </a:r>
+          </a:p>
+          <a:p>
+            <a:pPr lvl="1"/>
+            <a:r>
+              <a:rPr lang="hr-HR" dirty="0" smtClean="0"/>
+              <a:t>MVC 4 (2011-2012) -  </a:t>
+            </a:r>
+            <a:r>
+              <a:rPr lang="hr-HR" dirty="0" err="1" smtClean="0"/>
+              <a:t>Visual</a:t>
+            </a:r>
+            <a:r>
+              <a:rPr lang="hr-HR" dirty="0" smtClean="0"/>
+              <a:t> Studio 2010-2012</a:t>
+            </a:r>
+          </a:p>
+          <a:p>
+            <a:pPr lvl="1"/>
+            <a:r>
+              <a:rPr lang="hr-HR" dirty="0"/>
+              <a:t>„ASP.NET One” </a:t>
+            </a:r>
+            <a:r>
+              <a:rPr lang="hr-HR" dirty="0" smtClean="0"/>
+              <a:t>- MVC </a:t>
+            </a:r>
+            <a:r>
+              <a:rPr lang="hr-HR" dirty="0" smtClean="0"/>
+              <a:t>5 (2016) – </a:t>
+            </a:r>
+            <a:r>
+              <a:rPr lang="hr-HR" dirty="0" err="1" smtClean="0"/>
+              <a:t>Visual</a:t>
+            </a:r>
+            <a:r>
+              <a:rPr lang="hr-HR" dirty="0" smtClean="0"/>
+              <a:t> Studio 2013-2015</a:t>
+            </a:r>
+          </a:p>
+          <a:p>
+            <a:pPr lvl="1"/>
+            <a:r>
+              <a:rPr lang="hr-HR" dirty="0" err="1" smtClean="0"/>
+              <a:t>Mvc</a:t>
+            </a:r>
+            <a:r>
+              <a:rPr lang="hr-HR" dirty="0" smtClean="0"/>
+              <a:t> &amp; Web API Core</a:t>
+            </a:r>
+            <a:endParaRPr lang="hr-HR" dirty="0"/>
           </a:p>
           <a:p>
             <a:endParaRPr lang="hr-HR" dirty="0"/>
@@ -4476,16 +4598,30 @@
           <a:p>
             <a:pPr lvl="1"/>
             <a:r>
+              <a:rPr lang="hr-HR" dirty="0" smtClean="0"/>
+              <a:t>Učitavanje cijele (ili dijelova) </a:t>
+            </a:r>
+            <a:r>
               <a:rPr lang="hr-HR" dirty="0"/>
-              <a:t>Jedan dohvat cijele aplikacije </a:t>
-            </a:r>
+              <a:t>aplikacije </a:t>
+            </a:r>
+            <a:r>
+              <a:rPr lang="hr-HR" dirty="0" smtClean="0"/>
+              <a:t>u browser</a:t>
+            </a:r>
+            <a:endParaRPr lang="hr-HR" dirty="0"/>
           </a:p>
           <a:p>
             <a:pPr lvl="1"/>
             <a:r>
-              <a:rPr lang="hr-HR" dirty="0"/>
-              <a:t>Svi ostali upiti isključivo podaci</a:t>
-            </a:r>
+              <a:rPr lang="hr-HR" dirty="0" err="1" smtClean="0"/>
+              <a:t>Ajax-XHttpRequest</a:t>
+            </a:r>
+            <a:r>
+              <a:rPr lang="hr-HR" dirty="0" smtClean="0"/>
+              <a:t> komunikacija sa serverom (podaci)</a:t>
+            </a:r>
+            <a:endParaRPr lang="hr-HR" dirty="0"/>
           </a:p>
           <a:p>
             <a:pPr lvl="1"/>
@@ -4506,7 +4642,7 @@
             <a:pPr lvl="1"/>
             <a:r>
               <a:rPr lang="hr-HR" dirty="0" smtClean="0"/>
-              <a:t>Problemi</a:t>
+              <a:t>Izazovi</a:t>
             </a:r>
             <a:endParaRPr lang="hr-HR" dirty="0"/>
           </a:p>
@@ -4521,9 +4657,25 @@
           <a:p>
             <a:pPr lvl="2"/>
             <a:r>
-              <a:rPr lang="hr-HR" dirty="0"/>
+              <a:rPr lang="hr-HR" dirty="0" smtClean="0"/>
               <a:t>SEO</a:t>
             </a:r>
+          </a:p>
+          <a:p>
+            <a:pPr lvl="2"/>
+            <a:r>
+              <a:rPr lang="hr-HR" dirty="0" smtClean="0"/>
+              <a:t>Parcijalni </a:t>
+            </a:r>
+            <a:r>
+              <a:rPr lang="hr-HR" dirty="0" err="1" smtClean="0"/>
+              <a:t>loading</a:t>
+            </a:r>
+            <a:r>
+              <a:rPr lang="hr-HR" dirty="0" smtClean="0"/>
+              <a:t> templatea</a:t>
+            </a:r>
+            <a:endParaRPr lang="hr-HR" dirty="0"/>
           </a:p>
           <a:p>
             <a:pPr lvl="1"/>
@@ -5021,8 +5173,24 @@
           </a:p>
           <a:p>
             <a:r>
+              <a:rPr lang="hr-HR" dirty="0" smtClean="0"/>
+              <a:t>„</a:t>
+            </a:r>
+            <a:r>
               <a:rPr lang="hr-HR" dirty="0" err="1" smtClean="0"/>
-              <a:t>Responzivan</a:t>
+              <a:t>Responsive</a:t>
+            </a:r>
+            <a:r>
+              <a:rPr lang="hr-HR" dirty="0" smtClean="0"/>
+              <a:t> design” - </a:t>
+            </a:r>
+            <a:r>
+              <a:rPr lang="hr-HR" dirty="0" err="1" smtClean="0"/>
+              <a:t>responzivan</a:t>
+            </a:r>
+            <a:r>
+              <a:rPr lang="hr-HR" dirty="0" smtClean="0"/>
+              <a:t> dizajn </a:t>
             </a:r>
             <a:endParaRPr lang="hr-HR" dirty="0" smtClean="0"/>
           </a:p>

--- a/prezentacije/1-1 Uvod i SPA aplikacije.pptx
+++ b/prezentacije/1-1 Uvod i SPA aplikacije.pptx
@@ -6,13 +6,13 @@
   </p:sldMasterIdLst>
   <p:sldIdLst>
     <p:sldId id="263" r:id="rId2"/>
-    <p:sldId id="257" r:id="rId3"/>
-    <p:sldId id="265" r:id="rId4"/>
-    <p:sldId id="266" r:id="rId5"/>
-    <p:sldId id="258" r:id="rId6"/>
-    <p:sldId id="264" r:id="rId7"/>
-    <p:sldId id="267" r:id="rId8"/>
-    <p:sldId id="276" r:id="rId9"/>
+    <p:sldId id="277" r:id="rId3"/>
+    <p:sldId id="257" r:id="rId4"/>
+    <p:sldId id="265" r:id="rId5"/>
+    <p:sldId id="266" r:id="rId6"/>
+    <p:sldId id="258" r:id="rId7"/>
+    <p:sldId id="264" r:id="rId8"/>
+    <p:sldId id="267" r:id="rId9"/>
     <p:sldId id="268" r:id="rId10"/>
     <p:sldId id="270" r:id="rId11"/>
     <p:sldId id="269" r:id="rId12"/>
@@ -128,6 +128,3260 @@
 </p:presentation>
 </file>
 
+<file path=ppt/diagrams/colors1.xml><?xml version="1.0" encoding="utf-8"?>
+<dgm:colorsDef xmlns:dgm="http://schemas.openxmlformats.org/drawingml/2006/diagram" xmlns:a="http://schemas.openxmlformats.org/drawingml/2006/main" uniqueId="urn:microsoft.com/office/officeart/2005/8/colors/accent1_2">
+  <dgm:title val=""/>
+  <dgm:desc val=""/>
+  <dgm:catLst>
+    <dgm:cat type="accent1" pri="11200"/>
+  </dgm:catLst>
+  <dgm:styleLbl name="node0">
+    <dgm:fillClrLst meth="repeat">
+      <a:schemeClr val="accent1"/>
+    </dgm:fillClrLst>
+    <dgm:linClrLst meth="repeat">
+      <a:schemeClr val="lt1"/>
+    </dgm:linClrLst>
+    <dgm:effectClrLst/>
+    <dgm:txLinClrLst/>
+    <dgm:txFillClrLst/>
+    <dgm:txEffectClrLst/>
+  </dgm:styleLbl>
+  <dgm:styleLbl name="alignNode1">
+    <dgm:fillClrLst meth="repeat">
+      <a:schemeClr val="accent1"/>
+    </dgm:fillClrLst>
+    <dgm:linClrLst meth="repeat">
+      <a:schemeClr val="accent1"/>
+    </dgm:linClrLst>
+    <dgm:effectClrLst/>
+    <dgm:txLinClrLst/>
+    <dgm:txFillClrLst/>
+    <dgm:txEffectClrLst/>
+  </dgm:styleLbl>
+  <dgm:styleLbl name="node1">
+    <dgm:fillClrLst meth="repeat">
+      <a:schemeClr val="accent1"/>
+    </dgm:fillClrLst>
+    <dgm:linClrLst meth="repeat">
+      <a:schemeClr val="lt1"/>
+    </dgm:linClrLst>
+    <dgm:effectClrLst/>
+    <dgm:txLinClrLst/>
+    <dgm:txFillClrLst/>
+    <dgm:txEffectClrLst/>
+  </dgm:styleLbl>
+  <dgm:styleLbl name="lnNode1">
+    <dgm:fillClrLst meth="repeat">
+      <a:schemeClr val="accent1"/>
+    </dgm:fillClrLst>
+    <dgm:linClrLst meth="repeat">
+      <a:schemeClr val="lt1"/>
+    </dgm:linClrLst>
+    <dgm:effectClrLst/>
+    <dgm:txLinClrLst/>
+    <dgm:txFillClrLst/>
+    <dgm:txEffectClrLst/>
+  </dgm:styleLbl>
+  <dgm:styleLbl name="vennNode1">
+    <dgm:fillClrLst meth="repeat">
+      <a:schemeClr val="accent1">
+        <a:alpha val="50000"/>
+      </a:schemeClr>
+    </dgm:fillClrLst>
+    <dgm:linClrLst meth="repeat">
+      <a:schemeClr val="lt1"/>
+    </dgm:linClrLst>
+    <dgm:effectClrLst/>
+    <dgm:txLinClrLst/>
+    <dgm:txFillClrLst/>
+    <dgm:txEffectClrLst/>
+  </dgm:styleLbl>
+  <dgm:styleLbl name="node2">
+    <dgm:fillClrLst meth="repeat">
+      <a:schemeClr val="accent1"/>
+    </dgm:fillClrLst>
+    <dgm:linClrLst meth="repeat">
+      <a:schemeClr val="lt1"/>
+    </dgm:linClrLst>
+    <dgm:effectClrLst/>
+    <dgm:txLinClrLst/>
+    <dgm:txFillClrLst/>
+    <dgm:txEffectClrLst/>
+  </dgm:styleLbl>
+  <dgm:styleLbl name="node3">
+    <dgm:fillClrLst meth="repeat">
+      <a:schemeClr val="accent1"/>
+    </dgm:fillClrLst>
+    <dgm:linClrLst meth="repeat">
+      <a:schemeClr val="lt1"/>
+    </dgm:linClrLst>
+    <dgm:effectClrLst/>
+    <dgm:txLinClrLst/>
+    <dgm:txFillClrLst/>
+    <dgm:txEffectClrLst/>
+  </dgm:styleLbl>
+  <dgm:styleLbl name="node4">
+    <dgm:fillClrLst meth="repeat">
+      <a:schemeClr val="accent1"/>
+    </dgm:fillClrLst>
+    <dgm:linClrLst meth="repeat">
+      <a:schemeClr val="lt1"/>
+    </dgm:linClrLst>
+    <dgm:effectClrLst/>
+    <dgm:txLinClrLst/>
+    <dgm:txFillClrLst/>
+    <dgm:txEffectClrLst/>
+  </dgm:styleLbl>
+  <dgm:styleLbl name="fgImgPlace1">
+    <dgm:fillClrLst meth="repeat">
+      <a:schemeClr val="accent1">
+        <a:tint val="50000"/>
+      </a:schemeClr>
+    </dgm:fillClrLst>
+    <dgm:linClrLst meth="repeat">
+      <a:schemeClr val="lt1"/>
+    </dgm:linClrLst>
+    <dgm:effectClrLst/>
+    <dgm:txLinClrLst/>
+    <dgm:txFillClrLst meth="repeat">
+      <a:schemeClr val="lt1"/>
+    </dgm:txFillClrLst>
+    <dgm:txEffectClrLst/>
+  </dgm:styleLbl>
+  <dgm:styleLbl name="alignImgPlace1">
+    <dgm:fillClrLst meth="repeat">
+      <a:schemeClr val="accent1">
+        <a:tint val="50000"/>
+      </a:schemeClr>
+    </dgm:fillClrLst>
+    <dgm:linClrLst meth="repeat">
+      <a:schemeClr val="lt1"/>
+    </dgm:linClrLst>
+    <dgm:effectClrLst/>
+    <dgm:txLinClrLst/>
+    <dgm:txFillClrLst meth="repeat">
+      <a:schemeClr val="lt1"/>
+    </dgm:txFillClrLst>
+    <dgm:txEffectClrLst/>
+  </dgm:styleLbl>
+  <dgm:styleLbl name="bgImgPlace1">
+    <dgm:fillClrLst meth="repeat">
+      <a:schemeClr val="accent1">
+        <a:tint val="50000"/>
+      </a:schemeClr>
+    </dgm:fillClrLst>
+    <dgm:linClrLst meth="repeat">
+      <a:schemeClr val="lt1"/>
+    </dgm:linClrLst>
+    <dgm:effectClrLst/>
+    <dgm:txLinClrLst/>
+    <dgm:txFillClrLst meth="repeat">
+      <a:schemeClr val="lt1"/>
+    </dgm:txFillClrLst>
+    <dgm:txEffectClrLst/>
+  </dgm:styleLbl>
+  <dgm:styleLbl name="sibTrans2D1">
+    <dgm:fillClrLst meth="repeat">
+      <a:schemeClr val="accent1">
+        <a:tint val="60000"/>
+      </a:schemeClr>
+    </dgm:fillClrLst>
+    <dgm:linClrLst meth="repeat">
+      <a:schemeClr val="accent1">
+        <a:tint val="60000"/>
+      </a:schemeClr>
+    </dgm:linClrLst>
+    <dgm:effectClrLst/>
+    <dgm:txLinClrLst/>
+    <dgm:txFillClrLst/>
+    <dgm:txEffectClrLst/>
+  </dgm:styleLbl>
+  <dgm:styleLbl name="fgSibTrans2D1">
+    <dgm:fillClrLst meth="repeat">
+      <a:schemeClr val="accent1">
+        <a:tint val="60000"/>
+      </a:schemeClr>
+    </dgm:fillClrLst>
+    <dgm:linClrLst meth="repeat">
+      <a:schemeClr val="accent1">
+        <a:tint val="60000"/>
+      </a:schemeClr>
+    </dgm:linClrLst>
+    <dgm:effectClrLst/>
+    <dgm:txLinClrLst/>
+    <dgm:txFillClrLst/>
+    <dgm:txEffectClrLst/>
+  </dgm:styleLbl>
+  <dgm:styleLbl name="bgSibTrans2D1">
+    <dgm:fillClrLst meth="repeat">
+      <a:schemeClr val="accent1">
+        <a:tint val="60000"/>
+      </a:schemeClr>
+    </dgm:fillClrLst>
+    <dgm:linClrLst meth="repeat">
+      <a:schemeClr val="accent1">
+        <a:tint val="60000"/>
+      </a:schemeClr>
+    </dgm:linClrLst>
+    <dgm:effectClrLst/>
+    <dgm:txLinClrLst/>
+    <dgm:txFillClrLst/>
+    <dgm:txEffectClrLst/>
+  </dgm:styleLbl>
+  <dgm:styleLbl name="sibTrans1D1">
+    <dgm:fillClrLst meth="repeat">
+      <a:schemeClr val="accent1"/>
+    </dgm:fillClrLst>
+    <dgm:linClrLst meth="repeat">
+      <a:schemeClr val="accent1"/>
+    </dgm:linClrLst>
+    <dgm:effectClrLst/>
+    <dgm:txLinClrLst/>
+    <dgm:txFillClrLst meth="repeat">
+      <a:schemeClr val="tx1"/>
+    </dgm:txFillClrLst>
+    <dgm:txEffectClrLst/>
+  </dgm:styleLbl>
+  <dgm:styleLbl name="callout">
+    <dgm:fillClrLst meth="repeat">
+      <a:schemeClr val="accent1"/>
+    </dgm:fillClrLst>
+    <dgm:linClrLst meth="repeat">
+      <a:schemeClr val="accent1">
+        <a:tint val="50000"/>
+      </a:schemeClr>
+    </dgm:linClrLst>
+    <dgm:effectClrLst/>
+    <dgm:txLinClrLst/>
+    <dgm:txFillClrLst meth="repeat">
+      <a:schemeClr val="tx1"/>
+    </dgm:txFillClrLst>
+    <dgm:txEffectClrLst/>
+  </dgm:styleLbl>
+  <dgm:styleLbl name="asst0">
+    <dgm:fillClrLst meth="repeat">
+      <a:schemeClr val="accent1"/>
+    </dgm:fillClrLst>
+    <dgm:linClrLst meth="repeat">
+      <a:schemeClr val="lt1"/>
+    </dgm:linClrLst>
+    <dgm:effectClrLst/>
+    <dgm:txLinClrLst/>
+    <dgm:txFillClrLst/>
+    <dgm:txEffectClrLst/>
+  </dgm:styleLbl>
+  <dgm:styleLbl name="asst1">
+    <dgm:fillClrLst meth="repeat">
+      <a:schemeClr val="accent1"/>
+    </dgm:fillClrLst>
+    <dgm:linClrLst meth="repeat">
+      <a:schemeClr val="lt1"/>
+    </dgm:linClrLst>
+    <dgm:effectClrLst/>
+    <dgm:txLinClrLst/>
+    <dgm:txFillClrLst/>
+    <dgm:txEffectClrLst/>
+  </dgm:styleLbl>
+  <dgm:styleLbl name="asst2">
+    <dgm:fillClrLst meth="repeat">
+      <a:schemeClr val="accent1"/>
+    </dgm:fillClrLst>
+    <dgm:linClrLst meth="repeat">
+      <a:schemeClr val="lt1"/>
+    </dgm:linClrLst>
+    <dgm:effectClrLst/>
+    <dgm:txLinClrLst/>
+    <dgm:txFillClrLst/>
+    <dgm:txEffectClrLst/>
+  </dgm:styleLbl>
+  <dgm:styleLbl name="asst3">
+    <dgm:fillClrLst meth="repeat">
+      <a:schemeClr val="accent1"/>
+    </dgm:fillClrLst>
+    <dgm:linClrLst meth="repeat">
+      <a:schemeClr val="lt1"/>
+    </dgm:linClrLst>
+    <dgm:effectClrLst/>
+    <dgm:txLinClrLst/>
+    <dgm:txFillClrLst/>
+    <dgm:txEffectClrLst/>
+  </dgm:styleLbl>
+  <dgm:styleLbl name="asst4">
+    <dgm:fillClrLst meth="repeat">
+      <a:schemeClr val="accent1"/>
+    </dgm:fillClrLst>
+    <dgm:linClrLst meth="repeat">
+      <a:schemeClr val="lt1"/>
+    </dgm:linClrLst>
+    <dgm:effectClrLst/>
+    <dgm:txLinClrLst/>
+    <dgm:txFillClrLst/>
+    <dgm:txEffectClrLst/>
+  </dgm:styleLbl>
+  <dgm:styleLbl name="parChTrans2D1">
+    <dgm:fillClrLst meth="repeat">
+      <a:schemeClr val="accent1">
+        <a:tint val="60000"/>
+      </a:schemeClr>
+    </dgm:fillClrLst>
+    <dgm:linClrLst meth="repeat">
+      <a:schemeClr val="accent1">
+        <a:tint val="60000"/>
+      </a:schemeClr>
+    </dgm:linClrLst>
+    <dgm:effectClrLst/>
+    <dgm:txLinClrLst/>
+    <dgm:txFillClrLst meth="repeat">
+      <a:schemeClr val="lt1"/>
+    </dgm:txFillClrLst>
+    <dgm:txEffectClrLst/>
+  </dgm:styleLbl>
+  <dgm:styleLbl name="parChTrans2D2">
+    <dgm:fillClrLst meth="repeat">
+      <a:schemeClr val="accent1"/>
+    </dgm:fillClrLst>
+    <dgm:linClrLst meth="repeat">
+      <a:schemeClr val="accent1"/>
+    </dgm:linClrLst>
+    <dgm:effectClrLst/>
+    <dgm:txLinClrLst/>
+    <dgm:txFillClrLst meth="repeat">
+      <a:schemeClr val="lt1"/>
+    </dgm:txFillClrLst>
+    <dgm:txEffectClrLst/>
+  </dgm:styleLbl>
+  <dgm:styleLbl name="parChTrans2D3">
+    <dgm:fillClrLst meth="repeat">
+      <a:schemeClr val="accent1"/>
+    </dgm:fillClrLst>
+    <dgm:linClrLst meth="repeat">
+      <a:schemeClr val="accent1"/>
+    </dgm:linClrLst>
+    <dgm:effectClrLst/>
+    <dgm:txLinClrLst/>
+    <dgm:txFillClrLst meth="repeat">
+      <a:schemeClr val="lt1"/>
+    </dgm:txFillClrLst>
+    <dgm:txEffectClrLst/>
+  </dgm:styleLbl>
+  <dgm:styleLbl name="parChTrans2D4">
+    <dgm:fillClrLst meth="repeat">
+      <a:schemeClr val="accent1"/>
+    </dgm:fillClrLst>
+    <dgm:linClrLst meth="repeat">
+      <a:schemeClr val="accent1"/>
+    </dgm:linClrLst>
+    <dgm:effectClrLst/>
+    <dgm:txLinClrLst/>
+    <dgm:txFillClrLst meth="repeat">
+      <a:schemeClr val="lt1"/>
+    </dgm:txFillClrLst>
+    <dgm:txEffectClrLst/>
+  </dgm:styleLbl>
+  <dgm:styleLbl name="parChTrans1D1">
+    <dgm:fillClrLst meth="repeat">
+      <a:schemeClr val="accent1"/>
+    </dgm:fillClrLst>
+    <dgm:linClrLst meth="repeat">
+      <a:schemeClr val="accent1">
+        <a:shade val="60000"/>
+      </a:schemeClr>
+    </dgm:linClrLst>
+    <dgm:effectClrLst/>
+    <dgm:txLinClrLst/>
+    <dgm:txFillClrLst meth="repeat">
+      <a:schemeClr val="tx1"/>
+    </dgm:txFillClrLst>
+    <dgm:txEffectClrLst/>
+  </dgm:styleLbl>
+  <dgm:styleLbl name="parChTrans1D2">
+    <dgm:fillClrLst meth="repeat">
+      <a:schemeClr val="accent1"/>
+    </dgm:fillClrLst>
+    <dgm:linClrLst meth="repeat">
+      <a:schemeClr val="accent1">
+        <a:shade val="60000"/>
+      </a:schemeClr>
+    </dgm:linClrLst>
+    <dgm:effectClrLst/>
+    <dgm:txLinClrLst/>
+    <dgm:txFillClrLst meth="repeat">
+      <a:schemeClr val="tx1"/>
+    </dgm:txFillClrLst>
+    <dgm:txEffectClrLst/>
+  </dgm:styleLbl>
+  <dgm:styleLbl name="parChTrans1D3">
+    <dgm:fillClrLst meth="repeat">
+      <a:schemeClr val="accent1"/>
+    </dgm:fillClrLst>
+    <dgm:linClrLst meth="repeat">
+      <a:schemeClr val="accent1">
+        <a:shade val="80000"/>
+      </a:schemeClr>
+    </dgm:linClrLst>
+    <dgm:effectClrLst/>
+    <dgm:txLinClrLst/>
+    <dgm:txFillClrLst meth="repeat">
+      <a:schemeClr val="tx1"/>
+    </dgm:txFillClrLst>
+    <dgm:txEffectClrLst/>
+  </dgm:styleLbl>
+  <dgm:styleLbl name="parChTrans1D4">
+    <dgm:fillClrLst meth="repeat">
+      <a:schemeClr val="accent1"/>
+    </dgm:fillClrLst>
+    <dgm:linClrLst meth="repeat">
+      <a:schemeClr val="accent1">
+        <a:shade val="80000"/>
+      </a:schemeClr>
+    </dgm:linClrLst>
+    <dgm:effectClrLst/>
+    <dgm:txLinClrLst/>
+    <dgm:txFillClrLst meth="repeat">
+      <a:schemeClr val="tx1"/>
+    </dgm:txFillClrLst>
+    <dgm:txEffectClrLst/>
+  </dgm:styleLbl>
+  <dgm:styleLbl name="fgAcc1">
+    <dgm:fillClrLst meth="repeat">
+      <a:schemeClr val="lt1">
+        <a:alpha val="90000"/>
+      </a:schemeClr>
+    </dgm:fillClrLst>
+    <dgm:linClrLst meth="repeat">
+      <a:schemeClr val="accent1"/>
+    </dgm:linClrLst>
+    <dgm:effectClrLst/>
+    <dgm:txLinClrLst/>
+    <dgm:txFillClrLst meth="repeat">
+      <a:schemeClr val="dk1"/>
+    </dgm:txFillClrLst>
+    <dgm:txEffectClrLst/>
+  </dgm:styleLbl>
+  <dgm:styleLbl name="conFgAcc1">
+    <dgm:fillClrLst meth="repeat">
+      <a:schemeClr val="lt1">
+        <a:alpha val="90000"/>
+      </a:schemeClr>
+    </dgm:fillClrLst>
+    <dgm:linClrLst meth="repeat">
+      <a:schemeClr val="accent1"/>
+    </dgm:linClrLst>
+    <dgm:effectClrLst/>
+    <dgm:txLinClrLst/>
+    <dgm:txFillClrLst meth="repeat">
+      <a:schemeClr val="dk1"/>
+    </dgm:txFillClrLst>
+    <dgm:txEffectClrLst/>
+  </dgm:styleLbl>
+  <dgm:styleLbl name="alignAcc1">
+    <dgm:fillClrLst meth="repeat">
+      <a:schemeClr val="lt1">
+        <a:alpha val="90000"/>
+      </a:schemeClr>
+    </dgm:fillClrLst>
+    <dgm:linClrLst meth="repeat">
+      <a:schemeClr val="accent1"/>
+    </dgm:linClrLst>
+    <dgm:effectClrLst/>
+    <dgm:txLinClrLst/>
+    <dgm:txFillClrLst meth="repeat">
+      <a:schemeClr val="dk1"/>
+    </dgm:txFillClrLst>
+    <dgm:txEffectClrLst/>
+  </dgm:styleLbl>
+  <dgm:styleLbl name="trAlignAcc1">
+    <dgm:fillClrLst meth="repeat">
+      <a:schemeClr val="lt1">
+        <a:alpha val="40000"/>
+      </a:schemeClr>
+    </dgm:fillClrLst>
+    <dgm:linClrLst meth="repeat">
+      <a:schemeClr val="accent1"/>
+    </dgm:linClrLst>
+    <dgm:effectClrLst/>
+    <dgm:txLinClrLst/>
+    <dgm:txFillClrLst meth="repeat">
+      <a:schemeClr val="dk1"/>
+    </dgm:txFillClrLst>
+    <dgm:txEffectClrLst/>
+  </dgm:styleLbl>
+  <dgm:styleLbl name="bgAcc1">
+    <dgm:fillClrLst meth="repeat">
+      <a:schemeClr val="lt1">
+        <a:alpha val="90000"/>
+      </a:schemeClr>
+    </dgm:fillClrLst>
+    <dgm:linClrLst meth="repeat">
+      <a:schemeClr val="accent1"/>
+    </dgm:linClrLst>
+    <dgm:effectClrLst/>
+    <dgm:txLinClrLst/>
+    <dgm:txFillClrLst meth="repeat">
+      <a:schemeClr val="dk1"/>
+    </dgm:txFillClrLst>
+    <dgm:txEffectClrLst/>
+  </dgm:styleLbl>
+  <dgm:styleLbl name="solidFgAcc1">
+    <dgm:fillClrLst meth="repeat">
+      <a:schemeClr val="lt1"/>
+    </dgm:fillClrLst>
+    <dgm:linClrLst meth="repeat">
+      <a:schemeClr val="accent1"/>
+    </dgm:linClrLst>
+    <dgm:effectClrLst/>
+    <dgm:txLinClrLst/>
+    <dgm:txFillClrLst meth="repeat">
+      <a:schemeClr val="dk1"/>
+    </dgm:txFillClrLst>
+    <dgm:txEffectClrLst/>
+  </dgm:styleLbl>
+  <dgm:styleLbl name="solidAlignAcc1">
+    <dgm:fillClrLst meth="repeat">
+      <a:schemeClr val="lt1"/>
+    </dgm:fillClrLst>
+    <dgm:linClrLst meth="repeat">
+      <a:schemeClr val="accent1"/>
+    </dgm:linClrLst>
+    <dgm:effectClrLst/>
+    <dgm:txLinClrLst/>
+    <dgm:txFillClrLst meth="repeat">
+      <a:schemeClr val="dk1"/>
+    </dgm:txFillClrLst>
+    <dgm:txEffectClrLst/>
+  </dgm:styleLbl>
+  <dgm:styleLbl name="solidBgAcc1">
+    <dgm:fillClrLst meth="repeat">
+      <a:schemeClr val="lt1"/>
+    </dgm:fillClrLst>
+    <dgm:linClrLst meth="repeat">
+      <a:schemeClr val="accent1"/>
+    </dgm:linClrLst>
+    <dgm:effectClrLst/>
+    <dgm:txLinClrLst/>
+    <dgm:txFillClrLst meth="repeat">
+      <a:schemeClr val="dk1"/>
+    </dgm:txFillClrLst>
+    <dgm:txEffectClrLst/>
+  </dgm:styleLbl>
+  <dgm:styleLbl name="fgAccFollowNode1">
+    <dgm:fillClrLst meth="repeat">
+      <a:schemeClr val="accent1">
+        <a:alpha val="90000"/>
+        <a:tint val="40000"/>
+      </a:schemeClr>
+    </dgm:fillClrLst>
+    <dgm:linClrLst meth="repeat">
+      <a:schemeClr val="accent1">
+        <a:alpha val="90000"/>
+        <a:tint val="40000"/>
+      </a:schemeClr>
+    </dgm:linClrLst>
+    <dgm:effectClrLst/>
+    <dgm:txLinClrLst/>
+    <dgm:txFillClrLst meth="repeat">
+      <a:schemeClr val="dk1"/>
+    </dgm:txFillClrLst>
+    <dgm:txEffectClrLst/>
+  </dgm:styleLbl>
+  <dgm:styleLbl name="alignAccFollowNode1">
+    <dgm:fillClrLst meth="repeat">
+      <a:schemeClr val="accent1">
+        <a:alpha val="90000"/>
+        <a:tint val="40000"/>
+      </a:schemeClr>
+    </dgm:fillClrLst>
+    <dgm:linClrLst meth="repeat">
+      <a:schemeClr val="accent1">
+        <a:alpha val="90000"/>
+        <a:tint val="40000"/>
+      </a:schemeClr>
+    </dgm:linClrLst>
+    <dgm:effectClrLst/>
+    <dgm:txLinClrLst/>
+    <dgm:txFillClrLst meth="repeat">
+      <a:schemeClr val="dk1"/>
+    </dgm:txFillClrLst>
+    <dgm:txEffectClrLst/>
+  </dgm:styleLbl>
+  <dgm:styleLbl name="bgAccFollowNode1">
+    <dgm:fillClrLst meth="repeat">
+      <a:schemeClr val="accent1">
+        <a:alpha val="90000"/>
+        <a:tint val="40000"/>
+      </a:schemeClr>
+    </dgm:fillClrLst>
+    <dgm:linClrLst meth="repeat">
+      <a:schemeClr val="accent1">
+        <a:alpha val="90000"/>
+        <a:tint val="40000"/>
+      </a:schemeClr>
+    </dgm:linClrLst>
+    <dgm:effectClrLst/>
+    <dgm:txLinClrLst/>
+    <dgm:txFillClrLst meth="repeat">
+      <a:schemeClr val="dk1"/>
+    </dgm:txFillClrLst>
+    <dgm:txEffectClrLst/>
+  </dgm:styleLbl>
+  <dgm:styleLbl name="fgAcc0">
+    <dgm:fillClrLst meth="repeat">
+      <a:schemeClr val="lt1">
+        <a:alpha val="90000"/>
+      </a:schemeClr>
+    </dgm:fillClrLst>
+    <dgm:linClrLst meth="repeat">
+      <a:schemeClr val="accent1"/>
+    </dgm:linClrLst>
+    <dgm:effectClrLst/>
+    <dgm:txLinClrLst/>
+    <dgm:txFillClrLst meth="repeat">
+      <a:schemeClr val="dk1"/>
+    </dgm:txFillClrLst>
+    <dgm:txEffectClrLst/>
+  </dgm:styleLbl>
+  <dgm:styleLbl name="fgAcc2">
+    <dgm:fillClrLst meth="repeat">
+      <a:schemeClr val="lt1">
+        <a:alpha val="90000"/>
+      </a:schemeClr>
+    </dgm:fillClrLst>
+    <dgm:linClrLst meth="repeat">
+      <a:schemeClr val="accent1"/>
+    </dgm:linClrLst>
+    <dgm:effectClrLst/>
+    <dgm:txLinClrLst/>
+    <dgm:txFillClrLst meth="repeat">
+      <a:schemeClr val="dk1"/>
+    </dgm:txFillClrLst>
+    <dgm:txEffectClrLst/>
+  </dgm:styleLbl>
+  <dgm:styleLbl name="fgAcc3">
+    <dgm:fillClrLst meth="repeat">
+      <a:schemeClr val="lt1">
+        <a:alpha val="90000"/>
+      </a:schemeClr>
+    </dgm:fillClrLst>
+    <dgm:linClrLst meth="repeat">
+      <a:schemeClr val="accent1"/>
+    </dgm:linClrLst>
+    <dgm:effectClrLst/>
+    <dgm:txLinClrLst/>
+    <dgm:txFillClrLst meth="repeat">
+      <a:schemeClr val="dk1"/>
+    </dgm:txFillClrLst>
+    <dgm:txEffectClrLst/>
+  </dgm:styleLbl>
+  <dgm:styleLbl name="fgAcc4">
+    <dgm:fillClrLst meth="repeat">
+      <a:schemeClr val="lt1">
+        <a:alpha val="90000"/>
+      </a:schemeClr>
+    </dgm:fillClrLst>
+    <dgm:linClrLst meth="repeat">
+      <a:schemeClr val="accent1"/>
+    </dgm:linClrLst>
+    <dgm:effectClrLst/>
+    <dgm:txLinClrLst/>
+    <dgm:txFillClrLst meth="repeat">
+      <a:schemeClr val="dk1"/>
+    </dgm:txFillClrLst>
+    <dgm:txEffectClrLst/>
+  </dgm:styleLbl>
+  <dgm:styleLbl name="bgShp">
+    <dgm:fillClrLst meth="repeat">
+      <a:schemeClr val="accent1">
+        <a:tint val="40000"/>
+      </a:schemeClr>
+    </dgm:fillClrLst>
+    <dgm:linClrLst meth="repeat">
+      <a:schemeClr val="accent1"/>
+    </dgm:linClrLst>
+    <dgm:effectClrLst/>
+    <dgm:txLinClrLst/>
+    <dgm:txFillClrLst meth="repeat">
+      <a:schemeClr val="dk1"/>
+    </dgm:txFillClrLst>
+    <dgm:txEffectClrLst/>
+  </dgm:styleLbl>
+  <dgm:styleLbl name="dkBgShp">
+    <dgm:fillClrLst meth="repeat">
+      <a:schemeClr val="accent1">
+        <a:shade val="80000"/>
+      </a:schemeClr>
+    </dgm:fillClrLst>
+    <dgm:linClrLst meth="repeat">
+      <a:schemeClr val="accent1"/>
+    </dgm:linClrLst>
+    <dgm:effectClrLst/>
+    <dgm:txLinClrLst/>
+    <dgm:txFillClrLst meth="repeat">
+      <a:schemeClr val="lt1"/>
+    </dgm:txFillClrLst>
+    <dgm:txEffectClrLst/>
+  </dgm:styleLbl>
+  <dgm:styleLbl name="trBgShp">
+    <dgm:fillClrLst meth="repeat">
+      <a:schemeClr val="accent1">
+        <a:tint val="50000"/>
+        <a:alpha val="40000"/>
+      </a:schemeClr>
+    </dgm:fillClrLst>
+    <dgm:linClrLst meth="repeat">
+      <a:schemeClr val="accent1"/>
+    </dgm:linClrLst>
+    <dgm:effectClrLst/>
+    <dgm:txLinClrLst/>
+    <dgm:txFillClrLst meth="repeat">
+      <a:schemeClr val="lt1"/>
+    </dgm:txFillClrLst>
+    <dgm:txEffectClrLst/>
+  </dgm:styleLbl>
+  <dgm:styleLbl name="fgShp">
+    <dgm:fillClrLst meth="repeat">
+      <a:schemeClr val="accent1">
+        <a:tint val="60000"/>
+      </a:schemeClr>
+    </dgm:fillClrLst>
+    <dgm:linClrLst meth="repeat">
+      <a:schemeClr val="lt1"/>
+    </dgm:linClrLst>
+    <dgm:effectClrLst/>
+    <dgm:txLinClrLst/>
+    <dgm:txFillClrLst meth="repeat">
+      <a:schemeClr val="dk1"/>
+    </dgm:txFillClrLst>
+    <dgm:txEffectClrLst/>
+  </dgm:styleLbl>
+  <dgm:styleLbl name="revTx">
+    <dgm:fillClrLst meth="repeat">
+      <a:schemeClr val="lt1">
+        <a:alpha val="0"/>
+      </a:schemeClr>
+    </dgm:fillClrLst>
+    <dgm:linClrLst meth="repeat">
+      <a:schemeClr val="dk1">
+        <a:alpha val="0"/>
+      </a:schemeClr>
+    </dgm:linClrLst>
+    <dgm:effectClrLst/>
+    <dgm:txLinClrLst/>
+    <dgm:txFillClrLst meth="repeat">
+      <a:schemeClr val="tx1"/>
+    </dgm:txFillClrLst>
+    <dgm:txEffectClrLst/>
+  </dgm:styleLbl>
+</dgm:colorsDef>
+</file>
+
+<file path=ppt/diagrams/data1.xml><?xml version="1.0" encoding="utf-8"?>
+<dgm:dataModel xmlns:dgm="http://schemas.openxmlformats.org/drawingml/2006/diagram" xmlns:a="http://schemas.openxmlformats.org/drawingml/2006/main">
+  <dgm:ptLst>
+    <dgm:pt modelId="{2DA210DE-FE0C-4B3B-89B8-A00BB3546F6A}" type="doc">
+      <dgm:prSet loTypeId="urn:microsoft.com/office/officeart/2008/layout/VerticalCircleList" loCatId="list" qsTypeId="urn:microsoft.com/office/officeart/2005/8/quickstyle/3d2" qsCatId="3D" csTypeId="urn:microsoft.com/office/officeart/2005/8/colors/accent1_2" csCatId="accent1" phldr="1"/>
+      <dgm:spPr/>
+      <dgm:t>
+        <a:bodyPr/>
+        <a:lstStyle/>
+        <a:p>
+          <a:endParaRPr lang="en-US"/>
+        </a:p>
+      </dgm:t>
+    </dgm:pt>
+    <dgm:pt modelId="{2C8FE126-A270-4EC9-B868-7F246BEB0D3D}">
+      <dgm:prSet phldrT="[Text]"/>
+      <dgm:spPr/>
+      <dgm:t>
+        <a:bodyPr/>
+        <a:lstStyle/>
+        <a:p>
+          <a:r>
+            <a:rPr lang="hr-HR" dirty="0" err="1" smtClean="0"/>
+            <a:t>Client</a:t>
+          </a:r>
+          <a:r>
+            <a:rPr lang="hr-HR" dirty="0" smtClean="0"/>
+            <a:t> – (Web-</a:t>
+          </a:r>
+          <a:r>
+            <a:rPr lang="hr-HR" dirty="0" err="1" smtClean="0"/>
+            <a:t>Angular</a:t>
+          </a:r>
+          <a:r>
+            <a:rPr lang="hr-HR" dirty="0" smtClean="0"/>
+            <a:t>, Mobile)</a:t>
+          </a:r>
+          <a:endParaRPr lang="en-US" dirty="0"/>
+        </a:p>
+      </dgm:t>
+    </dgm:pt>
+    <dgm:pt modelId="{FEF451F7-6A6A-4709-AE82-EF247B1FFE7C}" type="parTrans" cxnId="{893D6F66-28F1-4F63-A22B-219BDBF9C6F5}">
+      <dgm:prSet/>
+      <dgm:spPr/>
+      <dgm:t>
+        <a:bodyPr/>
+        <a:lstStyle/>
+        <a:p>
+          <a:endParaRPr lang="en-US"/>
+        </a:p>
+      </dgm:t>
+    </dgm:pt>
+    <dgm:pt modelId="{099B9A72-A153-4DC9-A60C-5A54C8A03A86}" type="sibTrans" cxnId="{893D6F66-28F1-4F63-A22B-219BDBF9C6F5}">
+      <dgm:prSet/>
+      <dgm:spPr/>
+      <dgm:t>
+        <a:bodyPr/>
+        <a:lstStyle/>
+        <a:p>
+          <a:endParaRPr lang="en-US"/>
+        </a:p>
+      </dgm:t>
+    </dgm:pt>
+    <dgm:pt modelId="{2F1E487F-2ACD-4231-9EFC-4CE2620704C7}">
+      <dgm:prSet phldrT="[Text]"/>
+      <dgm:spPr/>
+      <dgm:t>
+        <a:bodyPr/>
+        <a:lstStyle/>
+        <a:p>
+          <a:r>
+            <a:rPr lang="hr-HR" dirty="0" smtClean="0"/>
+            <a:t>Http Server (MS Web API)</a:t>
+          </a:r>
+          <a:endParaRPr lang="en-US" dirty="0"/>
+        </a:p>
+      </dgm:t>
+    </dgm:pt>
+    <dgm:pt modelId="{AE2E371C-104C-4188-83A5-74192CC2B0C9}" type="parTrans" cxnId="{90BEE8E2-35F4-418C-A574-7FBAFF81E45D}">
+      <dgm:prSet/>
+      <dgm:spPr/>
+      <dgm:t>
+        <a:bodyPr/>
+        <a:lstStyle/>
+        <a:p>
+          <a:endParaRPr lang="en-US"/>
+        </a:p>
+      </dgm:t>
+    </dgm:pt>
+    <dgm:pt modelId="{28E51C51-1C74-4065-8EA8-DFFC220C766A}" type="sibTrans" cxnId="{90BEE8E2-35F4-418C-A574-7FBAFF81E45D}">
+      <dgm:prSet/>
+      <dgm:spPr/>
+      <dgm:t>
+        <a:bodyPr/>
+        <a:lstStyle/>
+        <a:p>
+          <a:endParaRPr lang="en-US"/>
+        </a:p>
+      </dgm:t>
+    </dgm:pt>
+    <dgm:pt modelId="{DCB8CB4E-7253-46DE-8E3E-F11374DE2A61}">
+      <dgm:prSet phldrT="[Text]"/>
+      <dgm:spPr/>
+      <dgm:t>
+        <a:bodyPr/>
+        <a:lstStyle/>
+        <a:p>
+          <a:r>
+            <a:rPr lang="hr-HR" dirty="0" smtClean="0"/>
+            <a:t>DB </a:t>
+          </a:r>
+          <a:r>
+            <a:rPr lang="hr-HR" dirty="0" err="1" smtClean="0"/>
+            <a:t>Layer</a:t>
+          </a:r>
+          <a:endParaRPr lang="en-US" dirty="0"/>
+        </a:p>
+      </dgm:t>
+    </dgm:pt>
+    <dgm:pt modelId="{19CDCB69-CB6C-44E0-B9BC-B28980643FB5}" type="parTrans" cxnId="{5BB5FE89-0B53-45F9-8204-708B4ED3AAB3}">
+      <dgm:prSet/>
+      <dgm:spPr/>
+      <dgm:t>
+        <a:bodyPr/>
+        <a:lstStyle/>
+        <a:p>
+          <a:endParaRPr lang="en-US"/>
+        </a:p>
+      </dgm:t>
+    </dgm:pt>
+    <dgm:pt modelId="{CB5A19D8-A0FD-4013-9985-8E045AD0E3DD}" type="sibTrans" cxnId="{5BB5FE89-0B53-45F9-8204-708B4ED3AAB3}">
+      <dgm:prSet/>
+      <dgm:spPr/>
+      <dgm:t>
+        <a:bodyPr/>
+        <a:lstStyle/>
+        <a:p>
+          <a:endParaRPr lang="en-US"/>
+        </a:p>
+      </dgm:t>
+    </dgm:pt>
+    <dgm:pt modelId="{7A28A5AA-2B56-4A15-88DE-CAA686D0B70E}" type="pres">
+      <dgm:prSet presAssocID="{2DA210DE-FE0C-4B3B-89B8-A00BB3546F6A}" presName="Name0" presStyleCnt="0">
+        <dgm:presLayoutVars>
+          <dgm:dir/>
+        </dgm:presLayoutVars>
+      </dgm:prSet>
+      <dgm:spPr/>
+    </dgm:pt>
+    <dgm:pt modelId="{3368798A-BA6D-4C79-962C-A9691334853D}" type="pres">
+      <dgm:prSet presAssocID="{2C8FE126-A270-4EC9-B868-7F246BEB0D3D}" presName="noChildren" presStyleCnt="0"/>
+      <dgm:spPr/>
+    </dgm:pt>
+    <dgm:pt modelId="{AC55A378-5A80-4F68-ADD1-2AF20E2B9B5D}" type="pres">
+      <dgm:prSet presAssocID="{2C8FE126-A270-4EC9-B868-7F246BEB0D3D}" presName="gap" presStyleCnt="0"/>
+      <dgm:spPr/>
+    </dgm:pt>
+    <dgm:pt modelId="{74AB49F3-46D1-47CF-8F46-1FF1A64237AD}" type="pres">
+      <dgm:prSet presAssocID="{2C8FE126-A270-4EC9-B868-7F246BEB0D3D}" presName="medCircle2" presStyleLbl="vennNode1" presStyleIdx="0" presStyleCnt="3"/>
+      <dgm:spPr/>
+    </dgm:pt>
+    <dgm:pt modelId="{660CEE36-E0B2-48C3-A485-3F5175A153B9}" type="pres">
+      <dgm:prSet presAssocID="{2C8FE126-A270-4EC9-B868-7F246BEB0D3D}" presName="txLvlOnly1" presStyleLbl="revTx" presStyleIdx="0" presStyleCnt="3"/>
+      <dgm:spPr/>
+    </dgm:pt>
+    <dgm:pt modelId="{DCC2A15C-CF43-4A32-907B-12F7506B70BA}" type="pres">
+      <dgm:prSet presAssocID="{2F1E487F-2ACD-4231-9EFC-4CE2620704C7}" presName="noChildren" presStyleCnt="0"/>
+      <dgm:spPr/>
+    </dgm:pt>
+    <dgm:pt modelId="{4B51B965-7D71-400E-A8B1-AEBBF1A0BE24}" type="pres">
+      <dgm:prSet presAssocID="{2F1E487F-2ACD-4231-9EFC-4CE2620704C7}" presName="gap" presStyleCnt="0"/>
+      <dgm:spPr/>
+    </dgm:pt>
+    <dgm:pt modelId="{AC236B1D-C03C-4E6A-896A-EF58673C8185}" type="pres">
+      <dgm:prSet presAssocID="{2F1E487F-2ACD-4231-9EFC-4CE2620704C7}" presName="medCircle2" presStyleLbl="vennNode1" presStyleIdx="1" presStyleCnt="3"/>
+      <dgm:spPr/>
+    </dgm:pt>
+    <dgm:pt modelId="{41BF9430-CB29-4604-BB65-65738AC85AA2}" type="pres">
+      <dgm:prSet presAssocID="{2F1E487F-2ACD-4231-9EFC-4CE2620704C7}" presName="txLvlOnly1" presStyleLbl="revTx" presStyleIdx="1" presStyleCnt="3"/>
+      <dgm:spPr/>
+    </dgm:pt>
+    <dgm:pt modelId="{F674159B-FF29-4642-A842-8349AA5D9C75}" type="pres">
+      <dgm:prSet presAssocID="{DCB8CB4E-7253-46DE-8E3E-F11374DE2A61}" presName="noChildren" presStyleCnt="0"/>
+      <dgm:spPr/>
+    </dgm:pt>
+    <dgm:pt modelId="{60052610-1400-4D66-B8CC-3E38FBFC915A}" type="pres">
+      <dgm:prSet presAssocID="{DCB8CB4E-7253-46DE-8E3E-F11374DE2A61}" presName="gap" presStyleCnt="0"/>
+      <dgm:spPr/>
+    </dgm:pt>
+    <dgm:pt modelId="{22191178-07D8-4ECD-8720-6FF5F15D1F4E}" type="pres">
+      <dgm:prSet presAssocID="{DCB8CB4E-7253-46DE-8E3E-F11374DE2A61}" presName="medCircle2" presStyleLbl="vennNode1" presStyleIdx="2" presStyleCnt="3"/>
+      <dgm:spPr/>
+    </dgm:pt>
+    <dgm:pt modelId="{1F059929-B777-41D1-91B9-102593774C2B}" type="pres">
+      <dgm:prSet presAssocID="{DCB8CB4E-7253-46DE-8E3E-F11374DE2A61}" presName="txLvlOnly1" presStyleLbl="revTx" presStyleIdx="2" presStyleCnt="3"/>
+      <dgm:spPr/>
+    </dgm:pt>
+  </dgm:ptLst>
+  <dgm:cxnLst>
+    <dgm:cxn modelId="{F22C4B7B-27E6-434B-A2E7-3249BEDBDCAD}" type="presOf" srcId="{2C8FE126-A270-4EC9-B868-7F246BEB0D3D}" destId="{660CEE36-E0B2-48C3-A485-3F5175A153B9}" srcOrd="0" destOrd="0" presId="urn:microsoft.com/office/officeart/2008/layout/VerticalCircleList"/>
+    <dgm:cxn modelId="{E187C11D-1773-4BF8-8099-9A36293E803A}" type="presOf" srcId="{DCB8CB4E-7253-46DE-8E3E-F11374DE2A61}" destId="{1F059929-B777-41D1-91B9-102593774C2B}" srcOrd="0" destOrd="0" presId="urn:microsoft.com/office/officeart/2008/layout/VerticalCircleList"/>
+    <dgm:cxn modelId="{D3B82961-0498-4575-A215-E92DAB15D1A4}" type="presOf" srcId="{2DA210DE-FE0C-4B3B-89B8-A00BB3546F6A}" destId="{7A28A5AA-2B56-4A15-88DE-CAA686D0B70E}" srcOrd="0" destOrd="0" presId="urn:microsoft.com/office/officeart/2008/layout/VerticalCircleList"/>
+    <dgm:cxn modelId="{893D6F66-28F1-4F63-A22B-219BDBF9C6F5}" srcId="{2DA210DE-FE0C-4B3B-89B8-A00BB3546F6A}" destId="{2C8FE126-A270-4EC9-B868-7F246BEB0D3D}" srcOrd="0" destOrd="0" parTransId="{FEF451F7-6A6A-4709-AE82-EF247B1FFE7C}" sibTransId="{099B9A72-A153-4DC9-A60C-5A54C8A03A86}"/>
+    <dgm:cxn modelId="{5BB5FE89-0B53-45F9-8204-708B4ED3AAB3}" srcId="{2DA210DE-FE0C-4B3B-89B8-A00BB3546F6A}" destId="{DCB8CB4E-7253-46DE-8E3E-F11374DE2A61}" srcOrd="2" destOrd="0" parTransId="{19CDCB69-CB6C-44E0-B9BC-B28980643FB5}" sibTransId="{CB5A19D8-A0FD-4013-9985-8E045AD0E3DD}"/>
+    <dgm:cxn modelId="{C9459067-B1F0-4027-A371-FDB90D741A54}" type="presOf" srcId="{2F1E487F-2ACD-4231-9EFC-4CE2620704C7}" destId="{41BF9430-CB29-4604-BB65-65738AC85AA2}" srcOrd="0" destOrd="0" presId="urn:microsoft.com/office/officeart/2008/layout/VerticalCircleList"/>
+    <dgm:cxn modelId="{90BEE8E2-35F4-418C-A574-7FBAFF81E45D}" srcId="{2DA210DE-FE0C-4B3B-89B8-A00BB3546F6A}" destId="{2F1E487F-2ACD-4231-9EFC-4CE2620704C7}" srcOrd="1" destOrd="0" parTransId="{AE2E371C-104C-4188-83A5-74192CC2B0C9}" sibTransId="{28E51C51-1C74-4065-8EA8-DFFC220C766A}"/>
+    <dgm:cxn modelId="{D02F1833-183C-496A-B5C3-404E7C250ED5}" type="presParOf" srcId="{7A28A5AA-2B56-4A15-88DE-CAA686D0B70E}" destId="{3368798A-BA6D-4C79-962C-A9691334853D}" srcOrd="0" destOrd="0" presId="urn:microsoft.com/office/officeart/2008/layout/VerticalCircleList"/>
+    <dgm:cxn modelId="{0D13E115-CC29-4132-BC39-A584D4B81D19}" type="presParOf" srcId="{3368798A-BA6D-4C79-962C-A9691334853D}" destId="{AC55A378-5A80-4F68-ADD1-2AF20E2B9B5D}" srcOrd="0" destOrd="0" presId="urn:microsoft.com/office/officeart/2008/layout/VerticalCircleList"/>
+    <dgm:cxn modelId="{7352CF34-6937-4FD8-98C4-133AF569CAB3}" type="presParOf" srcId="{3368798A-BA6D-4C79-962C-A9691334853D}" destId="{74AB49F3-46D1-47CF-8F46-1FF1A64237AD}" srcOrd="1" destOrd="0" presId="urn:microsoft.com/office/officeart/2008/layout/VerticalCircleList"/>
+    <dgm:cxn modelId="{71541B7F-0DF0-45E9-A1EF-98846164F9B6}" type="presParOf" srcId="{3368798A-BA6D-4C79-962C-A9691334853D}" destId="{660CEE36-E0B2-48C3-A485-3F5175A153B9}" srcOrd="2" destOrd="0" presId="urn:microsoft.com/office/officeart/2008/layout/VerticalCircleList"/>
+    <dgm:cxn modelId="{CA533FF3-7EA3-4B0C-AB6F-D7D7C523BBDA}" type="presParOf" srcId="{7A28A5AA-2B56-4A15-88DE-CAA686D0B70E}" destId="{DCC2A15C-CF43-4A32-907B-12F7506B70BA}" srcOrd="1" destOrd="0" presId="urn:microsoft.com/office/officeart/2008/layout/VerticalCircleList"/>
+    <dgm:cxn modelId="{92A2118F-D1A3-44F0-9F83-1695963AC174}" type="presParOf" srcId="{DCC2A15C-CF43-4A32-907B-12F7506B70BA}" destId="{4B51B965-7D71-400E-A8B1-AEBBF1A0BE24}" srcOrd="0" destOrd="0" presId="urn:microsoft.com/office/officeart/2008/layout/VerticalCircleList"/>
+    <dgm:cxn modelId="{87C71039-140F-46CF-9A72-F61B7112290C}" type="presParOf" srcId="{DCC2A15C-CF43-4A32-907B-12F7506B70BA}" destId="{AC236B1D-C03C-4E6A-896A-EF58673C8185}" srcOrd="1" destOrd="0" presId="urn:microsoft.com/office/officeart/2008/layout/VerticalCircleList"/>
+    <dgm:cxn modelId="{EE2AA695-25F6-4484-B74E-ABC77ED3DE82}" type="presParOf" srcId="{DCC2A15C-CF43-4A32-907B-12F7506B70BA}" destId="{41BF9430-CB29-4604-BB65-65738AC85AA2}" srcOrd="2" destOrd="0" presId="urn:microsoft.com/office/officeart/2008/layout/VerticalCircleList"/>
+    <dgm:cxn modelId="{09A925B9-0A1E-44D8-B63A-694B11960206}" type="presParOf" srcId="{7A28A5AA-2B56-4A15-88DE-CAA686D0B70E}" destId="{F674159B-FF29-4642-A842-8349AA5D9C75}" srcOrd="2" destOrd="0" presId="urn:microsoft.com/office/officeart/2008/layout/VerticalCircleList"/>
+    <dgm:cxn modelId="{8FA75B89-C104-4FDB-B630-443119FE709E}" type="presParOf" srcId="{F674159B-FF29-4642-A842-8349AA5D9C75}" destId="{60052610-1400-4D66-B8CC-3E38FBFC915A}" srcOrd="0" destOrd="0" presId="urn:microsoft.com/office/officeart/2008/layout/VerticalCircleList"/>
+    <dgm:cxn modelId="{17327673-1D46-413E-BB41-0CDC73AF9568}" type="presParOf" srcId="{F674159B-FF29-4642-A842-8349AA5D9C75}" destId="{22191178-07D8-4ECD-8720-6FF5F15D1F4E}" srcOrd="1" destOrd="0" presId="urn:microsoft.com/office/officeart/2008/layout/VerticalCircleList"/>
+    <dgm:cxn modelId="{FF9F0BB4-8B5C-49AA-86C4-6B3E3D579C85}" type="presParOf" srcId="{F674159B-FF29-4642-A842-8349AA5D9C75}" destId="{1F059929-B777-41D1-91B9-102593774C2B}" srcOrd="2" destOrd="0" presId="urn:microsoft.com/office/officeart/2008/layout/VerticalCircleList"/>
+  </dgm:cxnLst>
+  <dgm:bg/>
+  <dgm:whole/>
+  <dgm:extLst>
+    <a:ext uri="http://schemas.microsoft.com/office/drawing/2008/diagram">
+      <dsp:dataModelExt xmlns:dsp="http://schemas.microsoft.com/office/drawing/2008/diagram" relId="rId6" minVer="http://schemas.openxmlformats.org/drawingml/2006/diagram"/>
+    </a:ext>
+  </dgm:extLst>
+</dgm:dataModel>
+</file>
+
+<file path=ppt/diagrams/drawing1.xml><?xml version="1.0" encoding="utf-8"?>
+<dsp:drawing xmlns:dgm="http://schemas.openxmlformats.org/drawingml/2006/diagram" xmlns:dsp="http://schemas.microsoft.com/office/drawing/2008/diagram" xmlns:a="http://schemas.openxmlformats.org/drawingml/2006/main">
+  <dsp:spTree>
+    <dsp:nvGrpSpPr>
+      <dsp:cNvPr id="0" name=""/>
+      <dsp:cNvGrpSpPr/>
+    </dsp:nvGrpSpPr>
+    <dsp:grpSpPr/>
+    <dsp:sp modelId="{74AB49F3-46D1-47CF-8F46-1FF1A64237AD}">
+      <dsp:nvSpPr>
+        <dsp:cNvPr id="0" name=""/>
+        <dsp:cNvSpPr/>
+      </dsp:nvSpPr>
+      <dsp:spPr>
+        <a:xfrm>
+          <a:off x="1217129" y="603"/>
+          <a:ext cx="1450043" cy="1450043"/>
+        </a:xfrm>
+        <a:prstGeom prst="ellipse">
+          <a:avLst/>
+        </a:prstGeom>
+        <a:gradFill rotWithShape="0">
+          <a:gsLst>
+            <a:gs pos="0">
+              <a:schemeClr val="accent1">
+                <a:alpha val="50000"/>
+                <a:hueOff val="0"/>
+                <a:satOff val="0"/>
+                <a:lumOff val="0"/>
+                <a:alphaOff val="0"/>
+                <a:satMod val="103000"/>
+                <a:lumMod val="102000"/>
+                <a:tint val="94000"/>
+              </a:schemeClr>
+            </a:gs>
+            <a:gs pos="50000">
+              <a:schemeClr val="accent1">
+                <a:alpha val="50000"/>
+                <a:hueOff val="0"/>
+                <a:satOff val="0"/>
+                <a:lumOff val="0"/>
+                <a:alphaOff val="0"/>
+                <a:satMod val="110000"/>
+                <a:lumMod val="100000"/>
+                <a:shade val="100000"/>
+              </a:schemeClr>
+            </a:gs>
+            <a:gs pos="100000">
+              <a:schemeClr val="accent1">
+                <a:alpha val="50000"/>
+                <a:hueOff val="0"/>
+                <a:satOff val="0"/>
+                <a:lumOff val="0"/>
+                <a:alphaOff val="0"/>
+                <a:lumMod val="99000"/>
+                <a:satMod val="120000"/>
+                <a:shade val="78000"/>
+              </a:schemeClr>
+            </a:gs>
+          </a:gsLst>
+          <a:lin ang="5400000" scaled="0"/>
+        </a:gradFill>
+        <a:ln>
+          <a:noFill/>
+        </a:ln>
+        <a:effectLst/>
+        <a:scene3d>
+          <a:camera prst="orthographicFront"/>
+          <a:lightRig rig="threePt" dir="t">
+            <a:rot lat="0" lon="0" rev="7500000"/>
+          </a:lightRig>
+        </a:scene3d>
+        <a:sp3d prstMaterial="plastic">
+          <a:bevelT w="127000" h="25400" prst="relaxedInset"/>
+        </a:sp3d>
+      </dsp:spPr>
+      <dsp:style>
+        <a:lnRef idx="0">
+          <a:scrgbClr r="0" g="0" b="0"/>
+        </a:lnRef>
+        <a:fillRef idx="3">
+          <a:scrgbClr r="0" g="0" b="0"/>
+        </a:fillRef>
+        <a:effectRef idx="2">
+          <a:scrgbClr r="0" g="0" b="0"/>
+        </a:effectRef>
+        <a:fontRef idx="minor">
+          <a:schemeClr val="tx1"/>
+        </a:fontRef>
+      </dsp:style>
+    </dsp:sp>
+    <dsp:sp modelId="{660CEE36-E0B2-48C3-A485-3F5175A153B9}">
+      <dsp:nvSpPr>
+        <dsp:cNvPr id="0" name=""/>
+        <dsp:cNvSpPr/>
+      </dsp:nvSpPr>
+      <dsp:spPr>
+        <a:xfrm>
+          <a:off x="1942151" y="603"/>
+          <a:ext cx="7736513" cy="1450043"/>
+        </a:xfrm>
+        <a:prstGeom prst="rect">
+          <a:avLst/>
+        </a:prstGeom>
+        <a:noFill/>
+        <a:ln>
+          <a:noFill/>
+        </a:ln>
+        <a:effectLst/>
+      </dsp:spPr>
+      <dsp:style>
+        <a:lnRef idx="0">
+          <a:scrgbClr r="0" g="0" b="0"/>
+        </a:lnRef>
+        <a:fillRef idx="0">
+          <a:scrgbClr r="0" g="0" b="0"/>
+        </a:fillRef>
+        <a:effectRef idx="0">
+          <a:scrgbClr r="0" g="0" b="0"/>
+        </a:effectRef>
+        <a:fontRef idx="minor"/>
+      </dsp:style>
+      <dsp:txBody>
+        <a:bodyPr spcFirstLastPara="0" vert="horz" wrap="square" lIns="0" tIns="60960" rIns="0" bIns="60960" numCol="1" spcCol="1270" anchor="ctr" anchorCtr="0">
+          <a:noAutofit/>
+        </a:bodyPr>
+        <a:lstStyle/>
+        <a:p>
+          <a:pPr lvl="0" algn="l" defTabSz="2133600">
+            <a:lnSpc>
+              <a:spcPct val="90000"/>
+            </a:lnSpc>
+            <a:spcBef>
+              <a:spcPct val="0"/>
+            </a:spcBef>
+            <a:spcAft>
+              <a:spcPct val="35000"/>
+            </a:spcAft>
+          </a:pPr>
+          <a:r>
+            <a:rPr lang="hr-HR" sz="4800" kern="1200" dirty="0" err="1" smtClean="0"/>
+            <a:t>Client</a:t>
+          </a:r>
+          <a:r>
+            <a:rPr lang="hr-HR" sz="4800" kern="1200" dirty="0" smtClean="0"/>
+            <a:t> – (Web-</a:t>
+          </a:r>
+          <a:r>
+            <a:rPr lang="hr-HR" sz="4800" kern="1200" dirty="0" err="1" smtClean="0"/>
+            <a:t>Angular</a:t>
+          </a:r>
+          <a:r>
+            <a:rPr lang="hr-HR" sz="4800" kern="1200" dirty="0" smtClean="0"/>
+            <a:t>, Mobile)</a:t>
+          </a:r>
+          <a:endParaRPr lang="en-US" sz="4800" kern="1200" dirty="0"/>
+        </a:p>
+      </dsp:txBody>
+      <dsp:txXfrm>
+        <a:off x="1942151" y="603"/>
+        <a:ext cx="7736513" cy="1450043"/>
+      </dsp:txXfrm>
+    </dsp:sp>
+    <dsp:sp modelId="{AC236B1D-C03C-4E6A-896A-EF58673C8185}">
+      <dsp:nvSpPr>
+        <dsp:cNvPr id="0" name=""/>
+        <dsp:cNvSpPr/>
+      </dsp:nvSpPr>
+      <dsp:spPr>
+        <a:xfrm>
+          <a:off x="1217129" y="1450647"/>
+          <a:ext cx="1450043" cy="1450043"/>
+        </a:xfrm>
+        <a:prstGeom prst="ellipse">
+          <a:avLst/>
+        </a:prstGeom>
+        <a:gradFill rotWithShape="0">
+          <a:gsLst>
+            <a:gs pos="0">
+              <a:schemeClr val="accent1">
+                <a:alpha val="50000"/>
+                <a:hueOff val="0"/>
+                <a:satOff val="0"/>
+                <a:lumOff val="0"/>
+                <a:alphaOff val="0"/>
+                <a:satMod val="103000"/>
+                <a:lumMod val="102000"/>
+                <a:tint val="94000"/>
+              </a:schemeClr>
+            </a:gs>
+            <a:gs pos="50000">
+              <a:schemeClr val="accent1">
+                <a:alpha val="50000"/>
+                <a:hueOff val="0"/>
+                <a:satOff val="0"/>
+                <a:lumOff val="0"/>
+                <a:alphaOff val="0"/>
+                <a:satMod val="110000"/>
+                <a:lumMod val="100000"/>
+                <a:shade val="100000"/>
+              </a:schemeClr>
+            </a:gs>
+            <a:gs pos="100000">
+              <a:schemeClr val="accent1">
+                <a:alpha val="50000"/>
+                <a:hueOff val="0"/>
+                <a:satOff val="0"/>
+                <a:lumOff val="0"/>
+                <a:alphaOff val="0"/>
+                <a:lumMod val="99000"/>
+                <a:satMod val="120000"/>
+                <a:shade val="78000"/>
+              </a:schemeClr>
+            </a:gs>
+          </a:gsLst>
+          <a:lin ang="5400000" scaled="0"/>
+        </a:gradFill>
+        <a:ln>
+          <a:noFill/>
+        </a:ln>
+        <a:effectLst/>
+        <a:scene3d>
+          <a:camera prst="orthographicFront"/>
+          <a:lightRig rig="threePt" dir="t">
+            <a:rot lat="0" lon="0" rev="7500000"/>
+          </a:lightRig>
+        </a:scene3d>
+        <a:sp3d prstMaterial="plastic">
+          <a:bevelT w="127000" h="25400" prst="relaxedInset"/>
+        </a:sp3d>
+      </dsp:spPr>
+      <dsp:style>
+        <a:lnRef idx="0">
+          <a:scrgbClr r="0" g="0" b="0"/>
+        </a:lnRef>
+        <a:fillRef idx="3">
+          <a:scrgbClr r="0" g="0" b="0"/>
+        </a:fillRef>
+        <a:effectRef idx="2">
+          <a:scrgbClr r="0" g="0" b="0"/>
+        </a:effectRef>
+        <a:fontRef idx="minor">
+          <a:schemeClr val="tx1"/>
+        </a:fontRef>
+      </dsp:style>
+    </dsp:sp>
+    <dsp:sp modelId="{41BF9430-CB29-4604-BB65-65738AC85AA2}">
+      <dsp:nvSpPr>
+        <dsp:cNvPr id="0" name=""/>
+        <dsp:cNvSpPr/>
+      </dsp:nvSpPr>
+      <dsp:spPr>
+        <a:xfrm>
+          <a:off x="1942151" y="1450647"/>
+          <a:ext cx="7736513" cy="1450043"/>
+        </a:xfrm>
+        <a:prstGeom prst="rect">
+          <a:avLst/>
+        </a:prstGeom>
+        <a:noFill/>
+        <a:ln>
+          <a:noFill/>
+        </a:ln>
+        <a:effectLst/>
+      </dsp:spPr>
+      <dsp:style>
+        <a:lnRef idx="0">
+          <a:scrgbClr r="0" g="0" b="0"/>
+        </a:lnRef>
+        <a:fillRef idx="0">
+          <a:scrgbClr r="0" g="0" b="0"/>
+        </a:fillRef>
+        <a:effectRef idx="0">
+          <a:scrgbClr r="0" g="0" b="0"/>
+        </a:effectRef>
+        <a:fontRef idx="minor"/>
+      </dsp:style>
+      <dsp:txBody>
+        <a:bodyPr spcFirstLastPara="0" vert="horz" wrap="square" lIns="0" tIns="60960" rIns="0" bIns="60960" numCol="1" spcCol="1270" anchor="ctr" anchorCtr="0">
+          <a:noAutofit/>
+        </a:bodyPr>
+        <a:lstStyle/>
+        <a:p>
+          <a:pPr lvl="0" algn="l" defTabSz="2133600">
+            <a:lnSpc>
+              <a:spcPct val="90000"/>
+            </a:lnSpc>
+            <a:spcBef>
+              <a:spcPct val="0"/>
+            </a:spcBef>
+            <a:spcAft>
+              <a:spcPct val="35000"/>
+            </a:spcAft>
+          </a:pPr>
+          <a:r>
+            <a:rPr lang="hr-HR" sz="4800" kern="1200" dirty="0" smtClean="0"/>
+            <a:t>Http Server (MS Web API)</a:t>
+          </a:r>
+          <a:endParaRPr lang="en-US" sz="4800" kern="1200" dirty="0"/>
+        </a:p>
+      </dsp:txBody>
+      <dsp:txXfrm>
+        <a:off x="1942151" y="1450647"/>
+        <a:ext cx="7736513" cy="1450043"/>
+      </dsp:txXfrm>
+    </dsp:sp>
+    <dsp:sp modelId="{22191178-07D8-4ECD-8720-6FF5F15D1F4E}">
+      <dsp:nvSpPr>
+        <dsp:cNvPr id="0" name=""/>
+        <dsp:cNvSpPr/>
+      </dsp:nvSpPr>
+      <dsp:spPr>
+        <a:xfrm>
+          <a:off x="1217129" y="2900690"/>
+          <a:ext cx="1450043" cy="1450043"/>
+        </a:xfrm>
+        <a:prstGeom prst="ellipse">
+          <a:avLst/>
+        </a:prstGeom>
+        <a:gradFill rotWithShape="0">
+          <a:gsLst>
+            <a:gs pos="0">
+              <a:schemeClr val="accent1">
+                <a:alpha val="50000"/>
+                <a:hueOff val="0"/>
+                <a:satOff val="0"/>
+                <a:lumOff val="0"/>
+                <a:alphaOff val="0"/>
+                <a:satMod val="103000"/>
+                <a:lumMod val="102000"/>
+                <a:tint val="94000"/>
+              </a:schemeClr>
+            </a:gs>
+            <a:gs pos="50000">
+              <a:schemeClr val="accent1">
+                <a:alpha val="50000"/>
+                <a:hueOff val="0"/>
+                <a:satOff val="0"/>
+                <a:lumOff val="0"/>
+                <a:alphaOff val="0"/>
+                <a:satMod val="110000"/>
+                <a:lumMod val="100000"/>
+                <a:shade val="100000"/>
+              </a:schemeClr>
+            </a:gs>
+            <a:gs pos="100000">
+              <a:schemeClr val="accent1">
+                <a:alpha val="50000"/>
+                <a:hueOff val="0"/>
+                <a:satOff val="0"/>
+                <a:lumOff val="0"/>
+                <a:alphaOff val="0"/>
+                <a:lumMod val="99000"/>
+                <a:satMod val="120000"/>
+                <a:shade val="78000"/>
+              </a:schemeClr>
+            </a:gs>
+          </a:gsLst>
+          <a:lin ang="5400000" scaled="0"/>
+        </a:gradFill>
+        <a:ln>
+          <a:noFill/>
+        </a:ln>
+        <a:effectLst/>
+        <a:scene3d>
+          <a:camera prst="orthographicFront"/>
+          <a:lightRig rig="threePt" dir="t">
+            <a:rot lat="0" lon="0" rev="7500000"/>
+          </a:lightRig>
+        </a:scene3d>
+        <a:sp3d prstMaterial="plastic">
+          <a:bevelT w="127000" h="25400" prst="relaxedInset"/>
+        </a:sp3d>
+      </dsp:spPr>
+      <dsp:style>
+        <a:lnRef idx="0">
+          <a:scrgbClr r="0" g="0" b="0"/>
+        </a:lnRef>
+        <a:fillRef idx="3">
+          <a:scrgbClr r="0" g="0" b="0"/>
+        </a:fillRef>
+        <a:effectRef idx="2">
+          <a:scrgbClr r="0" g="0" b="0"/>
+        </a:effectRef>
+        <a:fontRef idx="minor">
+          <a:schemeClr val="tx1"/>
+        </a:fontRef>
+      </dsp:style>
+    </dsp:sp>
+    <dsp:sp modelId="{1F059929-B777-41D1-91B9-102593774C2B}">
+      <dsp:nvSpPr>
+        <dsp:cNvPr id="0" name=""/>
+        <dsp:cNvSpPr/>
+      </dsp:nvSpPr>
+      <dsp:spPr>
+        <a:xfrm>
+          <a:off x="1942151" y="2900690"/>
+          <a:ext cx="7736513" cy="1450043"/>
+        </a:xfrm>
+        <a:prstGeom prst="rect">
+          <a:avLst/>
+        </a:prstGeom>
+        <a:noFill/>
+        <a:ln>
+          <a:noFill/>
+        </a:ln>
+        <a:effectLst/>
+      </dsp:spPr>
+      <dsp:style>
+        <a:lnRef idx="0">
+          <a:scrgbClr r="0" g="0" b="0"/>
+        </a:lnRef>
+        <a:fillRef idx="0">
+          <a:scrgbClr r="0" g="0" b="0"/>
+        </a:fillRef>
+        <a:effectRef idx="0">
+          <a:scrgbClr r="0" g="0" b="0"/>
+        </a:effectRef>
+        <a:fontRef idx="minor"/>
+      </dsp:style>
+      <dsp:txBody>
+        <a:bodyPr spcFirstLastPara="0" vert="horz" wrap="square" lIns="0" tIns="60960" rIns="0" bIns="60960" numCol="1" spcCol="1270" anchor="ctr" anchorCtr="0">
+          <a:noAutofit/>
+        </a:bodyPr>
+        <a:lstStyle/>
+        <a:p>
+          <a:pPr lvl="0" algn="l" defTabSz="2133600">
+            <a:lnSpc>
+              <a:spcPct val="90000"/>
+            </a:lnSpc>
+            <a:spcBef>
+              <a:spcPct val="0"/>
+            </a:spcBef>
+            <a:spcAft>
+              <a:spcPct val="35000"/>
+            </a:spcAft>
+          </a:pPr>
+          <a:r>
+            <a:rPr lang="hr-HR" sz="4800" kern="1200" dirty="0" smtClean="0"/>
+            <a:t>DB </a:t>
+          </a:r>
+          <a:r>
+            <a:rPr lang="hr-HR" sz="4800" kern="1200" dirty="0" err="1" smtClean="0"/>
+            <a:t>Layer</a:t>
+          </a:r>
+          <a:endParaRPr lang="en-US" sz="4800" kern="1200" dirty="0"/>
+        </a:p>
+      </dsp:txBody>
+      <dsp:txXfrm>
+        <a:off x="1942151" y="2900690"/>
+        <a:ext cx="7736513" cy="1450043"/>
+      </dsp:txXfrm>
+    </dsp:sp>
+  </dsp:spTree>
+</dsp:drawing>
+</file>
+
+<file path=ppt/diagrams/layout1.xml><?xml version="1.0" encoding="utf-8"?>
+<dgm:layoutDef xmlns:dgm="http://schemas.openxmlformats.org/drawingml/2006/diagram" xmlns:a="http://schemas.openxmlformats.org/drawingml/2006/main" uniqueId="urn:microsoft.com/office/officeart/2008/layout/VerticalCircleList">
+  <dgm:title val=""/>
+  <dgm:desc val=""/>
+  <dgm:catLst>
+    <dgm:cat type="list" pri="23500"/>
+  </dgm:catLst>
+  <dgm:sampData>
+    <dgm:dataModel>
+      <dgm:ptLst>
+        <dgm:pt modelId="0" type="doc"/>
+        <dgm:pt modelId="1">
+          <dgm:prSet phldr="1"/>
+        </dgm:pt>
+        <dgm:pt modelId="11">
+          <dgm:prSet phldr="1"/>
+        </dgm:pt>
+        <dgm:pt modelId="12">
+          <dgm:prSet phldr="1"/>
+        </dgm:pt>
+        <dgm:pt modelId="2">
+          <dgm:prSet phldr="1"/>
+        </dgm:pt>
+        <dgm:pt modelId="21">
+          <dgm:prSet phldr="1"/>
+        </dgm:pt>
+        <dgm:pt modelId="22">
+          <dgm:prSet phldr="1"/>
+        </dgm:pt>
+      </dgm:ptLst>
+      <dgm:cxnLst>
+        <dgm:cxn modelId="4" srcId="0" destId="1" srcOrd="0" destOrd="0"/>
+        <dgm:cxn modelId="41" srcId="1" destId="11" srcOrd="0" destOrd="0"/>
+        <dgm:cxn modelId="42" srcId="1" destId="12" srcOrd="1" destOrd="0"/>
+        <dgm:cxn modelId="5" srcId="0" destId="2" srcOrd="0" destOrd="0"/>
+        <dgm:cxn modelId="51" srcId="2" destId="21" srcOrd="0" destOrd="0"/>
+        <dgm:cxn modelId="52" srcId="2" destId="22" srcOrd="1" destOrd="0"/>
+      </dgm:cxnLst>
+      <dgm:bg/>
+      <dgm:whole/>
+    </dgm:dataModel>
+  </dgm:sampData>
+  <dgm:styleData useDef="1">
+    <dgm:dataModel>
+      <dgm:ptLst/>
+      <dgm:bg/>
+      <dgm:whole/>
+    </dgm:dataModel>
+  </dgm:styleData>
+  <dgm:clrData useDef="1">
+    <dgm:dataModel>
+      <dgm:ptLst/>
+      <dgm:bg/>
+      <dgm:whole/>
+    </dgm:dataModel>
+  </dgm:clrData>
+  <dgm:layoutNode name="Name0">
+    <dgm:varLst>
+      <dgm:dir/>
+    </dgm:varLst>
+    <dgm:alg type="lin">
+      <dgm:param type="linDir" val="fromT"/>
+      <dgm:param type="fallback" val="2D"/>
+    </dgm:alg>
+    <dgm:shape xmlns:r="http://schemas.openxmlformats.org/officeDocument/2006/relationships" r:blip="">
+      <dgm:adjLst/>
+    </dgm:shape>
+    <dgm:presOf/>
+    <dgm:constrLst>
+      <dgm:constr type="w" for="ch" forName="withChildren" refType="w"/>
+      <dgm:constr type="h" for="ch" forName="withChildren" refType="w" fact="0.909"/>
+      <dgm:constr type="w" for="ch" forName="noChildren" refType="w"/>
+      <dgm:constr type="h" for="ch" forName="noChildren" refType="w" fact="0.164"/>
+      <dgm:constr type="w" for="ch" forName="overlap" val="1"/>
+      <dgm:constr type="h" for="ch" forName="overlap" refType="w" refFor="ch" refForName="withChildren" fact="-0.089"/>
+      <dgm:constr type="primFontSz" for="des" forName="txLvl1" op="equ" val="65"/>
+      <dgm:constr type="primFontSz" for="des" forName="txLvlOnly1" refType="primFontSz" refFor="des" refForName="txLvl1" op="equ"/>
+      <dgm:constr type="primFontSz" for="des" forName="txLvl2" refType="primFontSz" refFor="des" refForName="txLvl1" op="equ" fact="0.78"/>
+      <dgm:constr type="primFontSz" for="des" forName="txLvl3" refType="primFontSz" refFor="des" refForName="txLvl1" op="equ" fact="0.78"/>
+      <dgm:constr type="userF" for="des" forName="lin" refType="primFontSz" refFor="des" refForName="txLvl2" op="equ"/>
+    </dgm:constrLst>
+    <dgm:forEach name="Name1" axis="ch" ptType="node">
+      <dgm:choose name="Name2">
+        <dgm:if name="Name3" axis="ch" ptType="node" func="cnt" op="gte" val="1">
+          <dgm:layoutNode name="withChildren">
+            <dgm:alg type="composite"/>
+            <dgm:choose name="Name4">
+              <dgm:if name="Name5" func="var" arg="dir" op="equ" val="norm">
+                <dgm:constrLst>
+                  <dgm:constr type="l" for="ch" forName="bigCircle"/>
+                  <dgm:constr type="w" for="ch" forName="bigCircle" refType="h" refFor="ch" refForName="bigCircle"/>
+                  <dgm:constr type="t" for="ch" forName="bigCircle"/>
+                  <dgm:constr type="h" for="ch" forName="bigCircle" refType="h"/>
+                  <dgm:constr type="l" for="ch" forName="medCircle" refType="w" fact="0.043"/>
+                  <dgm:constr type="w" for="ch" forName="medCircle" refType="h" refFor="ch" refForName="medCircle"/>
+                  <dgm:constr type="t" for="ch" forName="medCircle" refType="h" fact="0.042"/>
+                  <dgm:constr type="h" for="ch" forName="medCircle" refType="h" fact="0.18"/>
+                  <dgm:constr type="l" for="ch" forName="txLvl1" refType="ctrX" refFor="ch" refForName="medCircle"/>
+                  <dgm:constr type="r" for="ch" forName="txLvl1" refType="w"/>
+                  <dgm:constr type="h" for="ch" forName="txLvl1" refType="h" refFor="ch" refForName="medCircle"/>
+                  <dgm:constr type="t" for="ch" forName="txLvl1" refType="t" refFor="ch" refForName="medCircle"/>
+                  <dgm:constr type="l" for="ch" forName="lin" refType="ctrX" refFor="ch" refForName="medCircle"/>
+                  <dgm:constr type="r" for="ch" forName="lin" refType="w"/>
+                  <dgm:constr type="t" for="ch" forName="lin" refType="h" fact="0.222"/>
+                  <dgm:constr type="h" for="ch" forName="lin" refType="h" fact="0.68"/>
+                </dgm:constrLst>
+              </dgm:if>
+              <dgm:else name="Name6">
+                <dgm:constrLst>
+                  <dgm:constr type="r" for="ch" forName="bigCircle" refType="w"/>
+                  <dgm:constr type="w" for="ch" forName="bigCircle" refType="h" refFor="ch" refForName="bigCircle"/>
+                  <dgm:constr type="t" for="ch" forName="bigCircle"/>
+                  <dgm:constr type="h" for="ch" forName="bigCircle" refType="h"/>
+                  <dgm:constr type="r" for="ch" forName="medCircle" refType="w" fact="0.957"/>
+                  <dgm:constr type="w" for="ch" forName="medCircle" refType="h" refFor="ch" refForName="medCircle"/>
+                  <dgm:constr type="t" for="ch" forName="medCircle" refType="h" fact="0.042"/>
+                  <dgm:constr type="h" for="ch" forName="medCircle" refType="h" fact="0.18"/>
+                  <dgm:constr type="l" for="ch" forName="txLvl1"/>
+                  <dgm:constr type="r" for="ch" forName="txLvl1" refType="ctrX" refFor="ch" refForName="medCircle"/>
+                  <dgm:constr type="h" for="ch" forName="txLvl1" refType="h" refFor="ch" refForName="medCircle"/>
+                  <dgm:constr type="t" for="ch" forName="txLvl1" refType="t" refFor="ch" refForName="medCircle"/>
+                  <dgm:constr type="l" for="ch" forName="lin"/>
+                  <dgm:constr type="r" for="ch" forName="lin" refType="ctrX" refFor="ch" refForName="medCircle"/>
+                  <dgm:constr type="t" for="ch" forName="lin" refType="h" fact="0.222"/>
+                  <dgm:constr type="h" for="ch" forName="lin" refType="h" fact="0.68"/>
+                </dgm:constrLst>
+              </dgm:else>
+            </dgm:choose>
+            <dgm:layoutNode name="bigCircle" styleLbl="vennNode1">
+              <dgm:alg type="sp"/>
+              <dgm:shape xmlns:r="http://schemas.openxmlformats.org/officeDocument/2006/relationships" type="ellipse" r:blip="">
+                <dgm:adjLst/>
+              </dgm:shape>
+              <dgm:presOf/>
+              <dgm:constrLst>
+                <dgm:constr type="w" refType="h"/>
+              </dgm:constrLst>
+            </dgm:layoutNode>
+            <dgm:layoutNode name="medCircle" styleLbl="vennNode1">
+              <dgm:alg type="sp"/>
+              <dgm:shape xmlns:r="http://schemas.openxmlformats.org/officeDocument/2006/relationships" type="ellipse" r:blip="">
+                <dgm:adjLst/>
+              </dgm:shape>
+              <dgm:presOf/>
+              <dgm:constrLst>
+                <dgm:constr type="w" refType="h"/>
+              </dgm:constrLst>
+            </dgm:layoutNode>
+            <dgm:layoutNode name="txLvl1" styleLbl="revTx">
+              <dgm:choose name="Name7">
+                <dgm:if name="Name8" func="var" arg="dir" op="equ" val="norm">
+                  <dgm:alg type="tx">
+                    <dgm:param type="parTxLTRAlign" val="l"/>
+                    <dgm:param type="parTxRTLAlign" val="l"/>
+                  </dgm:alg>
+                </dgm:if>
+                <dgm:else name="Name9">
+                  <dgm:alg type="tx">
+                    <dgm:param type="parTxLTRAlign" val="r"/>
+                    <dgm:param type="parTxRTLAlign" val="r"/>
+                  </dgm:alg>
+                </dgm:else>
+              </dgm:choose>
+              <dgm:shape xmlns:r="http://schemas.openxmlformats.org/officeDocument/2006/relationships" type="rect" r:blip="">
+                <dgm:adjLst/>
+              </dgm:shape>
+              <dgm:presOf axis="self" ptType="node"/>
+              <dgm:constrLst>
+                <dgm:constr type="lMarg"/>
+                <dgm:constr type="rMarg"/>
+                <dgm:constr type="tMarg" refType="primFontSz" fact="0.1"/>
+                <dgm:constr type="bMarg" refType="primFontSz" fact="0.1"/>
+              </dgm:constrLst>
+              <dgm:ruleLst>
+                <dgm:rule type="primFontSz" val="5" fact="NaN" max="NaN"/>
+              </dgm:ruleLst>
+            </dgm:layoutNode>
+            <dgm:layoutNode name="lin">
+              <dgm:choose name="Name10">
+                <dgm:if name="Name11" func="var" arg="dir" op="equ" val="norm">
+                  <dgm:alg type="lin">
+                    <dgm:param type="linDir" val="fromT"/>
+                    <dgm:param type="vertAlign" val="t"/>
+                    <dgm:param type="nodeHorzAlign" val="l"/>
+                  </dgm:alg>
+                </dgm:if>
+                <dgm:else name="Name12">
+                  <dgm:alg type="lin">
+                    <dgm:param type="linDir" val="fromT"/>
+                    <dgm:param type="vertAlign" val="t"/>
+                    <dgm:param type="nodeHorzAlign" val="r"/>
+                  </dgm:alg>
+                </dgm:else>
+              </dgm:choose>
+              <dgm:shape xmlns:r="http://schemas.openxmlformats.org/officeDocument/2006/relationships" r:blip="">
+                <dgm:adjLst/>
+              </dgm:shape>
+              <dgm:presOf/>
+              <dgm:constrLst>
+                <dgm:constr type="userF"/>
+                <dgm:constr type="primFontSz" for="ch" forName="txLvl2" refType="userF"/>
+                <dgm:constr type="w" for="ch" forName="txLvl2" refType="w"/>
+                <dgm:constr type="h" for="ch" forName="txLvl2" refType="primFontSz" refFor="ch" refForName="txLvl2" fact="0.39"/>
+                <dgm:constr type="w" for="ch" forName="txLvl3" refType="w"/>
+                <dgm:constr type="h" for="ch" forName="txLvl3" refType="primFontSz" refFor="ch" refForName="txLvl2" fact="0.39"/>
+                <dgm:constr type="h" for="ch" forName="smCircle" refType="primFontSz" refFor="ch" refForName="txLvl2" fact="0.14"/>
+                <dgm:constr type="h" for="ch" forName="indentDot1" refType="primFontSz" refFor="ch" refForName="txLvl2" fact="0.14"/>
+                <dgm:constr type="h" for="ch" forName="indentDot2" refType="primFontSz" refFor="ch" refForName="txLvl2" fact="0.14"/>
+                <dgm:constr type="h" for="ch" forName="indentDot3" refType="primFontSz" refFor="ch" refForName="txLvl2" fact="0.14"/>
+                <dgm:constr type="w" for="ch" forName="indentDot1" refType="w"/>
+                <dgm:constr type="w" for="ch" forName="indentDot2" refType="w"/>
+                <dgm:constr type="w" for="ch" forName="indentDot3" refType="w"/>
+                <dgm:constr type="userI" for="ch" forName="txLvl3" refType="primFontSz" refFor="ch" refForName="txLvl2" fact="0.14"/>
+                <dgm:constr type="userI" for="ch" forName="indentDot1" refType="primFontSz" refFor="ch" refForName="txLvl2" fact="0.14"/>
+                <dgm:constr type="userI" for="ch" forName="indentDot2" refType="primFontSz" refFor="ch" refForName="txLvl2" fact="0.14"/>
+                <dgm:constr type="userI" for="ch" forName="indentDot3" refType="primFontSz" refFor="ch" refForName="txLvl2" fact="0.14"/>
+              </dgm:constrLst>
+              <dgm:ruleLst>
+                <dgm:rule type="primFontSz" for="ch" forName="txLvl2" val="5" fact="NaN" max="NaN"/>
+              </dgm:ruleLst>
+              <dgm:forEach name="Name13" axis="ch" ptType="node">
+                <dgm:layoutNode name="txLvl2" styleLbl="revTx">
+                  <dgm:choose name="Name14">
+                    <dgm:if name="Name15" func="var" arg="dir" op="equ" val="norm">
+                      <dgm:alg type="tx">
+                        <dgm:param type="parTxLTRAlign" val="l"/>
+                        <dgm:param type="parTxRTLAlign" val="l"/>
+                      </dgm:alg>
+                    </dgm:if>
+                    <dgm:else name="Name16">
+                      <dgm:alg type="tx">
+                        <dgm:param type="parTxLTRAlign" val="r"/>
+                        <dgm:param type="parTxRTLAlign" val="r"/>
+                      </dgm:alg>
+                    </dgm:else>
+                  </dgm:choose>
+                  <dgm:shape xmlns:r="http://schemas.openxmlformats.org/officeDocument/2006/relationships" type="rect" r:blip="">
+                    <dgm:adjLst/>
+                  </dgm:shape>
+                  <dgm:presOf axis="self" ptType="node"/>
+                  <dgm:constrLst>
+                    <dgm:constr type="lMarg"/>
+                    <dgm:constr type="rMarg"/>
+                    <dgm:constr type="tMarg" refType="primFontSz" fact="0.1"/>
+                    <dgm:constr type="bMarg" refType="primFontSz" fact="0.1"/>
+                  </dgm:constrLst>
+                  <dgm:ruleLst>
+                    <dgm:rule type="h" val="INF" fact="NaN" max="NaN"/>
+                  </dgm:ruleLst>
+                </dgm:layoutNode>
+                <dgm:forEach name="Name17" axis="ch" ptType="node" cnt="1">
+                  <dgm:layoutNode name="indentDot1">
+                    <dgm:alg type="composite"/>
+                    <dgm:shape xmlns:r="http://schemas.openxmlformats.org/officeDocument/2006/relationships" r:blip="">
+                      <dgm:adjLst/>
+                    </dgm:shape>
+                    <dgm:presOf/>
+                    <dgm:choose name="Name18">
+                      <dgm:if name="Name19" func="var" arg="dir" op="equ" val="norm">
+                        <dgm:constrLst>
+                          <dgm:constr type="userI"/>
+                          <dgm:constr type="w" for="ch" forName="gap1" refType="userI" fact="3"/>
+                          <dgm:constr type="w" for="ch" forName="smCircle1" refType="h"/>
+                          <dgm:constr type="l" for="ch" forName="smCircle1" refType="r" refFor="ch" refForName="gap1"/>
+                        </dgm:constrLst>
+                      </dgm:if>
+                      <dgm:else name="Name20">
+                        <dgm:constrLst>
+                          <dgm:constr type="userI"/>
+                          <dgm:constr type="w" for="ch" forName="gap1" refType="userI" fact="3"/>
+                          <dgm:constr type="w" for="ch" forName="smCircle1" refType="h"/>
+                          <dgm:constr type="r" for="ch" forName="smCircle1" refType="l" refFor="ch" refForName="gap1"/>
+                        </dgm:constrLst>
+                      </dgm:else>
+                    </dgm:choose>
+                    <dgm:layoutNode name="gap1">
+                      <dgm:alg type="sp"/>
+                      <dgm:shape xmlns:r="http://schemas.openxmlformats.org/officeDocument/2006/relationships" type="rect" r:blip="" hideGeom="1">
+                        <dgm:adjLst/>
+                      </dgm:shape>
+                      <dgm:presOf/>
+                    </dgm:layoutNode>
+                    <dgm:layoutNode name="smCircle1" styleLbl="vennNode1">
+                      <dgm:alg type="sp"/>
+                      <dgm:shape xmlns:r="http://schemas.openxmlformats.org/officeDocument/2006/relationships" type="ellipse" r:blip="">
+                        <dgm:adjLst/>
+                      </dgm:shape>
+                      <dgm:presOf/>
+                      <dgm:constrLst>
+                        <dgm:constr type="w" refType="h"/>
+                      </dgm:constrLst>
+                    </dgm:layoutNode>
+                  </dgm:layoutNode>
+                </dgm:forEach>
+                <dgm:forEach name="Name21" axis="ch" ptType="node">
+                  <dgm:layoutNode name="txLvl3" styleLbl="revTx">
+                    <dgm:varLst>
+                      <dgm:bulletEnabled val="1"/>
+                    </dgm:varLst>
+                    <dgm:choose name="Name22">
+                      <dgm:if name="Name23" func="var" arg="dir" op="equ" val="norm">
+                        <dgm:alg type="tx">
+                          <dgm:param type="parTxLTRAlign" val="l"/>
+                          <dgm:param type="parTxRTLAlign" val="l"/>
+                          <dgm:param type="shpTxLTRAlignCh" val="l"/>
+                          <dgm:param type="shpTxRTLAlignCh" val="l"/>
+                        </dgm:alg>
+                      </dgm:if>
+                      <dgm:else name="Name24">
+                        <dgm:alg type="tx">
+                          <dgm:param type="parTxLTRAlign" val="r"/>
+                          <dgm:param type="parTxRTLAlign" val="r"/>
+                          <dgm:param type="shpTxLTRAlignCh" val="r"/>
+                          <dgm:param type="shpTxRTLAlignCh" val="r"/>
+                        </dgm:alg>
+                      </dgm:else>
+                    </dgm:choose>
+                    <dgm:shape xmlns:r="http://schemas.openxmlformats.org/officeDocument/2006/relationships" type="rect" r:blip="">
+                      <dgm:adjLst/>
+                    </dgm:shape>
+                    <dgm:presOf axis="desOrSelf" ptType="node"/>
+                    <dgm:choose name="Name25">
+                      <dgm:if name="Name26" func="var" arg="dir" op="equ" val="norm">
+                        <dgm:constrLst>
+                          <dgm:constr type="userI"/>
+                          <dgm:constr type="lMarg" refType="userI" fact="8.504"/>
+                          <dgm:constr type="rMarg"/>
+                          <dgm:constr type="tMarg" refType="primFontSz" fact="0.1"/>
+                          <dgm:constr type="bMarg" refType="primFontSz" fact="0.1"/>
+                        </dgm:constrLst>
+                      </dgm:if>
+                      <dgm:else name="Name27">
+                        <dgm:constrLst>
+                          <dgm:constr type="userI"/>
+                          <dgm:constr type="lMarg"/>
+                          <dgm:constr type="rMarg" refType="userI" fact="8.504"/>
+                          <dgm:constr type="tMarg" refType="primFontSz" fact="0.1"/>
+                          <dgm:constr type="bMarg" refType="primFontSz" fact="0.1"/>
+                        </dgm:constrLst>
+                      </dgm:else>
+                    </dgm:choose>
+                    <dgm:ruleLst>
+                      <dgm:rule type="h" val="INF" fact="NaN" max="NaN"/>
+                    </dgm:ruleLst>
+                  </dgm:layoutNode>
+                  <dgm:forEach name="Name28" axis="followSib" ptType="sibTrans" cnt="1">
+                    <dgm:layoutNode name="indentDot2">
+                      <dgm:alg type="composite"/>
+                      <dgm:shape xmlns:r="http://schemas.openxmlformats.org/officeDocument/2006/relationships" r:blip="">
+                        <dgm:adjLst/>
+                      </dgm:shape>
+                      <dgm:presOf/>
+                      <dgm:choose name="Name29">
+                        <dgm:if name="Name30" func="var" arg="dir" op="equ" val="norm">
+                          <dgm:constrLst>
+                            <dgm:constr type="userI"/>
+                            <dgm:constr type="w" for="ch" forName="gap2" refType="userI" fact="3"/>
+                            <dgm:constr type="w" for="ch" forName="smCircle2" refType="h"/>
+                            <dgm:constr type="l" for="ch" forName="smCircle2" refType="r" refFor="ch" refForName="gap2"/>
+                          </dgm:constrLst>
+                        </dgm:if>
+                        <dgm:else name="Name31">
+                          <dgm:constrLst>
+                            <dgm:constr type="userI"/>
+                            <dgm:constr type="w" for="ch" forName="gap2" refType="userI" fact="3"/>
+                            <dgm:constr type="w" for="ch" forName="smCircle2" refType="h"/>
+                            <dgm:constr type="r" for="ch" forName="smCircle2" refType="l" refFor="ch" refForName="gap2"/>
+                          </dgm:constrLst>
+                        </dgm:else>
+                      </dgm:choose>
+                      <dgm:layoutNode name="gap2">
+                        <dgm:alg type="sp"/>
+                        <dgm:shape xmlns:r="http://schemas.openxmlformats.org/officeDocument/2006/relationships" type="rect" r:blip="" hideGeom="1">
+                          <dgm:adjLst/>
+                        </dgm:shape>
+                        <dgm:presOf/>
+                      </dgm:layoutNode>
+                      <dgm:layoutNode name="smCircle2" styleLbl="vennNode1">
+                        <dgm:alg type="sp"/>
+                        <dgm:shape xmlns:r="http://schemas.openxmlformats.org/officeDocument/2006/relationships" type="ellipse" r:blip="">
+                          <dgm:adjLst/>
+                        </dgm:shape>
+                        <dgm:presOf/>
+                        <dgm:constrLst>
+                          <dgm:constr type="w" refType="h"/>
+                        </dgm:constrLst>
+                      </dgm:layoutNode>
+                    </dgm:layoutNode>
+                  </dgm:forEach>
+                </dgm:forEach>
+                <dgm:choose name="Name32">
+                  <dgm:if name="Name33" axis="ch" ptType="node" func="cnt" op="gte" val="1">
+                    <dgm:forEach name="Name34" axis="followSib" ptType="sibTrans" cnt="1">
+                      <dgm:layoutNode name="indentDot3">
+                        <dgm:alg type="composite"/>
+                        <dgm:shape xmlns:r="http://schemas.openxmlformats.org/officeDocument/2006/relationships" r:blip="">
+                          <dgm:adjLst/>
+                        </dgm:shape>
+                        <dgm:presOf/>
+                        <dgm:choose name="Name35">
+                          <dgm:if name="Name36" func="var" arg="dir" op="equ" val="norm">
+                            <dgm:constrLst>
+                              <dgm:constr type="userI"/>
+                              <dgm:constr type="w" for="ch" forName="gap3" refType="userI" fact="3"/>
+                              <dgm:constr type="w" for="ch" forName="smCircle3" refType="h"/>
+                              <dgm:constr type="l" for="ch" forName="smCircle3" refType="r" refFor="ch" refForName="gap3"/>
+                            </dgm:constrLst>
+                          </dgm:if>
+                          <dgm:else name="Name37">
+                            <dgm:constrLst>
+                              <dgm:constr type="userI"/>
+                              <dgm:constr type="w" for="ch" forName="gap3" refType="userI" fact="3"/>
+                              <dgm:constr type="w" for="ch" forName="smCircle3" refType="h"/>
+                              <dgm:constr type="r" for="ch" forName="smCircle3" refType="l" refFor="ch" refForName="gap3"/>
+                            </dgm:constrLst>
+                          </dgm:else>
+                        </dgm:choose>
+                        <dgm:layoutNode name="gap3">
+                          <dgm:alg type="sp"/>
+                          <dgm:shape xmlns:r="http://schemas.openxmlformats.org/officeDocument/2006/relationships" type="rect" r:blip="" hideGeom="1">
+                            <dgm:adjLst/>
+                          </dgm:shape>
+                          <dgm:presOf/>
+                        </dgm:layoutNode>
+                        <dgm:layoutNode name="smCircle3" styleLbl="vennNode1">
+                          <dgm:alg type="sp"/>
+                          <dgm:shape xmlns:r="http://schemas.openxmlformats.org/officeDocument/2006/relationships" type="ellipse" r:blip="">
+                            <dgm:adjLst/>
+                          </dgm:shape>
+                          <dgm:presOf/>
+                          <dgm:constrLst>
+                            <dgm:constr type="w" refType="h"/>
+                          </dgm:constrLst>
+                        </dgm:layoutNode>
+                      </dgm:layoutNode>
+                    </dgm:forEach>
+                  </dgm:if>
+                  <dgm:else name="Name38">
+                    <dgm:forEach name="Name39" axis="followSib" ptType="sibTrans" cnt="1">
+                      <dgm:layoutNode name="smCircle" styleLbl="vennNode1">
+                        <dgm:alg type="sp"/>
+                        <dgm:shape xmlns:r="http://schemas.openxmlformats.org/officeDocument/2006/relationships" type="ellipse" r:blip="">
+                          <dgm:adjLst/>
+                        </dgm:shape>
+                        <dgm:presOf/>
+                        <dgm:constrLst>
+                          <dgm:constr type="w" refType="h"/>
+                        </dgm:constrLst>
+                      </dgm:layoutNode>
+                    </dgm:forEach>
+                  </dgm:else>
+                </dgm:choose>
+              </dgm:forEach>
+            </dgm:layoutNode>
+          </dgm:layoutNode>
+          <dgm:choose name="Name40">
+            <dgm:if name="Name41" axis="followSib ch" ptType="node node" cnt="1 0" func="cnt" op="gte" val="1">
+              <dgm:layoutNode name="overlap">
+                <dgm:alg type="sp"/>
+                <dgm:shape xmlns:r="http://schemas.openxmlformats.org/officeDocument/2006/relationships" r:blip="">
+                  <dgm:adjLst/>
+                </dgm:shape>
+                <dgm:presOf/>
+              </dgm:layoutNode>
+            </dgm:if>
+            <dgm:else name="Name42"/>
+          </dgm:choose>
+        </dgm:if>
+        <dgm:else name="Name43">
+          <dgm:layoutNode name="noChildren">
+            <dgm:alg type="composite"/>
+            <dgm:choose name="Name44">
+              <dgm:if name="Name45" func="var" arg="dir" op="equ" val="norm">
+                <dgm:constrLst>
+                  <dgm:constr type="l" for="ch" forName="gap"/>
+                  <dgm:constr type="w" for="ch" forName="gap" refType="w" fact="0.043"/>
+                  <dgm:constr type="h" for="ch" forName="gap" refType="h"/>
+                  <dgm:constr type="t" for="ch" forName="gap"/>
+                  <dgm:constr type="l" for="ch" forName="medCircle2" refType="r" refFor="ch" refForName="gap"/>
+                  <dgm:constr type="w" for="ch" forName="medCircle2" refType="h" refFor="ch" refForName="medCircle2"/>
+                  <dgm:constr type="t" for="ch" forName="medCircle2"/>
+                  <dgm:constr type="h" for="ch" forName="medCircle2" refType="h"/>
+                  <dgm:constr type="l" for="ch" forName="txLvlOnly1" refType="ctrX" refFor="ch" refForName="medCircle2"/>
+                  <dgm:constr type="r" for="ch" forName="txLvlOnly1" refType="w"/>
+                  <dgm:constr type="h" for="ch" forName="txLvlOnly1" refType="h"/>
+                  <dgm:constr type="t" for="ch" forName="txLvlOnly1"/>
+                </dgm:constrLst>
+              </dgm:if>
+              <dgm:else name="Name46">
+                <dgm:constrLst>
+                  <dgm:constr type="r" for="ch" forName="gap" refType="w"/>
+                  <dgm:constr type="w" for="ch" forName="gap" refType="w" fact="0.043"/>
+                  <dgm:constr type="h" for="ch" forName="gap" refType="h"/>
+                  <dgm:constr type="t" for="ch" forName="gap"/>
+                  <dgm:constr type="r" for="ch" forName="medCircle2" refType="l" refFor="ch" refForName="gap"/>
+                  <dgm:constr type="w" for="ch" forName="medCircle2" refType="h" refFor="ch" refForName="medCircle2"/>
+                  <dgm:constr type="t" for="ch" forName="medCircle2"/>
+                  <dgm:constr type="h" for="ch" forName="medCircle2" refType="h"/>
+                  <dgm:constr type="l" for="ch" forName="txLvlOnly1"/>
+                  <dgm:constr type="r" for="ch" forName="txLvlOnly1" refType="ctrX" refFor="ch" refForName="medCircle2"/>
+                  <dgm:constr type="h" for="ch" forName="txLvlOnly1" refType="h"/>
+                  <dgm:constr type="t" for="ch" forName="txLvlOnly1"/>
+                </dgm:constrLst>
+              </dgm:else>
+            </dgm:choose>
+            <dgm:layoutNode name="gap">
+              <dgm:alg type="sp"/>
+              <dgm:shape xmlns:r="http://schemas.openxmlformats.org/officeDocument/2006/relationships" r:blip="">
+                <dgm:adjLst/>
+              </dgm:shape>
+              <dgm:presOf/>
+            </dgm:layoutNode>
+            <dgm:layoutNode name="medCircle2" styleLbl="vennNode1">
+              <dgm:alg type="sp"/>
+              <dgm:shape xmlns:r="http://schemas.openxmlformats.org/officeDocument/2006/relationships" type="ellipse" r:blip="">
+                <dgm:adjLst/>
+              </dgm:shape>
+              <dgm:presOf/>
+              <dgm:constrLst>
+                <dgm:constr type="w" refType="h"/>
+              </dgm:constrLst>
+            </dgm:layoutNode>
+            <dgm:layoutNode name="txLvlOnly1" styleLbl="revTx">
+              <dgm:choose name="Name47">
+                <dgm:if name="Name48" func="var" arg="dir" op="equ" val="norm">
+                  <dgm:alg type="tx">
+                    <dgm:param type="parTxLTRAlign" val="l"/>
+                    <dgm:param type="parTxRTLAlign" val="l"/>
+                  </dgm:alg>
+                </dgm:if>
+                <dgm:else name="Name49">
+                  <dgm:alg type="tx">
+                    <dgm:param type="parTxLTRAlign" val="r"/>
+                    <dgm:param type="parTxRTLAlign" val="r"/>
+                  </dgm:alg>
+                </dgm:else>
+              </dgm:choose>
+              <dgm:shape xmlns:r="http://schemas.openxmlformats.org/officeDocument/2006/relationships" type="rect" r:blip="">
+                <dgm:adjLst/>
+              </dgm:shape>
+              <dgm:presOf axis="self" ptType="node"/>
+              <dgm:constrLst>
+                <dgm:constr type="lMarg"/>
+                <dgm:constr type="rMarg"/>
+                <dgm:constr type="tMarg" refType="primFontSz" fact="0.1"/>
+                <dgm:constr type="bMarg" refType="primFontSz" fact="0.1"/>
+              </dgm:constrLst>
+              <dgm:ruleLst>
+                <dgm:rule type="primFontSz" val="5" fact="NaN" max="NaN"/>
+              </dgm:ruleLst>
+            </dgm:layoutNode>
+          </dgm:layoutNode>
+        </dgm:else>
+      </dgm:choose>
+    </dgm:forEach>
+  </dgm:layoutNode>
+</dgm:layoutDef>
+</file>
+
+<file path=ppt/diagrams/quickStyle1.xml><?xml version="1.0" encoding="utf-8"?>
+<dgm:styleDef xmlns:dgm="http://schemas.openxmlformats.org/drawingml/2006/diagram" xmlns:a="http://schemas.openxmlformats.org/drawingml/2006/main" uniqueId="urn:microsoft.com/office/officeart/2005/8/quickstyle/3d2">
+  <dgm:title val=""/>
+  <dgm:desc val=""/>
+  <dgm:catLst>
+    <dgm:cat type="3D" pri="11200"/>
+  </dgm:catLst>
+  <dgm:scene3d>
+    <a:camera prst="orthographicFront"/>
+    <a:lightRig rig="threePt" dir="t"/>
+  </dgm:scene3d>
+  <dgm:styleLbl name="node0">
+    <dgm:scene3d>
+      <a:camera prst="orthographicFront"/>
+      <a:lightRig rig="threePt" dir="t">
+        <a:rot lat="0" lon="0" rev="7500000"/>
+      </a:lightRig>
+    </dgm:scene3d>
+    <dgm:sp3d prstMaterial="plastic">
+      <a:bevelT w="127000" h="25400" prst="relaxedInset"/>
+    </dgm:sp3d>
+    <dgm:txPr/>
+    <dgm:style>
+      <a:lnRef idx="0">
+        <a:scrgbClr r="0" g="0" b="0"/>
+      </a:lnRef>
+      <a:fillRef idx="3">
+        <a:scrgbClr r="0" g="0" b="0"/>
+      </a:fillRef>
+      <a:effectRef idx="2">
+        <a:scrgbClr r="0" g="0" b="0"/>
+      </a:effectRef>
+      <a:fontRef idx="minor">
+        <a:schemeClr val="lt1"/>
+      </a:fontRef>
+    </dgm:style>
+  </dgm:styleLbl>
+  <dgm:styleLbl name="lnNode1">
+    <dgm:scene3d>
+      <a:camera prst="orthographicFront"/>
+      <a:lightRig rig="threePt" dir="t">
+        <a:rot lat="0" lon="0" rev="7500000"/>
+      </a:lightRig>
+    </dgm:scene3d>
+    <dgm:sp3d prstMaterial="plastic">
+      <a:bevelT w="127000" h="25400" prst="relaxedInset"/>
+    </dgm:sp3d>
+    <dgm:txPr/>
+    <dgm:style>
+      <a:lnRef idx="1">
+        <a:scrgbClr r="0" g="0" b="0"/>
+      </a:lnRef>
+      <a:fillRef idx="3">
+        <a:scrgbClr r="0" g="0" b="0"/>
+      </a:fillRef>
+      <a:effectRef idx="2">
+        <a:scrgbClr r="0" g="0" b="0"/>
+      </a:effectRef>
+      <a:fontRef idx="minor">
+        <a:schemeClr val="lt1"/>
+      </a:fontRef>
+    </dgm:style>
+  </dgm:styleLbl>
+  <dgm:styleLbl name="vennNode1">
+    <dgm:scene3d>
+      <a:camera prst="orthographicFront"/>
+      <a:lightRig rig="threePt" dir="t">
+        <a:rot lat="0" lon="0" rev="7500000"/>
+      </a:lightRig>
+    </dgm:scene3d>
+    <dgm:sp3d prstMaterial="plastic">
+      <a:bevelT w="127000" h="25400" prst="relaxedInset"/>
+    </dgm:sp3d>
+    <dgm:txPr/>
+    <dgm:style>
+      <a:lnRef idx="0">
+        <a:scrgbClr r="0" g="0" b="0"/>
+      </a:lnRef>
+      <a:fillRef idx="3">
+        <a:scrgbClr r="0" g="0" b="0"/>
+      </a:fillRef>
+      <a:effectRef idx="2">
+        <a:scrgbClr r="0" g="0" b="0"/>
+      </a:effectRef>
+      <a:fontRef idx="minor">
+        <a:schemeClr val="tx1"/>
+      </a:fontRef>
+    </dgm:style>
+  </dgm:styleLbl>
+  <dgm:styleLbl name="alingNode1">
+    <dgm:scene3d>
+      <a:camera prst="orthographicFront"/>
+      <a:lightRig rig="threePt" dir="t">
+        <a:rot lat="0" lon="0" rev="7500000"/>
+      </a:lightRig>
+    </dgm:scene3d>
+    <dgm:sp3d prstMaterial="plastic">
+      <a:bevelT w="127000" h="25400" prst="relaxedInset"/>
+    </dgm:sp3d>
+    <dgm:txPr/>
+    <dgm:style>
+      <a:lnRef idx="0">
+        <a:scrgbClr r="0" g="0" b="0"/>
+      </a:lnRef>
+      <a:fillRef idx="3">
+        <a:scrgbClr r="0" g="0" b="0"/>
+      </a:fillRef>
+      <a:effectRef idx="2">
+        <a:scrgbClr r="0" g="0" b="0"/>
+      </a:effectRef>
+      <a:fontRef idx="minor">
+        <a:schemeClr val="lt1"/>
+      </a:fontRef>
+    </dgm:style>
+  </dgm:styleLbl>
+  <dgm:styleLbl name="node1">
+    <dgm:scene3d>
+      <a:camera prst="orthographicFront"/>
+      <a:lightRig rig="threePt" dir="t">
+        <a:rot lat="0" lon="0" rev="7500000"/>
+      </a:lightRig>
+    </dgm:scene3d>
+    <dgm:sp3d prstMaterial="plastic">
+      <a:bevelT w="127000" h="25400" prst="relaxedInset"/>
+    </dgm:sp3d>
+    <dgm:txPr/>
+    <dgm:style>
+      <a:lnRef idx="0">
+        <a:scrgbClr r="0" g="0" b="0"/>
+      </a:lnRef>
+      <a:fillRef idx="3">
+        <a:scrgbClr r="0" g="0" b="0"/>
+      </a:fillRef>
+      <a:effectRef idx="2">
+        <a:scrgbClr r="0" g="0" b="0"/>
+      </a:effectRef>
+      <a:fontRef idx="minor">
+        <a:schemeClr val="lt1"/>
+      </a:fontRef>
+    </dgm:style>
+  </dgm:styleLbl>
+  <dgm:styleLbl name="node2">
+    <dgm:scene3d>
+      <a:camera prst="orthographicFront"/>
+      <a:lightRig rig="threePt" dir="t">
+        <a:rot lat="0" lon="0" rev="7500000"/>
+      </a:lightRig>
+    </dgm:scene3d>
+    <dgm:sp3d prstMaterial="plastic">
+      <a:bevelT w="127000" h="25400" prst="relaxedInset"/>
+    </dgm:sp3d>
+    <dgm:txPr/>
+    <dgm:style>
+      <a:lnRef idx="0">
+        <a:scrgbClr r="0" g="0" b="0"/>
+      </a:lnRef>
+      <a:fillRef idx="3">
+        <a:scrgbClr r="0" g="0" b="0"/>
+      </a:fillRef>
+      <a:effectRef idx="2">
+        <a:scrgbClr r="0" g="0" b="0"/>
+      </a:effectRef>
+      <a:fontRef idx="minor">
+        <a:schemeClr val="lt1"/>
+      </a:fontRef>
+    </dgm:style>
+  </dgm:styleLbl>
+  <dgm:styleLbl name="node3">
+    <dgm:scene3d>
+      <a:camera prst="orthographicFront"/>
+      <a:lightRig rig="threePt" dir="t">
+        <a:rot lat="0" lon="0" rev="7500000"/>
+      </a:lightRig>
+    </dgm:scene3d>
+    <dgm:sp3d prstMaterial="plastic">
+      <a:bevelT w="127000" h="25400" prst="relaxedInset"/>
+    </dgm:sp3d>
+    <dgm:txPr/>
+    <dgm:style>
+      <a:lnRef idx="0">
+        <a:scrgbClr r="0" g="0" b="0"/>
+      </a:lnRef>
+      <a:fillRef idx="3">
+        <a:scrgbClr r="0" g="0" b="0"/>
+      </a:fillRef>
+      <a:effectRef idx="2">
+        <a:scrgbClr r="0" g="0" b="0"/>
+      </a:effectRef>
+      <a:fontRef idx="minor">
+        <a:schemeClr val="lt1"/>
+      </a:fontRef>
+    </dgm:style>
+  </dgm:styleLbl>
+  <dgm:styleLbl name="node4">
+    <dgm:scene3d>
+      <a:camera prst="orthographicFront"/>
+      <a:lightRig rig="threePt" dir="t">
+        <a:rot lat="0" lon="0" rev="7500000"/>
+      </a:lightRig>
+    </dgm:scene3d>
+    <dgm:sp3d prstMaterial="plastic">
+      <a:bevelT w="127000" h="25400" prst="relaxedInset"/>
+    </dgm:sp3d>
+    <dgm:txPr/>
+    <dgm:style>
+      <a:lnRef idx="0">
+        <a:scrgbClr r="0" g="0" b="0"/>
+      </a:lnRef>
+      <a:fillRef idx="3">
+        <a:scrgbClr r="0" g="0" b="0"/>
+      </a:fillRef>
+      <a:effectRef idx="2">
+        <a:scrgbClr r="0" g="0" b="0"/>
+      </a:effectRef>
+      <a:fontRef idx="minor">
+        <a:schemeClr val="lt1"/>
+      </a:fontRef>
+    </dgm:style>
+  </dgm:styleLbl>
+  <dgm:styleLbl name="fgImgPlace1">
+    <dgm:scene3d>
+      <a:camera prst="orthographicFront"/>
+      <a:lightRig rig="threePt" dir="t">
+        <a:rot lat="0" lon="0" rev="7500000"/>
+      </a:lightRig>
+    </dgm:scene3d>
+    <dgm:sp3d z="152400" extrusionH="63500" prstMaterial="matte">
+      <a:bevelT w="50800" h="19050" prst="relaxedInset"/>
+      <a:contourClr>
+        <a:schemeClr val="bg1"/>
+      </a:contourClr>
+    </dgm:sp3d>
+    <dgm:txPr/>
+    <dgm:style>
+      <a:lnRef idx="0">
+        <a:scrgbClr r="0" g="0" b="0"/>
+      </a:lnRef>
+      <a:fillRef idx="1">
+        <a:scrgbClr r="0" g="0" b="0"/>
+      </a:fillRef>
+      <a:effectRef idx="0">
+        <a:scrgbClr r="0" g="0" b="0"/>
+      </a:effectRef>
+      <a:fontRef idx="minor"/>
+    </dgm:style>
+  </dgm:styleLbl>
+  <dgm:styleLbl name="alignImgPlace1">
+    <dgm:scene3d>
+      <a:camera prst="orthographicFront"/>
+      <a:lightRig rig="threePt" dir="t">
+        <a:rot lat="0" lon="0" rev="7500000"/>
+      </a:lightRig>
+    </dgm:scene3d>
+    <dgm:sp3d z="254000" extrusionH="63500" contourW="12700" prstMaterial="matte">
+      <a:contourClr>
+        <a:schemeClr val="lt1"/>
+      </a:contourClr>
+    </dgm:sp3d>
+    <dgm:txPr/>
+    <dgm:style>
+      <a:lnRef idx="0">
+        <a:scrgbClr r="0" g="0" b="0"/>
+      </a:lnRef>
+      <a:fillRef idx="1">
+        <a:scrgbClr r="0" g="0" b="0"/>
+      </a:fillRef>
+      <a:effectRef idx="0">
+        <a:scrgbClr r="0" g="0" b="0"/>
+      </a:effectRef>
+      <a:fontRef idx="minor"/>
+    </dgm:style>
+  </dgm:styleLbl>
+  <dgm:styleLbl name="bgImgPlace1">
+    <dgm:scene3d>
+      <a:camera prst="orthographicFront"/>
+      <a:lightRig rig="threePt" dir="t">
+        <a:rot lat="0" lon="0" rev="7500000"/>
+      </a:lightRig>
+    </dgm:scene3d>
+    <dgm:sp3d z="-152400" extrusionH="63500" contourW="12700" prstMaterial="matte">
+      <a:contourClr>
+        <a:schemeClr val="lt1"/>
+      </a:contourClr>
+    </dgm:sp3d>
+    <dgm:txPr/>
+    <dgm:style>
+      <a:lnRef idx="0">
+        <a:scrgbClr r="0" g="0" b="0"/>
+      </a:lnRef>
+      <a:fillRef idx="1">
+        <a:scrgbClr r="0" g="0" b="0"/>
+      </a:fillRef>
+      <a:effectRef idx="0">
+        <a:scrgbClr r="0" g="0" b="0"/>
+      </a:effectRef>
+      <a:fontRef idx="minor"/>
+    </dgm:style>
+  </dgm:styleLbl>
+  <dgm:styleLbl name="sibTrans2D1">
+    <dgm:scene3d>
+      <a:camera prst="orthographicFront"/>
+      <a:lightRig rig="threePt" dir="t">
+        <a:rot lat="0" lon="0" rev="7500000"/>
+      </a:lightRig>
+    </dgm:scene3d>
+    <dgm:sp3d z="-70000" extrusionH="63500" prstMaterial="matte">
+      <a:bevelT w="25400" h="6350" prst="relaxedInset"/>
+      <a:contourClr>
+        <a:schemeClr val="bg1"/>
+      </a:contourClr>
+    </dgm:sp3d>
+    <dgm:txPr/>
+    <dgm:style>
+      <a:lnRef idx="0">
+        <a:scrgbClr r="0" g="0" b="0"/>
+      </a:lnRef>
+      <a:fillRef idx="1">
+        <a:scrgbClr r="0" g="0" b="0"/>
+      </a:fillRef>
+      <a:effectRef idx="2">
+        <a:scrgbClr r="0" g="0" b="0"/>
+      </a:effectRef>
+      <a:fontRef idx="minor">
+        <a:schemeClr val="lt1"/>
+      </a:fontRef>
+    </dgm:style>
+  </dgm:styleLbl>
+  <dgm:styleLbl name="fgSibTrans2D1">
+    <dgm:scene3d>
+      <a:camera prst="orthographicFront"/>
+      <a:lightRig rig="threePt" dir="t">
+        <a:rot lat="0" lon="0" rev="7500000"/>
+      </a:lightRig>
+    </dgm:scene3d>
+    <dgm:sp3d z="152400" extrusionH="63500" prstMaterial="matte">
+      <a:bevelT w="25400" h="6350" prst="relaxedInset"/>
+      <a:contourClr>
+        <a:schemeClr val="bg1"/>
+      </a:contourClr>
+    </dgm:sp3d>
+    <dgm:txPr/>
+    <dgm:style>
+      <a:lnRef idx="0">
+        <a:scrgbClr r="0" g="0" b="0"/>
+      </a:lnRef>
+      <a:fillRef idx="1">
+        <a:scrgbClr r="0" g="0" b="0"/>
+      </a:fillRef>
+      <a:effectRef idx="2">
+        <a:scrgbClr r="0" g="0" b="0"/>
+      </a:effectRef>
+      <a:fontRef idx="minor">
+        <a:schemeClr val="lt1"/>
+      </a:fontRef>
+    </dgm:style>
+  </dgm:styleLbl>
+  <dgm:styleLbl name="bgSibTrans2D1">
+    <dgm:scene3d>
+      <a:camera prst="orthographicFront"/>
+      <a:lightRig rig="threePt" dir="t">
+        <a:rot lat="0" lon="0" rev="7500000"/>
+      </a:lightRig>
+    </dgm:scene3d>
+    <dgm:sp3d z="-152400" extrusionH="63500" prstMaterial="matte">
+      <a:bevelT w="25400" h="6350" prst="relaxedInset"/>
+      <a:contourClr>
+        <a:schemeClr val="bg1"/>
+      </a:contourClr>
+    </dgm:sp3d>
+    <dgm:txPr/>
+    <dgm:style>
+      <a:lnRef idx="0">
+        <a:scrgbClr r="0" g="0" b="0"/>
+      </a:lnRef>
+      <a:fillRef idx="1">
+        <a:scrgbClr r="0" g="0" b="0"/>
+      </a:fillRef>
+      <a:effectRef idx="2">
+        <a:scrgbClr r="0" g="0" b="0"/>
+      </a:effectRef>
+      <a:fontRef idx="minor">
+        <a:schemeClr val="lt1"/>
+      </a:fontRef>
+    </dgm:style>
+  </dgm:styleLbl>
+  <dgm:styleLbl name="sibTrans1D1">
+    <dgm:scene3d>
+      <a:camera prst="orthographicFront"/>
+      <a:lightRig rig="threePt" dir="t">
+        <a:rot lat="0" lon="0" rev="7500000"/>
+      </a:lightRig>
+    </dgm:scene3d>
+    <dgm:sp3d z="-40000" prstMaterial="matte"/>
+    <dgm:txPr/>
+    <dgm:style>
+      <a:lnRef idx="1">
+        <a:scrgbClr r="0" g="0" b="0"/>
+      </a:lnRef>
+      <a:fillRef idx="0">
+        <a:scrgbClr r="0" g="0" b="0"/>
+      </a:fillRef>
+      <a:effectRef idx="0">
+        <a:scrgbClr r="0" g="0" b="0"/>
+      </a:effectRef>
+      <a:fontRef idx="minor"/>
+    </dgm:style>
+  </dgm:styleLbl>
+  <dgm:styleLbl name="callout">
+    <dgm:scene3d>
+      <a:camera prst="orthographicFront"/>
+      <a:lightRig rig="threePt" dir="t">
+        <a:rot lat="0" lon="0" rev="7500000"/>
+      </a:lightRig>
+    </dgm:scene3d>
+    <dgm:sp3d z="127000" prstMaterial="matte"/>
+    <dgm:txPr/>
+    <dgm:style>
+      <a:lnRef idx="2">
+        <a:scrgbClr r="0" g="0" b="0"/>
+      </a:lnRef>
+      <a:fillRef idx="1">
+        <a:scrgbClr r="0" g="0" b="0"/>
+      </a:fillRef>
+      <a:effectRef idx="0">
+        <a:scrgbClr r="0" g="0" b="0"/>
+      </a:effectRef>
+      <a:fontRef idx="minor"/>
+    </dgm:style>
+  </dgm:styleLbl>
+  <dgm:styleLbl name="asst0">
+    <dgm:scene3d>
+      <a:camera prst="orthographicFront"/>
+      <a:lightRig rig="threePt" dir="t">
+        <a:rot lat="0" lon="0" rev="7500000"/>
+      </a:lightRig>
+    </dgm:scene3d>
+    <dgm:sp3d prstMaterial="plastic">
+      <a:bevelT w="127000" h="25400" prst="relaxedInset"/>
+    </dgm:sp3d>
+    <dgm:txPr/>
+    <dgm:style>
+      <a:lnRef idx="0">
+        <a:scrgbClr r="0" g="0" b="0"/>
+      </a:lnRef>
+      <a:fillRef idx="3">
+        <a:scrgbClr r="0" g="0" b="0"/>
+      </a:fillRef>
+      <a:effectRef idx="2">
+        <a:scrgbClr r="0" g="0" b="0"/>
+      </a:effectRef>
+      <a:fontRef idx="minor">
+        <a:schemeClr val="lt1"/>
+      </a:fontRef>
+    </dgm:style>
+  </dgm:styleLbl>
+  <dgm:styleLbl name="asst1">
+    <dgm:scene3d>
+      <a:camera prst="orthographicFront"/>
+      <a:lightRig rig="threePt" dir="t">
+        <a:rot lat="0" lon="0" rev="7500000"/>
+      </a:lightRig>
+    </dgm:scene3d>
+    <dgm:sp3d prstMaterial="plastic">
+      <a:bevelT w="127000" h="25400" prst="relaxedInset"/>
+    </dgm:sp3d>
+    <dgm:txPr/>
+    <dgm:style>
+      <a:lnRef idx="0">
+        <a:scrgbClr r="0" g="0" b="0"/>
+      </a:lnRef>
+      <a:fillRef idx="3">
+        <a:scrgbClr r="0" g="0" b="0"/>
+      </a:fillRef>
+      <a:effectRef idx="2">
+        <a:scrgbClr r="0" g="0" b="0"/>
+      </a:effectRef>
+      <a:fontRef idx="minor">
+        <a:schemeClr val="lt1"/>
+      </a:fontRef>
+    </dgm:style>
+  </dgm:styleLbl>
+  <dgm:styleLbl name="asst2">
+    <dgm:scene3d>
+      <a:camera prst="orthographicFront"/>
+      <a:lightRig rig="threePt" dir="t">
+        <a:rot lat="0" lon="0" rev="7500000"/>
+      </a:lightRig>
+    </dgm:scene3d>
+    <dgm:sp3d prstMaterial="plastic">
+      <a:bevelT w="127000" h="25400" prst="relaxedInset"/>
+    </dgm:sp3d>
+    <dgm:txPr/>
+    <dgm:style>
+      <a:lnRef idx="0">
+        <a:scrgbClr r="0" g="0" b="0"/>
+      </a:lnRef>
+      <a:fillRef idx="3">
+        <a:scrgbClr r="0" g="0" b="0"/>
+      </a:fillRef>
+      <a:effectRef idx="2">
+        <a:scrgbClr r="0" g="0" b="0"/>
+      </a:effectRef>
+      <a:fontRef idx="minor">
+        <a:schemeClr val="lt1"/>
+      </a:fontRef>
+    </dgm:style>
+  </dgm:styleLbl>
+  <dgm:styleLbl name="asst3">
+    <dgm:scene3d>
+      <a:camera prst="orthographicFront"/>
+      <a:lightRig rig="threePt" dir="t">
+        <a:rot lat="0" lon="0" rev="7500000"/>
+      </a:lightRig>
+    </dgm:scene3d>
+    <dgm:sp3d prstMaterial="plastic">
+      <a:bevelT w="127000" h="25400" prst="relaxedInset"/>
+    </dgm:sp3d>
+    <dgm:txPr/>
+    <dgm:style>
+      <a:lnRef idx="0">
+        <a:scrgbClr r="0" g="0" b="0"/>
+      </a:lnRef>
+      <a:fillRef idx="3">
+        <a:scrgbClr r="0" g="0" b="0"/>
+      </a:fillRef>
+      <a:effectRef idx="2">
+        <a:scrgbClr r="0" g="0" b="0"/>
+      </a:effectRef>
+      <a:fontRef idx="minor">
+        <a:schemeClr val="lt1"/>
+      </a:fontRef>
+    </dgm:style>
+  </dgm:styleLbl>
+  <dgm:styleLbl name="parChTrans2D1">
+    <dgm:scene3d>
+      <a:camera prst="orthographicFront"/>
+      <a:lightRig rig="threePt" dir="t">
+        <a:rot lat="0" lon="0" rev="7500000"/>
+      </a:lightRig>
+    </dgm:scene3d>
+    <dgm:sp3d extrusionH="63500" prstMaterial="matte">
+      <a:bevelT w="50800" h="19050" prst="relaxedInset"/>
+      <a:contourClr>
+        <a:schemeClr val="bg1"/>
+      </a:contourClr>
+    </dgm:sp3d>
+    <dgm:txPr/>
+    <dgm:style>
+      <a:lnRef idx="0">
+        <a:scrgbClr r="0" g="0" b="0"/>
+      </a:lnRef>
+      <a:fillRef idx="1">
+        <a:scrgbClr r="0" g="0" b="0"/>
+      </a:fillRef>
+      <a:effectRef idx="2">
+        <a:scrgbClr r="0" g="0" b="0"/>
+      </a:effectRef>
+      <a:fontRef idx="minor">
+        <a:schemeClr val="lt1"/>
+      </a:fontRef>
+    </dgm:style>
+  </dgm:styleLbl>
+  <dgm:styleLbl name="parChTrans2D2">
+    <dgm:scene3d>
+      <a:camera prst="orthographicFront"/>
+      <a:lightRig rig="threePt" dir="t">
+        <a:rot lat="0" lon="0" rev="7500000"/>
+      </a:lightRig>
+    </dgm:scene3d>
+    <dgm:sp3d extrusionH="63500" prstMaterial="matte">
+      <a:bevelT w="50800" h="19050" prst="relaxedInset"/>
+      <a:contourClr>
+        <a:schemeClr val="bg1"/>
+      </a:contourClr>
+    </dgm:sp3d>
+    <dgm:txPr/>
+    <dgm:style>
+      <a:lnRef idx="0">
+        <a:scrgbClr r="0" g="0" b="0"/>
+      </a:lnRef>
+      <a:fillRef idx="1">
+        <a:scrgbClr r="0" g="0" b="0"/>
+      </a:fillRef>
+      <a:effectRef idx="0">
+        <a:scrgbClr r="0" g="0" b="0"/>
+      </a:effectRef>
+      <a:fontRef idx="minor">
+        <a:schemeClr val="lt1"/>
+      </a:fontRef>
+    </dgm:style>
+  </dgm:styleLbl>
+  <dgm:styleLbl name="parChTrans2D3">
+    <dgm:scene3d>
+      <a:camera prst="orthographicFront"/>
+      <a:lightRig rig="threePt" dir="t">
+        <a:rot lat="0" lon="0" rev="7500000"/>
+      </a:lightRig>
+    </dgm:scene3d>
+    <dgm:sp3d z="60000" prstMaterial="flat">
+      <a:bevelT w="120900" h="88900"/>
+    </dgm:sp3d>
+    <dgm:txPr/>
+    <dgm:style>
+      <a:lnRef idx="0">
+        <a:scrgbClr r="0" g="0" b="0"/>
+      </a:lnRef>
+      <a:fillRef idx="3">
+        <a:scrgbClr r="0" g="0" b="0"/>
+      </a:fillRef>
+      <a:effectRef idx="1">
+        <a:scrgbClr r="0" g="0" b="0"/>
+      </a:effectRef>
+      <a:fontRef idx="minor">
+        <a:schemeClr val="lt1"/>
+      </a:fontRef>
+    </dgm:style>
+  </dgm:styleLbl>
+  <dgm:styleLbl name="parChTrans2D4">
+    <dgm:scene3d>
+      <a:camera prst="orthographicFront"/>
+      <a:lightRig rig="threePt" dir="t">
+        <a:rot lat="0" lon="0" rev="7500000"/>
+      </a:lightRig>
+    </dgm:scene3d>
+    <dgm:sp3d z="60000" prstMaterial="flat">
+      <a:bevelT w="120900" h="88900"/>
+    </dgm:sp3d>
+    <dgm:txPr/>
+    <dgm:style>
+      <a:lnRef idx="0">
+        <a:scrgbClr r="0" g="0" b="0"/>
+      </a:lnRef>
+      <a:fillRef idx="3">
+        <a:scrgbClr r="0" g="0" b="0"/>
+      </a:fillRef>
+      <a:effectRef idx="1">
+        <a:scrgbClr r="0" g="0" b="0"/>
+      </a:effectRef>
+      <a:fontRef idx="minor">
+        <a:schemeClr val="lt1"/>
+      </a:fontRef>
+    </dgm:style>
+  </dgm:styleLbl>
+  <dgm:styleLbl name="parChTrans1D1">
+    <dgm:scene3d>
+      <a:camera prst="orthographicFront"/>
+      <a:lightRig rig="threePt" dir="t">
+        <a:rot lat="0" lon="0" rev="7500000"/>
+      </a:lightRig>
+    </dgm:scene3d>
+    <dgm:sp3d z="-40000" prstMaterial="matte"/>
+    <dgm:txPr/>
+    <dgm:style>
+      <a:lnRef idx="2">
+        <a:scrgbClr r="0" g="0" b="0"/>
+      </a:lnRef>
+      <a:fillRef idx="0">
+        <a:scrgbClr r="0" g="0" b="0"/>
+      </a:fillRef>
+      <a:effectRef idx="0">
+        <a:scrgbClr r="0" g="0" b="0"/>
+      </a:effectRef>
+      <a:fontRef idx="minor"/>
+    </dgm:style>
+  </dgm:styleLbl>
+  <dgm:styleLbl name="parChTrans1D2">
+    <dgm:scene3d>
+      <a:camera prst="orthographicFront"/>
+      <a:lightRig rig="threePt" dir="t">
+        <a:rot lat="0" lon="0" rev="7500000"/>
+      </a:lightRig>
+    </dgm:scene3d>
+    <dgm:sp3d z="-40000" prstMaterial="matte"/>
+    <dgm:txPr/>
+    <dgm:style>
+      <a:lnRef idx="2">
+        <a:scrgbClr r="0" g="0" b="0"/>
+      </a:lnRef>
+      <a:fillRef idx="0">
+        <a:scrgbClr r="0" g="0" b="0"/>
+      </a:fillRef>
+      <a:effectRef idx="0">
+        <a:scrgbClr r="0" g="0" b="0"/>
+      </a:effectRef>
+      <a:fontRef idx="minor"/>
+    </dgm:style>
+  </dgm:styleLbl>
+  <dgm:styleLbl name="parChTrans1D3">
+    <dgm:scene3d>
+      <a:camera prst="orthographicFront"/>
+      <a:lightRig rig="threePt" dir="t">
+        <a:rot lat="0" lon="0" rev="7500000"/>
+      </a:lightRig>
+    </dgm:scene3d>
+    <dgm:sp3d z="-40000" prstMaterial="matte"/>
+    <dgm:txPr/>
+    <dgm:style>
+      <a:lnRef idx="2">
+        <a:scrgbClr r="0" g="0" b="0"/>
+      </a:lnRef>
+      <a:fillRef idx="0">
+        <a:scrgbClr r="0" g="0" b="0"/>
+      </a:fillRef>
+      <a:effectRef idx="0">
+        <a:scrgbClr r="0" g="0" b="0"/>
+      </a:effectRef>
+      <a:fontRef idx="minor"/>
+    </dgm:style>
+  </dgm:styleLbl>
+  <dgm:styleLbl name="parChTrans1D4">
+    <dgm:scene3d>
+      <a:camera prst="orthographicFront"/>
+      <a:lightRig rig="threePt" dir="t">
+        <a:rot lat="0" lon="0" rev="7500000"/>
+      </a:lightRig>
+    </dgm:scene3d>
+    <dgm:sp3d z="-40000" prstMaterial="matte"/>
+    <dgm:txPr/>
+    <dgm:style>
+      <a:lnRef idx="2">
+        <a:scrgbClr r="0" g="0" b="0"/>
+      </a:lnRef>
+      <a:fillRef idx="0">
+        <a:scrgbClr r="0" g="0" b="0"/>
+      </a:fillRef>
+      <a:effectRef idx="0">
+        <a:scrgbClr r="0" g="0" b="0"/>
+      </a:effectRef>
+      <a:fontRef idx="minor"/>
+    </dgm:style>
+  </dgm:styleLbl>
+  <dgm:styleLbl name="fgAcc1">
+    <dgm:scene3d>
+      <a:camera prst="orthographicFront"/>
+      <a:lightRig rig="threePt" dir="t">
+        <a:rot lat="0" lon="0" rev="7500000"/>
+      </a:lightRig>
+    </dgm:scene3d>
+    <dgm:sp3d z="152400" extrusionH="63500" prstMaterial="dkEdge">
+      <a:bevelT w="135400" h="16350" prst="relaxedInset"/>
+      <a:contourClr>
+        <a:schemeClr val="bg1"/>
+      </a:contourClr>
+    </dgm:sp3d>
+    <dgm:txPr/>
+    <dgm:style>
+      <a:lnRef idx="1">
+        <a:scrgbClr r="0" g="0" b="0"/>
+      </a:lnRef>
+      <a:fillRef idx="1">
+        <a:scrgbClr r="0" g="0" b="0"/>
+      </a:fillRef>
+      <a:effectRef idx="2">
+        <a:scrgbClr r="0" g="0" b="0"/>
+      </a:effectRef>
+      <a:fontRef idx="minor"/>
+    </dgm:style>
+  </dgm:styleLbl>
+  <dgm:styleLbl name="conFgAcc1">
+    <dgm:scene3d>
+      <a:camera prst="orthographicFront"/>
+      <a:lightRig rig="threePt" dir="t">
+        <a:rot lat="0" lon="0" rev="7500000"/>
+      </a:lightRig>
+    </dgm:scene3d>
+    <dgm:sp3d z="152400" extrusionH="63500" prstMaterial="dkEdge">
+      <a:bevelT w="135400" h="16350" prst="relaxedInset"/>
+      <a:contourClr>
+        <a:schemeClr val="bg1"/>
+      </a:contourClr>
+    </dgm:sp3d>
+    <dgm:txPr/>
+    <dgm:style>
+      <a:lnRef idx="1">
+        <a:scrgbClr r="0" g="0" b="0"/>
+      </a:lnRef>
+      <a:fillRef idx="1">
+        <a:scrgbClr r="0" g="0" b="0"/>
+      </a:fillRef>
+      <a:effectRef idx="2">
+        <a:scrgbClr r="0" g="0" b="0"/>
+      </a:effectRef>
+      <a:fontRef idx="minor"/>
+    </dgm:style>
+  </dgm:styleLbl>
+  <dgm:styleLbl name="alignAcc1">
+    <dgm:scene3d>
+      <a:camera prst="orthographicFront"/>
+      <a:lightRig rig="threePt" dir="t">
+        <a:rot lat="0" lon="0" rev="7500000"/>
+      </a:lightRig>
+    </dgm:scene3d>
+    <dgm:sp3d extrusionH="190500" prstMaterial="dkEdge">
+      <a:bevelT w="135400" h="16350" prst="relaxedInset"/>
+      <a:contourClr>
+        <a:schemeClr val="bg1"/>
+      </a:contourClr>
+    </dgm:sp3d>
+    <dgm:txPr/>
+    <dgm:style>
+      <a:lnRef idx="1">
+        <a:scrgbClr r="0" g="0" b="0"/>
+      </a:lnRef>
+      <a:fillRef idx="1">
+        <a:scrgbClr r="0" g="0" b="0"/>
+      </a:fillRef>
+      <a:effectRef idx="2">
+        <a:scrgbClr r="0" g="0" b="0"/>
+      </a:effectRef>
+      <a:fontRef idx="minor"/>
+    </dgm:style>
+  </dgm:styleLbl>
+  <dgm:styleLbl name="trAlignAcc1">
+    <dgm:scene3d>
+      <a:camera prst="orthographicFront"/>
+      <a:lightRig rig="threePt" dir="t">
+        <a:rot lat="0" lon="0" rev="7500000"/>
+      </a:lightRig>
+    </dgm:scene3d>
+    <dgm:sp3d prstMaterial="plastic">
+      <a:bevelT w="127000" h="35400"/>
+    </dgm:sp3d>
+    <dgm:txPr/>
+    <dgm:style>
+      <a:lnRef idx="1">
+        <a:scrgbClr r="0" g="0" b="0"/>
+      </a:lnRef>
+      <a:fillRef idx="1">
+        <a:scrgbClr r="0" g="0" b="0"/>
+      </a:fillRef>
+      <a:effectRef idx="2">
+        <a:scrgbClr r="0" g="0" b="0"/>
+      </a:effectRef>
+      <a:fontRef idx="minor">
+        <a:schemeClr val="lt1"/>
+      </a:fontRef>
+    </dgm:style>
+  </dgm:styleLbl>
+  <dgm:styleLbl name="bgAcc1">
+    <dgm:scene3d>
+      <a:camera prst="orthographicFront"/>
+      <a:lightRig rig="threePt" dir="t">
+        <a:rot lat="0" lon="0" rev="7500000"/>
+      </a:lightRig>
+    </dgm:scene3d>
+    <dgm:sp3d z="-152400" extrusionH="63500" prstMaterial="dkEdge">
+      <a:bevelT w="124450" h="16350" prst="relaxedInset"/>
+      <a:contourClr>
+        <a:schemeClr val="bg1"/>
+      </a:contourClr>
+    </dgm:sp3d>
+    <dgm:txPr/>
+    <dgm:style>
+      <a:lnRef idx="1">
+        <a:scrgbClr r="0" g="0" b="0"/>
+      </a:lnRef>
+      <a:fillRef idx="1">
+        <a:scrgbClr r="0" g="0" b="0"/>
+      </a:fillRef>
+      <a:effectRef idx="0">
+        <a:scrgbClr r="0" g="0" b="0"/>
+      </a:effectRef>
+      <a:fontRef idx="minor"/>
+    </dgm:style>
+  </dgm:styleLbl>
+  <dgm:styleLbl name="solidFgAcc1">
+    <dgm:scene3d>
+      <a:camera prst="orthographicFront"/>
+      <a:lightRig rig="threePt" dir="t">
+        <a:rot lat="0" lon="0" rev="7500000"/>
+      </a:lightRig>
+    </dgm:scene3d>
+    <dgm:sp3d z="152400" extrusionH="63500" prstMaterial="dkEdge">
+      <a:bevelT w="120800" h="19050" prst="relaxedInset"/>
+      <a:contourClr>
+        <a:schemeClr val="bg1"/>
+      </a:contourClr>
+    </dgm:sp3d>
+    <dgm:txPr/>
+    <dgm:style>
+      <a:lnRef idx="1">
+        <a:scrgbClr r="0" g="0" b="0"/>
+      </a:lnRef>
+      <a:fillRef idx="1">
+        <a:scrgbClr r="0" g="0" b="0"/>
+      </a:fillRef>
+      <a:effectRef idx="2">
+        <a:scrgbClr r="0" g="0" b="0"/>
+      </a:effectRef>
+      <a:fontRef idx="minor"/>
+    </dgm:style>
+  </dgm:styleLbl>
+  <dgm:styleLbl name="solidAlignAcc1">
+    <dgm:scene3d>
+      <a:camera prst="orthographicFront"/>
+      <a:lightRig rig="threePt" dir="t">
+        <a:rot lat="0" lon="0" rev="7500000"/>
+      </a:lightRig>
+    </dgm:scene3d>
+    <dgm:sp3d extrusionH="190500" prstMaterial="dkEdge">
+      <a:bevelT w="120650" h="38100" prst="relaxedInset"/>
+      <a:contourClr>
+        <a:schemeClr val="bg1"/>
+      </a:contourClr>
+    </dgm:sp3d>
+    <dgm:txPr/>
+    <dgm:style>
+      <a:lnRef idx="1">
+        <a:scrgbClr r="0" g="0" b="0"/>
+      </a:lnRef>
+      <a:fillRef idx="1">
+        <a:scrgbClr r="0" g="0" b="0"/>
+      </a:fillRef>
+      <a:effectRef idx="2">
+        <a:scrgbClr r="0" g="0" b="0"/>
+      </a:effectRef>
+      <a:fontRef idx="minor"/>
+    </dgm:style>
+  </dgm:styleLbl>
+  <dgm:styleLbl name="solidBgAcc1">
+    <dgm:scene3d>
+      <a:camera prst="orthographicFront"/>
+      <a:lightRig rig="threePt" dir="t">
+        <a:rot lat="0" lon="0" rev="7500000"/>
+      </a:lightRig>
+    </dgm:scene3d>
+    <dgm:sp3d z="-152400" extrusionH="63500" prstMaterial="dkEdge">
+      <a:bevelT w="144450" h="36350" prst="relaxedInset"/>
+      <a:contourClr>
+        <a:schemeClr val="bg1"/>
+      </a:contourClr>
+    </dgm:sp3d>
+    <dgm:txPr/>
+    <dgm:style>
+      <a:lnRef idx="1">
+        <a:scrgbClr r="0" g="0" b="0"/>
+      </a:lnRef>
+      <a:fillRef idx="1">
+        <a:scrgbClr r="0" g="0" b="0"/>
+      </a:fillRef>
+      <a:effectRef idx="0">
+        <a:scrgbClr r="0" g="0" b="0"/>
+      </a:effectRef>
+      <a:fontRef idx="minor"/>
+    </dgm:style>
+  </dgm:styleLbl>
+  <dgm:styleLbl name="fgAccFollowNode1">
+    <dgm:scene3d>
+      <a:camera prst="orthographicFront"/>
+      <a:lightRig rig="threePt" dir="t">
+        <a:rot lat="0" lon="0" rev="7500000"/>
+      </a:lightRig>
+    </dgm:scene3d>
+    <dgm:sp3d z="152400" extrusionH="63500" prstMaterial="dkEdge">
+      <a:bevelT w="125400" h="36350" prst="relaxedInset"/>
+      <a:contourClr>
+        <a:schemeClr val="bg1"/>
+      </a:contourClr>
+    </dgm:sp3d>
+    <dgm:txPr/>
+    <dgm:style>
+      <a:lnRef idx="1">
+        <a:scrgbClr r="0" g="0" b="0"/>
+      </a:lnRef>
+      <a:fillRef idx="1">
+        <a:scrgbClr r="0" g="0" b="0"/>
+      </a:fillRef>
+      <a:effectRef idx="0">
+        <a:scrgbClr r="0" g="0" b="0"/>
+      </a:effectRef>
+      <a:fontRef idx="minor"/>
+    </dgm:style>
+  </dgm:styleLbl>
+  <dgm:styleLbl name="alignAccFollowNode1">
+    <dgm:scene3d>
+      <a:camera prst="orthographicFront"/>
+      <a:lightRig rig="threePt" dir="t">
+        <a:rot lat="0" lon="0" rev="7500000"/>
+      </a:lightRig>
+    </dgm:scene3d>
+    <dgm:sp3d extrusionH="190500" prstMaterial="dkEdge">
+      <a:bevelT w="120650" h="38100" prst="relaxedInset"/>
+      <a:bevelB w="120650" h="57150" prst="relaxedInset"/>
+      <a:contourClr>
+        <a:schemeClr val="bg1"/>
+      </a:contourClr>
+    </dgm:sp3d>
+    <dgm:txPr/>
+    <dgm:style>
+      <a:lnRef idx="1">
+        <a:scrgbClr r="0" g="0" b="0"/>
+      </a:lnRef>
+      <a:fillRef idx="1">
+        <a:scrgbClr r="0" g="0" b="0"/>
+      </a:fillRef>
+      <a:effectRef idx="2">
+        <a:scrgbClr r="0" g="0" b="0"/>
+      </a:effectRef>
+      <a:fontRef idx="minor"/>
+    </dgm:style>
+  </dgm:styleLbl>
+  <dgm:styleLbl name="bgAccFollowNode1">
+    <dgm:scene3d>
+      <a:camera prst="orthographicFront"/>
+      <a:lightRig rig="threePt" dir="t">
+        <a:rot lat="0" lon="0" rev="7500000"/>
+      </a:lightRig>
+    </dgm:scene3d>
+    <dgm:sp3d z="-152400" extrusionH="63500" prstMaterial="dkEdge">
+      <a:bevelT w="144450" h="36350" prst="relaxedInset"/>
+      <a:contourClr>
+        <a:schemeClr val="bg1"/>
+      </a:contourClr>
+    </dgm:sp3d>
+    <dgm:txPr/>
+    <dgm:style>
+      <a:lnRef idx="1">
+        <a:scrgbClr r="0" g="0" b="0"/>
+      </a:lnRef>
+      <a:fillRef idx="1">
+        <a:scrgbClr r="0" g="0" b="0"/>
+      </a:fillRef>
+      <a:effectRef idx="2">
+        <a:scrgbClr r="0" g="0" b="0"/>
+      </a:effectRef>
+      <a:fontRef idx="minor"/>
+    </dgm:style>
+  </dgm:styleLbl>
+  <dgm:styleLbl name="fgAcc0">
+    <dgm:scene3d>
+      <a:camera prst="orthographicFront"/>
+      <a:lightRig rig="threePt" dir="t">
+        <a:rot lat="0" lon="0" rev="7500000"/>
+      </a:lightRig>
+    </dgm:scene3d>
+    <dgm:sp3d z="152400" extrusionH="63500" prstMaterial="dkEdge">
+      <a:bevelT w="125400" h="36350" prst="relaxedInset"/>
+      <a:contourClr>
+        <a:schemeClr val="bg1"/>
+      </a:contourClr>
+    </dgm:sp3d>
+    <dgm:txPr/>
+    <dgm:style>
+      <a:lnRef idx="1">
+        <a:scrgbClr r="0" g="0" b="0"/>
+      </a:lnRef>
+      <a:fillRef idx="1">
+        <a:scrgbClr r="0" g="0" b="0"/>
+      </a:fillRef>
+      <a:effectRef idx="2">
+        <a:scrgbClr r="0" g="0" b="0"/>
+      </a:effectRef>
+      <a:fontRef idx="minor"/>
+    </dgm:style>
+  </dgm:styleLbl>
+  <dgm:styleLbl name="fgAcc2">
+    <dgm:scene3d>
+      <a:camera prst="orthographicFront"/>
+      <a:lightRig rig="threePt" dir="t">
+        <a:rot lat="0" lon="0" rev="7500000"/>
+      </a:lightRig>
+    </dgm:scene3d>
+    <dgm:sp3d z="152400" extrusionH="63500" prstMaterial="dkEdge">
+      <a:bevelT w="125400" h="36350" prst="relaxedInset"/>
+      <a:contourClr>
+        <a:schemeClr val="bg1"/>
+      </a:contourClr>
+    </dgm:sp3d>
+    <dgm:txPr/>
+    <dgm:style>
+      <a:lnRef idx="1">
+        <a:scrgbClr r="0" g="0" b="0"/>
+      </a:lnRef>
+      <a:fillRef idx="1">
+        <a:scrgbClr r="0" g="0" b="0"/>
+      </a:fillRef>
+      <a:effectRef idx="2">
+        <a:scrgbClr r="0" g="0" b="0"/>
+      </a:effectRef>
+      <a:fontRef idx="minor"/>
+    </dgm:style>
+  </dgm:styleLbl>
+  <dgm:styleLbl name="fgAcc3">
+    <dgm:scene3d>
+      <a:camera prst="orthographicFront"/>
+      <a:lightRig rig="threePt" dir="t">
+        <a:rot lat="0" lon="0" rev="7500000"/>
+      </a:lightRig>
+    </dgm:scene3d>
+    <dgm:sp3d z="152400" extrusionH="63500" prstMaterial="dkEdge">
+      <a:bevelT w="125400" h="36350" prst="relaxedInset"/>
+      <a:contourClr>
+        <a:schemeClr val="bg1"/>
+      </a:contourClr>
+    </dgm:sp3d>
+    <dgm:txPr/>
+    <dgm:style>
+      <a:lnRef idx="1">
+        <a:scrgbClr r="0" g="0" b="0"/>
+      </a:lnRef>
+      <a:fillRef idx="1">
+        <a:scrgbClr r="0" g="0" b="0"/>
+      </a:fillRef>
+      <a:effectRef idx="2">
+        <a:scrgbClr r="0" g="0" b="0"/>
+      </a:effectRef>
+      <a:fontRef idx="minor"/>
+    </dgm:style>
+  </dgm:styleLbl>
+  <dgm:styleLbl name="fgAcc4">
+    <dgm:scene3d>
+      <a:camera prst="orthographicFront"/>
+      <a:lightRig rig="threePt" dir="t">
+        <a:rot lat="0" lon="0" rev="7500000"/>
+      </a:lightRig>
+    </dgm:scene3d>
+    <dgm:sp3d z="152400" extrusionH="63500" prstMaterial="dkEdge">
+      <a:bevelT w="125400" h="36350" prst="relaxedInset"/>
+      <a:contourClr>
+        <a:schemeClr val="bg1"/>
+      </a:contourClr>
+    </dgm:sp3d>
+    <dgm:txPr/>
+    <dgm:style>
+      <a:lnRef idx="1">
+        <a:scrgbClr r="0" g="0" b="0"/>
+      </a:lnRef>
+      <a:fillRef idx="1">
+        <a:scrgbClr r="0" g="0" b="0"/>
+      </a:fillRef>
+      <a:effectRef idx="2">
+        <a:scrgbClr r="0" g="0" b="0"/>
+      </a:effectRef>
+      <a:fontRef idx="minor"/>
+    </dgm:style>
+  </dgm:styleLbl>
+  <dgm:styleLbl name="bgShp">
+    <dgm:scene3d>
+      <a:camera prst="orthographicFront"/>
+      <a:lightRig rig="threePt" dir="t">
+        <a:rot lat="0" lon="0" rev="7500000"/>
+      </a:lightRig>
+    </dgm:scene3d>
+    <dgm:sp3d z="-152400" extrusionH="63500" prstMaterial="matte">
+      <a:bevelT w="144450" h="6350" prst="relaxedInset"/>
+      <a:contourClr>
+        <a:schemeClr val="bg1"/>
+      </a:contourClr>
+    </dgm:sp3d>
+    <dgm:txPr/>
+    <dgm:style>
+      <a:lnRef idx="0">
+        <a:scrgbClr r="0" g="0" b="0"/>
+      </a:lnRef>
+      <a:fillRef idx="3">
+        <a:scrgbClr r="0" g="0" b="0"/>
+      </a:fillRef>
+      <a:effectRef idx="0">
+        <a:scrgbClr r="0" g="0" b="0"/>
+      </a:effectRef>
+      <a:fontRef idx="minor"/>
+    </dgm:style>
+  </dgm:styleLbl>
+  <dgm:styleLbl name="dkBgShp">
+    <dgm:scene3d>
+      <a:camera prst="orthographicFront"/>
+      <a:lightRig rig="threePt" dir="t">
+        <a:rot lat="0" lon="0" rev="7500000"/>
+      </a:lightRig>
+    </dgm:scene3d>
+    <dgm:sp3d prstMaterial="plastic">
+      <a:bevelT w="127000" h="25400" prst="relaxedInset"/>
+      <a:bevelB w="88900" h="121750" prst="angle"/>
+    </dgm:sp3d>
+    <dgm:txPr/>
+    <dgm:style>
+      <a:lnRef idx="0">
+        <a:scrgbClr r="0" g="0" b="0"/>
+      </a:lnRef>
+      <a:fillRef idx="1">
+        <a:scrgbClr r="0" g="0" b="0"/>
+      </a:fillRef>
+      <a:effectRef idx="2">
+        <a:scrgbClr r="0" g="0" b="0"/>
+      </a:effectRef>
+      <a:fontRef idx="minor">
+        <a:schemeClr val="lt1"/>
+      </a:fontRef>
+    </dgm:style>
+  </dgm:styleLbl>
+  <dgm:styleLbl name="trBgShp">
+    <dgm:scene3d>
+      <a:camera prst="orthographicFront"/>
+      <a:lightRig rig="threePt" dir="t"/>
+    </dgm:scene3d>
+    <dgm:sp3d z="-152400" prstMaterial="matte"/>
+    <dgm:txPr/>
+    <dgm:style>
+      <a:lnRef idx="0">
+        <a:scrgbClr r="0" g="0" b="0"/>
+      </a:lnRef>
+      <a:fillRef idx="1">
+        <a:scrgbClr r="0" g="0" b="0"/>
+      </a:fillRef>
+      <a:effectRef idx="0">
+        <a:scrgbClr r="0" g="0" b="0"/>
+      </a:effectRef>
+      <a:fontRef idx="minor"/>
+    </dgm:style>
+  </dgm:styleLbl>
+  <dgm:styleLbl name="fgShp">
+    <dgm:scene3d>
+      <a:camera prst="orthographicFront"/>
+      <a:lightRig rig="threePt" dir="t">
+        <a:rot lat="0" lon="0" rev="7500000"/>
+      </a:lightRig>
+    </dgm:scene3d>
+    <dgm:sp3d z="152400" extrusionH="63500" prstMaterial="matte">
+      <a:bevelT w="50800" h="19050" prst="relaxedInset"/>
+      <a:contourClr>
+        <a:schemeClr val="bg1"/>
+      </a:contourClr>
+    </dgm:sp3d>
+    <dgm:txPr/>
+    <dgm:style>
+      <a:lnRef idx="0">
+        <a:scrgbClr r="0" g="0" b="0"/>
+      </a:lnRef>
+      <a:fillRef idx="1">
+        <a:scrgbClr r="0" g="0" b="0"/>
+      </a:fillRef>
+      <a:effectRef idx="2">
+        <a:scrgbClr r="0" g="0" b="0"/>
+      </a:effectRef>
+      <a:fontRef idx="minor">
+        <a:schemeClr val="lt1"/>
+      </a:fontRef>
+    </dgm:style>
+  </dgm:styleLbl>
+  <dgm:styleLbl name="revTx">
+    <dgm:scene3d>
+      <a:camera prst="orthographicFront"/>
+      <a:lightRig rig="threePt" dir="t"/>
+    </dgm:scene3d>
+    <dgm:sp3d/>
+    <dgm:txPr/>
+    <dgm:style>
+      <a:lnRef idx="0">
+        <a:scrgbClr r="0" g="0" b="0"/>
+      </a:lnRef>
+      <a:fillRef idx="0">
+        <a:scrgbClr r="0" g="0" b="0"/>
+      </a:fillRef>
+      <a:effectRef idx="0">
+        <a:scrgbClr r="0" g="0" b="0"/>
+      </a:effectRef>
+      <a:fontRef idx="minor"/>
+    </dgm:style>
+  </dgm:styleLbl>
+</dgm:styleDef>
+</file>
+
 <file path=ppt/slideLayouts/slideLayout1.xml><?xml version="1.0" encoding="utf-8"?>
 <p:sldLayout xmlns:a="http://schemas.openxmlformats.org/drawingml/2006/main" xmlns:r="http://schemas.openxmlformats.org/officeDocument/2006/relationships" xmlns:p="http://schemas.openxmlformats.org/presentationml/2006/main" type="title" preserve="1">
   <p:cSld name="Title Slide">
@@ -259,7 +3513,7 @@
           <a:p>
             <a:fld id="{F86C9DD6-B089-4487-A9E2-208BB7D75419}" type="datetimeFigureOut">
               <a:rPr lang="hr-HR" smtClean="0"/>
-              <a:t>30.4.2017.</a:t>
+              <a:t>1.5.2017.</a:t>
             </a:fld>
             <a:endParaRPr lang="hr-HR"/>
           </a:p>
@@ -429,7 +3683,7 @@
           <a:p>
             <a:fld id="{F86C9DD6-B089-4487-A9E2-208BB7D75419}" type="datetimeFigureOut">
               <a:rPr lang="hr-HR" smtClean="0"/>
-              <a:t>30.4.2017.</a:t>
+              <a:t>1.5.2017.</a:t>
             </a:fld>
             <a:endParaRPr lang="hr-HR"/>
           </a:p>
@@ -609,7 +3863,7 @@
           <a:p>
             <a:fld id="{F86C9DD6-B089-4487-A9E2-208BB7D75419}" type="datetimeFigureOut">
               <a:rPr lang="hr-HR" smtClean="0"/>
-              <a:t>30.4.2017.</a:t>
+              <a:t>1.5.2017.</a:t>
             </a:fld>
             <a:endParaRPr lang="hr-HR"/>
           </a:p>
@@ -779,7 +4033,7 @@
           <a:p>
             <a:fld id="{F86C9DD6-B089-4487-A9E2-208BB7D75419}" type="datetimeFigureOut">
               <a:rPr lang="hr-HR" smtClean="0"/>
-              <a:t>30.4.2017.</a:t>
+              <a:t>1.5.2017.</a:t>
             </a:fld>
             <a:endParaRPr lang="hr-HR"/>
           </a:p>
@@ -1025,7 +4279,7 @@
           <a:p>
             <a:fld id="{F86C9DD6-B089-4487-A9E2-208BB7D75419}" type="datetimeFigureOut">
               <a:rPr lang="hr-HR" smtClean="0"/>
-              <a:t>30.4.2017.</a:t>
+              <a:t>1.5.2017.</a:t>
             </a:fld>
             <a:endParaRPr lang="hr-HR"/>
           </a:p>
@@ -1257,7 +4511,7 @@
           <a:p>
             <a:fld id="{F86C9DD6-B089-4487-A9E2-208BB7D75419}" type="datetimeFigureOut">
               <a:rPr lang="hr-HR" smtClean="0"/>
-              <a:t>30.4.2017.</a:t>
+              <a:t>1.5.2017.</a:t>
             </a:fld>
             <a:endParaRPr lang="hr-HR"/>
           </a:p>
@@ -1624,7 +4878,7 @@
           <a:p>
             <a:fld id="{F86C9DD6-B089-4487-A9E2-208BB7D75419}" type="datetimeFigureOut">
               <a:rPr lang="hr-HR" smtClean="0"/>
-              <a:t>30.4.2017.</a:t>
+              <a:t>1.5.2017.</a:t>
             </a:fld>
             <a:endParaRPr lang="hr-HR"/>
           </a:p>
@@ -1742,7 +4996,7 @@
           <a:p>
             <a:fld id="{F86C9DD6-B089-4487-A9E2-208BB7D75419}" type="datetimeFigureOut">
               <a:rPr lang="hr-HR" smtClean="0"/>
-              <a:t>30.4.2017.</a:t>
+              <a:t>1.5.2017.</a:t>
             </a:fld>
             <a:endParaRPr lang="hr-HR"/>
           </a:p>
@@ -1837,7 +5091,7 @@
           <a:p>
             <a:fld id="{F86C9DD6-B089-4487-A9E2-208BB7D75419}" type="datetimeFigureOut">
               <a:rPr lang="hr-HR" smtClean="0"/>
-              <a:t>30.4.2017.</a:t>
+              <a:t>1.5.2017.</a:t>
             </a:fld>
             <a:endParaRPr lang="hr-HR"/>
           </a:p>
@@ -2114,7 +5368,7 @@
           <a:p>
             <a:fld id="{F86C9DD6-B089-4487-A9E2-208BB7D75419}" type="datetimeFigureOut">
               <a:rPr lang="hr-HR" smtClean="0"/>
-              <a:t>30.4.2017.</a:t>
+              <a:t>1.5.2017.</a:t>
             </a:fld>
             <a:endParaRPr lang="hr-HR"/>
           </a:p>
@@ -2367,7 +5621,7 @@
           <a:p>
             <a:fld id="{F86C9DD6-B089-4487-A9E2-208BB7D75419}" type="datetimeFigureOut">
               <a:rPr lang="hr-HR" smtClean="0"/>
-              <a:t>30.4.2017.</a:t>
+              <a:t>1.5.2017.</a:t>
             </a:fld>
             <a:endParaRPr lang="hr-HR"/>
           </a:p>
@@ -2580,7 +5834,7 @@
           <a:p>
             <a:fld id="{F86C9DD6-B089-4487-A9E2-208BB7D75419}" type="datetimeFigureOut">
               <a:rPr lang="hr-HR" smtClean="0"/>
-              <a:t>30.4.2017.</a:t>
+              <a:t>1.5.2017.</a:t>
             </a:fld>
             <a:endParaRPr lang="hr-HR"/>
           </a:p>
@@ -3062,11 +6316,7 @@
           <a:p>
             <a:r>
               <a:rPr lang="hr-HR" dirty="0" smtClean="0"/>
-              <a:t>Detaljno </a:t>
-            </a:r>
-            <a:r>
-              <a:rPr lang="hr-HR" dirty="0" smtClean="0"/>
-              <a:t>upoznavanje sa „MS </a:t>
+              <a:t>Detaljno upoznavanje sa „MS </a:t>
             </a:r>
             <a:r>
               <a:rPr lang="hr-HR" dirty="0" err="1" smtClean="0"/>
@@ -3854,7 +7104,11 @@
           <a:p>
             <a:r>
               <a:rPr lang="hr-HR" dirty="0" err="1" smtClean="0"/>
-              <a:t>OAuth</a:t>
+              <a:t>Oauth</a:t>
+            </a:r>
+            <a:r>
+              <a:rPr lang="hr-HR" dirty="0" smtClean="0"/>
+              <a:t> 2</a:t>
             </a:r>
             <a:endParaRPr lang="hr-HR" dirty="0"/>
           </a:p>
@@ -4166,108 +7420,89 @@
           <a:lstStyle/>
           <a:p>
             <a:r>
-              <a:rPr lang="hr-HR" dirty="0"/>
-              <a:t>Web </a:t>
-            </a:r>
-            <a:r>
-              <a:rPr lang="hr-HR" dirty="0" smtClean="0"/>
-              <a:t>aplikacije -povijest</a:t>
+              <a:rPr lang="hr-HR" dirty="0" smtClean="0"/>
+              <a:t>Generalni pregled</a:t>
             </a:r>
             <a:endParaRPr lang="hr-HR" dirty="0"/>
           </a:p>
         </p:txBody>
       </p:sp>
-      <p:sp>
-        <p:nvSpPr>
-          <p:cNvPr id="3" name="Content Placeholder 2"/>
-          <p:cNvSpPr>
-            <a:spLocks noGrp="1"/>
-          </p:cNvSpPr>
+      <p:graphicFrame>
+        <p:nvGraphicFramePr>
+          <p:cNvPr id="4" name="Content Placeholder 3"/>
+          <p:cNvGraphicFramePr>
+            <a:graphicFrameLocks noGrp="1"/>
+          </p:cNvGraphicFramePr>
           <p:nvPr>
             <p:ph idx="1"/>
-          </p:nvPr>
-        </p:nvSpPr>
-        <p:spPr/>
-        <p:txBody>
-          <a:bodyPr>
-            <a:normAutofit/>
-          </a:bodyPr>
-          <a:lstStyle/>
-          <a:p>
-            <a:r>
-              <a:rPr lang="hr-HR" dirty="0"/>
-              <a:t>Statični sadržaj (</a:t>
-            </a:r>
-            <a:r>
-              <a:rPr lang="hr-HR" dirty="0">
-                <a:hlinkClick r:id="rId2"/>
-              </a:rPr>
-              <a:t>http://www.pmf.unizg.hr/phy/nastava/nastavni_materijali</a:t>
-            </a:r>
-            <a:r>
-              <a:rPr lang="hr-HR" dirty="0"/>
-              <a:t>)</a:t>
-            </a:r>
-          </a:p>
-          <a:p>
-            <a:r>
-              <a:rPr lang="hr-HR" dirty="0"/>
-              <a:t>Potreba pohrane podataka i prikaz dinamičkog sadržaja</a:t>
-            </a:r>
-          </a:p>
-          <a:p>
-            <a:pPr lvl="1"/>
-            <a:r>
-              <a:rPr lang="hr-HR" dirty="0"/>
-              <a:t>Za male promjene na stranici potreban dohvat cijele stranice</a:t>
-            </a:r>
-          </a:p>
-          <a:p>
-            <a:r>
-              <a:rPr lang="hr-HR" dirty="0" err="1"/>
-              <a:t>Javascript</a:t>
-            </a:r>
-            <a:r>
-              <a:rPr lang="hr-HR" dirty="0"/>
-              <a:t> i CSS (</a:t>
-            </a:r>
-            <a:r>
-              <a:rPr lang="hr-HR" dirty="0">
-                <a:hlinkClick r:id="rId3"/>
-              </a:rPr>
-              <a:t>https://www.lingscars.com</a:t>
-            </a:r>
-            <a:r>
-              <a:rPr lang="hr-HR" dirty="0" smtClean="0">
-                <a:hlinkClick r:id="rId3"/>
-              </a:rPr>
-              <a:t>/</a:t>
-            </a:r>
-            <a:r>
-              <a:rPr lang="hr-HR" dirty="0" smtClean="0"/>
-              <a:t>)</a:t>
-            </a:r>
-            <a:endParaRPr lang="hr-HR" dirty="0"/>
-          </a:p>
-        </p:txBody>
-      </p:sp>
+            <p:extLst>
+              <p:ext uri="{D42A27DB-BD31-4B8C-83A1-F6EECF244321}">
+                <p14:modId xmlns:p14="http://schemas.microsoft.com/office/powerpoint/2010/main" val="1781505642"/>
+              </p:ext>
+            </p:extLst>
+          </p:nvPr>
+        </p:nvGraphicFramePr>
+        <p:xfrm>
+          <a:off x="838200" y="1772871"/>
+          <a:ext cx="10515600" cy="4351338"/>
+        </p:xfrm>
+        <a:graphic>
+          <a:graphicData uri="http://schemas.openxmlformats.org/drawingml/2006/diagram">
+            <dgm:relIds xmlns:dgm="http://schemas.openxmlformats.org/drawingml/2006/diagram" xmlns:r="http://schemas.openxmlformats.org/officeDocument/2006/relationships" r:dm="rId2" r:lo="rId3" r:qs="rId4" r:cs="rId5"/>
+          </a:graphicData>
+        </a:graphic>
+      </p:graphicFrame>
+      <p:pic>
+        <p:nvPicPr>
+          <p:cNvPr id="5" name="Picture 2" descr="Slikovni rezultat za angular js stack"/>
+          <p:cNvPicPr>
+            <a:picLocks noChangeAspect="1" noChangeArrowheads="1"/>
+          </p:cNvPicPr>
+          <p:nvPr/>
+        </p:nvPicPr>
+        <p:blipFill>
+          <a:blip r:embed="rId7">
+            <a:extLst>
+              <a:ext uri="{28A0092B-C50C-407E-A947-70E740481C1C}">
+                <a14:useLocalDpi xmlns:a14="http://schemas.microsoft.com/office/drawing/2010/main" val="0"/>
+              </a:ext>
+            </a:extLst>
+          </a:blip>
+          <a:srcRect/>
+          <a:stretch>
+            <a:fillRect/>
+          </a:stretch>
+        </p:blipFill>
+        <p:spPr bwMode="auto">
+          <a:xfrm>
+            <a:off x="5556738" y="4214081"/>
+            <a:ext cx="5797062" cy="1910128"/>
+          </a:xfrm>
+          <a:prstGeom prst="rect">
+            <a:avLst/>
+          </a:prstGeom>
+          <a:noFill/>
+          <a:extLst>
+            <a:ext uri="{909E8E84-426E-40DD-AFC4-6F175D3DCCD1}">
+              <a14:hiddenFill xmlns:a14="http://schemas.microsoft.com/office/drawing/2010/main">
+                <a:solidFill>
+                  <a:srgbClr val="FFFFFF"/>
+                </a:solidFill>
+              </a14:hiddenFill>
+            </a:ext>
+          </a:extLst>
+        </p:spPr>
+      </p:pic>
     </p:spTree>
     <p:extLst>
       <p:ext uri="{BB962C8B-B14F-4D97-AF65-F5344CB8AC3E}">
-        <p14:creationId xmlns:p14="http://schemas.microsoft.com/office/powerpoint/2010/main" val="2238752516"/>
+        <p14:creationId xmlns:p14="http://schemas.microsoft.com/office/powerpoint/2010/main" val="2383672195"/>
       </p:ext>
     </p:extLst>
   </p:cSld>
   <p:clrMapOvr>
     <a:masterClrMapping/>
   </p:clrMapOvr>
-  <p:timing>
-    <p:tnLst>
-      <p:par>
-        <p:cTn id="1" dur="indefinite" restart="never" nodeType="tmRoot"/>
-      </p:par>
-    </p:tnLst>
-  </p:timing>
 </p:sld>
 </file>
 
@@ -4309,7 +7544,7 @@
             </a:r>
             <a:r>
               <a:rPr lang="hr-HR" dirty="0" smtClean="0"/>
-              <a:t>aplikacije - povijest</a:t>
+              <a:t>aplikacije -povijest</a:t>
             </a:r>
             <a:endParaRPr lang="hr-HR" dirty="0"/>
           </a:p>
@@ -4328,177 +7563,63 @@
         <p:spPr/>
         <p:txBody>
           <a:bodyPr>
-            <a:normAutofit lnSpcReduction="10000"/>
+            <a:normAutofit/>
           </a:bodyPr>
           <a:lstStyle/>
           <a:p>
             <a:r>
               <a:rPr lang="hr-HR" dirty="0"/>
-              <a:t>AJAX</a:t>
+              <a:t>Statični sadržaj (</a:t>
+            </a:r>
+            <a:r>
+              <a:rPr lang="hr-HR" dirty="0">
+                <a:hlinkClick r:id="rId2"/>
+              </a:rPr>
+              <a:t>http://www.pmf.unizg.hr/phy/nastava/nastavni_materijali</a:t>
+            </a:r>
+            <a:r>
+              <a:rPr lang="hr-HR" dirty="0"/>
+              <a:t>)</a:t>
+            </a:r>
+          </a:p>
+          <a:p>
+            <a:r>
+              <a:rPr lang="hr-HR" dirty="0"/>
+              <a:t>Potreba pohrane podataka i prikaz dinamičkog sadržaja</a:t>
             </a:r>
           </a:p>
           <a:p>
             <a:pPr lvl="1"/>
             <a:r>
+              <a:rPr lang="hr-HR" dirty="0"/>
+              <a:t>Za male promjene na stranici potreban dohvat cijele stranice</a:t>
+            </a:r>
+          </a:p>
+          <a:p>
+            <a:r>
               <a:rPr lang="hr-HR" dirty="0" err="1"/>
-              <a:t>iframe</a:t>
+              <a:t>Javascript</a:t>
             </a:r>
             <a:r>
               <a:rPr lang="hr-HR" dirty="0"/>
-              <a:t> (1996)</a:t>
-            </a:r>
-          </a:p>
-          <a:p>
-            <a:pPr lvl="1"/>
-            <a:r>
-              <a:rPr lang="hr-HR" dirty="0" err="1"/>
-              <a:t>ActiveX</a:t>
-            </a:r>
-            <a:r>
-              <a:rPr lang="hr-HR" dirty="0"/>
-              <a:t> (IE 5, 1999)</a:t>
-            </a:r>
-          </a:p>
-          <a:p>
-            <a:pPr lvl="1"/>
-            <a:r>
-              <a:rPr lang="hr-HR" dirty="0" err="1"/>
-              <a:t>Gmail</a:t>
-            </a:r>
-            <a:r>
-              <a:rPr lang="hr-HR" dirty="0"/>
-              <a:t> (2004)</a:t>
-            </a:r>
-          </a:p>
-          <a:p>
-            <a:r>
-              <a:rPr lang="hr-HR" dirty="0"/>
-              <a:t>MVC – </a:t>
-            </a:r>
-            <a:r>
-              <a:rPr lang="hr-HR" dirty="0" err="1"/>
-              <a:t>partial</a:t>
-            </a:r>
-            <a:r>
-              <a:rPr lang="hr-HR" dirty="0"/>
-              <a:t> </a:t>
-            </a:r>
-            <a:r>
-              <a:rPr lang="hr-HR" dirty="0" err="1"/>
-              <a:t>view</a:t>
-            </a:r>
-            <a:endParaRPr lang="hr-HR" dirty="0"/>
-          </a:p>
-          <a:p>
-            <a:pPr lvl="1"/>
-            <a:r>
-              <a:rPr lang="hr-HR" dirty="0" err="1" smtClean="0"/>
-              <a:t>Mvc</a:t>
-            </a:r>
-            <a:r>
-              <a:rPr lang="hr-HR" dirty="0" smtClean="0"/>
-              <a:t> </a:t>
-            </a:r>
-            <a:r>
-              <a:rPr lang="hr-HR" dirty="0" err="1" smtClean="0"/>
-              <a:t>pre</a:t>
-            </a:r>
-            <a:r>
-              <a:rPr lang="hr-HR" dirty="0" smtClean="0"/>
-              <a:t> 1 (2008) – </a:t>
-            </a:r>
-            <a:r>
-              <a:rPr lang="hr-HR" dirty="0" err="1" smtClean="0"/>
-              <a:t>Phil</a:t>
-            </a:r>
-            <a:r>
-              <a:rPr lang="hr-HR" dirty="0" smtClean="0"/>
-              <a:t> </a:t>
-            </a:r>
-            <a:r>
-              <a:rPr lang="hr-HR" dirty="0" err="1" smtClean="0"/>
-              <a:t>Haack</a:t>
-            </a:r>
-            <a:endParaRPr lang="hr-HR" dirty="0" smtClean="0"/>
-          </a:p>
-          <a:p>
-            <a:pPr lvl="1"/>
-            <a:r>
-              <a:rPr lang="hr-HR" dirty="0" smtClean="0"/>
-              <a:t>MVC </a:t>
-            </a:r>
-            <a:r>
-              <a:rPr lang="hr-HR" dirty="0"/>
-              <a:t>1 (2009) – web </a:t>
-            </a:r>
-            <a:r>
-              <a:rPr lang="hr-HR" dirty="0" err="1"/>
-              <a:t>pages</a:t>
-            </a:r>
-            <a:endParaRPr lang="hr-HR" dirty="0"/>
-          </a:p>
-          <a:p>
-            <a:pPr lvl="1"/>
-            <a:r>
-              <a:rPr lang="hr-HR" dirty="0"/>
-              <a:t>MVC 3 (2011) </a:t>
-            </a:r>
-            <a:r>
-              <a:rPr lang="hr-HR" dirty="0" smtClean="0"/>
-              <a:t>– razor</a:t>
-            </a:r>
-          </a:p>
-          <a:p>
-            <a:pPr lvl="1"/>
-            <a:r>
-              <a:rPr lang="hr-HR" dirty="0" smtClean="0"/>
-              <a:t>MVC 4 (2011-2012) -  </a:t>
-            </a:r>
-            <a:r>
-              <a:rPr lang="hr-HR" dirty="0" err="1" smtClean="0"/>
-              <a:t>Visual</a:t>
-            </a:r>
-            <a:r>
-              <a:rPr lang="hr-HR" dirty="0" smtClean="0"/>
-              <a:t> Studio 2010-2012</a:t>
-            </a:r>
-          </a:p>
-          <a:p>
-            <a:pPr lvl="1"/>
-            <a:r>
-              <a:rPr lang="hr-HR" dirty="0"/>
-              <a:t>„ASP.NET One” </a:t>
-            </a:r>
-            <a:r>
-              <a:rPr lang="hr-HR" dirty="0" smtClean="0"/>
-              <a:t>- MVC </a:t>
-            </a:r>
-            <a:r>
-              <a:rPr lang="hr-HR" dirty="0" smtClean="0"/>
-              <a:t>5 (2016) – </a:t>
-            </a:r>
-            <a:r>
-              <a:rPr lang="hr-HR" dirty="0" err="1" smtClean="0"/>
-              <a:t>Visual</a:t>
-            </a:r>
-            <a:r>
-              <a:rPr lang="hr-HR" dirty="0" smtClean="0"/>
-              <a:t> Studio 2013-2015</a:t>
-            </a:r>
-          </a:p>
-          <a:p>
-            <a:pPr lvl="1"/>
-            <a:r>
-              <a:rPr lang="hr-HR" dirty="0" err="1" smtClean="0"/>
-              <a:t>Mvc</a:t>
-            </a:r>
-            <a:r>
-              <a:rPr lang="hr-HR" dirty="0" smtClean="0"/>
-              <a:t> &amp; Web API Core</a:t>
-            </a:r>
-            <a:endParaRPr lang="hr-HR" dirty="0"/>
-          </a:p>
-          <a:p>
+              <a:t> i CSS (</a:t>
+            </a:r>
+            <a:r>
+              <a:rPr lang="hr-HR" dirty="0">
+                <a:hlinkClick r:id="rId3"/>
+              </a:rPr>
+              <a:t>https://www.lingscars.com</a:t>
+            </a:r>
+            <a:r>
+              <a:rPr lang="hr-HR" dirty="0" smtClean="0">
+                <a:hlinkClick r:id="rId3"/>
+              </a:rPr>
+              <a:t>/</a:t>
+            </a:r>
+            <a:r>
+              <a:rPr lang="hr-HR" dirty="0" smtClean="0"/>
+              <a:t>)</a:t>
+            </a:r>
             <a:endParaRPr lang="hr-HR" dirty="0"/>
           </a:p>
         </p:txBody>
@@ -4506,7 +7627,7 @@
     </p:spTree>
     <p:extLst>
       <p:ext uri="{BB962C8B-B14F-4D97-AF65-F5344CB8AC3E}">
-        <p14:creationId xmlns:p14="http://schemas.microsoft.com/office/powerpoint/2010/main" val="112139646"/>
+        <p14:creationId xmlns:p14="http://schemas.microsoft.com/office/powerpoint/2010/main" val="2238752516"/>
       </p:ext>
     </p:extLst>
   </p:cSld>
@@ -4579,35 +7700,65 @@
         </p:nvSpPr>
         <p:spPr/>
         <p:txBody>
-          <a:bodyPr/>
+          <a:bodyPr>
+            <a:normAutofit lnSpcReduction="10000"/>
+          </a:bodyPr>
           <a:lstStyle/>
           <a:p>
             <a:r>
               <a:rPr lang="hr-HR" dirty="0"/>
-              <a:t>Single </a:t>
-            </a:r>
+              <a:t>AJAX</a:t>
+            </a:r>
+          </a:p>
+          <a:p>
+            <a:pPr lvl="1"/>
             <a:r>
               <a:rPr lang="hr-HR" dirty="0" err="1"/>
-              <a:t>page</a:t>
+              <a:t>iframe</a:t>
             </a:r>
             <a:r>
               <a:rPr lang="hr-HR" dirty="0"/>
-              <a:t> (patent 2004)</a:t>
+              <a:t> (1996)</a:t>
             </a:r>
           </a:p>
           <a:p>
             <a:pPr lvl="1"/>
             <a:r>
-              <a:rPr lang="hr-HR" dirty="0" smtClean="0"/>
-              <a:t>Učitavanje cijele (ili dijelova) </a:t>
+              <a:rPr lang="hr-HR" dirty="0" err="1"/>
+              <a:t>ActiveX</a:t>
             </a:r>
             <a:r>
               <a:rPr lang="hr-HR" dirty="0"/>
-              <a:t>aplikacije </a:t>
-            </a:r>
-            <a:r>
-              <a:rPr lang="hr-HR" dirty="0" smtClean="0"/>
-              <a:t>u browser</a:t>
+              <a:t> (IE 5, 1999)</a:t>
+            </a:r>
+          </a:p>
+          <a:p>
+            <a:pPr lvl="1"/>
+            <a:r>
+              <a:rPr lang="hr-HR" dirty="0" err="1"/>
+              <a:t>Gmail</a:t>
+            </a:r>
+            <a:r>
+              <a:rPr lang="hr-HR" dirty="0"/>
+              <a:t> (2004)</a:t>
+            </a:r>
+          </a:p>
+          <a:p>
+            <a:r>
+              <a:rPr lang="hr-HR" dirty="0"/>
+              <a:t>MVC – </a:t>
+            </a:r>
+            <a:r>
+              <a:rPr lang="hr-HR" dirty="0" err="1"/>
+              <a:t>partial</a:t>
+            </a:r>
+            <a:r>
+              <a:rPr lang="hr-HR" dirty="0"/>
+              <a:t> </a:t>
+            </a:r>
+            <a:r>
+              <a:rPr lang="hr-HR" dirty="0" err="1"/>
+              <a:t>view</a:t>
             </a:r>
             <a:endParaRPr lang="hr-HR" dirty="0"/>
           </a:p>
@@ -4615,70 +7766,105 @@
             <a:pPr lvl="1"/>
             <a:r>
               <a:rPr lang="hr-HR" dirty="0" err="1" smtClean="0"/>
-              <a:t>Ajax-XHttpRequest</a:t>
-            </a:r>
-            <a:r>
-              <a:rPr lang="hr-HR" dirty="0" smtClean="0"/>
-              <a:t> komunikacija sa serverom (podaci)</a:t>
+              <a:t>Mvc</a:t>
+            </a:r>
+            <a:r>
+              <a:rPr lang="hr-HR" dirty="0" smtClean="0"/>
+              <a:t> </a:t>
+            </a:r>
+            <a:r>
+              <a:rPr lang="hr-HR" dirty="0" err="1" smtClean="0"/>
+              <a:t>pre</a:t>
+            </a:r>
+            <a:r>
+              <a:rPr lang="hr-HR" dirty="0" smtClean="0"/>
+              <a:t> 1 (2008) – </a:t>
+            </a:r>
+            <a:r>
+              <a:rPr lang="hr-HR" dirty="0" err="1" smtClean="0"/>
+              <a:t>Phil</a:t>
+            </a:r>
+            <a:r>
+              <a:rPr lang="hr-HR" dirty="0" smtClean="0"/>
+              <a:t> </a:t>
+            </a:r>
+            <a:r>
+              <a:rPr lang="hr-HR" dirty="0" err="1" smtClean="0"/>
+              <a:t>Haack</a:t>
+            </a:r>
+            <a:endParaRPr lang="hr-HR" dirty="0" smtClean="0"/>
+          </a:p>
+          <a:p>
+            <a:pPr lvl="1"/>
+            <a:r>
+              <a:rPr lang="hr-HR" dirty="0" smtClean="0"/>
+              <a:t>MVC </a:t>
+            </a:r>
+            <a:r>
+              <a:rPr lang="hr-HR" dirty="0"/>
+              <a:t>1 (2009) – web </a:t>
+            </a:r>
+            <a:r>
+              <a:rPr lang="hr-HR" dirty="0" err="1"/>
+              <a:t>pages</a:t>
             </a:r>
             <a:endParaRPr lang="hr-HR" dirty="0"/>
           </a:p>
           <a:p>
             <a:pPr lvl="1"/>
             <a:r>
-              <a:rPr lang="hr-HR" dirty="0" err="1"/>
-              <a:t>AngularJS</a:t>
-            </a:r>
-            <a:r>
               <a:rPr lang="hr-HR" dirty="0"/>
-              <a:t> (2010</a:t>
-            </a:r>
-            <a:r>
-              <a:rPr lang="hr-HR" dirty="0" smtClean="0"/>
-              <a:t>)</a:t>
+              <a:t>MVC 3 (2011) </a:t>
+            </a:r>
+            <a:r>
+              <a:rPr lang="hr-HR" dirty="0" smtClean="0"/>
+              <a:t>– razor</a:t>
             </a:r>
           </a:p>
           <a:p>
             <a:pPr lvl="1"/>
             <a:r>
               <a:rPr lang="hr-HR" dirty="0" smtClean="0"/>
-              <a:t>Izazovi</a:t>
-            </a:r>
-            <a:endParaRPr lang="hr-HR" dirty="0"/>
-          </a:p>
-          <a:p>
-            <a:pPr lvl="2"/>
-            <a:r>
-              <a:rPr lang="hr-HR" dirty="0" err="1"/>
-              <a:t>Routing</a:t>
-            </a:r>
-            <a:endParaRPr lang="hr-HR" dirty="0"/>
-          </a:p>
-          <a:p>
-            <a:pPr lvl="2"/>
-            <a:r>
-              <a:rPr lang="hr-HR" dirty="0" smtClean="0"/>
-              <a:t>SEO</a:t>
-            </a:r>
-          </a:p>
-          <a:p>
-            <a:pPr lvl="2"/>
-            <a:r>
-              <a:rPr lang="hr-HR" dirty="0" smtClean="0"/>
-              <a:t>Parcijalni </a:t>
+              <a:t>MVC 4 (2011-2012) -  </a:t>
             </a:r>
             <a:r>
               <a:rPr lang="hr-HR" dirty="0" err="1" smtClean="0"/>
-              <a:t>loading</a:t>
-            </a:r>
-            <a:r>
-              <a:rPr lang="hr-HR" dirty="0" smtClean="0"/>
-              <a:t> templatea</a:t>
-            </a:r>
-            <a:endParaRPr lang="hr-HR" dirty="0"/>
+              <a:t>Visual</a:t>
+            </a:r>
+            <a:r>
+              <a:rPr lang="hr-HR" dirty="0" smtClean="0"/>
+              <a:t> Studio 2010-2012</a:t>
+            </a:r>
           </a:p>
           <a:p>
             <a:pPr lvl="1"/>
+            <a:r>
+              <a:rPr lang="hr-HR" dirty="0"/>
+              <a:t>„ASP.NET One” </a:t>
+            </a:r>
+            <a:r>
+              <a:rPr lang="hr-HR" dirty="0" smtClean="0"/>
+              <a:t>- MVC 5 (2016) – </a:t>
+            </a:r>
+            <a:r>
+              <a:rPr lang="hr-HR" dirty="0" err="1" smtClean="0"/>
+              <a:t>Visual</a:t>
+            </a:r>
+            <a:r>
+              <a:rPr lang="hr-HR" dirty="0" smtClean="0"/>
+              <a:t> Studio 2013-2015</a:t>
+            </a:r>
+          </a:p>
+          <a:p>
+            <a:pPr lvl="1"/>
+            <a:r>
+              <a:rPr lang="hr-HR" dirty="0" err="1" smtClean="0"/>
+              <a:t>Mvc</a:t>
+            </a:r>
+            <a:r>
+              <a:rPr lang="hr-HR" dirty="0" smtClean="0"/>
+              <a:t> &amp; Web API Core</a:t>
+            </a:r>
             <a:endParaRPr lang="hr-HR" dirty="0"/>
           </a:p>
           <a:p>
@@ -4689,7 +7875,7 @@
     </p:spTree>
     <p:extLst>
       <p:ext uri="{BB962C8B-B14F-4D97-AF65-F5344CB8AC3E}">
-        <p14:creationId xmlns:p14="http://schemas.microsoft.com/office/powerpoint/2010/main" val="393142116"/>
+        <p14:creationId xmlns:p14="http://schemas.microsoft.com/office/powerpoint/2010/main" val="112139646"/>
       </p:ext>
     </p:extLst>
   </p:cSld>
@@ -4740,8 +7926,13 @@
           <a:p>
             <a:r>
               <a:rPr lang="hr-HR" dirty="0"/>
-              <a:t>Web aplikacije</a:t>
-            </a:r>
+              <a:t>Web </a:t>
+            </a:r>
+            <a:r>
+              <a:rPr lang="hr-HR" dirty="0" smtClean="0"/>
+              <a:t>aplikacije - povijest</a:t>
+            </a:r>
+            <a:endParaRPr lang="hr-HR" dirty="0"/>
           </a:p>
         </p:txBody>
       </p:sp>
@@ -4757,93 +7948,106 @@
         </p:nvSpPr>
         <p:spPr/>
         <p:txBody>
-          <a:bodyPr>
-            <a:normAutofit lnSpcReduction="10000"/>
-          </a:bodyPr>
+          <a:bodyPr/>
           <a:lstStyle/>
           <a:p>
             <a:r>
-              <a:rPr lang="hr-HR" dirty="0" smtClean="0"/>
-              <a:t>UI/UX</a:t>
+              <a:rPr lang="hr-HR" dirty="0"/>
+              <a:t>Single </a:t>
+            </a:r>
+            <a:r>
+              <a:rPr lang="hr-HR" dirty="0" err="1"/>
+              <a:t>page</a:t>
+            </a:r>
+            <a:r>
+              <a:rPr lang="hr-HR" dirty="0"/>
+              <a:t> (patent 2004)</a:t>
             </a:r>
           </a:p>
           <a:p>
             <a:pPr lvl="1"/>
             <a:r>
               <a:rPr lang="hr-HR" dirty="0" smtClean="0"/>
-              <a:t>Pratimo generalne smjernice, ukoliko naručitelj ne traži nešto određeno</a:t>
-            </a:r>
+              <a:t>Učitavanje cijele (ili dijelova) </a:t>
+            </a:r>
+            <a:r>
+              <a:rPr lang="hr-HR" dirty="0"/>
+              <a:t>aplikacije </a:t>
+            </a:r>
+            <a:r>
+              <a:rPr lang="hr-HR" dirty="0" smtClean="0"/>
+              <a:t>u browser</a:t>
+            </a:r>
+            <a:endParaRPr lang="hr-HR" dirty="0"/>
           </a:p>
           <a:p>
             <a:pPr lvl="1"/>
             <a:r>
-              <a:rPr lang="hr-HR" dirty="0" smtClean="0"/>
-              <a:t>Većinom interne aplikacije – jednostavan dizajn</a:t>
+              <a:rPr lang="hr-HR" dirty="0" err="1" smtClean="0"/>
+              <a:t>Ajax-XHttpRequest</a:t>
+            </a:r>
+            <a:r>
+              <a:rPr lang="hr-HR" dirty="0" smtClean="0"/>
+              <a:t> komunikacija sa serverom (podaci)</a:t>
             </a:r>
             <a:endParaRPr lang="hr-HR" dirty="0"/>
           </a:p>
           <a:p>
-            <a:r>
-              <a:rPr lang="hr-HR" dirty="0" smtClean="0"/>
-              <a:t>Performanse</a:t>
-            </a:r>
-          </a:p>
-          <a:p>
             <a:pPr lvl="1"/>
             <a:r>
-              <a:rPr lang="hr-HR" dirty="0" smtClean="0"/>
-              <a:t>Koliko korisnik smije čekati na otvaranje stranice?</a:t>
+              <a:rPr lang="hr-HR" dirty="0" err="1"/>
+              <a:t>AngularJS</a:t>
+            </a:r>
+            <a:r>
+              <a:rPr lang="hr-HR" dirty="0"/>
+              <a:t> (2010</a:t>
+            </a:r>
+            <a:r>
+              <a:rPr lang="hr-HR" dirty="0" smtClean="0"/>
+              <a:t>)</a:t>
             </a:r>
           </a:p>
           <a:p>
             <a:pPr lvl="1"/>
             <a:r>
               <a:rPr lang="hr-HR" dirty="0" smtClean="0"/>
-              <a:t>Što ako je u pitanju ogroman izvještaj?</a:t>
-            </a:r>
+              <a:t>Izazovi</a:t>
+            </a:r>
+            <a:endParaRPr lang="hr-HR" dirty="0"/>
+          </a:p>
+          <a:p>
+            <a:pPr lvl="2"/>
+            <a:r>
+              <a:rPr lang="hr-HR" dirty="0" err="1"/>
+              <a:t>Routing</a:t>
+            </a:r>
+            <a:endParaRPr lang="hr-HR" dirty="0"/>
+          </a:p>
+          <a:p>
+            <a:pPr lvl="2"/>
+            <a:r>
+              <a:rPr lang="hr-HR" dirty="0" smtClean="0"/>
+              <a:t>SEO</a:t>
+            </a:r>
+          </a:p>
+          <a:p>
+            <a:pPr lvl="2"/>
+            <a:r>
+              <a:rPr lang="hr-HR" dirty="0" smtClean="0"/>
+              <a:t>Parcijalni </a:t>
+            </a:r>
+            <a:r>
+              <a:rPr lang="hr-HR" dirty="0" err="1" smtClean="0"/>
+              <a:t>loading</a:t>
+            </a:r>
+            <a:r>
+              <a:rPr lang="hr-HR" dirty="0" smtClean="0"/>
+              <a:t> templatea</a:t>
+            </a:r>
+            <a:endParaRPr lang="hr-HR" dirty="0"/>
           </a:p>
           <a:p>
             <a:pPr lvl="1"/>
-            <a:r>
-              <a:rPr lang="hr-HR" dirty="0" err="1" smtClean="0"/>
-              <a:t>Broadband</a:t>
-            </a:r>
-            <a:r>
-              <a:rPr lang="hr-HR" dirty="0" smtClean="0"/>
-              <a:t> ograničenja</a:t>
-            </a:r>
-            <a:endParaRPr lang="hr-HR" dirty="0"/>
-          </a:p>
-          <a:p>
-            <a:r>
-              <a:rPr lang="hr-HR" dirty="0"/>
-              <a:t>Pohrana </a:t>
-            </a:r>
-            <a:r>
-              <a:rPr lang="hr-HR" dirty="0" smtClean="0"/>
-              <a:t>podataka</a:t>
-            </a:r>
-          </a:p>
-          <a:p>
-            <a:pPr lvl="1"/>
-            <a:r>
-              <a:rPr lang="hr-HR" dirty="0" smtClean="0"/>
-              <a:t>Model na bazi</a:t>
-            </a:r>
-          </a:p>
-          <a:p>
-            <a:pPr lvl="1"/>
-            <a:r>
-              <a:rPr lang="hr-HR" dirty="0" smtClean="0"/>
-              <a:t>Audit, log</a:t>
-            </a:r>
-          </a:p>
-          <a:p>
-            <a:pPr lvl="1"/>
-            <a:r>
-              <a:rPr lang="hr-HR" dirty="0" smtClean="0"/>
-              <a:t>Backup</a:t>
-            </a:r>
             <a:endParaRPr lang="hr-HR" dirty="0"/>
           </a:p>
           <a:p>
@@ -4854,7 +8058,7 @@
     </p:spTree>
     <p:extLst>
       <p:ext uri="{BB962C8B-B14F-4D97-AF65-F5344CB8AC3E}">
-        <p14:creationId xmlns:p14="http://schemas.microsoft.com/office/powerpoint/2010/main" val="738608312"/>
+        <p14:creationId xmlns:p14="http://schemas.microsoft.com/office/powerpoint/2010/main" val="393142116"/>
       </p:ext>
     </p:extLst>
   </p:cSld>
@@ -4923,166 +8127,95 @@
         <p:spPr/>
         <p:txBody>
           <a:bodyPr>
-            <a:normAutofit fontScale="55000" lnSpcReduction="20000"/>
+            <a:normAutofit lnSpcReduction="10000"/>
           </a:bodyPr>
           <a:lstStyle/>
           <a:p>
             <a:r>
+              <a:rPr lang="hr-HR" dirty="0" smtClean="0"/>
+              <a:t>UI/UX</a:t>
+            </a:r>
+          </a:p>
+          <a:p>
+            <a:pPr lvl="1"/>
+            <a:r>
+              <a:rPr lang="hr-HR" dirty="0" smtClean="0"/>
+              <a:t>Pratimo generalne smjernice, ukoliko naručitelj ne traži nešto određeno</a:t>
+            </a:r>
+          </a:p>
+          <a:p>
+            <a:pPr lvl="1"/>
+            <a:r>
+              <a:rPr lang="hr-HR" dirty="0" smtClean="0"/>
+              <a:t>Većinom interne aplikacije – jednostavan dizajn</a:t>
+            </a:r>
+            <a:endParaRPr lang="hr-HR" dirty="0"/>
+          </a:p>
+          <a:p>
+            <a:r>
+              <a:rPr lang="hr-HR" dirty="0" smtClean="0"/>
+              <a:t>Performanse</a:t>
+            </a:r>
+          </a:p>
+          <a:p>
+            <a:pPr lvl="1"/>
+            <a:r>
+              <a:rPr lang="hr-HR" dirty="0" smtClean="0"/>
+              <a:t>Koliko korisnik smije čekati na otvaranje stranice?</a:t>
+            </a:r>
+          </a:p>
+          <a:p>
+            <a:pPr lvl="1"/>
+            <a:r>
+              <a:rPr lang="hr-HR" dirty="0" smtClean="0"/>
+              <a:t>Što ako je u pitanju ogroman izvještaj?</a:t>
+            </a:r>
+          </a:p>
+          <a:p>
+            <a:pPr lvl="1"/>
+            <a:r>
+              <a:rPr lang="hr-HR" dirty="0" err="1" smtClean="0"/>
+              <a:t>Broadband</a:t>
+            </a:r>
+            <a:r>
+              <a:rPr lang="hr-HR" dirty="0" smtClean="0"/>
+              <a:t> ograničenja</a:t>
+            </a:r>
+            <a:endParaRPr lang="hr-HR" dirty="0"/>
+          </a:p>
+          <a:p>
+            <a:r>
               <a:rPr lang="hr-HR" dirty="0"/>
-              <a:t>Hodogram poslovne aplikacije</a:t>
+              <a:t>Pohrana </a:t>
+            </a:r>
+            <a:r>
+              <a:rPr lang="hr-HR" dirty="0" smtClean="0"/>
+              <a:t>podataka</a:t>
             </a:r>
           </a:p>
           <a:p>
             <a:pPr lvl="1"/>
             <a:r>
-              <a:rPr lang="hr-HR" dirty="0"/>
-              <a:t>Analiza</a:t>
+              <a:rPr lang="hr-HR" dirty="0" smtClean="0"/>
+              <a:t>Model na bazi</a:t>
             </a:r>
           </a:p>
           <a:p>
             <a:pPr lvl="1"/>
             <a:r>
-              <a:rPr lang="hr-HR" dirty="0"/>
-              <a:t>Funkcionalna</a:t>
-            </a:r>
-          </a:p>
-          <a:p>
-            <a:pPr lvl="2"/>
-            <a:r>
-              <a:rPr lang="hr-HR" dirty="0"/>
-              <a:t>Tehnologija</a:t>
-            </a:r>
-          </a:p>
-          <a:p>
-            <a:pPr lvl="2"/>
-            <a:r>
-              <a:rPr lang="hr-HR" dirty="0"/>
-              <a:t>Arhitektura</a:t>
-            </a:r>
-          </a:p>
-          <a:p>
-            <a:pPr lvl="2"/>
-            <a:r>
-              <a:rPr lang="hr-HR" dirty="0"/>
-              <a:t>Model</a:t>
-            </a:r>
-          </a:p>
-          <a:p>
-            <a:pPr lvl="2"/>
-            <a:r>
-              <a:rPr lang="hr-HR" dirty="0" err="1"/>
-              <a:t>Mockovi</a:t>
+              <a:rPr lang="hr-HR" dirty="0" smtClean="0"/>
+              <a:t>Audit, log</a:t>
+            </a:r>
+          </a:p>
+          <a:p>
+            <a:pPr lvl="1"/>
+            <a:r>
+              <a:rPr lang="hr-HR" dirty="0" smtClean="0"/>
+              <a:t>Backup</a:t>
             </a:r>
             <a:endParaRPr lang="hr-HR" dirty="0"/>
           </a:p>
           <a:p>
-            <a:pPr lvl="1"/>
-            <a:r>
-              <a:rPr lang="hr-HR" dirty="0"/>
-              <a:t>Razvoj</a:t>
-            </a:r>
-          </a:p>
-          <a:p>
-            <a:pPr lvl="2"/>
-            <a:r>
-              <a:rPr lang="hr-HR" dirty="0"/>
-              <a:t>Baza</a:t>
-            </a:r>
-          </a:p>
-          <a:p>
-            <a:pPr lvl="2"/>
-            <a:r>
-              <a:rPr lang="hr-HR" dirty="0"/>
-              <a:t>Poslovna logika</a:t>
-            </a:r>
-          </a:p>
-          <a:p>
-            <a:pPr lvl="2"/>
-            <a:r>
-              <a:rPr lang="hr-HR" dirty="0"/>
-              <a:t>Sučelje</a:t>
-            </a:r>
-          </a:p>
-          <a:p>
-            <a:pPr lvl="2"/>
-            <a:r>
-              <a:rPr lang="hr-HR" dirty="0"/>
-              <a:t>Infrastruktura (mail, </a:t>
-            </a:r>
-            <a:r>
-              <a:rPr lang="hr-HR" dirty="0" err="1"/>
-              <a:t>logiranje</a:t>
-            </a:r>
-            <a:r>
-              <a:rPr lang="hr-HR" dirty="0"/>
-              <a:t>)</a:t>
-            </a:r>
-          </a:p>
-          <a:p>
-            <a:pPr lvl="2"/>
-            <a:r>
-              <a:rPr lang="hr-HR" dirty="0"/>
-              <a:t>Testiranje</a:t>
-            </a:r>
-          </a:p>
-          <a:p>
-            <a:pPr lvl="2"/>
-            <a:r>
-              <a:rPr lang="hr-HR" dirty="0"/>
-              <a:t>Timski rad</a:t>
-            </a:r>
-          </a:p>
-          <a:p>
-            <a:pPr lvl="1"/>
-            <a:r>
-              <a:rPr lang="hr-HR" dirty="0"/>
-              <a:t>Test/Produkcija</a:t>
-            </a:r>
-          </a:p>
-          <a:p>
-            <a:pPr lvl="2"/>
-            <a:r>
-              <a:rPr lang="hr-HR" dirty="0"/>
-              <a:t>Okoline</a:t>
-            </a:r>
-          </a:p>
-          <a:p>
-            <a:pPr lvl="2"/>
-            <a:r>
-              <a:rPr lang="hr-HR" dirty="0"/>
-              <a:t>Migracije</a:t>
-            </a:r>
-          </a:p>
-          <a:p>
-            <a:pPr lvl="2"/>
-            <a:r>
-              <a:rPr lang="hr-HR" dirty="0"/>
-              <a:t>Dostupnost/Backup</a:t>
-            </a:r>
-          </a:p>
-          <a:p>
-            <a:pPr lvl="2"/>
-            <a:r>
-              <a:rPr lang="hr-HR" dirty="0"/>
-              <a:t>Izmjene modela/poslovne logike</a:t>
-            </a:r>
-          </a:p>
-          <a:p>
-            <a:pPr lvl="1"/>
-            <a:r>
-              <a:rPr lang="hr-HR" dirty="0"/>
-              <a:t>Održavanje</a:t>
-            </a:r>
-          </a:p>
-          <a:p>
-            <a:pPr lvl="2"/>
-            <a:r>
-              <a:rPr lang="hr-HR" dirty="0"/>
-              <a:t>Pohrana znanja/How to</a:t>
-            </a:r>
-          </a:p>
-          <a:p>
-            <a:pPr lvl="2"/>
             <a:endParaRPr lang="hr-HR" dirty="0"/>
           </a:p>
         </p:txBody>
@@ -5090,7 +8223,7 @@
     </p:spTree>
     <p:extLst>
       <p:ext uri="{BB962C8B-B14F-4D97-AF65-F5344CB8AC3E}">
-        <p14:creationId xmlns:p14="http://schemas.microsoft.com/office/powerpoint/2010/main" val="2471576672"/>
+        <p14:creationId xmlns:p14="http://schemas.microsoft.com/office/powerpoint/2010/main" val="738608312"/>
       </p:ext>
     </p:extLst>
   </p:cSld>
@@ -5140,92 +8273,193 @@
           <a:lstStyle/>
           <a:p>
             <a:r>
-              <a:rPr lang="hr-HR" dirty="0" smtClean="0"/>
-              <a:t>Twitter </a:t>
-            </a:r>
-            <a:r>
-              <a:rPr lang="hr-HR" dirty="0" err="1" smtClean="0"/>
-              <a:t>Bootstrap</a:t>
+              <a:rPr lang="hr-HR" dirty="0"/>
+              <a:t>Web aplikacije</a:t>
+            </a:r>
+          </a:p>
+        </p:txBody>
+      </p:sp>
+      <p:sp>
+        <p:nvSpPr>
+          <p:cNvPr id="3" name="Content Placeholder 2"/>
+          <p:cNvSpPr>
+            <a:spLocks noGrp="1"/>
+          </p:cNvSpPr>
+          <p:nvPr>
+            <p:ph idx="1"/>
+          </p:nvPr>
+        </p:nvSpPr>
+        <p:spPr/>
+        <p:txBody>
+          <a:bodyPr>
+            <a:normAutofit fontScale="55000" lnSpcReduction="20000"/>
+          </a:bodyPr>
+          <a:lstStyle/>
+          <a:p>
+            <a:r>
+              <a:rPr lang="hr-HR" dirty="0"/>
+              <a:t>Hodogram poslovne aplikacije</a:t>
+            </a:r>
+          </a:p>
+          <a:p>
+            <a:pPr lvl="1"/>
+            <a:r>
+              <a:rPr lang="hr-HR" dirty="0"/>
+              <a:t>Analiza</a:t>
+            </a:r>
+          </a:p>
+          <a:p>
+            <a:pPr lvl="1"/>
+            <a:r>
+              <a:rPr lang="hr-HR" dirty="0"/>
+              <a:t>Funkcionalna</a:t>
+            </a:r>
+          </a:p>
+          <a:p>
+            <a:pPr lvl="2"/>
+            <a:r>
+              <a:rPr lang="hr-HR" dirty="0"/>
+              <a:t>Tehnologija</a:t>
+            </a:r>
+          </a:p>
+          <a:p>
+            <a:pPr lvl="2"/>
+            <a:r>
+              <a:rPr lang="hr-HR" dirty="0"/>
+              <a:t>Arhitektura</a:t>
+            </a:r>
+          </a:p>
+          <a:p>
+            <a:pPr lvl="2"/>
+            <a:r>
+              <a:rPr lang="hr-HR" dirty="0"/>
+              <a:t>Model</a:t>
+            </a:r>
+          </a:p>
+          <a:p>
+            <a:pPr lvl="2"/>
+            <a:r>
+              <a:rPr lang="hr-HR" dirty="0" err="1"/>
+              <a:t>Mockovi</a:t>
             </a:r>
             <a:endParaRPr lang="hr-HR" dirty="0"/>
           </a:p>
-        </p:txBody>
-      </p:sp>
-      <p:sp>
-        <p:nvSpPr>
-          <p:cNvPr id="3" name="Content Placeholder 2"/>
-          <p:cNvSpPr>
-            <a:spLocks noGrp="1"/>
-          </p:cNvSpPr>
-          <p:nvPr>
-            <p:ph idx="1"/>
-          </p:nvPr>
-        </p:nvSpPr>
-        <p:spPr/>
-        <p:txBody>
-          <a:bodyPr/>
-          <a:lstStyle/>
-          <a:p>
-            <a:r>
-              <a:rPr lang="hr-HR" dirty="0" smtClean="0"/>
-              <a:t>Jednostavan za korištenje i modifikaciju</a:t>
-            </a:r>
-          </a:p>
-          <a:p>
-            <a:r>
-              <a:rPr lang="hr-HR" dirty="0" smtClean="0"/>
-              <a:t>„</a:t>
-            </a:r>
-            <a:r>
-              <a:rPr lang="hr-HR" dirty="0" err="1" smtClean="0"/>
-              <a:t>Responsive</a:t>
-            </a:r>
-            <a:r>
-              <a:rPr lang="hr-HR" dirty="0" smtClean="0"/>
-              <a:t> design” - </a:t>
-            </a:r>
-            <a:r>
-              <a:rPr lang="hr-HR" dirty="0" err="1" smtClean="0"/>
-              <a:t>responzivan</a:t>
-            </a:r>
-            <a:r>
-              <a:rPr lang="hr-HR" dirty="0" smtClean="0"/>
-              <a:t> dizajn </a:t>
-            </a:r>
-            <a:endParaRPr lang="hr-HR" dirty="0" smtClean="0"/>
-          </a:p>
-          <a:p>
-            <a:r>
-              <a:rPr lang="hr-HR" dirty="0" smtClean="0"/>
-              <a:t>Primjeri lako dostupni</a:t>
-            </a:r>
-          </a:p>
-          <a:p>
-            <a:r>
-              <a:rPr lang="hr-HR" dirty="0" smtClean="0"/>
-              <a:t>Ogroman </a:t>
-            </a:r>
-            <a:r>
-              <a:rPr lang="hr-HR" dirty="0" err="1" smtClean="0"/>
-              <a:t>community</a:t>
-            </a:r>
-            <a:endParaRPr lang="hr-HR" dirty="0" smtClean="0"/>
-          </a:p>
-          <a:p>
-            <a:r>
-              <a:rPr lang="hr-HR" dirty="0" smtClean="0">
-                <a:hlinkClick r:id="rId2"/>
-              </a:rPr>
-              <a:t>http://getbootstrap.com/</a:t>
-            </a:r>
-            <a:endParaRPr lang="hr-HR" dirty="0" smtClean="0"/>
+          <a:p>
+            <a:pPr lvl="1"/>
+            <a:r>
+              <a:rPr lang="hr-HR" dirty="0"/>
+              <a:t>Razvoj</a:t>
+            </a:r>
+          </a:p>
+          <a:p>
+            <a:pPr lvl="2"/>
+            <a:r>
+              <a:rPr lang="hr-HR" dirty="0"/>
+              <a:t>Baza</a:t>
+            </a:r>
+          </a:p>
+          <a:p>
+            <a:pPr lvl="2"/>
+            <a:r>
+              <a:rPr lang="hr-HR" dirty="0"/>
+              <a:t>Poslovna logika</a:t>
+            </a:r>
+          </a:p>
+          <a:p>
+            <a:pPr lvl="2"/>
+            <a:r>
+              <a:rPr lang="hr-HR" dirty="0"/>
+              <a:t>Sučelje</a:t>
+            </a:r>
+          </a:p>
+          <a:p>
+            <a:pPr lvl="2"/>
+            <a:r>
+              <a:rPr lang="hr-HR" dirty="0"/>
+              <a:t>Infrastruktura (mail, </a:t>
+            </a:r>
+            <a:r>
+              <a:rPr lang="hr-HR" dirty="0" err="1"/>
+              <a:t>logiranje</a:t>
+            </a:r>
+            <a:r>
+              <a:rPr lang="hr-HR" dirty="0"/>
+              <a:t>)</a:t>
+            </a:r>
+          </a:p>
+          <a:p>
+            <a:pPr lvl="2"/>
+            <a:r>
+              <a:rPr lang="hr-HR" dirty="0"/>
+              <a:t>Testiranje</a:t>
+            </a:r>
+          </a:p>
+          <a:p>
+            <a:pPr lvl="2"/>
+            <a:r>
+              <a:rPr lang="hr-HR" dirty="0"/>
+              <a:t>Timski rad</a:t>
+            </a:r>
+          </a:p>
+          <a:p>
+            <a:pPr lvl="1"/>
+            <a:r>
+              <a:rPr lang="hr-HR" dirty="0"/>
+              <a:t>Test/Produkcija</a:t>
+            </a:r>
+          </a:p>
+          <a:p>
+            <a:pPr lvl="2"/>
+            <a:r>
+              <a:rPr lang="hr-HR" dirty="0"/>
+              <a:t>Okoline</a:t>
+            </a:r>
+          </a:p>
+          <a:p>
+            <a:pPr lvl="2"/>
+            <a:r>
+              <a:rPr lang="hr-HR" dirty="0"/>
+              <a:t>Migracije</a:t>
+            </a:r>
+          </a:p>
+          <a:p>
+            <a:pPr lvl="2"/>
+            <a:r>
+              <a:rPr lang="hr-HR" dirty="0"/>
+              <a:t>Dostupnost/Backup</a:t>
+            </a:r>
+          </a:p>
+          <a:p>
+            <a:pPr lvl="2"/>
+            <a:r>
+              <a:rPr lang="hr-HR" dirty="0"/>
+              <a:t>Izmjene modela/poslovne logike</a:t>
+            </a:r>
+          </a:p>
+          <a:p>
+            <a:pPr lvl="1"/>
+            <a:r>
+              <a:rPr lang="hr-HR" dirty="0"/>
+              <a:t>Održavanje</a:t>
+            </a:r>
+          </a:p>
+          <a:p>
+            <a:pPr lvl="2"/>
+            <a:r>
+              <a:rPr lang="hr-HR" dirty="0"/>
+              <a:t>Pohrana znanja/How to</a:t>
+            </a:r>
+          </a:p>
+          <a:p>
+            <a:pPr lvl="2"/>
+            <a:endParaRPr lang="hr-HR" dirty="0"/>
           </a:p>
         </p:txBody>
       </p:sp>
     </p:spTree>
     <p:extLst>
       <p:ext uri="{BB962C8B-B14F-4D97-AF65-F5344CB8AC3E}">
-        <p14:creationId xmlns:p14="http://schemas.microsoft.com/office/powerpoint/2010/main" val="1057266439"/>
+        <p14:creationId xmlns:p14="http://schemas.microsoft.com/office/powerpoint/2010/main" val="2471576672"/>
       </p:ext>
     </p:extLst>
   </p:cSld>
@@ -5276,7 +8510,11 @@
           <a:p>
             <a:r>
               <a:rPr lang="hr-HR" dirty="0" smtClean="0"/>
-              <a:t>Grid sistem / teme</a:t>
+              <a:t>Twitter </a:t>
+            </a:r>
+            <a:r>
+              <a:rPr lang="hr-HR" dirty="0" err="1" smtClean="0"/>
+              <a:t>Bootstrap</a:t>
             </a:r>
             <a:endParaRPr lang="hr-HR" dirty="0"/>
           </a:p>
@@ -5299,112 +8537,54 @@
           <a:p>
             <a:r>
               <a:rPr lang="hr-HR" dirty="0" smtClean="0"/>
-              <a:t>Kako se uređivao izgled stranice prije CSS-a?</a:t>
-            </a:r>
-          </a:p>
-          <a:p>
+              <a:t>Jednostavan za korištenje i modifikaciju</a:t>
+            </a:r>
+          </a:p>
+          <a:p>
+            <a:r>
+              <a:rPr lang="hr-HR" dirty="0" smtClean="0"/>
+              <a:t>„</a:t>
+            </a:r>
             <a:r>
               <a:rPr lang="hr-HR" dirty="0" err="1" smtClean="0"/>
-              <a:t>Bootstrap</a:t>
-            </a:r>
-            <a:r>
-              <a:rPr lang="hr-HR" dirty="0"/>
-              <a:t> </a:t>
-            </a:r>
-            <a:r>
-              <a:rPr lang="hr-HR" dirty="0" smtClean="0"/>
-              <a:t>ima sličan sustav, ali implementiran CSS klasama</a:t>
-            </a:r>
-          </a:p>
-          <a:p>
-            <a:pPr lvl="1"/>
+              <a:t>Responsive</a:t>
+            </a:r>
+            <a:r>
+              <a:rPr lang="hr-HR" dirty="0" smtClean="0"/>
+              <a:t> design” - </a:t>
+            </a:r>
+            <a:r>
+              <a:rPr lang="hr-HR" dirty="0" err="1" smtClean="0"/>
+              <a:t>responzivan</a:t>
+            </a:r>
+            <a:r>
+              <a:rPr lang="hr-HR" dirty="0" smtClean="0"/>
+              <a:t> dizajn </a:t>
+            </a:r>
+          </a:p>
+          <a:p>
+            <a:r>
+              <a:rPr lang="hr-HR" dirty="0" smtClean="0"/>
+              <a:t>Primjeri lako dostupni</a:t>
+            </a:r>
+          </a:p>
+          <a:p>
+            <a:r>
+              <a:rPr lang="hr-HR" dirty="0" smtClean="0"/>
+              <a:t>Ogroman </a:t>
+            </a:r>
+            <a:r>
+              <a:rPr lang="hr-HR" dirty="0" err="1" smtClean="0"/>
+              <a:t>community</a:t>
+            </a:r>
+            <a:endParaRPr lang="hr-HR" dirty="0" smtClean="0"/>
+          </a:p>
+          <a:p>
             <a:r>
               <a:rPr lang="hr-HR" dirty="0" smtClean="0">
                 <a:hlinkClick r:id="rId2"/>
               </a:rPr>
-              <a:t>https://v4-alpha.getbootstrap.com/layout/grid/</a:t>
-            </a:r>
-            <a:endParaRPr lang="hr-HR" dirty="0" smtClean="0"/>
-          </a:p>
-          <a:p>
-            <a:r>
-              <a:rPr lang="hr-HR" dirty="0" err="1" smtClean="0"/>
-              <a:t>Bootstrap</a:t>
-            </a:r>
-            <a:r>
-              <a:rPr lang="hr-HR" dirty="0" smtClean="0"/>
-              <a:t> teme</a:t>
-            </a:r>
-          </a:p>
-          <a:p>
-            <a:pPr lvl="1"/>
-            <a:r>
-              <a:rPr lang="hr-HR" dirty="0" smtClean="0"/>
-              <a:t>Ogroman </a:t>
-            </a:r>
-            <a:r>
-              <a:rPr lang="hr-HR" dirty="0" err="1" smtClean="0"/>
-              <a:t>community</a:t>
-            </a:r>
-            <a:r>
-              <a:rPr lang="hr-HR" dirty="0" smtClean="0"/>
-              <a:t> pruža mnoštvo tema</a:t>
-            </a:r>
-          </a:p>
-          <a:p>
-            <a:pPr lvl="1"/>
-            <a:r>
-              <a:rPr lang="hr-HR" dirty="0" smtClean="0"/>
-              <a:t>Teme često pružaju i </a:t>
-            </a:r>
-            <a:r>
-              <a:rPr lang="hr-HR" dirty="0" err="1" smtClean="0"/>
-              <a:t>support</a:t>
-            </a:r>
-            <a:r>
-              <a:rPr lang="hr-HR" dirty="0" smtClean="0"/>
-              <a:t> za pojedine </a:t>
-            </a:r>
-            <a:r>
-              <a:rPr lang="hr-HR" dirty="0" err="1" smtClean="0"/>
-              <a:t>frameworke</a:t>
-            </a:r>
-            <a:r>
-              <a:rPr lang="hr-HR" dirty="0" smtClean="0"/>
-              <a:t> (</a:t>
-            </a:r>
-            <a:r>
-              <a:rPr lang="hr-HR" dirty="0" err="1"/>
-              <a:t>A</a:t>
-            </a:r>
-            <a:r>
-              <a:rPr lang="hr-HR" dirty="0" err="1" smtClean="0"/>
-              <a:t>ngular</a:t>
-            </a:r>
-            <a:r>
-              <a:rPr lang="hr-HR" dirty="0" smtClean="0"/>
-              <a:t>, </a:t>
-            </a:r>
-            <a:r>
-              <a:rPr lang="hr-HR" dirty="0" err="1"/>
-              <a:t>R</a:t>
-            </a:r>
-            <a:r>
-              <a:rPr lang="hr-HR" dirty="0" err="1" smtClean="0"/>
-              <a:t>eact</a:t>
-            </a:r>
-            <a:r>
-              <a:rPr lang="hr-HR" dirty="0" smtClean="0"/>
-              <a:t>, MVC, …)</a:t>
-            </a:r>
-          </a:p>
-          <a:p>
-            <a:pPr lvl="1"/>
-            <a:r>
-              <a:rPr lang="hr-HR" dirty="0" smtClean="0">
-                <a:hlinkClick r:id="rId3"/>
-              </a:rPr>
-              <a:t>https://wrapbootstrap.com</a:t>
+              <a:t>http://getbootstrap.com/</a:t>
             </a:r>
             <a:endParaRPr lang="hr-HR" dirty="0" smtClean="0"/>
           </a:p>
@@ -5413,7 +8593,7 @@
     </p:spTree>
     <p:extLst>
       <p:ext uri="{BB962C8B-B14F-4D97-AF65-F5344CB8AC3E}">
-        <p14:creationId xmlns:p14="http://schemas.microsoft.com/office/powerpoint/2010/main" val="1977188405"/>
+        <p14:creationId xmlns:p14="http://schemas.microsoft.com/office/powerpoint/2010/main" val="1057266439"/>
       </p:ext>
     </p:extLst>
   </p:cSld>

--- a/prezentacije/1-1 Uvod i SPA aplikacije.pptx
+++ b/prezentacije/1-1 Uvod i SPA aplikacije.pptx
@@ -4,24 +4,29 @@
   <p:sldMasterIdLst>
     <p:sldMasterId id="2147484063" r:id="rId1"/>
   </p:sldMasterIdLst>
+  <p:notesMasterIdLst>
+    <p:notesMasterId r:id="rId21"/>
+  </p:notesMasterIdLst>
   <p:sldIdLst>
-    <p:sldId id="263" r:id="rId2"/>
-    <p:sldId id="277" r:id="rId3"/>
-    <p:sldId id="257" r:id="rId4"/>
-    <p:sldId id="265" r:id="rId5"/>
-    <p:sldId id="266" r:id="rId6"/>
-    <p:sldId id="258" r:id="rId7"/>
-    <p:sldId id="264" r:id="rId8"/>
-    <p:sldId id="267" r:id="rId9"/>
-    <p:sldId id="268" r:id="rId10"/>
-    <p:sldId id="270" r:id="rId11"/>
-    <p:sldId id="269" r:id="rId12"/>
-    <p:sldId id="271" r:id="rId13"/>
-    <p:sldId id="272" r:id="rId14"/>
-    <p:sldId id="273" r:id="rId15"/>
-    <p:sldId id="274" r:id="rId16"/>
-    <p:sldId id="262" r:id="rId17"/>
-    <p:sldId id="275" r:id="rId18"/>
+    <p:sldId id="277" r:id="rId2"/>
+    <p:sldId id="263" r:id="rId3"/>
+    <p:sldId id="280" r:id="rId4"/>
+    <p:sldId id="257" r:id="rId5"/>
+    <p:sldId id="278" r:id="rId6"/>
+    <p:sldId id="265" r:id="rId7"/>
+    <p:sldId id="279" r:id="rId8"/>
+    <p:sldId id="266" r:id="rId9"/>
+    <p:sldId id="258" r:id="rId10"/>
+    <p:sldId id="281" r:id="rId11"/>
+    <p:sldId id="264" r:id="rId12"/>
+    <p:sldId id="268" r:id="rId13"/>
+    <p:sldId id="270" r:id="rId14"/>
+    <p:sldId id="269" r:id="rId15"/>
+    <p:sldId id="271" r:id="rId16"/>
+    <p:sldId id="272" r:id="rId17"/>
+    <p:sldId id="273" r:id="rId18"/>
+    <p:sldId id="274" r:id="rId19"/>
+    <p:sldId id="275" r:id="rId20"/>
   </p:sldIdLst>
   <p:sldSz cx="12192000" cy="6858000"/>
   <p:notesSz cx="6858000" cy="9144000"/>
@@ -129,6 +134,753 @@
 </file>
 
 <file path=ppt/diagrams/colors1.xml><?xml version="1.0" encoding="utf-8"?>
+<dgm:colorsDef xmlns:dgm="http://schemas.openxmlformats.org/drawingml/2006/diagram" xmlns:a="http://schemas.openxmlformats.org/drawingml/2006/main" uniqueId="urn:microsoft.com/office/officeart/2005/8/colors/accent1_2">
+  <dgm:title val=""/>
+  <dgm:desc val=""/>
+  <dgm:catLst>
+    <dgm:cat type="accent1" pri="11200"/>
+  </dgm:catLst>
+  <dgm:styleLbl name="node0">
+    <dgm:fillClrLst meth="repeat">
+      <a:schemeClr val="accent1"/>
+    </dgm:fillClrLst>
+    <dgm:linClrLst meth="repeat">
+      <a:schemeClr val="lt1"/>
+    </dgm:linClrLst>
+    <dgm:effectClrLst/>
+    <dgm:txLinClrLst/>
+    <dgm:txFillClrLst/>
+    <dgm:txEffectClrLst/>
+  </dgm:styleLbl>
+  <dgm:styleLbl name="alignNode1">
+    <dgm:fillClrLst meth="repeat">
+      <a:schemeClr val="accent1"/>
+    </dgm:fillClrLst>
+    <dgm:linClrLst meth="repeat">
+      <a:schemeClr val="accent1"/>
+    </dgm:linClrLst>
+    <dgm:effectClrLst/>
+    <dgm:txLinClrLst/>
+    <dgm:txFillClrLst/>
+    <dgm:txEffectClrLst/>
+  </dgm:styleLbl>
+  <dgm:styleLbl name="node1">
+    <dgm:fillClrLst meth="repeat">
+      <a:schemeClr val="accent1"/>
+    </dgm:fillClrLst>
+    <dgm:linClrLst meth="repeat">
+      <a:schemeClr val="lt1"/>
+    </dgm:linClrLst>
+    <dgm:effectClrLst/>
+    <dgm:txLinClrLst/>
+    <dgm:txFillClrLst/>
+    <dgm:txEffectClrLst/>
+  </dgm:styleLbl>
+  <dgm:styleLbl name="lnNode1">
+    <dgm:fillClrLst meth="repeat">
+      <a:schemeClr val="accent1"/>
+    </dgm:fillClrLst>
+    <dgm:linClrLst meth="repeat">
+      <a:schemeClr val="lt1"/>
+    </dgm:linClrLst>
+    <dgm:effectClrLst/>
+    <dgm:txLinClrLst/>
+    <dgm:txFillClrLst/>
+    <dgm:txEffectClrLst/>
+  </dgm:styleLbl>
+  <dgm:styleLbl name="vennNode1">
+    <dgm:fillClrLst meth="repeat">
+      <a:schemeClr val="accent1">
+        <a:alpha val="50000"/>
+      </a:schemeClr>
+    </dgm:fillClrLst>
+    <dgm:linClrLst meth="repeat">
+      <a:schemeClr val="lt1"/>
+    </dgm:linClrLst>
+    <dgm:effectClrLst/>
+    <dgm:txLinClrLst/>
+    <dgm:txFillClrLst/>
+    <dgm:txEffectClrLst/>
+  </dgm:styleLbl>
+  <dgm:styleLbl name="node2">
+    <dgm:fillClrLst meth="repeat">
+      <a:schemeClr val="accent1"/>
+    </dgm:fillClrLst>
+    <dgm:linClrLst meth="repeat">
+      <a:schemeClr val="lt1"/>
+    </dgm:linClrLst>
+    <dgm:effectClrLst/>
+    <dgm:txLinClrLst/>
+    <dgm:txFillClrLst/>
+    <dgm:txEffectClrLst/>
+  </dgm:styleLbl>
+  <dgm:styleLbl name="node3">
+    <dgm:fillClrLst meth="repeat">
+      <a:schemeClr val="accent1"/>
+    </dgm:fillClrLst>
+    <dgm:linClrLst meth="repeat">
+      <a:schemeClr val="lt1"/>
+    </dgm:linClrLst>
+    <dgm:effectClrLst/>
+    <dgm:txLinClrLst/>
+    <dgm:txFillClrLst/>
+    <dgm:txEffectClrLst/>
+  </dgm:styleLbl>
+  <dgm:styleLbl name="node4">
+    <dgm:fillClrLst meth="repeat">
+      <a:schemeClr val="accent1"/>
+    </dgm:fillClrLst>
+    <dgm:linClrLst meth="repeat">
+      <a:schemeClr val="lt1"/>
+    </dgm:linClrLst>
+    <dgm:effectClrLst/>
+    <dgm:txLinClrLst/>
+    <dgm:txFillClrLst/>
+    <dgm:txEffectClrLst/>
+  </dgm:styleLbl>
+  <dgm:styleLbl name="fgImgPlace1">
+    <dgm:fillClrLst meth="repeat">
+      <a:schemeClr val="accent1">
+        <a:tint val="50000"/>
+      </a:schemeClr>
+    </dgm:fillClrLst>
+    <dgm:linClrLst meth="repeat">
+      <a:schemeClr val="lt1"/>
+    </dgm:linClrLst>
+    <dgm:effectClrLst/>
+    <dgm:txLinClrLst/>
+    <dgm:txFillClrLst meth="repeat">
+      <a:schemeClr val="lt1"/>
+    </dgm:txFillClrLst>
+    <dgm:txEffectClrLst/>
+  </dgm:styleLbl>
+  <dgm:styleLbl name="alignImgPlace1">
+    <dgm:fillClrLst meth="repeat">
+      <a:schemeClr val="accent1">
+        <a:tint val="50000"/>
+      </a:schemeClr>
+    </dgm:fillClrLst>
+    <dgm:linClrLst meth="repeat">
+      <a:schemeClr val="lt1"/>
+    </dgm:linClrLst>
+    <dgm:effectClrLst/>
+    <dgm:txLinClrLst/>
+    <dgm:txFillClrLst meth="repeat">
+      <a:schemeClr val="lt1"/>
+    </dgm:txFillClrLst>
+    <dgm:txEffectClrLst/>
+  </dgm:styleLbl>
+  <dgm:styleLbl name="bgImgPlace1">
+    <dgm:fillClrLst meth="repeat">
+      <a:schemeClr val="accent1">
+        <a:tint val="50000"/>
+      </a:schemeClr>
+    </dgm:fillClrLst>
+    <dgm:linClrLst meth="repeat">
+      <a:schemeClr val="lt1"/>
+    </dgm:linClrLst>
+    <dgm:effectClrLst/>
+    <dgm:txLinClrLst/>
+    <dgm:txFillClrLst meth="repeat">
+      <a:schemeClr val="lt1"/>
+    </dgm:txFillClrLst>
+    <dgm:txEffectClrLst/>
+  </dgm:styleLbl>
+  <dgm:styleLbl name="sibTrans2D1">
+    <dgm:fillClrLst meth="repeat">
+      <a:schemeClr val="accent1">
+        <a:tint val="60000"/>
+      </a:schemeClr>
+    </dgm:fillClrLst>
+    <dgm:linClrLst meth="repeat">
+      <a:schemeClr val="accent1">
+        <a:tint val="60000"/>
+      </a:schemeClr>
+    </dgm:linClrLst>
+    <dgm:effectClrLst/>
+    <dgm:txLinClrLst/>
+    <dgm:txFillClrLst/>
+    <dgm:txEffectClrLst/>
+  </dgm:styleLbl>
+  <dgm:styleLbl name="fgSibTrans2D1">
+    <dgm:fillClrLst meth="repeat">
+      <a:schemeClr val="accent1">
+        <a:tint val="60000"/>
+      </a:schemeClr>
+    </dgm:fillClrLst>
+    <dgm:linClrLst meth="repeat">
+      <a:schemeClr val="accent1">
+        <a:tint val="60000"/>
+      </a:schemeClr>
+    </dgm:linClrLst>
+    <dgm:effectClrLst/>
+    <dgm:txLinClrLst/>
+    <dgm:txFillClrLst/>
+    <dgm:txEffectClrLst/>
+  </dgm:styleLbl>
+  <dgm:styleLbl name="bgSibTrans2D1">
+    <dgm:fillClrLst meth="repeat">
+      <a:schemeClr val="accent1">
+        <a:tint val="60000"/>
+      </a:schemeClr>
+    </dgm:fillClrLst>
+    <dgm:linClrLst meth="repeat">
+      <a:schemeClr val="accent1">
+        <a:tint val="60000"/>
+      </a:schemeClr>
+    </dgm:linClrLst>
+    <dgm:effectClrLst/>
+    <dgm:txLinClrLst/>
+    <dgm:txFillClrLst/>
+    <dgm:txEffectClrLst/>
+  </dgm:styleLbl>
+  <dgm:styleLbl name="sibTrans1D1">
+    <dgm:fillClrLst meth="repeat">
+      <a:schemeClr val="accent1"/>
+    </dgm:fillClrLst>
+    <dgm:linClrLst meth="repeat">
+      <a:schemeClr val="accent1"/>
+    </dgm:linClrLst>
+    <dgm:effectClrLst/>
+    <dgm:txLinClrLst/>
+    <dgm:txFillClrLst meth="repeat">
+      <a:schemeClr val="tx1"/>
+    </dgm:txFillClrLst>
+    <dgm:txEffectClrLst/>
+  </dgm:styleLbl>
+  <dgm:styleLbl name="callout">
+    <dgm:fillClrLst meth="repeat">
+      <a:schemeClr val="accent1"/>
+    </dgm:fillClrLst>
+    <dgm:linClrLst meth="repeat">
+      <a:schemeClr val="accent1">
+        <a:tint val="50000"/>
+      </a:schemeClr>
+    </dgm:linClrLst>
+    <dgm:effectClrLst/>
+    <dgm:txLinClrLst/>
+    <dgm:txFillClrLst meth="repeat">
+      <a:schemeClr val="tx1"/>
+    </dgm:txFillClrLst>
+    <dgm:txEffectClrLst/>
+  </dgm:styleLbl>
+  <dgm:styleLbl name="asst0">
+    <dgm:fillClrLst meth="repeat">
+      <a:schemeClr val="accent1"/>
+    </dgm:fillClrLst>
+    <dgm:linClrLst meth="repeat">
+      <a:schemeClr val="lt1"/>
+    </dgm:linClrLst>
+    <dgm:effectClrLst/>
+    <dgm:txLinClrLst/>
+    <dgm:txFillClrLst/>
+    <dgm:txEffectClrLst/>
+  </dgm:styleLbl>
+  <dgm:styleLbl name="asst1">
+    <dgm:fillClrLst meth="repeat">
+      <a:schemeClr val="accent1"/>
+    </dgm:fillClrLst>
+    <dgm:linClrLst meth="repeat">
+      <a:schemeClr val="lt1"/>
+    </dgm:linClrLst>
+    <dgm:effectClrLst/>
+    <dgm:txLinClrLst/>
+    <dgm:txFillClrLst/>
+    <dgm:txEffectClrLst/>
+  </dgm:styleLbl>
+  <dgm:styleLbl name="asst2">
+    <dgm:fillClrLst meth="repeat">
+      <a:schemeClr val="accent1"/>
+    </dgm:fillClrLst>
+    <dgm:linClrLst meth="repeat">
+      <a:schemeClr val="lt1"/>
+    </dgm:linClrLst>
+    <dgm:effectClrLst/>
+    <dgm:txLinClrLst/>
+    <dgm:txFillClrLst/>
+    <dgm:txEffectClrLst/>
+  </dgm:styleLbl>
+  <dgm:styleLbl name="asst3">
+    <dgm:fillClrLst meth="repeat">
+      <a:schemeClr val="accent1"/>
+    </dgm:fillClrLst>
+    <dgm:linClrLst meth="repeat">
+      <a:schemeClr val="lt1"/>
+    </dgm:linClrLst>
+    <dgm:effectClrLst/>
+    <dgm:txLinClrLst/>
+    <dgm:txFillClrLst/>
+    <dgm:txEffectClrLst/>
+  </dgm:styleLbl>
+  <dgm:styleLbl name="asst4">
+    <dgm:fillClrLst meth="repeat">
+      <a:schemeClr val="accent1"/>
+    </dgm:fillClrLst>
+    <dgm:linClrLst meth="repeat">
+      <a:schemeClr val="lt1"/>
+    </dgm:linClrLst>
+    <dgm:effectClrLst/>
+    <dgm:txLinClrLst/>
+    <dgm:txFillClrLst/>
+    <dgm:txEffectClrLst/>
+  </dgm:styleLbl>
+  <dgm:styleLbl name="parChTrans2D1">
+    <dgm:fillClrLst meth="repeat">
+      <a:schemeClr val="accent1">
+        <a:tint val="60000"/>
+      </a:schemeClr>
+    </dgm:fillClrLst>
+    <dgm:linClrLst meth="repeat">
+      <a:schemeClr val="accent1">
+        <a:tint val="60000"/>
+      </a:schemeClr>
+    </dgm:linClrLst>
+    <dgm:effectClrLst/>
+    <dgm:txLinClrLst/>
+    <dgm:txFillClrLst meth="repeat">
+      <a:schemeClr val="lt1"/>
+    </dgm:txFillClrLst>
+    <dgm:txEffectClrLst/>
+  </dgm:styleLbl>
+  <dgm:styleLbl name="parChTrans2D2">
+    <dgm:fillClrLst meth="repeat">
+      <a:schemeClr val="accent1"/>
+    </dgm:fillClrLst>
+    <dgm:linClrLst meth="repeat">
+      <a:schemeClr val="accent1"/>
+    </dgm:linClrLst>
+    <dgm:effectClrLst/>
+    <dgm:txLinClrLst/>
+    <dgm:txFillClrLst meth="repeat">
+      <a:schemeClr val="lt1"/>
+    </dgm:txFillClrLst>
+    <dgm:txEffectClrLst/>
+  </dgm:styleLbl>
+  <dgm:styleLbl name="parChTrans2D3">
+    <dgm:fillClrLst meth="repeat">
+      <a:schemeClr val="accent1"/>
+    </dgm:fillClrLst>
+    <dgm:linClrLst meth="repeat">
+      <a:schemeClr val="accent1"/>
+    </dgm:linClrLst>
+    <dgm:effectClrLst/>
+    <dgm:txLinClrLst/>
+    <dgm:txFillClrLst meth="repeat">
+      <a:schemeClr val="lt1"/>
+    </dgm:txFillClrLst>
+    <dgm:txEffectClrLst/>
+  </dgm:styleLbl>
+  <dgm:styleLbl name="parChTrans2D4">
+    <dgm:fillClrLst meth="repeat">
+      <a:schemeClr val="accent1"/>
+    </dgm:fillClrLst>
+    <dgm:linClrLst meth="repeat">
+      <a:schemeClr val="accent1"/>
+    </dgm:linClrLst>
+    <dgm:effectClrLst/>
+    <dgm:txLinClrLst/>
+    <dgm:txFillClrLst meth="repeat">
+      <a:schemeClr val="lt1"/>
+    </dgm:txFillClrLst>
+    <dgm:txEffectClrLst/>
+  </dgm:styleLbl>
+  <dgm:styleLbl name="parChTrans1D1">
+    <dgm:fillClrLst meth="repeat">
+      <a:schemeClr val="accent1"/>
+    </dgm:fillClrLst>
+    <dgm:linClrLst meth="repeat">
+      <a:schemeClr val="accent1">
+        <a:shade val="60000"/>
+      </a:schemeClr>
+    </dgm:linClrLst>
+    <dgm:effectClrLst/>
+    <dgm:txLinClrLst/>
+    <dgm:txFillClrLst meth="repeat">
+      <a:schemeClr val="tx1"/>
+    </dgm:txFillClrLst>
+    <dgm:txEffectClrLst/>
+  </dgm:styleLbl>
+  <dgm:styleLbl name="parChTrans1D2">
+    <dgm:fillClrLst meth="repeat">
+      <a:schemeClr val="accent1"/>
+    </dgm:fillClrLst>
+    <dgm:linClrLst meth="repeat">
+      <a:schemeClr val="accent1">
+        <a:shade val="60000"/>
+      </a:schemeClr>
+    </dgm:linClrLst>
+    <dgm:effectClrLst/>
+    <dgm:txLinClrLst/>
+    <dgm:txFillClrLst meth="repeat">
+      <a:schemeClr val="tx1"/>
+    </dgm:txFillClrLst>
+    <dgm:txEffectClrLst/>
+  </dgm:styleLbl>
+  <dgm:styleLbl name="parChTrans1D3">
+    <dgm:fillClrLst meth="repeat">
+      <a:schemeClr val="accent1"/>
+    </dgm:fillClrLst>
+    <dgm:linClrLst meth="repeat">
+      <a:schemeClr val="accent1">
+        <a:shade val="80000"/>
+      </a:schemeClr>
+    </dgm:linClrLst>
+    <dgm:effectClrLst/>
+    <dgm:txLinClrLst/>
+    <dgm:txFillClrLst meth="repeat">
+      <a:schemeClr val="tx1"/>
+    </dgm:txFillClrLst>
+    <dgm:txEffectClrLst/>
+  </dgm:styleLbl>
+  <dgm:styleLbl name="parChTrans1D4">
+    <dgm:fillClrLst meth="repeat">
+      <a:schemeClr val="accent1"/>
+    </dgm:fillClrLst>
+    <dgm:linClrLst meth="repeat">
+      <a:schemeClr val="accent1">
+        <a:shade val="80000"/>
+      </a:schemeClr>
+    </dgm:linClrLst>
+    <dgm:effectClrLst/>
+    <dgm:txLinClrLst/>
+    <dgm:txFillClrLst meth="repeat">
+      <a:schemeClr val="tx1"/>
+    </dgm:txFillClrLst>
+    <dgm:txEffectClrLst/>
+  </dgm:styleLbl>
+  <dgm:styleLbl name="fgAcc1">
+    <dgm:fillClrLst meth="repeat">
+      <a:schemeClr val="lt1">
+        <a:alpha val="90000"/>
+      </a:schemeClr>
+    </dgm:fillClrLst>
+    <dgm:linClrLst meth="repeat">
+      <a:schemeClr val="accent1"/>
+    </dgm:linClrLst>
+    <dgm:effectClrLst/>
+    <dgm:txLinClrLst/>
+    <dgm:txFillClrLst meth="repeat">
+      <a:schemeClr val="dk1"/>
+    </dgm:txFillClrLst>
+    <dgm:txEffectClrLst/>
+  </dgm:styleLbl>
+  <dgm:styleLbl name="conFgAcc1">
+    <dgm:fillClrLst meth="repeat">
+      <a:schemeClr val="lt1">
+        <a:alpha val="90000"/>
+      </a:schemeClr>
+    </dgm:fillClrLst>
+    <dgm:linClrLst meth="repeat">
+      <a:schemeClr val="accent1"/>
+    </dgm:linClrLst>
+    <dgm:effectClrLst/>
+    <dgm:txLinClrLst/>
+    <dgm:txFillClrLst meth="repeat">
+      <a:schemeClr val="dk1"/>
+    </dgm:txFillClrLst>
+    <dgm:txEffectClrLst/>
+  </dgm:styleLbl>
+  <dgm:styleLbl name="alignAcc1">
+    <dgm:fillClrLst meth="repeat">
+      <a:schemeClr val="lt1">
+        <a:alpha val="90000"/>
+      </a:schemeClr>
+    </dgm:fillClrLst>
+    <dgm:linClrLst meth="repeat">
+      <a:schemeClr val="accent1"/>
+    </dgm:linClrLst>
+    <dgm:effectClrLst/>
+    <dgm:txLinClrLst/>
+    <dgm:txFillClrLst meth="repeat">
+      <a:schemeClr val="dk1"/>
+    </dgm:txFillClrLst>
+    <dgm:txEffectClrLst/>
+  </dgm:styleLbl>
+  <dgm:styleLbl name="trAlignAcc1">
+    <dgm:fillClrLst meth="repeat">
+      <a:schemeClr val="lt1">
+        <a:alpha val="40000"/>
+      </a:schemeClr>
+    </dgm:fillClrLst>
+    <dgm:linClrLst meth="repeat">
+      <a:schemeClr val="accent1"/>
+    </dgm:linClrLst>
+    <dgm:effectClrLst/>
+    <dgm:txLinClrLst/>
+    <dgm:txFillClrLst meth="repeat">
+      <a:schemeClr val="dk1"/>
+    </dgm:txFillClrLst>
+    <dgm:txEffectClrLst/>
+  </dgm:styleLbl>
+  <dgm:styleLbl name="bgAcc1">
+    <dgm:fillClrLst meth="repeat">
+      <a:schemeClr val="lt1">
+        <a:alpha val="90000"/>
+      </a:schemeClr>
+    </dgm:fillClrLst>
+    <dgm:linClrLst meth="repeat">
+      <a:schemeClr val="accent1"/>
+    </dgm:linClrLst>
+    <dgm:effectClrLst/>
+    <dgm:txLinClrLst/>
+    <dgm:txFillClrLst meth="repeat">
+      <a:schemeClr val="dk1"/>
+    </dgm:txFillClrLst>
+    <dgm:txEffectClrLst/>
+  </dgm:styleLbl>
+  <dgm:styleLbl name="solidFgAcc1">
+    <dgm:fillClrLst meth="repeat">
+      <a:schemeClr val="lt1"/>
+    </dgm:fillClrLst>
+    <dgm:linClrLst meth="repeat">
+      <a:schemeClr val="accent1"/>
+    </dgm:linClrLst>
+    <dgm:effectClrLst/>
+    <dgm:txLinClrLst/>
+    <dgm:txFillClrLst meth="repeat">
+      <a:schemeClr val="dk1"/>
+    </dgm:txFillClrLst>
+    <dgm:txEffectClrLst/>
+  </dgm:styleLbl>
+  <dgm:styleLbl name="solidAlignAcc1">
+    <dgm:fillClrLst meth="repeat">
+      <a:schemeClr val="lt1"/>
+    </dgm:fillClrLst>
+    <dgm:linClrLst meth="repeat">
+      <a:schemeClr val="accent1"/>
+    </dgm:linClrLst>
+    <dgm:effectClrLst/>
+    <dgm:txLinClrLst/>
+    <dgm:txFillClrLst meth="repeat">
+      <a:schemeClr val="dk1"/>
+    </dgm:txFillClrLst>
+    <dgm:txEffectClrLst/>
+  </dgm:styleLbl>
+  <dgm:styleLbl name="solidBgAcc1">
+    <dgm:fillClrLst meth="repeat">
+      <a:schemeClr val="lt1"/>
+    </dgm:fillClrLst>
+    <dgm:linClrLst meth="repeat">
+      <a:schemeClr val="accent1"/>
+    </dgm:linClrLst>
+    <dgm:effectClrLst/>
+    <dgm:txLinClrLst/>
+    <dgm:txFillClrLst meth="repeat">
+      <a:schemeClr val="dk1"/>
+    </dgm:txFillClrLst>
+    <dgm:txEffectClrLst/>
+  </dgm:styleLbl>
+  <dgm:styleLbl name="fgAccFollowNode1">
+    <dgm:fillClrLst meth="repeat">
+      <a:schemeClr val="accent1">
+        <a:alpha val="90000"/>
+        <a:tint val="40000"/>
+      </a:schemeClr>
+    </dgm:fillClrLst>
+    <dgm:linClrLst meth="repeat">
+      <a:schemeClr val="accent1">
+        <a:alpha val="90000"/>
+        <a:tint val="40000"/>
+      </a:schemeClr>
+    </dgm:linClrLst>
+    <dgm:effectClrLst/>
+    <dgm:txLinClrLst/>
+    <dgm:txFillClrLst meth="repeat">
+      <a:schemeClr val="dk1"/>
+    </dgm:txFillClrLst>
+    <dgm:txEffectClrLst/>
+  </dgm:styleLbl>
+  <dgm:styleLbl name="alignAccFollowNode1">
+    <dgm:fillClrLst meth="repeat">
+      <a:schemeClr val="accent1">
+        <a:alpha val="90000"/>
+        <a:tint val="40000"/>
+      </a:schemeClr>
+    </dgm:fillClrLst>
+    <dgm:linClrLst meth="repeat">
+      <a:schemeClr val="accent1">
+        <a:alpha val="90000"/>
+        <a:tint val="40000"/>
+      </a:schemeClr>
+    </dgm:linClrLst>
+    <dgm:effectClrLst/>
+    <dgm:txLinClrLst/>
+    <dgm:txFillClrLst meth="repeat">
+      <a:schemeClr val="dk1"/>
+    </dgm:txFillClrLst>
+    <dgm:txEffectClrLst/>
+  </dgm:styleLbl>
+  <dgm:styleLbl name="bgAccFollowNode1">
+    <dgm:fillClrLst meth="repeat">
+      <a:schemeClr val="accent1">
+        <a:alpha val="90000"/>
+        <a:tint val="40000"/>
+      </a:schemeClr>
+    </dgm:fillClrLst>
+    <dgm:linClrLst meth="repeat">
+      <a:schemeClr val="accent1">
+        <a:alpha val="90000"/>
+        <a:tint val="40000"/>
+      </a:schemeClr>
+    </dgm:linClrLst>
+    <dgm:effectClrLst/>
+    <dgm:txLinClrLst/>
+    <dgm:txFillClrLst meth="repeat">
+      <a:schemeClr val="dk1"/>
+    </dgm:txFillClrLst>
+    <dgm:txEffectClrLst/>
+  </dgm:styleLbl>
+  <dgm:styleLbl name="fgAcc0">
+    <dgm:fillClrLst meth="repeat">
+      <a:schemeClr val="lt1">
+        <a:alpha val="90000"/>
+      </a:schemeClr>
+    </dgm:fillClrLst>
+    <dgm:linClrLst meth="repeat">
+      <a:schemeClr val="accent1"/>
+    </dgm:linClrLst>
+    <dgm:effectClrLst/>
+    <dgm:txLinClrLst/>
+    <dgm:txFillClrLst meth="repeat">
+      <a:schemeClr val="dk1"/>
+    </dgm:txFillClrLst>
+    <dgm:txEffectClrLst/>
+  </dgm:styleLbl>
+  <dgm:styleLbl name="fgAcc2">
+    <dgm:fillClrLst meth="repeat">
+      <a:schemeClr val="lt1">
+        <a:alpha val="90000"/>
+      </a:schemeClr>
+    </dgm:fillClrLst>
+    <dgm:linClrLst meth="repeat">
+      <a:schemeClr val="accent1"/>
+    </dgm:linClrLst>
+    <dgm:effectClrLst/>
+    <dgm:txLinClrLst/>
+    <dgm:txFillClrLst meth="repeat">
+      <a:schemeClr val="dk1"/>
+    </dgm:txFillClrLst>
+    <dgm:txEffectClrLst/>
+  </dgm:styleLbl>
+  <dgm:styleLbl name="fgAcc3">
+    <dgm:fillClrLst meth="repeat">
+      <a:schemeClr val="lt1">
+        <a:alpha val="90000"/>
+      </a:schemeClr>
+    </dgm:fillClrLst>
+    <dgm:linClrLst meth="repeat">
+      <a:schemeClr val="accent1"/>
+    </dgm:linClrLst>
+    <dgm:effectClrLst/>
+    <dgm:txLinClrLst/>
+    <dgm:txFillClrLst meth="repeat">
+      <a:schemeClr val="dk1"/>
+    </dgm:txFillClrLst>
+    <dgm:txEffectClrLst/>
+  </dgm:styleLbl>
+  <dgm:styleLbl name="fgAcc4">
+    <dgm:fillClrLst meth="repeat">
+      <a:schemeClr val="lt1">
+        <a:alpha val="90000"/>
+      </a:schemeClr>
+    </dgm:fillClrLst>
+    <dgm:linClrLst meth="repeat">
+      <a:schemeClr val="accent1"/>
+    </dgm:linClrLst>
+    <dgm:effectClrLst/>
+    <dgm:txLinClrLst/>
+    <dgm:txFillClrLst meth="repeat">
+      <a:schemeClr val="dk1"/>
+    </dgm:txFillClrLst>
+    <dgm:txEffectClrLst/>
+  </dgm:styleLbl>
+  <dgm:styleLbl name="bgShp">
+    <dgm:fillClrLst meth="repeat">
+      <a:schemeClr val="accent1">
+        <a:tint val="40000"/>
+      </a:schemeClr>
+    </dgm:fillClrLst>
+    <dgm:linClrLst meth="repeat">
+      <a:schemeClr val="accent1"/>
+    </dgm:linClrLst>
+    <dgm:effectClrLst/>
+    <dgm:txLinClrLst/>
+    <dgm:txFillClrLst meth="repeat">
+      <a:schemeClr val="dk1"/>
+    </dgm:txFillClrLst>
+    <dgm:txEffectClrLst/>
+  </dgm:styleLbl>
+  <dgm:styleLbl name="dkBgShp">
+    <dgm:fillClrLst meth="repeat">
+      <a:schemeClr val="accent1">
+        <a:shade val="80000"/>
+      </a:schemeClr>
+    </dgm:fillClrLst>
+    <dgm:linClrLst meth="repeat">
+      <a:schemeClr val="accent1"/>
+    </dgm:linClrLst>
+    <dgm:effectClrLst/>
+    <dgm:txLinClrLst/>
+    <dgm:txFillClrLst meth="repeat">
+      <a:schemeClr val="lt1"/>
+    </dgm:txFillClrLst>
+    <dgm:txEffectClrLst/>
+  </dgm:styleLbl>
+  <dgm:styleLbl name="trBgShp">
+    <dgm:fillClrLst meth="repeat">
+      <a:schemeClr val="accent1">
+        <a:tint val="50000"/>
+        <a:alpha val="40000"/>
+      </a:schemeClr>
+    </dgm:fillClrLst>
+    <dgm:linClrLst meth="repeat">
+      <a:schemeClr val="accent1"/>
+    </dgm:linClrLst>
+    <dgm:effectClrLst/>
+    <dgm:txLinClrLst/>
+    <dgm:txFillClrLst meth="repeat">
+      <a:schemeClr val="lt1"/>
+    </dgm:txFillClrLst>
+    <dgm:txEffectClrLst/>
+  </dgm:styleLbl>
+  <dgm:styleLbl name="fgShp">
+    <dgm:fillClrLst meth="repeat">
+      <a:schemeClr val="accent1">
+        <a:tint val="60000"/>
+      </a:schemeClr>
+    </dgm:fillClrLst>
+    <dgm:linClrLst meth="repeat">
+      <a:schemeClr val="lt1"/>
+    </dgm:linClrLst>
+    <dgm:effectClrLst/>
+    <dgm:txLinClrLst/>
+    <dgm:txFillClrLst meth="repeat">
+      <a:schemeClr val="dk1"/>
+    </dgm:txFillClrLst>
+    <dgm:txEffectClrLst/>
+  </dgm:styleLbl>
+  <dgm:styleLbl name="revTx">
+    <dgm:fillClrLst meth="repeat">
+      <a:schemeClr val="lt1">
+        <a:alpha val="0"/>
+      </a:schemeClr>
+    </dgm:fillClrLst>
+    <dgm:linClrLst meth="repeat">
+      <a:schemeClr val="dk1">
+        <a:alpha val="0"/>
+      </a:schemeClr>
+    </dgm:linClrLst>
+    <dgm:effectClrLst/>
+    <dgm:txLinClrLst/>
+    <dgm:txFillClrLst meth="repeat">
+      <a:schemeClr val="tx1"/>
+    </dgm:txFillClrLst>
+    <dgm:txEffectClrLst/>
+  </dgm:styleLbl>
+</dgm:colorsDef>
+</file>
+
+<file path=ppt/diagrams/colors2.xml><?xml version="1.0" encoding="utf-8"?>
 <dgm:colorsDef xmlns:dgm="http://schemas.openxmlformats.org/drawingml/2006/diagram" xmlns:a="http://schemas.openxmlformats.org/drawingml/2006/main" uniqueId="urn:microsoft.com/office/officeart/2005/8/colors/accent1_2">
   <dgm:title val=""/>
   <dgm:desc val=""/>
@@ -1023,6 +1775,13 @@
         </dgm:presLayoutVars>
       </dgm:prSet>
       <dgm:spPr/>
+      <dgm:t>
+        <a:bodyPr/>
+        <a:lstStyle/>
+        <a:p>
+          <a:endParaRPr lang="hr-HR"/>
+        </a:p>
+      </dgm:t>
     </dgm:pt>
     <dgm:pt modelId="{3368798A-BA6D-4C79-962C-A9691334853D}" type="pres">
       <dgm:prSet presAssocID="{2C8FE126-A270-4EC9-B868-7F246BEB0D3D}" presName="noChildren" presStyleCnt="0"/>
@@ -1039,6 +1798,13 @@
     <dgm:pt modelId="{660CEE36-E0B2-48C3-A485-3F5175A153B9}" type="pres">
       <dgm:prSet presAssocID="{2C8FE126-A270-4EC9-B868-7F246BEB0D3D}" presName="txLvlOnly1" presStyleLbl="revTx" presStyleIdx="0" presStyleCnt="3"/>
       <dgm:spPr/>
+      <dgm:t>
+        <a:bodyPr/>
+        <a:lstStyle/>
+        <a:p>
+          <a:endParaRPr lang="hr-HR"/>
+        </a:p>
+      </dgm:t>
     </dgm:pt>
     <dgm:pt modelId="{DCC2A15C-CF43-4A32-907B-12F7506B70BA}" type="pres">
       <dgm:prSet presAssocID="{2F1E487F-2ACD-4231-9EFC-4CE2620704C7}" presName="noChildren" presStyleCnt="0"/>
@@ -1055,6 +1821,13 @@
     <dgm:pt modelId="{41BF9430-CB29-4604-BB65-65738AC85AA2}" type="pres">
       <dgm:prSet presAssocID="{2F1E487F-2ACD-4231-9EFC-4CE2620704C7}" presName="txLvlOnly1" presStyleLbl="revTx" presStyleIdx="1" presStyleCnt="3"/>
       <dgm:spPr/>
+      <dgm:t>
+        <a:bodyPr/>
+        <a:lstStyle/>
+        <a:p>
+          <a:endParaRPr lang="hr-HR"/>
+        </a:p>
+      </dgm:t>
     </dgm:pt>
     <dgm:pt modelId="{F674159B-FF29-4642-A842-8349AA5D9C75}" type="pres">
       <dgm:prSet presAssocID="{DCB8CB4E-7253-46DE-8E3E-F11374DE2A61}" presName="noChildren" presStyleCnt="0"/>
@@ -1071,28 +1844,1070 @@
     <dgm:pt modelId="{1F059929-B777-41D1-91B9-102593774C2B}" type="pres">
       <dgm:prSet presAssocID="{DCB8CB4E-7253-46DE-8E3E-F11374DE2A61}" presName="txLvlOnly1" presStyleLbl="revTx" presStyleIdx="2" presStyleCnt="3"/>
       <dgm:spPr/>
+      <dgm:t>
+        <a:bodyPr/>
+        <a:lstStyle/>
+        <a:p>
+          <a:endParaRPr lang="hr-HR"/>
+        </a:p>
+      </dgm:t>
     </dgm:pt>
   </dgm:ptLst>
   <dgm:cxnLst>
-    <dgm:cxn modelId="{F22C4B7B-27E6-434B-A2E7-3249BEDBDCAD}" type="presOf" srcId="{2C8FE126-A270-4EC9-B868-7F246BEB0D3D}" destId="{660CEE36-E0B2-48C3-A485-3F5175A153B9}" srcOrd="0" destOrd="0" presId="urn:microsoft.com/office/officeart/2008/layout/VerticalCircleList"/>
-    <dgm:cxn modelId="{E187C11D-1773-4BF8-8099-9A36293E803A}" type="presOf" srcId="{DCB8CB4E-7253-46DE-8E3E-F11374DE2A61}" destId="{1F059929-B777-41D1-91B9-102593774C2B}" srcOrd="0" destOrd="0" presId="urn:microsoft.com/office/officeart/2008/layout/VerticalCircleList"/>
-    <dgm:cxn modelId="{D3B82961-0498-4575-A215-E92DAB15D1A4}" type="presOf" srcId="{2DA210DE-FE0C-4B3B-89B8-A00BB3546F6A}" destId="{7A28A5AA-2B56-4A15-88DE-CAA686D0B70E}" srcOrd="0" destOrd="0" presId="urn:microsoft.com/office/officeart/2008/layout/VerticalCircleList"/>
+    <dgm:cxn modelId="{5BB5FE89-0B53-45F9-8204-708B4ED3AAB3}" srcId="{2DA210DE-FE0C-4B3B-89B8-A00BB3546F6A}" destId="{DCB8CB4E-7253-46DE-8E3E-F11374DE2A61}" srcOrd="2" destOrd="0" parTransId="{19CDCB69-CB6C-44E0-B9BC-B28980643FB5}" sibTransId="{CB5A19D8-A0FD-4013-9985-8E045AD0E3DD}"/>
+    <dgm:cxn modelId="{A113C94E-A924-4FE3-A6E6-53D68CEBF546}" type="presOf" srcId="{2DA210DE-FE0C-4B3B-89B8-A00BB3546F6A}" destId="{7A28A5AA-2B56-4A15-88DE-CAA686D0B70E}" srcOrd="0" destOrd="0" presId="urn:microsoft.com/office/officeart/2008/layout/VerticalCircleList"/>
+    <dgm:cxn modelId="{90BEE8E2-35F4-418C-A574-7FBAFF81E45D}" srcId="{2DA210DE-FE0C-4B3B-89B8-A00BB3546F6A}" destId="{2F1E487F-2ACD-4231-9EFC-4CE2620704C7}" srcOrd="1" destOrd="0" parTransId="{AE2E371C-104C-4188-83A5-74192CC2B0C9}" sibTransId="{28E51C51-1C74-4065-8EA8-DFFC220C766A}"/>
     <dgm:cxn modelId="{893D6F66-28F1-4F63-A22B-219BDBF9C6F5}" srcId="{2DA210DE-FE0C-4B3B-89B8-A00BB3546F6A}" destId="{2C8FE126-A270-4EC9-B868-7F246BEB0D3D}" srcOrd="0" destOrd="0" parTransId="{FEF451F7-6A6A-4709-AE82-EF247B1FFE7C}" sibTransId="{099B9A72-A153-4DC9-A60C-5A54C8A03A86}"/>
-    <dgm:cxn modelId="{5BB5FE89-0B53-45F9-8204-708B4ED3AAB3}" srcId="{2DA210DE-FE0C-4B3B-89B8-A00BB3546F6A}" destId="{DCB8CB4E-7253-46DE-8E3E-F11374DE2A61}" srcOrd="2" destOrd="0" parTransId="{19CDCB69-CB6C-44E0-B9BC-B28980643FB5}" sibTransId="{CB5A19D8-A0FD-4013-9985-8E045AD0E3DD}"/>
-    <dgm:cxn modelId="{C9459067-B1F0-4027-A371-FDB90D741A54}" type="presOf" srcId="{2F1E487F-2ACD-4231-9EFC-4CE2620704C7}" destId="{41BF9430-CB29-4604-BB65-65738AC85AA2}" srcOrd="0" destOrd="0" presId="urn:microsoft.com/office/officeart/2008/layout/VerticalCircleList"/>
-    <dgm:cxn modelId="{90BEE8E2-35F4-418C-A574-7FBAFF81E45D}" srcId="{2DA210DE-FE0C-4B3B-89B8-A00BB3546F6A}" destId="{2F1E487F-2ACD-4231-9EFC-4CE2620704C7}" srcOrd="1" destOrd="0" parTransId="{AE2E371C-104C-4188-83A5-74192CC2B0C9}" sibTransId="{28E51C51-1C74-4065-8EA8-DFFC220C766A}"/>
-    <dgm:cxn modelId="{D02F1833-183C-496A-B5C3-404E7C250ED5}" type="presParOf" srcId="{7A28A5AA-2B56-4A15-88DE-CAA686D0B70E}" destId="{3368798A-BA6D-4C79-962C-A9691334853D}" srcOrd="0" destOrd="0" presId="urn:microsoft.com/office/officeart/2008/layout/VerticalCircleList"/>
-    <dgm:cxn modelId="{0D13E115-CC29-4132-BC39-A584D4B81D19}" type="presParOf" srcId="{3368798A-BA6D-4C79-962C-A9691334853D}" destId="{AC55A378-5A80-4F68-ADD1-2AF20E2B9B5D}" srcOrd="0" destOrd="0" presId="urn:microsoft.com/office/officeart/2008/layout/VerticalCircleList"/>
-    <dgm:cxn modelId="{7352CF34-6937-4FD8-98C4-133AF569CAB3}" type="presParOf" srcId="{3368798A-BA6D-4C79-962C-A9691334853D}" destId="{74AB49F3-46D1-47CF-8F46-1FF1A64237AD}" srcOrd="1" destOrd="0" presId="urn:microsoft.com/office/officeart/2008/layout/VerticalCircleList"/>
-    <dgm:cxn modelId="{71541B7F-0DF0-45E9-A1EF-98846164F9B6}" type="presParOf" srcId="{3368798A-BA6D-4C79-962C-A9691334853D}" destId="{660CEE36-E0B2-48C3-A485-3F5175A153B9}" srcOrd="2" destOrd="0" presId="urn:microsoft.com/office/officeart/2008/layout/VerticalCircleList"/>
-    <dgm:cxn modelId="{CA533FF3-7EA3-4B0C-AB6F-D7D7C523BBDA}" type="presParOf" srcId="{7A28A5AA-2B56-4A15-88DE-CAA686D0B70E}" destId="{DCC2A15C-CF43-4A32-907B-12F7506B70BA}" srcOrd="1" destOrd="0" presId="urn:microsoft.com/office/officeart/2008/layout/VerticalCircleList"/>
-    <dgm:cxn modelId="{92A2118F-D1A3-44F0-9F83-1695963AC174}" type="presParOf" srcId="{DCC2A15C-CF43-4A32-907B-12F7506B70BA}" destId="{4B51B965-7D71-400E-A8B1-AEBBF1A0BE24}" srcOrd="0" destOrd="0" presId="urn:microsoft.com/office/officeart/2008/layout/VerticalCircleList"/>
-    <dgm:cxn modelId="{87C71039-140F-46CF-9A72-F61B7112290C}" type="presParOf" srcId="{DCC2A15C-CF43-4A32-907B-12F7506B70BA}" destId="{AC236B1D-C03C-4E6A-896A-EF58673C8185}" srcOrd="1" destOrd="0" presId="urn:microsoft.com/office/officeart/2008/layout/VerticalCircleList"/>
-    <dgm:cxn modelId="{EE2AA695-25F6-4484-B74E-ABC77ED3DE82}" type="presParOf" srcId="{DCC2A15C-CF43-4A32-907B-12F7506B70BA}" destId="{41BF9430-CB29-4604-BB65-65738AC85AA2}" srcOrd="2" destOrd="0" presId="urn:microsoft.com/office/officeart/2008/layout/VerticalCircleList"/>
-    <dgm:cxn modelId="{09A925B9-0A1E-44D8-B63A-694B11960206}" type="presParOf" srcId="{7A28A5AA-2B56-4A15-88DE-CAA686D0B70E}" destId="{F674159B-FF29-4642-A842-8349AA5D9C75}" srcOrd="2" destOrd="0" presId="urn:microsoft.com/office/officeart/2008/layout/VerticalCircleList"/>
-    <dgm:cxn modelId="{8FA75B89-C104-4FDB-B630-443119FE709E}" type="presParOf" srcId="{F674159B-FF29-4642-A842-8349AA5D9C75}" destId="{60052610-1400-4D66-B8CC-3E38FBFC915A}" srcOrd="0" destOrd="0" presId="urn:microsoft.com/office/officeart/2008/layout/VerticalCircleList"/>
-    <dgm:cxn modelId="{17327673-1D46-413E-BB41-0CDC73AF9568}" type="presParOf" srcId="{F674159B-FF29-4642-A842-8349AA5D9C75}" destId="{22191178-07D8-4ECD-8720-6FF5F15D1F4E}" srcOrd="1" destOrd="0" presId="urn:microsoft.com/office/officeart/2008/layout/VerticalCircleList"/>
-    <dgm:cxn modelId="{FF9F0BB4-8B5C-49AA-86C4-6B3E3D579C85}" type="presParOf" srcId="{F674159B-FF29-4642-A842-8349AA5D9C75}" destId="{1F059929-B777-41D1-91B9-102593774C2B}" srcOrd="2" destOrd="0" presId="urn:microsoft.com/office/officeart/2008/layout/VerticalCircleList"/>
+    <dgm:cxn modelId="{9FC1FC5A-73BE-49B8-BCB5-323E9D9EE27A}" type="presOf" srcId="{DCB8CB4E-7253-46DE-8E3E-F11374DE2A61}" destId="{1F059929-B777-41D1-91B9-102593774C2B}" srcOrd="0" destOrd="0" presId="urn:microsoft.com/office/officeart/2008/layout/VerticalCircleList"/>
+    <dgm:cxn modelId="{A8FC58FA-88E0-482C-B6F5-8050392BFEE3}" type="presOf" srcId="{2F1E487F-2ACD-4231-9EFC-4CE2620704C7}" destId="{41BF9430-CB29-4604-BB65-65738AC85AA2}" srcOrd="0" destOrd="0" presId="urn:microsoft.com/office/officeart/2008/layout/VerticalCircleList"/>
+    <dgm:cxn modelId="{D44E4232-0722-4063-922A-FB291F2612D0}" type="presOf" srcId="{2C8FE126-A270-4EC9-B868-7F246BEB0D3D}" destId="{660CEE36-E0B2-48C3-A485-3F5175A153B9}" srcOrd="0" destOrd="0" presId="urn:microsoft.com/office/officeart/2008/layout/VerticalCircleList"/>
+    <dgm:cxn modelId="{FC504E47-1B36-4624-B7DE-370BB7DA0635}" type="presParOf" srcId="{7A28A5AA-2B56-4A15-88DE-CAA686D0B70E}" destId="{3368798A-BA6D-4C79-962C-A9691334853D}" srcOrd="0" destOrd="0" presId="urn:microsoft.com/office/officeart/2008/layout/VerticalCircleList"/>
+    <dgm:cxn modelId="{7FAD5112-1F36-46CC-A188-4FF8598DE38C}" type="presParOf" srcId="{3368798A-BA6D-4C79-962C-A9691334853D}" destId="{AC55A378-5A80-4F68-ADD1-2AF20E2B9B5D}" srcOrd="0" destOrd="0" presId="urn:microsoft.com/office/officeart/2008/layout/VerticalCircleList"/>
+    <dgm:cxn modelId="{B80CBDEC-C836-41F4-BB8B-FAEB94E70DAC}" type="presParOf" srcId="{3368798A-BA6D-4C79-962C-A9691334853D}" destId="{74AB49F3-46D1-47CF-8F46-1FF1A64237AD}" srcOrd="1" destOrd="0" presId="urn:microsoft.com/office/officeart/2008/layout/VerticalCircleList"/>
+    <dgm:cxn modelId="{A77DA2CB-2A87-46D4-BF77-E3C9A2D45A68}" type="presParOf" srcId="{3368798A-BA6D-4C79-962C-A9691334853D}" destId="{660CEE36-E0B2-48C3-A485-3F5175A153B9}" srcOrd="2" destOrd="0" presId="urn:microsoft.com/office/officeart/2008/layout/VerticalCircleList"/>
+    <dgm:cxn modelId="{C61A908B-BBCB-4D64-836F-96F378B50AB3}" type="presParOf" srcId="{7A28A5AA-2B56-4A15-88DE-CAA686D0B70E}" destId="{DCC2A15C-CF43-4A32-907B-12F7506B70BA}" srcOrd="1" destOrd="0" presId="urn:microsoft.com/office/officeart/2008/layout/VerticalCircleList"/>
+    <dgm:cxn modelId="{E6AB0A28-A2C3-404B-884D-47FD7E28CFA1}" type="presParOf" srcId="{DCC2A15C-CF43-4A32-907B-12F7506B70BA}" destId="{4B51B965-7D71-400E-A8B1-AEBBF1A0BE24}" srcOrd="0" destOrd="0" presId="urn:microsoft.com/office/officeart/2008/layout/VerticalCircleList"/>
+    <dgm:cxn modelId="{9D16721A-C11B-433F-ADCE-E0BF987677CF}" type="presParOf" srcId="{DCC2A15C-CF43-4A32-907B-12F7506B70BA}" destId="{AC236B1D-C03C-4E6A-896A-EF58673C8185}" srcOrd="1" destOrd="0" presId="urn:microsoft.com/office/officeart/2008/layout/VerticalCircleList"/>
+    <dgm:cxn modelId="{54A8E6C8-3C0A-42D2-9885-6F902813AE04}" type="presParOf" srcId="{DCC2A15C-CF43-4A32-907B-12F7506B70BA}" destId="{41BF9430-CB29-4604-BB65-65738AC85AA2}" srcOrd="2" destOrd="0" presId="urn:microsoft.com/office/officeart/2008/layout/VerticalCircleList"/>
+    <dgm:cxn modelId="{8B1C8DA6-A37B-4C50-894B-B37709E56F37}" type="presParOf" srcId="{7A28A5AA-2B56-4A15-88DE-CAA686D0B70E}" destId="{F674159B-FF29-4642-A842-8349AA5D9C75}" srcOrd="2" destOrd="0" presId="urn:microsoft.com/office/officeart/2008/layout/VerticalCircleList"/>
+    <dgm:cxn modelId="{4E68C196-2DF6-49A6-8B4E-C3C29D2FDE33}" type="presParOf" srcId="{F674159B-FF29-4642-A842-8349AA5D9C75}" destId="{60052610-1400-4D66-B8CC-3E38FBFC915A}" srcOrd="0" destOrd="0" presId="urn:microsoft.com/office/officeart/2008/layout/VerticalCircleList"/>
+    <dgm:cxn modelId="{A69587D0-09D6-48CE-B829-D47187A80066}" type="presParOf" srcId="{F674159B-FF29-4642-A842-8349AA5D9C75}" destId="{22191178-07D8-4ECD-8720-6FF5F15D1F4E}" srcOrd="1" destOrd="0" presId="urn:microsoft.com/office/officeart/2008/layout/VerticalCircleList"/>
+    <dgm:cxn modelId="{4898BC43-13EB-4C68-BB52-7B8556FE8A05}" type="presParOf" srcId="{F674159B-FF29-4642-A842-8349AA5D9C75}" destId="{1F059929-B777-41D1-91B9-102593774C2B}" srcOrd="2" destOrd="0" presId="urn:microsoft.com/office/officeart/2008/layout/VerticalCircleList"/>
+  </dgm:cxnLst>
+  <dgm:bg/>
+  <dgm:whole/>
+  <dgm:extLst>
+    <a:ext uri="http://schemas.microsoft.com/office/drawing/2008/diagram">
+      <dsp:dataModelExt xmlns:dsp="http://schemas.microsoft.com/office/drawing/2008/diagram" relId="rId6" minVer="http://schemas.openxmlformats.org/drawingml/2006/diagram"/>
+    </a:ext>
+  </dgm:extLst>
+</dgm:dataModel>
+</file>
+
+<file path=ppt/diagrams/data2.xml><?xml version="1.0" encoding="utf-8"?>
+<dgm:dataModel xmlns:dgm="http://schemas.openxmlformats.org/drawingml/2006/diagram" xmlns:a="http://schemas.openxmlformats.org/drawingml/2006/main">
+  <dgm:ptLst>
+    <dgm:pt modelId="{96053194-2830-47F2-B9AA-C16B954A6038}" type="doc">
+      <dgm:prSet loTypeId="urn:microsoft.com/office/officeart/2005/8/layout/hList6" loCatId="list" qsTypeId="urn:microsoft.com/office/officeart/2005/8/quickstyle/simple1" qsCatId="simple" csTypeId="urn:microsoft.com/office/officeart/2005/8/colors/accent1_2" csCatId="accent1" phldr="1"/>
+      <dgm:spPr/>
+      <dgm:t>
+        <a:bodyPr/>
+        <a:lstStyle/>
+        <a:p>
+          <a:endParaRPr lang="hr-HR"/>
+        </a:p>
+      </dgm:t>
+    </dgm:pt>
+    <dgm:pt modelId="{32D1E580-7805-4C49-8175-E59639465B48}">
+      <dgm:prSet phldrT="[Text]"/>
+      <dgm:spPr/>
+      <dgm:t>
+        <a:bodyPr/>
+        <a:lstStyle/>
+        <a:p>
+          <a:r>
+            <a:rPr lang="hr-HR" dirty="0" smtClean="0"/>
+            <a:t>Analiza</a:t>
+          </a:r>
+          <a:endParaRPr lang="hr-HR" dirty="0"/>
+        </a:p>
+      </dgm:t>
+    </dgm:pt>
+    <dgm:pt modelId="{B45064AD-9C66-4474-BB44-E2E142CB487E}" type="parTrans" cxnId="{1E2A3818-8AE2-4E3F-A24A-FC59905B980D}">
+      <dgm:prSet/>
+      <dgm:spPr/>
+      <dgm:t>
+        <a:bodyPr/>
+        <a:lstStyle/>
+        <a:p>
+          <a:endParaRPr lang="hr-HR"/>
+        </a:p>
+      </dgm:t>
+    </dgm:pt>
+    <dgm:pt modelId="{5175410B-E21D-4770-B5F1-29A06D51E532}" type="sibTrans" cxnId="{1E2A3818-8AE2-4E3F-A24A-FC59905B980D}">
+      <dgm:prSet/>
+      <dgm:spPr/>
+      <dgm:t>
+        <a:bodyPr/>
+        <a:lstStyle/>
+        <a:p>
+          <a:endParaRPr lang="hr-HR"/>
+        </a:p>
+      </dgm:t>
+    </dgm:pt>
+    <dgm:pt modelId="{4B49BD48-E233-480D-9484-0B0C6BF3E920}">
+      <dgm:prSet phldrT="[Text]"/>
+      <dgm:spPr/>
+      <dgm:t>
+        <a:bodyPr/>
+        <a:lstStyle/>
+        <a:p>
+          <a:r>
+            <a:rPr lang="hr-HR" dirty="0" smtClean="0"/>
+            <a:t>Razvoj</a:t>
+          </a:r>
+          <a:endParaRPr lang="hr-HR" dirty="0"/>
+        </a:p>
+      </dgm:t>
+    </dgm:pt>
+    <dgm:pt modelId="{445368AF-AEB4-450F-944A-A382B8C0F746}" type="parTrans" cxnId="{702E5354-7747-442C-A161-C7D44BCEED7E}">
+      <dgm:prSet/>
+      <dgm:spPr/>
+      <dgm:t>
+        <a:bodyPr/>
+        <a:lstStyle/>
+        <a:p>
+          <a:endParaRPr lang="hr-HR"/>
+        </a:p>
+      </dgm:t>
+    </dgm:pt>
+    <dgm:pt modelId="{D9D7AE36-DB83-48F7-B1F8-F434C5CD47BF}" type="sibTrans" cxnId="{702E5354-7747-442C-A161-C7D44BCEED7E}">
+      <dgm:prSet/>
+      <dgm:spPr/>
+      <dgm:t>
+        <a:bodyPr/>
+        <a:lstStyle/>
+        <a:p>
+          <a:endParaRPr lang="hr-HR"/>
+        </a:p>
+      </dgm:t>
+    </dgm:pt>
+    <dgm:pt modelId="{D8F95E2A-BEFE-4E41-BAE5-15C74D2B1175}">
+      <dgm:prSet phldrT="[Text]"/>
+      <dgm:spPr/>
+      <dgm:t>
+        <a:bodyPr/>
+        <a:lstStyle/>
+        <a:p>
+          <a:r>
+            <a:rPr lang="hr-HR" dirty="0" smtClean="0"/>
+            <a:t>Baza</a:t>
+          </a:r>
+          <a:endParaRPr lang="hr-HR" dirty="0"/>
+        </a:p>
+      </dgm:t>
+    </dgm:pt>
+    <dgm:pt modelId="{194E6087-0E4B-46A5-B171-C9A5F32D8556}" type="parTrans" cxnId="{C8766E87-285E-4267-880C-13618A079091}">
+      <dgm:prSet/>
+      <dgm:spPr/>
+      <dgm:t>
+        <a:bodyPr/>
+        <a:lstStyle/>
+        <a:p>
+          <a:endParaRPr lang="hr-HR"/>
+        </a:p>
+      </dgm:t>
+    </dgm:pt>
+    <dgm:pt modelId="{6755D4B8-1405-4128-802E-3FC21A058766}" type="sibTrans" cxnId="{C8766E87-285E-4267-880C-13618A079091}">
+      <dgm:prSet/>
+      <dgm:spPr/>
+      <dgm:t>
+        <a:bodyPr/>
+        <a:lstStyle/>
+        <a:p>
+          <a:endParaRPr lang="hr-HR"/>
+        </a:p>
+      </dgm:t>
+    </dgm:pt>
+    <dgm:pt modelId="{B1AB659D-68B9-46C7-87BF-1B3F92BEEAFD}">
+      <dgm:prSet phldrT="[Text]"/>
+      <dgm:spPr/>
+      <dgm:t>
+        <a:bodyPr/>
+        <a:lstStyle/>
+        <a:p>
+          <a:r>
+            <a:rPr lang="hr-HR" dirty="0" smtClean="0"/>
+            <a:t>Test / Produkcija</a:t>
+          </a:r>
+          <a:endParaRPr lang="hr-HR" dirty="0"/>
+        </a:p>
+      </dgm:t>
+    </dgm:pt>
+    <dgm:pt modelId="{B1FFF2A8-0674-42EF-88CF-46EC6038CB54}" type="parTrans" cxnId="{0F144493-0483-49FA-A1C7-6F55ED777E4C}">
+      <dgm:prSet/>
+      <dgm:spPr/>
+      <dgm:t>
+        <a:bodyPr/>
+        <a:lstStyle/>
+        <a:p>
+          <a:endParaRPr lang="hr-HR"/>
+        </a:p>
+      </dgm:t>
+    </dgm:pt>
+    <dgm:pt modelId="{95B85F28-9630-4B45-B699-0BF9589700FC}" type="sibTrans" cxnId="{0F144493-0483-49FA-A1C7-6F55ED777E4C}">
+      <dgm:prSet/>
+      <dgm:spPr/>
+      <dgm:t>
+        <a:bodyPr/>
+        <a:lstStyle/>
+        <a:p>
+          <a:endParaRPr lang="hr-HR"/>
+        </a:p>
+      </dgm:t>
+    </dgm:pt>
+    <dgm:pt modelId="{BF1DA917-093C-4F92-AD1C-B2DFA55A0CE8}">
+      <dgm:prSet phldrT="[Text]"/>
+      <dgm:spPr/>
+      <dgm:t>
+        <a:bodyPr/>
+        <a:lstStyle/>
+        <a:p>
+          <a:r>
+            <a:rPr lang="hr-HR" dirty="0" smtClean="0"/>
+            <a:t>Okoline</a:t>
+          </a:r>
+          <a:endParaRPr lang="hr-HR" dirty="0"/>
+        </a:p>
+      </dgm:t>
+    </dgm:pt>
+    <dgm:pt modelId="{D5BC28C7-A1B2-414F-8E01-A03584207184}" type="parTrans" cxnId="{67C33CD2-ADBE-47B0-A8B2-C448FC2C0E58}">
+      <dgm:prSet/>
+      <dgm:spPr/>
+      <dgm:t>
+        <a:bodyPr/>
+        <a:lstStyle/>
+        <a:p>
+          <a:endParaRPr lang="hr-HR"/>
+        </a:p>
+      </dgm:t>
+    </dgm:pt>
+    <dgm:pt modelId="{CA611534-AA46-464F-93E4-E953E269B22A}" type="sibTrans" cxnId="{67C33CD2-ADBE-47B0-A8B2-C448FC2C0E58}">
+      <dgm:prSet/>
+      <dgm:spPr/>
+      <dgm:t>
+        <a:bodyPr/>
+        <a:lstStyle/>
+        <a:p>
+          <a:endParaRPr lang="hr-HR"/>
+        </a:p>
+      </dgm:t>
+    </dgm:pt>
+    <dgm:pt modelId="{FFD56F99-641F-4B2D-9917-50F72CF58CE7}">
+      <dgm:prSet phldrT="[Text]"/>
+      <dgm:spPr/>
+      <dgm:t>
+        <a:bodyPr/>
+        <a:lstStyle/>
+        <a:p>
+          <a:r>
+            <a:rPr lang="hr-HR" dirty="0" smtClean="0"/>
+            <a:t>Održavanje</a:t>
+          </a:r>
+          <a:endParaRPr lang="hr-HR" dirty="0"/>
+        </a:p>
+      </dgm:t>
+    </dgm:pt>
+    <dgm:pt modelId="{50ECB940-B420-4E09-B536-DBBE14C7540F}" type="parTrans" cxnId="{A5FEDFB6-10FB-402D-A8AC-DD83EA0F2D1F}">
+      <dgm:prSet/>
+      <dgm:spPr/>
+      <dgm:t>
+        <a:bodyPr/>
+        <a:lstStyle/>
+        <a:p>
+          <a:endParaRPr lang="hr-HR"/>
+        </a:p>
+      </dgm:t>
+    </dgm:pt>
+    <dgm:pt modelId="{F3F6B772-1BE2-48BF-92C7-7AC922CDC9A3}" type="sibTrans" cxnId="{A5FEDFB6-10FB-402D-A8AC-DD83EA0F2D1F}">
+      <dgm:prSet/>
+      <dgm:spPr/>
+      <dgm:t>
+        <a:bodyPr/>
+        <a:lstStyle/>
+        <a:p>
+          <a:endParaRPr lang="hr-HR"/>
+        </a:p>
+      </dgm:t>
+    </dgm:pt>
+    <dgm:pt modelId="{021222F5-6B0E-40EE-9844-702FAEC14D7F}">
+      <dgm:prSet phldrT="[Text]"/>
+      <dgm:spPr/>
+      <dgm:t>
+        <a:bodyPr/>
+        <a:lstStyle/>
+        <a:p>
+          <a:r>
+            <a:rPr lang="hr-HR" dirty="0" smtClean="0"/>
+            <a:t>Funkcionalna i tehnička specifikacija</a:t>
+          </a:r>
+          <a:endParaRPr lang="hr-HR" dirty="0"/>
+        </a:p>
+      </dgm:t>
+    </dgm:pt>
+    <dgm:pt modelId="{857B28AF-5691-4797-9ED7-2DF50D94D460}" type="parTrans" cxnId="{A21FF2DB-F800-4C34-B6DC-A29C4A1C2F4D}">
+      <dgm:prSet/>
+      <dgm:spPr/>
+      <dgm:t>
+        <a:bodyPr/>
+        <a:lstStyle/>
+        <a:p>
+          <a:endParaRPr lang="hr-HR"/>
+        </a:p>
+      </dgm:t>
+    </dgm:pt>
+    <dgm:pt modelId="{256641AB-6A4B-4A1F-BE1B-B1F02240829D}" type="sibTrans" cxnId="{A21FF2DB-F800-4C34-B6DC-A29C4A1C2F4D}">
+      <dgm:prSet/>
+      <dgm:spPr/>
+      <dgm:t>
+        <a:bodyPr/>
+        <a:lstStyle/>
+        <a:p>
+          <a:endParaRPr lang="hr-HR"/>
+        </a:p>
+      </dgm:t>
+    </dgm:pt>
+    <dgm:pt modelId="{399CFABA-9DCD-499B-9F93-D460C99DB130}">
+      <dgm:prSet phldrT="[Text]"/>
+      <dgm:spPr/>
+      <dgm:t>
+        <a:bodyPr/>
+        <a:lstStyle/>
+        <a:p>
+          <a:r>
+            <a:rPr lang="hr-HR" dirty="0" smtClean="0"/>
+            <a:t>Tehnologija</a:t>
+          </a:r>
+          <a:endParaRPr lang="hr-HR" dirty="0"/>
+        </a:p>
+      </dgm:t>
+    </dgm:pt>
+    <dgm:pt modelId="{4A517A51-3E4D-4923-87C2-8469F791CE1E}" type="parTrans" cxnId="{B3E9AA02-B7EA-4407-80B1-4D16894C71AC}">
+      <dgm:prSet/>
+      <dgm:spPr/>
+      <dgm:t>
+        <a:bodyPr/>
+        <a:lstStyle/>
+        <a:p>
+          <a:endParaRPr lang="hr-HR"/>
+        </a:p>
+      </dgm:t>
+    </dgm:pt>
+    <dgm:pt modelId="{0A5FEDBA-1344-46F6-B548-D35DA34CA058}" type="sibTrans" cxnId="{B3E9AA02-B7EA-4407-80B1-4D16894C71AC}">
+      <dgm:prSet/>
+      <dgm:spPr/>
+      <dgm:t>
+        <a:bodyPr/>
+        <a:lstStyle/>
+        <a:p>
+          <a:endParaRPr lang="hr-HR"/>
+        </a:p>
+      </dgm:t>
+    </dgm:pt>
+    <dgm:pt modelId="{B2EDB1EE-A638-405E-B809-CBD4E330B21B}">
+      <dgm:prSet/>
+      <dgm:spPr/>
+      <dgm:t>
+        <a:bodyPr/>
+        <a:lstStyle/>
+        <a:p>
+          <a:r>
+            <a:rPr lang="hr-HR" dirty="0" smtClean="0"/>
+            <a:t>Arhitektura</a:t>
+          </a:r>
+          <a:endParaRPr lang="hr-HR" dirty="0"/>
+        </a:p>
+      </dgm:t>
+    </dgm:pt>
+    <dgm:pt modelId="{62A352B7-3889-4299-80E1-5C56A4E418F6}" type="parTrans" cxnId="{E8921C59-B1A6-4561-8E0B-770C580A614B}">
+      <dgm:prSet/>
+      <dgm:spPr/>
+      <dgm:t>
+        <a:bodyPr/>
+        <a:lstStyle/>
+        <a:p>
+          <a:endParaRPr lang="hr-HR"/>
+        </a:p>
+      </dgm:t>
+    </dgm:pt>
+    <dgm:pt modelId="{0A069DCF-2DED-4DBC-A2EC-B75378A75A57}" type="sibTrans" cxnId="{E8921C59-B1A6-4561-8E0B-770C580A614B}">
+      <dgm:prSet/>
+      <dgm:spPr/>
+      <dgm:t>
+        <a:bodyPr/>
+        <a:lstStyle/>
+        <a:p>
+          <a:endParaRPr lang="hr-HR"/>
+        </a:p>
+      </dgm:t>
+    </dgm:pt>
+    <dgm:pt modelId="{F31D5DF1-EA74-45A8-858D-0FCBA2D0C82D}">
+      <dgm:prSet/>
+      <dgm:spPr/>
+      <dgm:t>
+        <a:bodyPr/>
+        <a:lstStyle/>
+        <a:p>
+          <a:r>
+            <a:rPr lang="hr-HR" dirty="0" smtClean="0"/>
+            <a:t>Model</a:t>
+          </a:r>
+          <a:endParaRPr lang="hr-HR" dirty="0"/>
+        </a:p>
+      </dgm:t>
+    </dgm:pt>
+    <dgm:pt modelId="{2CC3F496-9DF3-4437-9012-FF427A506051}" type="parTrans" cxnId="{F981A2C3-1CEF-4A02-BE25-2D28504437AF}">
+      <dgm:prSet/>
+      <dgm:spPr/>
+      <dgm:t>
+        <a:bodyPr/>
+        <a:lstStyle/>
+        <a:p>
+          <a:endParaRPr lang="hr-HR"/>
+        </a:p>
+      </dgm:t>
+    </dgm:pt>
+    <dgm:pt modelId="{3E0D0DEA-77A8-4653-834A-4EC68E3F2436}" type="sibTrans" cxnId="{F981A2C3-1CEF-4A02-BE25-2D28504437AF}">
+      <dgm:prSet/>
+      <dgm:spPr/>
+      <dgm:t>
+        <a:bodyPr/>
+        <a:lstStyle/>
+        <a:p>
+          <a:endParaRPr lang="hr-HR"/>
+        </a:p>
+      </dgm:t>
+    </dgm:pt>
+    <dgm:pt modelId="{82E82329-D67A-4768-A3F0-CB4B13938DCC}">
+      <dgm:prSet/>
+      <dgm:spPr/>
+      <dgm:t>
+        <a:bodyPr/>
+        <a:lstStyle/>
+        <a:p>
+          <a:r>
+            <a:rPr lang="hr-HR" dirty="0" err="1" smtClean="0"/>
+            <a:t>Mockovi</a:t>
+          </a:r>
+          <a:endParaRPr lang="hr-HR" dirty="0"/>
+        </a:p>
+      </dgm:t>
+    </dgm:pt>
+    <dgm:pt modelId="{F50F2E0D-1DBF-478C-BFD2-3FB201148857}" type="parTrans" cxnId="{B2CB7C6D-7EC7-461F-BFC1-5FDF4756EBB4}">
+      <dgm:prSet/>
+      <dgm:spPr/>
+      <dgm:t>
+        <a:bodyPr/>
+        <a:lstStyle/>
+        <a:p>
+          <a:endParaRPr lang="hr-HR"/>
+        </a:p>
+      </dgm:t>
+    </dgm:pt>
+    <dgm:pt modelId="{B8746B8E-0387-4229-81DB-3D24589B763A}" type="sibTrans" cxnId="{B2CB7C6D-7EC7-461F-BFC1-5FDF4756EBB4}">
+      <dgm:prSet/>
+      <dgm:spPr/>
+      <dgm:t>
+        <a:bodyPr/>
+        <a:lstStyle/>
+        <a:p>
+          <a:endParaRPr lang="hr-HR"/>
+        </a:p>
+      </dgm:t>
+    </dgm:pt>
+    <dgm:pt modelId="{545A4A61-88E0-4373-A4B2-BF1954121E86}">
+      <dgm:prSet phldrT="[Text]"/>
+      <dgm:spPr/>
+      <dgm:t>
+        <a:bodyPr/>
+        <a:lstStyle/>
+        <a:p>
+          <a:r>
+            <a:rPr lang="hr-HR" dirty="0" smtClean="0"/>
+            <a:t>Sastanci s naručiteljem</a:t>
+          </a:r>
+          <a:endParaRPr lang="hr-HR" dirty="0"/>
+        </a:p>
+      </dgm:t>
+    </dgm:pt>
+    <dgm:pt modelId="{C4AF34D3-BAD4-4137-9B30-1897893F29B1}" type="parTrans" cxnId="{2AC8D76C-94F5-4083-B462-50C883A44BF1}">
+      <dgm:prSet/>
+      <dgm:spPr/>
+      <dgm:t>
+        <a:bodyPr/>
+        <a:lstStyle/>
+        <a:p>
+          <a:endParaRPr lang="hr-HR"/>
+        </a:p>
+      </dgm:t>
+    </dgm:pt>
+    <dgm:pt modelId="{CA3BE091-C98F-4D21-BCB9-B990C1EADE20}" type="sibTrans" cxnId="{2AC8D76C-94F5-4083-B462-50C883A44BF1}">
+      <dgm:prSet/>
+      <dgm:spPr/>
+      <dgm:t>
+        <a:bodyPr/>
+        <a:lstStyle/>
+        <a:p>
+          <a:endParaRPr lang="hr-HR"/>
+        </a:p>
+      </dgm:t>
+    </dgm:pt>
+    <dgm:pt modelId="{23CEB5D0-C416-4E04-83B7-0615440EAE59}">
+      <dgm:prSet phldrT="[Text]"/>
+      <dgm:spPr/>
+      <dgm:t>
+        <a:bodyPr/>
+        <a:lstStyle/>
+        <a:p>
+          <a:r>
+            <a:rPr lang="hr-HR" dirty="0" smtClean="0"/>
+            <a:t>Shvaćanje poslovne logike</a:t>
+          </a:r>
+          <a:endParaRPr lang="hr-HR" dirty="0"/>
+        </a:p>
+      </dgm:t>
+    </dgm:pt>
+    <dgm:pt modelId="{7C9B704B-E7F5-4788-8F5D-99E7896C1DBF}" type="parTrans" cxnId="{79015171-2884-4631-B8CC-5699F1C3CE78}">
+      <dgm:prSet/>
+      <dgm:spPr/>
+      <dgm:t>
+        <a:bodyPr/>
+        <a:lstStyle/>
+        <a:p>
+          <a:endParaRPr lang="hr-HR"/>
+        </a:p>
+      </dgm:t>
+    </dgm:pt>
+    <dgm:pt modelId="{058B7670-B1DD-4BDE-A991-F0E232E99650}" type="sibTrans" cxnId="{79015171-2884-4631-B8CC-5699F1C3CE78}">
+      <dgm:prSet/>
+      <dgm:spPr/>
+      <dgm:t>
+        <a:bodyPr/>
+        <a:lstStyle/>
+        <a:p>
+          <a:endParaRPr lang="hr-HR"/>
+        </a:p>
+      </dgm:t>
+    </dgm:pt>
+    <dgm:pt modelId="{EBD95B23-ADF8-404F-B023-DF47EBE42698}">
+      <dgm:prSet/>
+      <dgm:spPr/>
+      <dgm:t>
+        <a:bodyPr/>
+        <a:lstStyle/>
+        <a:p>
+          <a:r>
+            <a:rPr lang="hr-HR" smtClean="0"/>
+            <a:t>Poslovna logika</a:t>
+          </a:r>
+          <a:endParaRPr lang="hr-HR" dirty="0"/>
+        </a:p>
+      </dgm:t>
+    </dgm:pt>
+    <dgm:pt modelId="{B9864C03-BDEF-4384-B151-693DCEBC4C91}" type="parTrans" cxnId="{96CFF873-6FB9-41AC-A677-A5200554CE28}">
+      <dgm:prSet/>
+      <dgm:spPr/>
+      <dgm:t>
+        <a:bodyPr/>
+        <a:lstStyle/>
+        <a:p>
+          <a:endParaRPr lang="hr-HR"/>
+        </a:p>
+      </dgm:t>
+    </dgm:pt>
+    <dgm:pt modelId="{F250DA66-04AD-4D16-9CD7-26FF8A80E027}" type="sibTrans" cxnId="{96CFF873-6FB9-41AC-A677-A5200554CE28}">
+      <dgm:prSet/>
+      <dgm:spPr/>
+      <dgm:t>
+        <a:bodyPr/>
+        <a:lstStyle/>
+        <a:p>
+          <a:endParaRPr lang="hr-HR"/>
+        </a:p>
+      </dgm:t>
+    </dgm:pt>
+    <dgm:pt modelId="{B97CD944-9041-47A2-9789-2D781237D5C0}">
+      <dgm:prSet/>
+      <dgm:spPr/>
+      <dgm:t>
+        <a:bodyPr/>
+        <a:lstStyle/>
+        <a:p>
+          <a:r>
+            <a:rPr lang="hr-HR" smtClean="0"/>
+            <a:t>Sučelje</a:t>
+          </a:r>
+          <a:endParaRPr lang="hr-HR" dirty="0"/>
+        </a:p>
+      </dgm:t>
+    </dgm:pt>
+    <dgm:pt modelId="{0897DA8F-FC4B-4873-93A6-36C57FC16E96}" type="parTrans" cxnId="{1F320E69-FD67-4CBC-BEE5-8FC07EBABCB6}">
+      <dgm:prSet/>
+      <dgm:spPr/>
+      <dgm:t>
+        <a:bodyPr/>
+        <a:lstStyle/>
+        <a:p>
+          <a:endParaRPr lang="hr-HR"/>
+        </a:p>
+      </dgm:t>
+    </dgm:pt>
+    <dgm:pt modelId="{21B06515-5CBE-453A-965A-026009C021E6}" type="sibTrans" cxnId="{1F320E69-FD67-4CBC-BEE5-8FC07EBABCB6}">
+      <dgm:prSet/>
+      <dgm:spPr/>
+      <dgm:t>
+        <a:bodyPr/>
+        <a:lstStyle/>
+        <a:p>
+          <a:endParaRPr lang="hr-HR"/>
+        </a:p>
+      </dgm:t>
+    </dgm:pt>
+    <dgm:pt modelId="{CB4DCD56-4C7C-42EE-BBB3-A7E85BCA3C69}">
+      <dgm:prSet/>
+      <dgm:spPr/>
+      <dgm:t>
+        <a:bodyPr/>
+        <a:lstStyle/>
+        <a:p>
+          <a:r>
+            <a:rPr lang="hr-HR" dirty="0" smtClean="0"/>
+            <a:t>Infrastruktura (mail, </a:t>
+          </a:r>
+          <a:r>
+            <a:rPr lang="hr-HR" dirty="0" err="1" smtClean="0"/>
+            <a:t>logiranje</a:t>
+          </a:r>
+          <a:r>
+            <a:rPr lang="hr-HR" dirty="0" smtClean="0"/>
+            <a:t>)</a:t>
+          </a:r>
+          <a:endParaRPr lang="hr-HR" dirty="0"/>
+        </a:p>
+      </dgm:t>
+    </dgm:pt>
+    <dgm:pt modelId="{6C13377B-D92D-4A8C-8F1C-D92FE4C6C1EE}" type="parTrans" cxnId="{8FEA4E3E-C3F9-4603-B7AD-FF1C92762714}">
+      <dgm:prSet/>
+      <dgm:spPr/>
+      <dgm:t>
+        <a:bodyPr/>
+        <a:lstStyle/>
+        <a:p>
+          <a:endParaRPr lang="hr-HR"/>
+        </a:p>
+      </dgm:t>
+    </dgm:pt>
+    <dgm:pt modelId="{FFC591BD-EA68-4E92-8E02-828F5BC3CF3B}" type="sibTrans" cxnId="{8FEA4E3E-C3F9-4603-B7AD-FF1C92762714}">
+      <dgm:prSet/>
+      <dgm:spPr/>
+      <dgm:t>
+        <a:bodyPr/>
+        <a:lstStyle/>
+        <a:p>
+          <a:endParaRPr lang="hr-HR"/>
+        </a:p>
+      </dgm:t>
+    </dgm:pt>
+    <dgm:pt modelId="{30EAE4E6-2BBF-444C-B421-413C995674D7}">
+      <dgm:prSet/>
+      <dgm:spPr/>
+      <dgm:t>
+        <a:bodyPr/>
+        <a:lstStyle/>
+        <a:p>
+          <a:r>
+            <a:rPr lang="hr-HR" smtClean="0"/>
+            <a:t>Testiranje</a:t>
+          </a:r>
+          <a:endParaRPr lang="hr-HR" dirty="0"/>
+        </a:p>
+      </dgm:t>
+    </dgm:pt>
+    <dgm:pt modelId="{FB76FC0B-4C7D-490F-9928-C391CAEB7C3F}" type="parTrans" cxnId="{902DD98E-9C1A-4D02-AC42-CF61F9C0F5E7}">
+      <dgm:prSet/>
+      <dgm:spPr/>
+      <dgm:t>
+        <a:bodyPr/>
+        <a:lstStyle/>
+        <a:p>
+          <a:endParaRPr lang="hr-HR"/>
+        </a:p>
+      </dgm:t>
+    </dgm:pt>
+    <dgm:pt modelId="{2ADEF977-947D-4C72-B829-D9ED324DA74E}" type="sibTrans" cxnId="{902DD98E-9C1A-4D02-AC42-CF61F9C0F5E7}">
+      <dgm:prSet/>
+      <dgm:spPr/>
+      <dgm:t>
+        <a:bodyPr/>
+        <a:lstStyle/>
+        <a:p>
+          <a:endParaRPr lang="hr-HR"/>
+        </a:p>
+      </dgm:t>
+    </dgm:pt>
+    <dgm:pt modelId="{AD858CDF-A244-45BC-9D01-5CE54F13AF2F}">
+      <dgm:prSet/>
+      <dgm:spPr/>
+      <dgm:t>
+        <a:bodyPr/>
+        <a:lstStyle/>
+        <a:p>
+          <a:r>
+            <a:rPr lang="hr-HR" smtClean="0"/>
+            <a:t>Timski rad</a:t>
+          </a:r>
+          <a:endParaRPr lang="hr-HR" dirty="0"/>
+        </a:p>
+      </dgm:t>
+    </dgm:pt>
+    <dgm:pt modelId="{8C743F3B-DBC8-492D-BF8F-33D4D048CA86}" type="parTrans" cxnId="{8A8408DB-355D-4A47-A9CA-40F5324C0A8A}">
+      <dgm:prSet/>
+      <dgm:spPr/>
+      <dgm:t>
+        <a:bodyPr/>
+        <a:lstStyle/>
+        <a:p>
+          <a:endParaRPr lang="hr-HR"/>
+        </a:p>
+      </dgm:t>
+    </dgm:pt>
+    <dgm:pt modelId="{21E660B4-2EED-47F9-9949-E166236C19C8}" type="sibTrans" cxnId="{8A8408DB-355D-4A47-A9CA-40F5324C0A8A}">
+      <dgm:prSet/>
+      <dgm:spPr/>
+      <dgm:t>
+        <a:bodyPr/>
+        <a:lstStyle/>
+        <a:p>
+          <a:endParaRPr lang="hr-HR"/>
+        </a:p>
+      </dgm:t>
+    </dgm:pt>
+    <dgm:pt modelId="{5F246740-F13D-41D8-9EF0-165B171093DC}">
+      <dgm:prSet/>
+      <dgm:spPr/>
+      <dgm:t>
+        <a:bodyPr/>
+        <a:lstStyle/>
+        <a:p>
+          <a:r>
+            <a:rPr lang="hr-HR" smtClean="0"/>
+            <a:t>Migracije</a:t>
+          </a:r>
+          <a:endParaRPr lang="hr-HR" dirty="0"/>
+        </a:p>
+      </dgm:t>
+    </dgm:pt>
+    <dgm:pt modelId="{A8C443EA-3564-43C0-B448-14269126039B}" type="parTrans" cxnId="{550FA7CC-FAB0-41B0-9272-03EBFC882C10}">
+      <dgm:prSet/>
+      <dgm:spPr/>
+      <dgm:t>
+        <a:bodyPr/>
+        <a:lstStyle/>
+        <a:p>
+          <a:endParaRPr lang="hr-HR"/>
+        </a:p>
+      </dgm:t>
+    </dgm:pt>
+    <dgm:pt modelId="{5A4C820B-EA16-4A49-BC70-7AF9DF403863}" type="sibTrans" cxnId="{550FA7CC-FAB0-41B0-9272-03EBFC882C10}">
+      <dgm:prSet/>
+      <dgm:spPr/>
+      <dgm:t>
+        <a:bodyPr/>
+        <a:lstStyle/>
+        <a:p>
+          <a:endParaRPr lang="hr-HR"/>
+        </a:p>
+      </dgm:t>
+    </dgm:pt>
+    <dgm:pt modelId="{36F3CC71-9792-4DB7-892D-8CDDE3BE04F1}">
+      <dgm:prSet/>
+      <dgm:spPr/>
+      <dgm:t>
+        <a:bodyPr/>
+        <a:lstStyle/>
+        <a:p>
+          <a:r>
+            <a:rPr lang="hr-HR" smtClean="0"/>
+            <a:t>Dostupnost/Backup</a:t>
+          </a:r>
+          <a:endParaRPr lang="hr-HR" dirty="0"/>
+        </a:p>
+      </dgm:t>
+    </dgm:pt>
+    <dgm:pt modelId="{EFF0A38A-8B38-4BE2-BA7A-3DC3374F3D69}" type="parTrans" cxnId="{BB542484-FE1F-4F46-AB64-E12E9A99DB6C}">
+      <dgm:prSet/>
+      <dgm:spPr/>
+      <dgm:t>
+        <a:bodyPr/>
+        <a:lstStyle/>
+        <a:p>
+          <a:endParaRPr lang="hr-HR"/>
+        </a:p>
+      </dgm:t>
+    </dgm:pt>
+    <dgm:pt modelId="{7AB5465F-AD93-4693-9954-E0260425845D}" type="sibTrans" cxnId="{BB542484-FE1F-4F46-AB64-E12E9A99DB6C}">
+      <dgm:prSet/>
+      <dgm:spPr/>
+      <dgm:t>
+        <a:bodyPr/>
+        <a:lstStyle/>
+        <a:p>
+          <a:endParaRPr lang="hr-HR"/>
+        </a:p>
+      </dgm:t>
+    </dgm:pt>
+    <dgm:pt modelId="{152CFA65-AD6F-4B05-8472-1643A1A8B048}">
+      <dgm:prSet/>
+      <dgm:spPr/>
+      <dgm:t>
+        <a:bodyPr/>
+        <a:lstStyle/>
+        <a:p>
+          <a:r>
+            <a:rPr lang="hr-HR" smtClean="0"/>
+            <a:t>Izmjene modela/poslovne logike</a:t>
+          </a:r>
+          <a:endParaRPr lang="hr-HR" dirty="0"/>
+        </a:p>
+      </dgm:t>
+    </dgm:pt>
+    <dgm:pt modelId="{3B1DA925-D025-411F-BEAF-4BF817A0EEAF}" type="parTrans" cxnId="{9B40ED27-AB8D-4720-B030-7AD2F90F9A73}">
+      <dgm:prSet/>
+      <dgm:spPr/>
+      <dgm:t>
+        <a:bodyPr/>
+        <a:lstStyle/>
+        <a:p>
+          <a:endParaRPr lang="hr-HR"/>
+        </a:p>
+      </dgm:t>
+    </dgm:pt>
+    <dgm:pt modelId="{1C1BDA7E-3176-4480-8AC5-2C5112D03AB1}" type="sibTrans" cxnId="{9B40ED27-AB8D-4720-B030-7AD2F90F9A73}">
+      <dgm:prSet/>
+      <dgm:spPr/>
+      <dgm:t>
+        <a:bodyPr/>
+        <a:lstStyle/>
+        <a:p>
+          <a:endParaRPr lang="hr-HR"/>
+        </a:p>
+      </dgm:t>
+    </dgm:pt>
+    <dgm:pt modelId="{39967756-AA97-4D3A-96E6-D00FC7EBFDEE}">
+      <dgm:prSet phldrT="[Text]"/>
+      <dgm:spPr/>
+      <dgm:t>
+        <a:bodyPr/>
+        <a:lstStyle/>
+        <a:p>
+          <a:r>
+            <a:rPr lang="hr-HR" dirty="0" smtClean="0"/>
+            <a:t>Pohrana znanja</a:t>
+          </a:r>
+          <a:endParaRPr lang="hr-HR" dirty="0"/>
+        </a:p>
+      </dgm:t>
+    </dgm:pt>
+    <dgm:pt modelId="{300B68CD-5ACA-4252-90C7-5013B4ACF6DA}" type="parTrans" cxnId="{5F025CF5-43AB-477A-8F0F-C163D758A3A4}">
+      <dgm:prSet/>
+      <dgm:spPr/>
+      <dgm:t>
+        <a:bodyPr/>
+        <a:lstStyle/>
+        <a:p>
+          <a:endParaRPr lang="hr-HR"/>
+        </a:p>
+      </dgm:t>
+    </dgm:pt>
+    <dgm:pt modelId="{ED3B2489-3471-48B0-8B6B-C4C1E1AA5A38}" type="sibTrans" cxnId="{5F025CF5-43AB-477A-8F0F-C163D758A3A4}">
+      <dgm:prSet/>
+      <dgm:spPr/>
+      <dgm:t>
+        <a:bodyPr/>
+        <a:lstStyle/>
+        <a:p>
+          <a:endParaRPr lang="hr-HR"/>
+        </a:p>
+      </dgm:t>
+    </dgm:pt>
+    <dgm:pt modelId="{EE9385D3-404A-41DF-A26B-2B7A446067B4}">
+      <dgm:prSet phldrT="[Text]"/>
+      <dgm:spPr/>
+      <dgm:t>
+        <a:bodyPr/>
+        <a:lstStyle/>
+        <a:p>
+          <a:r>
+            <a:rPr lang="hr-HR" dirty="0" smtClean="0"/>
+            <a:t>Dokumentacija</a:t>
+          </a:r>
+          <a:endParaRPr lang="hr-HR" dirty="0"/>
+        </a:p>
+      </dgm:t>
+    </dgm:pt>
+    <dgm:pt modelId="{19C040C3-A0BF-4D19-8B13-ABEC9AFAA198}" type="parTrans" cxnId="{1F7A13E5-90C1-431E-B8B1-E30C682D9D41}">
+      <dgm:prSet/>
+      <dgm:spPr/>
+      <dgm:t>
+        <a:bodyPr/>
+        <a:lstStyle/>
+        <a:p>
+          <a:endParaRPr lang="hr-HR"/>
+        </a:p>
+      </dgm:t>
+    </dgm:pt>
+    <dgm:pt modelId="{2DC71E8A-9806-43C9-8DE3-D787446261FC}" type="sibTrans" cxnId="{1F7A13E5-90C1-431E-B8B1-E30C682D9D41}">
+      <dgm:prSet/>
+      <dgm:spPr/>
+      <dgm:t>
+        <a:bodyPr/>
+        <a:lstStyle/>
+        <a:p>
+          <a:endParaRPr lang="hr-HR"/>
+        </a:p>
+      </dgm:t>
+    </dgm:pt>
+    <dgm:pt modelId="{0E443411-006A-41EA-8DAD-643B52420A1C}" type="pres">
+      <dgm:prSet presAssocID="{96053194-2830-47F2-B9AA-C16B954A6038}" presName="Name0" presStyleCnt="0">
+        <dgm:presLayoutVars>
+          <dgm:dir/>
+          <dgm:resizeHandles val="exact"/>
+        </dgm:presLayoutVars>
+      </dgm:prSet>
+      <dgm:spPr/>
+    </dgm:pt>
+    <dgm:pt modelId="{0B8DEF10-C16E-4ECD-A446-EE1D34333F49}" type="pres">
+      <dgm:prSet presAssocID="{32D1E580-7805-4C49-8175-E59639465B48}" presName="node" presStyleLbl="node1" presStyleIdx="0" presStyleCnt="5">
+        <dgm:presLayoutVars>
+          <dgm:bulletEnabled val="1"/>
+        </dgm:presLayoutVars>
+      </dgm:prSet>
+      <dgm:spPr/>
+      <dgm:t>
+        <a:bodyPr/>
+        <a:lstStyle/>
+        <a:p>
+          <a:endParaRPr lang="hr-HR"/>
+        </a:p>
+      </dgm:t>
+    </dgm:pt>
+    <dgm:pt modelId="{022163A2-9FF8-4E41-B74D-4FFDE1502A2B}" type="pres">
+      <dgm:prSet presAssocID="{5175410B-E21D-4770-B5F1-29A06D51E532}" presName="sibTrans" presStyleCnt="0"/>
+      <dgm:spPr/>
+    </dgm:pt>
+    <dgm:pt modelId="{425320D0-5357-4FA4-96F9-A6464D6C1A69}" type="pres">
+      <dgm:prSet presAssocID="{021222F5-6B0E-40EE-9844-702FAEC14D7F}" presName="node" presStyleLbl="node1" presStyleIdx="1" presStyleCnt="5">
+        <dgm:presLayoutVars>
+          <dgm:bulletEnabled val="1"/>
+        </dgm:presLayoutVars>
+      </dgm:prSet>
+      <dgm:spPr/>
+    </dgm:pt>
+    <dgm:pt modelId="{C3AFEAC3-BB48-4CA2-9A21-5FEF64ED0F9B}" type="pres">
+      <dgm:prSet presAssocID="{256641AB-6A4B-4A1F-BE1B-B1F02240829D}" presName="sibTrans" presStyleCnt="0"/>
+      <dgm:spPr/>
+    </dgm:pt>
+    <dgm:pt modelId="{76F5135D-1869-476D-B91B-DBFEC739BC55}" type="pres">
+      <dgm:prSet presAssocID="{4B49BD48-E233-480D-9484-0B0C6BF3E920}" presName="node" presStyleLbl="node1" presStyleIdx="2" presStyleCnt="5">
+        <dgm:presLayoutVars>
+          <dgm:bulletEnabled val="1"/>
+        </dgm:presLayoutVars>
+      </dgm:prSet>
+      <dgm:spPr/>
+      <dgm:t>
+        <a:bodyPr/>
+        <a:lstStyle/>
+        <a:p>
+          <a:endParaRPr lang="hr-HR"/>
+        </a:p>
+      </dgm:t>
+    </dgm:pt>
+    <dgm:pt modelId="{5EA58017-A087-4484-BA57-9B9E6BF37094}" type="pres">
+      <dgm:prSet presAssocID="{D9D7AE36-DB83-48F7-B1F8-F434C5CD47BF}" presName="sibTrans" presStyleCnt="0"/>
+      <dgm:spPr/>
+    </dgm:pt>
+    <dgm:pt modelId="{B56701B6-E80B-4C29-A40F-6313C5E52D49}" type="pres">
+      <dgm:prSet presAssocID="{B1AB659D-68B9-46C7-87BF-1B3F92BEEAFD}" presName="node" presStyleLbl="node1" presStyleIdx="3" presStyleCnt="5">
+        <dgm:presLayoutVars>
+          <dgm:bulletEnabled val="1"/>
+        </dgm:presLayoutVars>
+      </dgm:prSet>
+      <dgm:spPr/>
+      <dgm:t>
+        <a:bodyPr/>
+        <a:lstStyle/>
+        <a:p>
+          <a:endParaRPr lang="hr-HR"/>
+        </a:p>
+      </dgm:t>
+    </dgm:pt>
+    <dgm:pt modelId="{664A84F5-46F4-4B3E-9F9F-6F86ACC5C62E}" type="pres">
+      <dgm:prSet presAssocID="{95B85F28-9630-4B45-B699-0BF9589700FC}" presName="sibTrans" presStyleCnt="0"/>
+      <dgm:spPr/>
+    </dgm:pt>
+    <dgm:pt modelId="{F03815A2-C455-46F1-B2A2-9AC73B0971CC}" type="pres">
+      <dgm:prSet presAssocID="{FFD56F99-641F-4B2D-9917-50F72CF58CE7}" presName="node" presStyleLbl="node1" presStyleIdx="4" presStyleCnt="5">
+        <dgm:presLayoutVars>
+          <dgm:bulletEnabled val="1"/>
+        </dgm:presLayoutVars>
+      </dgm:prSet>
+      <dgm:spPr/>
+      <dgm:t>
+        <a:bodyPr/>
+        <a:lstStyle/>
+        <a:p>
+          <a:endParaRPr lang="hr-HR"/>
+        </a:p>
+      </dgm:t>
+    </dgm:pt>
+  </dgm:ptLst>
+  <dgm:cxnLst>
+    <dgm:cxn modelId="{81D7C3F3-590D-4803-9769-DD1338481ECE}" type="presOf" srcId="{FFD56F99-641F-4B2D-9917-50F72CF58CE7}" destId="{F03815A2-C455-46F1-B2A2-9AC73B0971CC}" srcOrd="0" destOrd="0" presId="urn:microsoft.com/office/officeart/2005/8/layout/hList6"/>
+    <dgm:cxn modelId="{44926C56-4937-4967-BEA9-3AA11C4F1CBB}" type="presOf" srcId="{4B49BD48-E233-480D-9484-0B0C6BF3E920}" destId="{76F5135D-1869-476D-B91B-DBFEC739BC55}" srcOrd="0" destOrd="0" presId="urn:microsoft.com/office/officeart/2005/8/layout/hList6"/>
+    <dgm:cxn modelId="{F1D1689F-B27A-4C07-842D-F0AFB8B218D4}" type="presOf" srcId="{399CFABA-9DCD-499B-9F93-D460C99DB130}" destId="{425320D0-5357-4FA4-96F9-A6464D6C1A69}" srcOrd="0" destOrd="1" presId="urn:microsoft.com/office/officeart/2005/8/layout/hList6"/>
+    <dgm:cxn modelId="{67C33CD2-ADBE-47B0-A8B2-C448FC2C0E58}" srcId="{B1AB659D-68B9-46C7-87BF-1B3F92BEEAFD}" destId="{BF1DA917-093C-4F92-AD1C-B2DFA55A0CE8}" srcOrd="0" destOrd="0" parTransId="{D5BC28C7-A1B2-414F-8E01-A03584207184}" sibTransId="{CA611534-AA46-464F-93E4-E953E269B22A}"/>
+    <dgm:cxn modelId="{08B86C2A-6A08-4896-991D-06E36D6FE38D}" type="presOf" srcId="{152CFA65-AD6F-4B05-8472-1643A1A8B048}" destId="{B56701B6-E80B-4C29-A40F-6313C5E52D49}" srcOrd="0" destOrd="4" presId="urn:microsoft.com/office/officeart/2005/8/layout/hList6"/>
+    <dgm:cxn modelId="{F981A2C3-1CEF-4A02-BE25-2D28504437AF}" srcId="{021222F5-6B0E-40EE-9844-702FAEC14D7F}" destId="{F31D5DF1-EA74-45A8-858D-0FCBA2D0C82D}" srcOrd="2" destOrd="0" parTransId="{2CC3F496-9DF3-4437-9012-FF427A506051}" sibTransId="{3E0D0DEA-77A8-4653-834A-4EC68E3F2436}"/>
+    <dgm:cxn modelId="{67E07108-7220-472A-8E48-C9C6868E7946}" type="presOf" srcId="{82E82329-D67A-4768-A3F0-CB4B13938DCC}" destId="{425320D0-5357-4FA4-96F9-A6464D6C1A69}" srcOrd="0" destOrd="4" presId="urn:microsoft.com/office/officeart/2005/8/layout/hList6"/>
+    <dgm:cxn modelId="{1E2A3818-8AE2-4E3F-A24A-FC59905B980D}" srcId="{96053194-2830-47F2-B9AA-C16B954A6038}" destId="{32D1E580-7805-4C49-8175-E59639465B48}" srcOrd="0" destOrd="0" parTransId="{B45064AD-9C66-4474-BB44-E2E142CB487E}" sibTransId="{5175410B-E21D-4770-B5F1-29A06D51E532}"/>
+    <dgm:cxn modelId="{1F320E69-FD67-4CBC-BEE5-8FC07EBABCB6}" srcId="{4B49BD48-E233-480D-9484-0B0C6BF3E920}" destId="{B97CD944-9041-47A2-9789-2D781237D5C0}" srcOrd="2" destOrd="0" parTransId="{0897DA8F-FC4B-4873-93A6-36C57FC16E96}" sibTransId="{21B06515-5CBE-453A-965A-026009C021E6}"/>
+    <dgm:cxn modelId="{DC121E5A-3C8B-41E8-AF8F-6ADAB84300B5}" type="presOf" srcId="{23CEB5D0-C416-4E04-83B7-0615440EAE59}" destId="{0B8DEF10-C16E-4ECD-A446-EE1D34333F49}" srcOrd="0" destOrd="2" presId="urn:microsoft.com/office/officeart/2005/8/layout/hList6"/>
+    <dgm:cxn modelId="{4D7D3C62-BDB1-4CD5-B9C9-334878C95E61}" type="presOf" srcId="{B97CD944-9041-47A2-9789-2D781237D5C0}" destId="{76F5135D-1869-476D-B91B-DBFEC739BC55}" srcOrd="0" destOrd="3" presId="urn:microsoft.com/office/officeart/2005/8/layout/hList6"/>
+    <dgm:cxn modelId="{8FEA4E3E-C3F9-4603-B7AD-FF1C92762714}" srcId="{4B49BD48-E233-480D-9484-0B0C6BF3E920}" destId="{CB4DCD56-4C7C-42EE-BBB3-A7E85BCA3C69}" srcOrd="3" destOrd="0" parTransId="{6C13377B-D92D-4A8C-8F1C-D92FE4C6C1EE}" sibTransId="{FFC591BD-EA68-4E92-8E02-828F5BC3CF3B}"/>
+    <dgm:cxn modelId="{B2CB7C6D-7EC7-461F-BFC1-5FDF4756EBB4}" srcId="{021222F5-6B0E-40EE-9844-702FAEC14D7F}" destId="{82E82329-D67A-4768-A3F0-CB4B13938DCC}" srcOrd="3" destOrd="0" parTransId="{F50F2E0D-1DBF-478C-BFD2-3FB201148857}" sibTransId="{B8746B8E-0387-4229-81DB-3D24589B763A}"/>
+    <dgm:cxn modelId="{E8921C59-B1A6-4561-8E0B-770C580A614B}" srcId="{021222F5-6B0E-40EE-9844-702FAEC14D7F}" destId="{B2EDB1EE-A638-405E-B809-CBD4E330B21B}" srcOrd="1" destOrd="0" parTransId="{62A352B7-3889-4299-80E1-5C56A4E418F6}" sibTransId="{0A069DCF-2DED-4DBC-A2EC-B75378A75A57}"/>
+    <dgm:cxn modelId="{52E882CC-4C7D-4830-997E-E4205EC840E2}" type="presOf" srcId="{36F3CC71-9792-4DB7-892D-8CDDE3BE04F1}" destId="{B56701B6-E80B-4C29-A40F-6313C5E52D49}" srcOrd="0" destOrd="3" presId="urn:microsoft.com/office/officeart/2005/8/layout/hList6"/>
+    <dgm:cxn modelId="{BB542484-FE1F-4F46-AB64-E12E9A99DB6C}" srcId="{B1AB659D-68B9-46C7-87BF-1B3F92BEEAFD}" destId="{36F3CC71-9792-4DB7-892D-8CDDE3BE04F1}" srcOrd="2" destOrd="0" parTransId="{EFF0A38A-8B38-4BE2-BA7A-3DC3374F3D69}" sibTransId="{7AB5465F-AD93-4693-9954-E0260425845D}"/>
+    <dgm:cxn modelId="{79015171-2884-4631-B8CC-5699F1C3CE78}" srcId="{32D1E580-7805-4C49-8175-E59639465B48}" destId="{23CEB5D0-C416-4E04-83B7-0615440EAE59}" srcOrd="1" destOrd="0" parTransId="{7C9B704B-E7F5-4788-8F5D-99E7896C1DBF}" sibTransId="{058B7670-B1DD-4BDE-A991-F0E232E99650}"/>
+    <dgm:cxn modelId="{96CFF873-6FB9-41AC-A677-A5200554CE28}" srcId="{4B49BD48-E233-480D-9484-0B0C6BF3E920}" destId="{EBD95B23-ADF8-404F-B023-DF47EBE42698}" srcOrd="1" destOrd="0" parTransId="{B9864C03-BDEF-4384-B151-693DCEBC4C91}" sibTransId="{F250DA66-04AD-4D16-9CD7-26FF8A80E027}"/>
+    <dgm:cxn modelId="{B3E9AA02-B7EA-4407-80B1-4D16894C71AC}" srcId="{021222F5-6B0E-40EE-9844-702FAEC14D7F}" destId="{399CFABA-9DCD-499B-9F93-D460C99DB130}" srcOrd="0" destOrd="0" parTransId="{4A517A51-3E4D-4923-87C2-8469F791CE1E}" sibTransId="{0A5FEDBA-1344-46F6-B548-D35DA34CA058}"/>
+    <dgm:cxn modelId="{DF388B3D-2D67-4AFB-88A9-F1D57C9347CF}" type="presOf" srcId="{F31D5DF1-EA74-45A8-858D-0FCBA2D0C82D}" destId="{425320D0-5357-4FA4-96F9-A6464D6C1A69}" srcOrd="0" destOrd="3" presId="urn:microsoft.com/office/officeart/2005/8/layout/hList6"/>
+    <dgm:cxn modelId="{0F144493-0483-49FA-A1C7-6F55ED777E4C}" srcId="{96053194-2830-47F2-B9AA-C16B954A6038}" destId="{B1AB659D-68B9-46C7-87BF-1B3F92BEEAFD}" srcOrd="3" destOrd="0" parTransId="{B1FFF2A8-0674-42EF-88CF-46EC6038CB54}" sibTransId="{95B85F28-9630-4B45-B699-0BF9589700FC}"/>
+    <dgm:cxn modelId="{3F93B313-C09A-4DF0-83AF-C24CFF0D6435}" type="presOf" srcId="{30EAE4E6-2BBF-444C-B421-413C995674D7}" destId="{76F5135D-1869-476D-B91B-DBFEC739BC55}" srcOrd="0" destOrd="5" presId="urn:microsoft.com/office/officeart/2005/8/layout/hList6"/>
+    <dgm:cxn modelId="{550FA7CC-FAB0-41B0-9272-03EBFC882C10}" srcId="{B1AB659D-68B9-46C7-87BF-1B3F92BEEAFD}" destId="{5F246740-F13D-41D8-9EF0-165B171093DC}" srcOrd="1" destOrd="0" parTransId="{A8C443EA-3564-43C0-B448-14269126039B}" sibTransId="{5A4C820B-EA16-4A49-BC70-7AF9DF403863}"/>
+    <dgm:cxn modelId="{A5FEDFB6-10FB-402D-A8AC-DD83EA0F2D1F}" srcId="{96053194-2830-47F2-B9AA-C16B954A6038}" destId="{FFD56F99-641F-4B2D-9917-50F72CF58CE7}" srcOrd="4" destOrd="0" parTransId="{50ECB940-B420-4E09-B536-DBBE14C7540F}" sibTransId="{F3F6B772-1BE2-48BF-92C7-7AC922CDC9A3}"/>
+    <dgm:cxn modelId="{618FA2C2-86AB-4384-AA2F-5808B9B03921}" type="presOf" srcId="{5F246740-F13D-41D8-9EF0-165B171093DC}" destId="{B56701B6-E80B-4C29-A40F-6313C5E52D49}" srcOrd="0" destOrd="2" presId="urn:microsoft.com/office/officeart/2005/8/layout/hList6"/>
+    <dgm:cxn modelId="{9A6D1C3D-FEA8-4094-8926-C3B1EBC549DE}" type="presOf" srcId="{96053194-2830-47F2-B9AA-C16B954A6038}" destId="{0E443411-006A-41EA-8DAD-643B52420A1C}" srcOrd="0" destOrd="0" presId="urn:microsoft.com/office/officeart/2005/8/layout/hList6"/>
+    <dgm:cxn modelId="{BACA43FB-7580-49D5-8654-AFE736125E28}" type="presOf" srcId="{BF1DA917-093C-4F92-AD1C-B2DFA55A0CE8}" destId="{B56701B6-E80B-4C29-A40F-6313C5E52D49}" srcOrd="0" destOrd="1" presId="urn:microsoft.com/office/officeart/2005/8/layout/hList6"/>
+    <dgm:cxn modelId="{5A0C694D-CFB4-4938-9DD8-E9870F74B4C0}" type="presOf" srcId="{021222F5-6B0E-40EE-9844-702FAEC14D7F}" destId="{425320D0-5357-4FA4-96F9-A6464D6C1A69}" srcOrd="0" destOrd="0" presId="urn:microsoft.com/office/officeart/2005/8/layout/hList6"/>
+    <dgm:cxn modelId="{9B40ED27-AB8D-4720-B030-7AD2F90F9A73}" srcId="{B1AB659D-68B9-46C7-87BF-1B3F92BEEAFD}" destId="{152CFA65-AD6F-4B05-8472-1643A1A8B048}" srcOrd="3" destOrd="0" parTransId="{3B1DA925-D025-411F-BEAF-4BF817A0EEAF}" sibTransId="{1C1BDA7E-3176-4480-8AC5-2C5112D03AB1}"/>
+    <dgm:cxn modelId="{5F025CF5-43AB-477A-8F0F-C163D758A3A4}" srcId="{FFD56F99-641F-4B2D-9917-50F72CF58CE7}" destId="{39967756-AA97-4D3A-96E6-D00FC7EBFDEE}" srcOrd="0" destOrd="0" parTransId="{300B68CD-5ACA-4252-90C7-5013B4ACF6DA}" sibTransId="{ED3B2489-3471-48B0-8B6B-C4C1E1AA5A38}"/>
+    <dgm:cxn modelId="{99C76777-DB33-4AE6-92D7-2C5DF0188CBB}" type="presOf" srcId="{B2EDB1EE-A638-405E-B809-CBD4E330B21B}" destId="{425320D0-5357-4FA4-96F9-A6464D6C1A69}" srcOrd="0" destOrd="2" presId="urn:microsoft.com/office/officeart/2005/8/layout/hList6"/>
+    <dgm:cxn modelId="{7C757474-D876-46EA-878F-97C256F858AF}" type="presOf" srcId="{EBD95B23-ADF8-404F-B023-DF47EBE42698}" destId="{76F5135D-1869-476D-B91B-DBFEC739BC55}" srcOrd="0" destOrd="2" presId="urn:microsoft.com/office/officeart/2005/8/layout/hList6"/>
+    <dgm:cxn modelId="{A4F613F2-9B06-4ECC-A557-6B689078E498}" type="presOf" srcId="{CB4DCD56-4C7C-42EE-BBB3-A7E85BCA3C69}" destId="{76F5135D-1869-476D-B91B-DBFEC739BC55}" srcOrd="0" destOrd="4" presId="urn:microsoft.com/office/officeart/2005/8/layout/hList6"/>
+    <dgm:cxn modelId="{F055040B-EF6D-4023-BAC4-799F40CDB214}" type="presOf" srcId="{EE9385D3-404A-41DF-A26B-2B7A446067B4}" destId="{F03815A2-C455-46F1-B2A2-9AC73B0971CC}" srcOrd="0" destOrd="2" presId="urn:microsoft.com/office/officeart/2005/8/layout/hList6"/>
+    <dgm:cxn modelId="{0C95D5BB-7579-4C3B-A98C-D1C1FE6DCF67}" type="presOf" srcId="{32D1E580-7805-4C49-8175-E59639465B48}" destId="{0B8DEF10-C16E-4ECD-A446-EE1D34333F49}" srcOrd="0" destOrd="0" presId="urn:microsoft.com/office/officeart/2005/8/layout/hList6"/>
+    <dgm:cxn modelId="{EF7625DC-57F6-4BBB-B72E-BB967831B2A3}" type="presOf" srcId="{39967756-AA97-4D3A-96E6-D00FC7EBFDEE}" destId="{F03815A2-C455-46F1-B2A2-9AC73B0971CC}" srcOrd="0" destOrd="1" presId="urn:microsoft.com/office/officeart/2005/8/layout/hList6"/>
+    <dgm:cxn modelId="{702E5354-7747-442C-A161-C7D44BCEED7E}" srcId="{96053194-2830-47F2-B9AA-C16B954A6038}" destId="{4B49BD48-E233-480D-9484-0B0C6BF3E920}" srcOrd="2" destOrd="0" parTransId="{445368AF-AEB4-450F-944A-A382B8C0F746}" sibTransId="{D9D7AE36-DB83-48F7-B1F8-F434C5CD47BF}"/>
+    <dgm:cxn modelId="{ECDB5C3D-8030-4A5B-93B0-2855D85B136D}" type="presOf" srcId="{545A4A61-88E0-4373-A4B2-BF1954121E86}" destId="{0B8DEF10-C16E-4ECD-A446-EE1D34333F49}" srcOrd="0" destOrd="1" presId="urn:microsoft.com/office/officeart/2005/8/layout/hList6"/>
+    <dgm:cxn modelId="{A21FF2DB-F800-4C34-B6DC-A29C4A1C2F4D}" srcId="{96053194-2830-47F2-B9AA-C16B954A6038}" destId="{021222F5-6B0E-40EE-9844-702FAEC14D7F}" srcOrd="1" destOrd="0" parTransId="{857B28AF-5691-4797-9ED7-2DF50D94D460}" sibTransId="{256641AB-6A4B-4A1F-BE1B-B1F02240829D}"/>
+    <dgm:cxn modelId="{C8766E87-285E-4267-880C-13618A079091}" srcId="{4B49BD48-E233-480D-9484-0B0C6BF3E920}" destId="{D8F95E2A-BEFE-4E41-BAE5-15C74D2B1175}" srcOrd="0" destOrd="0" parTransId="{194E6087-0E4B-46A5-B171-C9A5F32D8556}" sibTransId="{6755D4B8-1405-4128-802E-3FC21A058766}"/>
+    <dgm:cxn modelId="{3A457700-AFAE-4032-82C1-3BEB4BCEF969}" type="presOf" srcId="{B1AB659D-68B9-46C7-87BF-1B3F92BEEAFD}" destId="{B56701B6-E80B-4C29-A40F-6313C5E52D49}" srcOrd="0" destOrd="0" presId="urn:microsoft.com/office/officeart/2005/8/layout/hList6"/>
+    <dgm:cxn modelId="{6A86EA6D-27AA-46B4-B677-44AA588D2005}" type="presOf" srcId="{AD858CDF-A244-45BC-9D01-5CE54F13AF2F}" destId="{76F5135D-1869-476D-B91B-DBFEC739BC55}" srcOrd="0" destOrd="6" presId="urn:microsoft.com/office/officeart/2005/8/layout/hList6"/>
+    <dgm:cxn modelId="{2AC8D76C-94F5-4083-B462-50C883A44BF1}" srcId="{32D1E580-7805-4C49-8175-E59639465B48}" destId="{545A4A61-88E0-4373-A4B2-BF1954121E86}" srcOrd="0" destOrd="0" parTransId="{C4AF34D3-BAD4-4137-9B30-1897893F29B1}" sibTransId="{CA3BE091-C98F-4D21-BCB9-B990C1EADE20}"/>
+    <dgm:cxn modelId="{1F7A13E5-90C1-431E-B8B1-E30C682D9D41}" srcId="{FFD56F99-641F-4B2D-9917-50F72CF58CE7}" destId="{EE9385D3-404A-41DF-A26B-2B7A446067B4}" srcOrd="1" destOrd="0" parTransId="{19C040C3-A0BF-4D19-8B13-ABEC9AFAA198}" sibTransId="{2DC71E8A-9806-43C9-8DE3-D787446261FC}"/>
+    <dgm:cxn modelId="{8A8408DB-355D-4A47-A9CA-40F5324C0A8A}" srcId="{4B49BD48-E233-480D-9484-0B0C6BF3E920}" destId="{AD858CDF-A244-45BC-9D01-5CE54F13AF2F}" srcOrd="5" destOrd="0" parTransId="{8C743F3B-DBC8-492D-BF8F-33D4D048CA86}" sibTransId="{21E660B4-2EED-47F9-9949-E166236C19C8}"/>
+    <dgm:cxn modelId="{902DD98E-9C1A-4D02-AC42-CF61F9C0F5E7}" srcId="{4B49BD48-E233-480D-9484-0B0C6BF3E920}" destId="{30EAE4E6-2BBF-444C-B421-413C995674D7}" srcOrd="4" destOrd="0" parTransId="{FB76FC0B-4C7D-490F-9928-C391CAEB7C3F}" sibTransId="{2ADEF977-947D-4C72-B829-D9ED324DA74E}"/>
+    <dgm:cxn modelId="{790353DE-4B0A-4545-911F-3FCF801AF194}" type="presOf" srcId="{D8F95E2A-BEFE-4E41-BAE5-15C74D2B1175}" destId="{76F5135D-1869-476D-B91B-DBFEC739BC55}" srcOrd="0" destOrd="1" presId="urn:microsoft.com/office/officeart/2005/8/layout/hList6"/>
+    <dgm:cxn modelId="{14072721-DFF5-446E-ABBE-02CF24A30CD4}" type="presParOf" srcId="{0E443411-006A-41EA-8DAD-643B52420A1C}" destId="{0B8DEF10-C16E-4ECD-A446-EE1D34333F49}" srcOrd="0" destOrd="0" presId="urn:microsoft.com/office/officeart/2005/8/layout/hList6"/>
+    <dgm:cxn modelId="{17F1EF6F-71E3-4BFB-8029-933F2E28F848}" type="presParOf" srcId="{0E443411-006A-41EA-8DAD-643B52420A1C}" destId="{022163A2-9FF8-4E41-B74D-4FFDE1502A2B}" srcOrd="1" destOrd="0" presId="urn:microsoft.com/office/officeart/2005/8/layout/hList6"/>
+    <dgm:cxn modelId="{19D3791C-AF93-4220-A016-A3EA3F9A7B23}" type="presParOf" srcId="{0E443411-006A-41EA-8DAD-643B52420A1C}" destId="{425320D0-5357-4FA4-96F9-A6464D6C1A69}" srcOrd="2" destOrd="0" presId="urn:microsoft.com/office/officeart/2005/8/layout/hList6"/>
+    <dgm:cxn modelId="{99A45AF4-5093-442E-B500-8A862B271534}" type="presParOf" srcId="{0E443411-006A-41EA-8DAD-643B52420A1C}" destId="{C3AFEAC3-BB48-4CA2-9A21-5FEF64ED0F9B}" srcOrd="3" destOrd="0" presId="urn:microsoft.com/office/officeart/2005/8/layout/hList6"/>
+    <dgm:cxn modelId="{936E1CA5-EA1D-46E5-8816-2A194D59650B}" type="presParOf" srcId="{0E443411-006A-41EA-8DAD-643B52420A1C}" destId="{76F5135D-1869-476D-B91B-DBFEC739BC55}" srcOrd="4" destOrd="0" presId="urn:microsoft.com/office/officeart/2005/8/layout/hList6"/>
+    <dgm:cxn modelId="{30E14D40-130C-4EB4-BE5E-32F8ECC57562}" type="presParOf" srcId="{0E443411-006A-41EA-8DAD-643B52420A1C}" destId="{5EA58017-A087-4484-BA57-9B9E6BF37094}" srcOrd="5" destOrd="0" presId="urn:microsoft.com/office/officeart/2005/8/layout/hList6"/>
+    <dgm:cxn modelId="{55F6F6DE-26F4-47B9-9304-692CFE245B1D}" type="presParOf" srcId="{0E443411-006A-41EA-8DAD-643B52420A1C}" destId="{B56701B6-E80B-4C29-A40F-6313C5E52D49}" srcOrd="6" destOrd="0" presId="urn:microsoft.com/office/officeart/2005/8/layout/hList6"/>
+    <dgm:cxn modelId="{5019F96F-295A-4BAA-9CE5-23035656400B}" type="presParOf" srcId="{0E443411-006A-41EA-8DAD-643B52420A1C}" destId="{664A84F5-46F4-4B3E-9F9F-6F86ACC5C62E}" srcOrd="7" destOrd="0" presId="urn:microsoft.com/office/officeart/2005/8/layout/hList6"/>
+    <dgm:cxn modelId="{9494EA2C-7CEA-4733-BCC4-0F74870F2838}" type="presParOf" srcId="{0E443411-006A-41EA-8DAD-643B52420A1C}" destId="{F03815A2-C455-46F1-B2A2-9AC73B0971CC}" srcOrd="8" destOrd="0" presId="urn:microsoft.com/office/officeart/2005/8/layout/hList6"/>
   </dgm:cxnLst>
   <dgm:bg/>
   <dgm:whole/>
@@ -1119,8 +2934,8 @@
       </dsp:nvSpPr>
       <dsp:spPr>
         <a:xfrm>
-          <a:off x="1217129" y="603"/>
-          <a:ext cx="1450043" cy="1450043"/>
+          <a:off x="369979" y="59039"/>
+          <a:ext cx="1411086" cy="1411086"/>
         </a:xfrm>
         <a:prstGeom prst="ellipse">
           <a:avLst/>
@@ -1202,8 +3017,8 @@
       </dsp:nvSpPr>
       <dsp:spPr>
         <a:xfrm>
-          <a:off x="1942151" y="603"/>
-          <a:ext cx="7736513" cy="1450043"/>
+          <a:off x="1075522" y="59039"/>
+          <a:ext cx="7528660" cy="1411086"/>
         </a:xfrm>
         <a:prstGeom prst="rect">
           <a:avLst/>
@@ -1227,12 +3042,12 @@
         <a:fontRef idx="minor"/>
       </dsp:style>
       <dsp:txBody>
-        <a:bodyPr spcFirstLastPara="0" vert="horz" wrap="square" lIns="0" tIns="60960" rIns="0" bIns="60960" numCol="1" spcCol="1270" anchor="ctr" anchorCtr="0">
+        <a:bodyPr spcFirstLastPara="0" vert="horz" wrap="square" lIns="0" tIns="59690" rIns="0" bIns="59690" numCol="1" spcCol="1270" anchor="ctr" anchorCtr="0">
           <a:noAutofit/>
         </a:bodyPr>
         <a:lstStyle/>
         <a:p>
-          <a:pPr lvl="0" algn="l" defTabSz="2133600">
+          <a:pPr lvl="0" algn="l" defTabSz="2089150">
             <a:lnSpc>
               <a:spcPct val="90000"/>
             </a:lnSpc>
@@ -1244,27 +3059,27 @@
             </a:spcAft>
           </a:pPr>
           <a:r>
-            <a:rPr lang="hr-HR" sz="4800" kern="1200" dirty="0" err="1" smtClean="0"/>
+            <a:rPr lang="hr-HR" sz="4700" kern="1200" dirty="0" err="1" smtClean="0"/>
             <a:t>Client</a:t>
           </a:r>
           <a:r>
-            <a:rPr lang="hr-HR" sz="4800" kern="1200" dirty="0" smtClean="0"/>
+            <a:rPr lang="hr-HR" sz="4700" kern="1200" dirty="0" smtClean="0"/>
             <a:t> – (Web-</a:t>
           </a:r>
           <a:r>
-            <a:rPr lang="hr-HR" sz="4800" kern="1200" dirty="0" err="1" smtClean="0"/>
+            <a:rPr lang="hr-HR" sz="4700" kern="1200" dirty="0" err="1" smtClean="0"/>
             <a:t>Angular</a:t>
           </a:r>
           <a:r>
-            <a:rPr lang="hr-HR" sz="4800" kern="1200" dirty="0" smtClean="0"/>
+            <a:rPr lang="hr-HR" sz="4700" kern="1200" dirty="0" smtClean="0"/>
             <a:t>, Mobile)</a:t>
           </a:r>
-          <a:endParaRPr lang="en-US" sz="4800" kern="1200" dirty="0"/>
+          <a:endParaRPr lang="en-US" sz="4700" kern="1200" dirty="0"/>
         </a:p>
       </dsp:txBody>
       <dsp:txXfrm>
-        <a:off x="1942151" y="603"/>
-        <a:ext cx="7736513" cy="1450043"/>
+        <a:off x="1075522" y="59039"/>
+        <a:ext cx="7528660" cy="1411086"/>
       </dsp:txXfrm>
     </dsp:sp>
     <dsp:sp modelId="{AC236B1D-C03C-4E6A-896A-EF58673C8185}">
@@ -1274,8 +3089,8 @@
       </dsp:nvSpPr>
       <dsp:spPr>
         <a:xfrm>
-          <a:off x="1217129" y="1450647"/>
-          <a:ext cx="1450043" cy="1450043"/>
+          <a:off x="369979" y="1470125"/>
+          <a:ext cx="1411086" cy="1411086"/>
         </a:xfrm>
         <a:prstGeom prst="ellipse">
           <a:avLst/>
@@ -1357,8 +3172,8 @@
       </dsp:nvSpPr>
       <dsp:spPr>
         <a:xfrm>
-          <a:off x="1942151" y="1450647"/>
-          <a:ext cx="7736513" cy="1450043"/>
+          <a:off x="1075522" y="1470125"/>
+          <a:ext cx="7528660" cy="1411086"/>
         </a:xfrm>
         <a:prstGeom prst="rect">
           <a:avLst/>
@@ -1382,12 +3197,12 @@
         <a:fontRef idx="minor"/>
       </dsp:style>
       <dsp:txBody>
-        <a:bodyPr spcFirstLastPara="0" vert="horz" wrap="square" lIns="0" tIns="60960" rIns="0" bIns="60960" numCol="1" spcCol="1270" anchor="ctr" anchorCtr="0">
+        <a:bodyPr spcFirstLastPara="0" vert="horz" wrap="square" lIns="0" tIns="59690" rIns="0" bIns="59690" numCol="1" spcCol="1270" anchor="ctr" anchorCtr="0">
           <a:noAutofit/>
         </a:bodyPr>
         <a:lstStyle/>
         <a:p>
-          <a:pPr lvl="0" algn="l" defTabSz="2133600">
+          <a:pPr lvl="0" algn="l" defTabSz="2089150">
             <a:lnSpc>
               <a:spcPct val="90000"/>
             </a:lnSpc>
@@ -1399,15 +3214,15 @@
             </a:spcAft>
           </a:pPr>
           <a:r>
-            <a:rPr lang="hr-HR" sz="4800" kern="1200" dirty="0" smtClean="0"/>
+            <a:rPr lang="hr-HR" sz="4700" kern="1200" dirty="0" smtClean="0"/>
             <a:t>Http Server (MS Web API)</a:t>
           </a:r>
-          <a:endParaRPr lang="en-US" sz="4800" kern="1200" dirty="0"/>
+          <a:endParaRPr lang="en-US" sz="4700" kern="1200" dirty="0"/>
         </a:p>
       </dsp:txBody>
       <dsp:txXfrm>
-        <a:off x="1942151" y="1450647"/>
-        <a:ext cx="7736513" cy="1450043"/>
+        <a:off x="1075522" y="1470125"/>
+        <a:ext cx="7528660" cy="1411086"/>
       </dsp:txXfrm>
     </dsp:sp>
     <dsp:sp modelId="{22191178-07D8-4ECD-8720-6FF5F15D1F4E}">
@@ -1417,8 +3232,8 @@
       </dsp:nvSpPr>
       <dsp:spPr>
         <a:xfrm>
-          <a:off x="1217129" y="2900690"/>
-          <a:ext cx="1450043" cy="1450043"/>
+          <a:off x="369979" y="2881212"/>
+          <a:ext cx="1411086" cy="1411086"/>
         </a:xfrm>
         <a:prstGeom prst="ellipse">
           <a:avLst/>
@@ -1500,8 +3315,8 @@
       </dsp:nvSpPr>
       <dsp:spPr>
         <a:xfrm>
-          <a:off x="1942151" y="2900690"/>
-          <a:ext cx="7736513" cy="1450043"/>
+          <a:off x="1075522" y="2881212"/>
+          <a:ext cx="7528660" cy="1411086"/>
         </a:xfrm>
         <a:prstGeom prst="rect">
           <a:avLst/>
@@ -1525,12 +3340,12 @@
         <a:fontRef idx="minor"/>
       </dsp:style>
       <dsp:txBody>
-        <a:bodyPr spcFirstLastPara="0" vert="horz" wrap="square" lIns="0" tIns="60960" rIns="0" bIns="60960" numCol="1" spcCol="1270" anchor="ctr" anchorCtr="0">
+        <a:bodyPr spcFirstLastPara="0" vert="horz" wrap="square" lIns="0" tIns="59690" rIns="0" bIns="59690" numCol="1" spcCol="1270" anchor="ctr" anchorCtr="0">
           <a:noAutofit/>
         </a:bodyPr>
         <a:lstStyle/>
         <a:p>
-          <a:pPr lvl="0" algn="l" defTabSz="2133600">
+          <a:pPr lvl="0" algn="l" defTabSz="2089150">
             <a:lnSpc>
               <a:spcPct val="90000"/>
             </a:lnSpc>
@@ -1542,19 +3357,771 @@
             </a:spcAft>
           </a:pPr>
           <a:r>
-            <a:rPr lang="hr-HR" sz="4800" kern="1200" dirty="0" smtClean="0"/>
+            <a:rPr lang="hr-HR" sz="4700" kern="1200" dirty="0" smtClean="0"/>
             <a:t>DB </a:t>
           </a:r>
           <a:r>
-            <a:rPr lang="hr-HR" sz="4800" kern="1200" dirty="0" err="1" smtClean="0"/>
+            <a:rPr lang="hr-HR" sz="4700" kern="1200" dirty="0" err="1" smtClean="0"/>
             <a:t>Layer</a:t>
           </a:r>
-          <a:endParaRPr lang="en-US" sz="4800" kern="1200" dirty="0"/>
+          <a:endParaRPr lang="en-US" sz="4700" kern="1200" dirty="0"/>
         </a:p>
       </dsp:txBody>
       <dsp:txXfrm>
-        <a:off x="1942151" y="2900690"/>
-        <a:ext cx="7736513" cy="1450043"/>
+        <a:off x="1075522" y="2881212"/>
+        <a:ext cx="7528660" cy="1411086"/>
+      </dsp:txXfrm>
+    </dsp:sp>
+  </dsp:spTree>
+</dsp:drawing>
+</file>
+
+<file path=ppt/diagrams/drawing2.xml><?xml version="1.0" encoding="utf-8"?>
+<dsp:drawing xmlns:dgm="http://schemas.openxmlformats.org/drawingml/2006/diagram" xmlns:dsp="http://schemas.microsoft.com/office/drawing/2008/diagram" xmlns:a="http://schemas.openxmlformats.org/drawingml/2006/main">
+  <dsp:spTree>
+    <dsp:nvGrpSpPr>
+      <dsp:cNvPr id="0" name=""/>
+      <dsp:cNvGrpSpPr/>
+    </dsp:nvGrpSpPr>
+    <dsp:grpSpPr/>
+    <dsp:sp modelId="{0B8DEF10-C16E-4ECD-A446-EE1D34333F49}">
+      <dsp:nvSpPr>
+        <dsp:cNvPr id="0" name=""/>
+        <dsp:cNvSpPr/>
+      </dsp:nvSpPr>
+      <dsp:spPr>
+        <a:xfrm rot="16200000">
+          <a:off x="-1406116" y="1411872"/>
+          <a:ext cx="4843736" cy="2019990"/>
+        </a:xfrm>
+        <a:prstGeom prst="flowChartManualOperation">
+          <a:avLst/>
+        </a:prstGeom>
+        <a:solidFill>
+          <a:schemeClr val="accent1">
+            <a:hueOff val="0"/>
+            <a:satOff val="0"/>
+            <a:lumOff val="0"/>
+            <a:alphaOff val="0"/>
+          </a:schemeClr>
+        </a:solidFill>
+        <a:ln w="12700" cap="flat" cmpd="sng" algn="ctr">
+          <a:solidFill>
+            <a:schemeClr val="lt1">
+              <a:hueOff val="0"/>
+              <a:satOff val="0"/>
+              <a:lumOff val="0"/>
+              <a:alphaOff val="0"/>
+            </a:schemeClr>
+          </a:solidFill>
+          <a:prstDash val="solid"/>
+          <a:miter lim="800000"/>
+        </a:ln>
+        <a:effectLst/>
+      </dsp:spPr>
+      <dsp:style>
+        <a:lnRef idx="2">
+          <a:scrgbClr r="0" g="0" b="0"/>
+        </a:lnRef>
+        <a:fillRef idx="1">
+          <a:scrgbClr r="0" g="0" b="0"/>
+        </a:fillRef>
+        <a:effectRef idx="0">
+          <a:scrgbClr r="0" g="0" b="0"/>
+        </a:effectRef>
+        <a:fontRef idx="minor">
+          <a:schemeClr val="lt1"/>
+        </a:fontRef>
+      </dsp:style>
+      <dsp:txBody>
+        <a:bodyPr spcFirstLastPara="0" vert="horz" wrap="square" lIns="120650" tIns="0" rIns="120710" bIns="0" numCol="1" spcCol="1270" anchor="t" anchorCtr="0">
+          <a:noAutofit/>
+        </a:bodyPr>
+        <a:lstStyle/>
+        <a:p>
+          <a:pPr lvl="0" algn="l" defTabSz="844550">
+            <a:lnSpc>
+              <a:spcPct val="90000"/>
+            </a:lnSpc>
+            <a:spcBef>
+              <a:spcPct val="0"/>
+            </a:spcBef>
+            <a:spcAft>
+              <a:spcPct val="35000"/>
+            </a:spcAft>
+          </a:pPr>
+          <a:r>
+            <a:rPr lang="hr-HR" sz="1900" kern="1200" dirty="0" smtClean="0"/>
+            <a:t>Analiza</a:t>
+          </a:r>
+          <a:endParaRPr lang="hr-HR" sz="1900" kern="1200" dirty="0"/>
+        </a:p>
+        <a:p>
+          <a:pPr marL="114300" lvl="1" indent="-114300" algn="l" defTabSz="666750">
+            <a:lnSpc>
+              <a:spcPct val="90000"/>
+            </a:lnSpc>
+            <a:spcBef>
+              <a:spcPct val="0"/>
+            </a:spcBef>
+            <a:spcAft>
+              <a:spcPct val="15000"/>
+            </a:spcAft>
+            <a:buChar char="••"/>
+          </a:pPr>
+          <a:r>
+            <a:rPr lang="hr-HR" sz="1500" kern="1200" dirty="0" smtClean="0"/>
+            <a:t>Sastanci s naručiteljem</a:t>
+          </a:r>
+          <a:endParaRPr lang="hr-HR" sz="1500" kern="1200" dirty="0"/>
+        </a:p>
+        <a:p>
+          <a:pPr marL="114300" lvl="1" indent="-114300" algn="l" defTabSz="666750">
+            <a:lnSpc>
+              <a:spcPct val="90000"/>
+            </a:lnSpc>
+            <a:spcBef>
+              <a:spcPct val="0"/>
+            </a:spcBef>
+            <a:spcAft>
+              <a:spcPct val="15000"/>
+            </a:spcAft>
+            <a:buChar char="••"/>
+          </a:pPr>
+          <a:r>
+            <a:rPr lang="hr-HR" sz="1500" kern="1200" dirty="0" smtClean="0"/>
+            <a:t>Shvaćanje poslovne logike</a:t>
+          </a:r>
+          <a:endParaRPr lang="hr-HR" sz="1500" kern="1200" dirty="0"/>
+        </a:p>
+      </dsp:txBody>
+      <dsp:txXfrm rot="5400000">
+        <a:off x="5757" y="968746"/>
+        <a:ext cx="2019990" cy="2906242"/>
+      </dsp:txXfrm>
+    </dsp:sp>
+    <dsp:sp modelId="{425320D0-5357-4FA4-96F9-A6464D6C1A69}">
+      <dsp:nvSpPr>
+        <dsp:cNvPr id="0" name=""/>
+        <dsp:cNvSpPr/>
+      </dsp:nvSpPr>
+      <dsp:spPr>
+        <a:xfrm rot="16200000">
+          <a:off x="765373" y="1411872"/>
+          <a:ext cx="4843736" cy="2019990"/>
+        </a:xfrm>
+        <a:prstGeom prst="flowChartManualOperation">
+          <a:avLst/>
+        </a:prstGeom>
+        <a:solidFill>
+          <a:schemeClr val="accent1">
+            <a:hueOff val="0"/>
+            <a:satOff val="0"/>
+            <a:lumOff val="0"/>
+            <a:alphaOff val="0"/>
+          </a:schemeClr>
+        </a:solidFill>
+        <a:ln w="12700" cap="flat" cmpd="sng" algn="ctr">
+          <a:solidFill>
+            <a:schemeClr val="lt1">
+              <a:hueOff val="0"/>
+              <a:satOff val="0"/>
+              <a:lumOff val="0"/>
+              <a:alphaOff val="0"/>
+            </a:schemeClr>
+          </a:solidFill>
+          <a:prstDash val="solid"/>
+          <a:miter lim="800000"/>
+        </a:ln>
+        <a:effectLst/>
+      </dsp:spPr>
+      <dsp:style>
+        <a:lnRef idx="2">
+          <a:scrgbClr r="0" g="0" b="0"/>
+        </a:lnRef>
+        <a:fillRef idx="1">
+          <a:scrgbClr r="0" g="0" b="0"/>
+        </a:fillRef>
+        <a:effectRef idx="0">
+          <a:scrgbClr r="0" g="0" b="0"/>
+        </a:effectRef>
+        <a:fontRef idx="minor">
+          <a:schemeClr val="lt1"/>
+        </a:fontRef>
+      </dsp:style>
+      <dsp:txBody>
+        <a:bodyPr spcFirstLastPara="0" vert="horz" wrap="square" lIns="120650" tIns="0" rIns="120710" bIns="0" numCol="1" spcCol="1270" anchor="t" anchorCtr="0">
+          <a:noAutofit/>
+        </a:bodyPr>
+        <a:lstStyle/>
+        <a:p>
+          <a:pPr lvl="0" algn="l" defTabSz="844550">
+            <a:lnSpc>
+              <a:spcPct val="90000"/>
+            </a:lnSpc>
+            <a:spcBef>
+              <a:spcPct val="0"/>
+            </a:spcBef>
+            <a:spcAft>
+              <a:spcPct val="35000"/>
+            </a:spcAft>
+          </a:pPr>
+          <a:r>
+            <a:rPr lang="hr-HR" sz="1900" kern="1200" dirty="0" smtClean="0"/>
+            <a:t>Funkcionalna i tehnička specifikacija</a:t>
+          </a:r>
+          <a:endParaRPr lang="hr-HR" sz="1900" kern="1200" dirty="0"/>
+        </a:p>
+        <a:p>
+          <a:pPr marL="114300" lvl="1" indent="-114300" algn="l" defTabSz="666750">
+            <a:lnSpc>
+              <a:spcPct val="90000"/>
+            </a:lnSpc>
+            <a:spcBef>
+              <a:spcPct val="0"/>
+            </a:spcBef>
+            <a:spcAft>
+              <a:spcPct val="15000"/>
+            </a:spcAft>
+            <a:buChar char="••"/>
+          </a:pPr>
+          <a:r>
+            <a:rPr lang="hr-HR" sz="1500" kern="1200" dirty="0" smtClean="0"/>
+            <a:t>Tehnologija</a:t>
+          </a:r>
+          <a:endParaRPr lang="hr-HR" sz="1500" kern="1200" dirty="0"/>
+        </a:p>
+        <a:p>
+          <a:pPr marL="114300" lvl="1" indent="-114300" algn="l" defTabSz="666750">
+            <a:lnSpc>
+              <a:spcPct val="90000"/>
+            </a:lnSpc>
+            <a:spcBef>
+              <a:spcPct val="0"/>
+            </a:spcBef>
+            <a:spcAft>
+              <a:spcPct val="15000"/>
+            </a:spcAft>
+            <a:buChar char="••"/>
+          </a:pPr>
+          <a:r>
+            <a:rPr lang="hr-HR" sz="1500" kern="1200" dirty="0" smtClean="0"/>
+            <a:t>Arhitektura</a:t>
+          </a:r>
+          <a:endParaRPr lang="hr-HR" sz="1500" kern="1200" dirty="0"/>
+        </a:p>
+        <a:p>
+          <a:pPr marL="114300" lvl="1" indent="-114300" algn="l" defTabSz="666750">
+            <a:lnSpc>
+              <a:spcPct val="90000"/>
+            </a:lnSpc>
+            <a:spcBef>
+              <a:spcPct val="0"/>
+            </a:spcBef>
+            <a:spcAft>
+              <a:spcPct val="15000"/>
+            </a:spcAft>
+            <a:buChar char="••"/>
+          </a:pPr>
+          <a:r>
+            <a:rPr lang="hr-HR" sz="1500" kern="1200" dirty="0" smtClean="0"/>
+            <a:t>Model</a:t>
+          </a:r>
+          <a:endParaRPr lang="hr-HR" sz="1500" kern="1200" dirty="0"/>
+        </a:p>
+        <a:p>
+          <a:pPr marL="114300" lvl="1" indent="-114300" algn="l" defTabSz="666750">
+            <a:lnSpc>
+              <a:spcPct val="90000"/>
+            </a:lnSpc>
+            <a:spcBef>
+              <a:spcPct val="0"/>
+            </a:spcBef>
+            <a:spcAft>
+              <a:spcPct val="15000"/>
+            </a:spcAft>
+            <a:buChar char="••"/>
+          </a:pPr>
+          <a:r>
+            <a:rPr lang="hr-HR" sz="1500" kern="1200" dirty="0" err="1" smtClean="0"/>
+            <a:t>Mockovi</a:t>
+          </a:r>
+          <a:endParaRPr lang="hr-HR" sz="1500" kern="1200" dirty="0"/>
+        </a:p>
+      </dsp:txBody>
+      <dsp:txXfrm rot="5400000">
+        <a:off x="2177246" y="968746"/>
+        <a:ext cx="2019990" cy="2906242"/>
+      </dsp:txXfrm>
+    </dsp:sp>
+    <dsp:sp modelId="{76F5135D-1869-476D-B91B-DBFEC739BC55}">
+      <dsp:nvSpPr>
+        <dsp:cNvPr id="0" name=""/>
+        <dsp:cNvSpPr/>
+      </dsp:nvSpPr>
+      <dsp:spPr>
+        <a:xfrm rot="16200000">
+          <a:off x="2936863" y="1411872"/>
+          <a:ext cx="4843736" cy="2019990"/>
+        </a:xfrm>
+        <a:prstGeom prst="flowChartManualOperation">
+          <a:avLst/>
+        </a:prstGeom>
+        <a:solidFill>
+          <a:schemeClr val="accent1">
+            <a:hueOff val="0"/>
+            <a:satOff val="0"/>
+            <a:lumOff val="0"/>
+            <a:alphaOff val="0"/>
+          </a:schemeClr>
+        </a:solidFill>
+        <a:ln w="12700" cap="flat" cmpd="sng" algn="ctr">
+          <a:solidFill>
+            <a:schemeClr val="lt1">
+              <a:hueOff val="0"/>
+              <a:satOff val="0"/>
+              <a:lumOff val="0"/>
+              <a:alphaOff val="0"/>
+            </a:schemeClr>
+          </a:solidFill>
+          <a:prstDash val="solid"/>
+          <a:miter lim="800000"/>
+        </a:ln>
+        <a:effectLst/>
+      </dsp:spPr>
+      <dsp:style>
+        <a:lnRef idx="2">
+          <a:scrgbClr r="0" g="0" b="0"/>
+        </a:lnRef>
+        <a:fillRef idx="1">
+          <a:scrgbClr r="0" g="0" b="0"/>
+        </a:fillRef>
+        <a:effectRef idx="0">
+          <a:scrgbClr r="0" g="0" b="0"/>
+        </a:effectRef>
+        <a:fontRef idx="minor">
+          <a:schemeClr val="lt1"/>
+        </a:fontRef>
+      </dsp:style>
+      <dsp:txBody>
+        <a:bodyPr spcFirstLastPara="0" vert="horz" wrap="square" lIns="120650" tIns="0" rIns="120710" bIns="0" numCol="1" spcCol="1270" anchor="t" anchorCtr="0">
+          <a:noAutofit/>
+        </a:bodyPr>
+        <a:lstStyle/>
+        <a:p>
+          <a:pPr lvl="0" algn="l" defTabSz="844550">
+            <a:lnSpc>
+              <a:spcPct val="90000"/>
+            </a:lnSpc>
+            <a:spcBef>
+              <a:spcPct val="0"/>
+            </a:spcBef>
+            <a:spcAft>
+              <a:spcPct val="35000"/>
+            </a:spcAft>
+          </a:pPr>
+          <a:r>
+            <a:rPr lang="hr-HR" sz="1900" kern="1200" dirty="0" smtClean="0"/>
+            <a:t>Razvoj</a:t>
+          </a:r>
+          <a:endParaRPr lang="hr-HR" sz="1900" kern="1200" dirty="0"/>
+        </a:p>
+        <a:p>
+          <a:pPr marL="114300" lvl="1" indent="-114300" algn="l" defTabSz="666750">
+            <a:lnSpc>
+              <a:spcPct val="90000"/>
+            </a:lnSpc>
+            <a:spcBef>
+              <a:spcPct val="0"/>
+            </a:spcBef>
+            <a:spcAft>
+              <a:spcPct val="15000"/>
+            </a:spcAft>
+            <a:buChar char="••"/>
+          </a:pPr>
+          <a:r>
+            <a:rPr lang="hr-HR" sz="1500" kern="1200" dirty="0" smtClean="0"/>
+            <a:t>Baza</a:t>
+          </a:r>
+          <a:endParaRPr lang="hr-HR" sz="1500" kern="1200" dirty="0"/>
+        </a:p>
+        <a:p>
+          <a:pPr marL="114300" lvl="1" indent="-114300" algn="l" defTabSz="666750">
+            <a:lnSpc>
+              <a:spcPct val="90000"/>
+            </a:lnSpc>
+            <a:spcBef>
+              <a:spcPct val="0"/>
+            </a:spcBef>
+            <a:spcAft>
+              <a:spcPct val="15000"/>
+            </a:spcAft>
+            <a:buChar char="••"/>
+          </a:pPr>
+          <a:r>
+            <a:rPr lang="hr-HR" sz="1500" kern="1200" smtClean="0"/>
+            <a:t>Poslovna logika</a:t>
+          </a:r>
+          <a:endParaRPr lang="hr-HR" sz="1500" kern="1200" dirty="0"/>
+        </a:p>
+        <a:p>
+          <a:pPr marL="114300" lvl="1" indent="-114300" algn="l" defTabSz="666750">
+            <a:lnSpc>
+              <a:spcPct val="90000"/>
+            </a:lnSpc>
+            <a:spcBef>
+              <a:spcPct val="0"/>
+            </a:spcBef>
+            <a:spcAft>
+              <a:spcPct val="15000"/>
+            </a:spcAft>
+            <a:buChar char="••"/>
+          </a:pPr>
+          <a:r>
+            <a:rPr lang="hr-HR" sz="1500" kern="1200" smtClean="0"/>
+            <a:t>Sučelje</a:t>
+          </a:r>
+          <a:endParaRPr lang="hr-HR" sz="1500" kern="1200" dirty="0"/>
+        </a:p>
+        <a:p>
+          <a:pPr marL="114300" lvl="1" indent="-114300" algn="l" defTabSz="666750">
+            <a:lnSpc>
+              <a:spcPct val="90000"/>
+            </a:lnSpc>
+            <a:spcBef>
+              <a:spcPct val="0"/>
+            </a:spcBef>
+            <a:spcAft>
+              <a:spcPct val="15000"/>
+            </a:spcAft>
+            <a:buChar char="••"/>
+          </a:pPr>
+          <a:r>
+            <a:rPr lang="hr-HR" sz="1500" kern="1200" dirty="0" smtClean="0"/>
+            <a:t>Infrastruktura (mail, </a:t>
+          </a:r>
+          <a:r>
+            <a:rPr lang="hr-HR" sz="1500" kern="1200" dirty="0" err="1" smtClean="0"/>
+            <a:t>logiranje</a:t>
+          </a:r>
+          <a:r>
+            <a:rPr lang="hr-HR" sz="1500" kern="1200" dirty="0" smtClean="0"/>
+            <a:t>)</a:t>
+          </a:r>
+          <a:endParaRPr lang="hr-HR" sz="1500" kern="1200" dirty="0"/>
+        </a:p>
+        <a:p>
+          <a:pPr marL="114300" lvl="1" indent="-114300" algn="l" defTabSz="666750">
+            <a:lnSpc>
+              <a:spcPct val="90000"/>
+            </a:lnSpc>
+            <a:spcBef>
+              <a:spcPct val="0"/>
+            </a:spcBef>
+            <a:spcAft>
+              <a:spcPct val="15000"/>
+            </a:spcAft>
+            <a:buChar char="••"/>
+          </a:pPr>
+          <a:r>
+            <a:rPr lang="hr-HR" sz="1500" kern="1200" smtClean="0"/>
+            <a:t>Testiranje</a:t>
+          </a:r>
+          <a:endParaRPr lang="hr-HR" sz="1500" kern="1200" dirty="0"/>
+        </a:p>
+        <a:p>
+          <a:pPr marL="114300" lvl="1" indent="-114300" algn="l" defTabSz="666750">
+            <a:lnSpc>
+              <a:spcPct val="90000"/>
+            </a:lnSpc>
+            <a:spcBef>
+              <a:spcPct val="0"/>
+            </a:spcBef>
+            <a:spcAft>
+              <a:spcPct val="15000"/>
+            </a:spcAft>
+            <a:buChar char="••"/>
+          </a:pPr>
+          <a:r>
+            <a:rPr lang="hr-HR" sz="1500" kern="1200" smtClean="0"/>
+            <a:t>Timski rad</a:t>
+          </a:r>
+          <a:endParaRPr lang="hr-HR" sz="1500" kern="1200" dirty="0"/>
+        </a:p>
+      </dsp:txBody>
+      <dsp:txXfrm rot="5400000">
+        <a:off x="4348736" y="968746"/>
+        <a:ext cx="2019990" cy="2906242"/>
+      </dsp:txXfrm>
+    </dsp:sp>
+    <dsp:sp modelId="{B56701B6-E80B-4C29-A40F-6313C5E52D49}">
+      <dsp:nvSpPr>
+        <dsp:cNvPr id="0" name=""/>
+        <dsp:cNvSpPr/>
+      </dsp:nvSpPr>
+      <dsp:spPr>
+        <a:xfrm rot="16200000">
+          <a:off x="5108353" y="1411872"/>
+          <a:ext cx="4843736" cy="2019990"/>
+        </a:xfrm>
+        <a:prstGeom prst="flowChartManualOperation">
+          <a:avLst/>
+        </a:prstGeom>
+        <a:solidFill>
+          <a:schemeClr val="accent1">
+            <a:hueOff val="0"/>
+            <a:satOff val="0"/>
+            <a:lumOff val="0"/>
+            <a:alphaOff val="0"/>
+          </a:schemeClr>
+        </a:solidFill>
+        <a:ln w="12700" cap="flat" cmpd="sng" algn="ctr">
+          <a:solidFill>
+            <a:schemeClr val="lt1">
+              <a:hueOff val="0"/>
+              <a:satOff val="0"/>
+              <a:lumOff val="0"/>
+              <a:alphaOff val="0"/>
+            </a:schemeClr>
+          </a:solidFill>
+          <a:prstDash val="solid"/>
+          <a:miter lim="800000"/>
+        </a:ln>
+        <a:effectLst/>
+      </dsp:spPr>
+      <dsp:style>
+        <a:lnRef idx="2">
+          <a:scrgbClr r="0" g="0" b="0"/>
+        </a:lnRef>
+        <a:fillRef idx="1">
+          <a:scrgbClr r="0" g="0" b="0"/>
+        </a:fillRef>
+        <a:effectRef idx="0">
+          <a:scrgbClr r="0" g="0" b="0"/>
+        </a:effectRef>
+        <a:fontRef idx="minor">
+          <a:schemeClr val="lt1"/>
+        </a:fontRef>
+      </dsp:style>
+      <dsp:txBody>
+        <a:bodyPr spcFirstLastPara="0" vert="horz" wrap="square" lIns="120650" tIns="0" rIns="120710" bIns="0" numCol="1" spcCol="1270" anchor="t" anchorCtr="0">
+          <a:noAutofit/>
+        </a:bodyPr>
+        <a:lstStyle/>
+        <a:p>
+          <a:pPr lvl="0" algn="l" defTabSz="844550">
+            <a:lnSpc>
+              <a:spcPct val="90000"/>
+            </a:lnSpc>
+            <a:spcBef>
+              <a:spcPct val="0"/>
+            </a:spcBef>
+            <a:spcAft>
+              <a:spcPct val="35000"/>
+            </a:spcAft>
+          </a:pPr>
+          <a:r>
+            <a:rPr lang="hr-HR" sz="1900" kern="1200" dirty="0" smtClean="0"/>
+            <a:t>Test / Produkcija</a:t>
+          </a:r>
+          <a:endParaRPr lang="hr-HR" sz="1900" kern="1200" dirty="0"/>
+        </a:p>
+        <a:p>
+          <a:pPr marL="114300" lvl="1" indent="-114300" algn="l" defTabSz="666750">
+            <a:lnSpc>
+              <a:spcPct val="90000"/>
+            </a:lnSpc>
+            <a:spcBef>
+              <a:spcPct val="0"/>
+            </a:spcBef>
+            <a:spcAft>
+              <a:spcPct val="15000"/>
+            </a:spcAft>
+            <a:buChar char="••"/>
+          </a:pPr>
+          <a:r>
+            <a:rPr lang="hr-HR" sz="1500" kern="1200" dirty="0" smtClean="0"/>
+            <a:t>Okoline</a:t>
+          </a:r>
+          <a:endParaRPr lang="hr-HR" sz="1500" kern="1200" dirty="0"/>
+        </a:p>
+        <a:p>
+          <a:pPr marL="114300" lvl="1" indent="-114300" algn="l" defTabSz="666750">
+            <a:lnSpc>
+              <a:spcPct val="90000"/>
+            </a:lnSpc>
+            <a:spcBef>
+              <a:spcPct val="0"/>
+            </a:spcBef>
+            <a:spcAft>
+              <a:spcPct val="15000"/>
+            </a:spcAft>
+            <a:buChar char="••"/>
+          </a:pPr>
+          <a:r>
+            <a:rPr lang="hr-HR" sz="1500" kern="1200" smtClean="0"/>
+            <a:t>Migracije</a:t>
+          </a:r>
+          <a:endParaRPr lang="hr-HR" sz="1500" kern="1200" dirty="0"/>
+        </a:p>
+        <a:p>
+          <a:pPr marL="114300" lvl="1" indent="-114300" algn="l" defTabSz="666750">
+            <a:lnSpc>
+              <a:spcPct val="90000"/>
+            </a:lnSpc>
+            <a:spcBef>
+              <a:spcPct val="0"/>
+            </a:spcBef>
+            <a:spcAft>
+              <a:spcPct val="15000"/>
+            </a:spcAft>
+            <a:buChar char="••"/>
+          </a:pPr>
+          <a:r>
+            <a:rPr lang="hr-HR" sz="1500" kern="1200" smtClean="0"/>
+            <a:t>Dostupnost/Backup</a:t>
+          </a:r>
+          <a:endParaRPr lang="hr-HR" sz="1500" kern="1200" dirty="0"/>
+        </a:p>
+        <a:p>
+          <a:pPr marL="114300" lvl="1" indent="-114300" algn="l" defTabSz="666750">
+            <a:lnSpc>
+              <a:spcPct val="90000"/>
+            </a:lnSpc>
+            <a:spcBef>
+              <a:spcPct val="0"/>
+            </a:spcBef>
+            <a:spcAft>
+              <a:spcPct val="15000"/>
+            </a:spcAft>
+            <a:buChar char="••"/>
+          </a:pPr>
+          <a:r>
+            <a:rPr lang="hr-HR" sz="1500" kern="1200" smtClean="0"/>
+            <a:t>Izmjene modela/poslovne logike</a:t>
+          </a:r>
+          <a:endParaRPr lang="hr-HR" sz="1500" kern="1200" dirty="0"/>
+        </a:p>
+      </dsp:txBody>
+      <dsp:txXfrm rot="5400000">
+        <a:off x="6520226" y="968746"/>
+        <a:ext cx="2019990" cy="2906242"/>
+      </dsp:txXfrm>
+    </dsp:sp>
+    <dsp:sp modelId="{F03815A2-C455-46F1-B2A2-9AC73B0971CC}">
+      <dsp:nvSpPr>
+        <dsp:cNvPr id="0" name=""/>
+        <dsp:cNvSpPr/>
+      </dsp:nvSpPr>
+      <dsp:spPr>
+        <a:xfrm rot="16200000">
+          <a:off x="7279843" y="1411872"/>
+          <a:ext cx="4843736" cy="2019990"/>
+        </a:xfrm>
+        <a:prstGeom prst="flowChartManualOperation">
+          <a:avLst/>
+        </a:prstGeom>
+        <a:solidFill>
+          <a:schemeClr val="accent1">
+            <a:hueOff val="0"/>
+            <a:satOff val="0"/>
+            <a:lumOff val="0"/>
+            <a:alphaOff val="0"/>
+          </a:schemeClr>
+        </a:solidFill>
+        <a:ln w="12700" cap="flat" cmpd="sng" algn="ctr">
+          <a:solidFill>
+            <a:schemeClr val="lt1">
+              <a:hueOff val="0"/>
+              <a:satOff val="0"/>
+              <a:lumOff val="0"/>
+              <a:alphaOff val="0"/>
+            </a:schemeClr>
+          </a:solidFill>
+          <a:prstDash val="solid"/>
+          <a:miter lim="800000"/>
+        </a:ln>
+        <a:effectLst/>
+      </dsp:spPr>
+      <dsp:style>
+        <a:lnRef idx="2">
+          <a:scrgbClr r="0" g="0" b="0"/>
+        </a:lnRef>
+        <a:fillRef idx="1">
+          <a:scrgbClr r="0" g="0" b="0"/>
+        </a:fillRef>
+        <a:effectRef idx="0">
+          <a:scrgbClr r="0" g="0" b="0"/>
+        </a:effectRef>
+        <a:fontRef idx="minor">
+          <a:schemeClr val="lt1"/>
+        </a:fontRef>
+      </dsp:style>
+      <dsp:txBody>
+        <a:bodyPr spcFirstLastPara="0" vert="horz" wrap="square" lIns="120650" tIns="0" rIns="120710" bIns="0" numCol="1" spcCol="1270" anchor="t" anchorCtr="0">
+          <a:noAutofit/>
+        </a:bodyPr>
+        <a:lstStyle/>
+        <a:p>
+          <a:pPr lvl="0" algn="l" defTabSz="844550">
+            <a:lnSpc>
+              <a:spcPct val="90000"/>
+            </a:lnSpc>
+            <a:spcBef>
+              <a:spcPct val="0"/>
+            </a:spcBef>
+            <a:spcAft>
+              <a:spcPct val="35000"/>
+            </a:spcAft>
+          </a:pPr>
+          <a:r>
+            <a:rPr lang="hr-HR" sz="1900" kern="1200" dirty="0" smtClean="0"/>
+            <a:t>Održavanje</a:t>
+          </a:r>
+          <a:endParaRPr lang="hr-HR" sz="1900" kern="1200" dirty="0"/>
+        </a:p>
+        <a:p>
+          <a:pPr marL="114300" lvl="1" indent="-114300" algn="l" defTabSz="666750">
+            <a:lnSpc>
+              <a:spcPct val="90000"/>
+            </a:lnSpc>
+            <a:spcBef>
+              <a:spcPct val="0"/>
+            </a:spcBef>
+            <a:spcAft>
+              <a:spcPct val="15000"/>
+            </a:spcAft>
+            <a:buChar char="••"/>
+          </a:pPr>
+          <a:r>
+            <a:rPr lang="hr-HR" sz="1500" kern="1200" dirty="0" smtClean="0"/>
+            <a:t>Pohrana znanja</a:t>
+          </a:r>
+          <a:endParaRPr lang="hr-HR" sz="1500" kern="1200" dirty="0"/>
+        </a:p>
+        <a:p>
+          <a:pPr marL="114300" lvl="1" indent="-114300" algn="l" defTabSz="666750">
+            <a:lnSpc>
+              <a:spcPct val="90000"/>
+            </a:lnSpc>
+            <a:spcBef>
+              <a:spcPct val="0"/>
+            </a:spcBef>
+            <a:spcAft>
+              <a:spcPct val="15000"/>
+            </a:spcAft>
+            <a:buChar char="••"/>
+          </a:pPr>
+          <a:r>
+            <a:rPr lang="hr-HR" sz="1500" kern="1200" dirty="0" smtClean="0"/>
+            <a:t>Dokumentacija</a:t>
+          </a:r>
+          <a:endParaRPr lang="hr-HR" sz="1500" kern="1200" dirty="0"/>
+        </a:p>
+      </dsp:txBody>
+      <dsp:txXfrm rot="5400000">
+        <a:off x="8691716" y="968746"/>
+        <a:ext cx="2019990" cy="2906242"/>
       </dsp:txXfrm>
     </dsp:sp>
   </dsp:spTree>
@@ -2120,6 +4687,178 @@
 </dgm:layoutDef>
 </file>
 
+<file path=ppt/diagrams/layout2.xml><?xml version="1.0" encoding="utf-8"?>
+<dgm:layoutDef xmlns:dgm="http://schemas.openxmlformats.org/drawingml/2006/diagram" xmlns:a="http://schemas.openxmlformats.org/drawingml/2006/main" uniqueId="urn:microsoft.com/office/officeart/2005/8/layout/hList6">
+  <dgm:title val=""/>
+  <dgm:desc val=""/>
+  <dgm:catLst>
+    <dgm:cat type="list" pri="18000"/>
+  </dgm:catLst>
+  <dgm:sampData>
+    <dgm:dataModel>
+      <dgm:ptLst>
+        <dgm:pt modelId="0" type="doc"/>
+        <dgm:pt modelId="1">
+          <dgm:prSet phldr="1"/>
+        </dgm:pt>
+        <dgm:pt modelId="11">
+          <dgm:prSet phldr="1"/>
+        </dgm:pt>
+        <dgm:pt modelId="12">
+          <dgm:prSet phldr="1"/>
+        </dgm:pt>
+        <dgm:pt modelId="2">
+          <dgm:prSet phldr="1"/>
+        </dgm:pt>
+        <dgm:pt modelId="21">
+          <dgm:prSet phldr="1"/>
+        </dgm:pt>
+        <dgm:pt modelId="22">
+          <dgm:prSet phldr="1"/>
+        </dgm:pt>
+        <dgm:pt modelId="3">
+          <dgm:prSet phldr="1"/>
+        </dgm:pt>
+        <dgm:pt modelId="31">
+          <dgm:prSet phldr="1"/>
+        </dgm:pt>
+        <dgm:pt modelId="32">
+          <dgm:prSet phldr="1"/>
+        </dgm:pt>
+      </dgm:ptLst>
+      <dgm:cxnLst>
+        <dgm:cxn modelId="4" srcId="0" destId="1" srcOrd="0" destOrd="0"/>
+        <dgm:cxn modelId="5" srcId="0" destId="2" srcOrd="1" destOrd="0"/>
+        <dgm:cxn modelId="6" srcId="0" destId="3" srcOrd="2" destOrd="0"/>
+        <dgm:cxn modelId="13" srcId="1" destId="11" srcOrd="0" destOrd="0"/>
+        <dgm:cxn modelId="14" srcId="1" destId="12" srcOrd="1" destOrd="0"/>
+        <dgm:cxn modelId="23" srcId="2" destId="21" srcOrd="0" destOrd="0"/>
+        <dgm:cxn modelId="24" srcId="2" destId="22" srcOrd="1" destOrd="0"/>
+        <dgm:cxn modelId="33" srcId="3" destId="31" srcOrd="0" destOrd="0"/>
+        <dgm:cxn modelId="34" srcId="3" destId="32" srcOrd="1" destOrd="0"/>
+      </dgm:cxnLst>
+      <dgm:bg/>
+      <dgm:whole/>
+    </dgm:dataModel>
+  </dgm:sampData>
+  <dgm:styleData>
+    <dgm:dataModel>
+      <dgm:ptLst>
+        <dgm:pt modelId="0" type="doc"/>
+        <dgm:pt modelId="1"/>
+        <dgm:pt modelId="11"/>
+        <dgm:pt modelId="2"/>
+        <dgm:pt modelId="21"/>
+      </dgm:ptLst>
+      <dgm:cxnLst>
+        <dgm:cxn modelId="4" srcId="0" destId="1" srcOrd="0" destOrd="0"/>
+        <dgm:cxn modelId="5" srcId="0" destId="2" srcOrd="1" destOrd="0"/>
+        <dgm:cxn modelId="13" srcId="1" destId="11" srcOrd="0" destOrd="0"/>
+        <dgm:cxn modelId="23" srcId="2" destId="21" srcOrd="0" destOrd="0"/>
+      </dgm:cxnLst>
+      <dgm:bg/>
+      <dgm:whole/>
+    </dgm:dataModel>
+  </dgm:styleData>
+  <dgm:clrData>
+    <dgm:dataModel>
+      <dgm:ptLst>
+        <dgm:pt modelId="0" type="doc"/>
+        <dgm:pt modelId="1"/>
+        <dgm:pt modelId="11"/>
+        <dgm:pt modelId="2"/>
+        <dgm:pt modelId="21"/>
+        <dgm:pt modelId="3"/>
+        <dgm:pt modelId="31"/>
+        <dgm:pt modelId="4"/>
+        <dgm:pt modelId="41"/>
+      </dgm:ptLst>
+      <dgm:cxnLst>
+        <dgm:cxn modelId="5" srcId="0" destId="1" srcOrd="0" destOrd="0"/>
+        <dgm:cxn modelId="6" srcId="0" destId="2" srcOrd="1" destOrd="0"/>
+        <dgm:cxn modelId="7" srcId="0" destId="3" srcOrd="2" destOrd="0"/>
+        <dgm:cxn modelId="8" srcId="0" destId="4" srcOrd="3" destOrd="0"/>
+        <dgm:cxn modelId="13" srcId="1" destId="11" srcOrd="0" destOrd="0"/>
+        <dgm:cxn modelId="23" srcId="2" destId="21" srcOrd="0" destOrd="0"/>
+        <dgm:cxn modelId="33" srcId="3" destId="31" srcOrd="0" destOrd="0"/>
+        <dgm:cxn modelId="43" srcId="4" destId="41" srcOrd="0" destOrd="0"/>
+      </dgm:cxnLst>
+      <dgm:bg/>
+      <dgm:whole/>
+    </dgm:dataModel>
+  </dgm:clrData>
+  <dgm:layoutNode name="Name0">
+    <dgm:varLst>
+      <dgm:dir/>
+      <dgm:resizeHandles val="exact"/>
+    </dgm:varLst>
+    <dgm:choose name="Name1">
+      <dgm:if name="Name2" func="var" arg="dir" op="equ" val="norm">
+        <dgm:alg type="lin"/>
+      </dgm:if>
+      <dgm:else name="Name3">
+        <dgm:alg type="lin">
+          <dgm:param type="linDir" val="fromR"/>
+        </dgm:alg>
+      </dgm:else>
+    </dgm:choose>
+    <dgm:shape xmlns:r="http://schemas.openxmlformats.org/officeDocument/2006/relationships" r:blip="">
+      <dgm:adjLst/>
+    </dgm:shape>
+    <dgm:presOf/>
+    <dgm:constrLst>
+      <dgm:constr type="h" for="ch" ptType="node" refType="h"/>
+      <dgm:constr type="w" for="ch" ptType="node" refType="w"/>
+      <dgm:constr type="primFontSz" for="ch" ptType="node" op="equ"/>
+      <dgm:constr type="w" for="ch" forName="sibTrans" refType="w" fact="0.075"/>
+    </dgm:constrLst>
+    <dgm:ruleLst/>
+    <dgm:forEach name="nodesForEach" axis="ch" ptType="node">
+      <dgm:layoutNode name="node">
+        <dgm:varLst>
+          <dgm:bulletEnabled val="1"/>
+        </dgm:varLst>
+        <dgm:alg type="tx"/>
+        <dgm:choose name="Name4">
+          <dgm:if name="Name5" func="var" arg="dir" op="equ" val="norm">
+            <dgm:shape xmlns:r="http://schemas.openxmlformats.org/officeDocument/2006/relationships" rot="-90" type="flowChartManualOperation" r:blip="">
+              <dgm:adjLst/>
+            </dgm:shape>
+          </dgm:if>
+          <dgm:else name="Name6">
+            <dgm:shape xmlns:r="http://schemas.openxmlformats.org/officeDocument/2006/relationships" rot="90" type="flowChartManualOperation" r:blip="">
+              <dgm:adjLst/>
+            </dgm:shape>
+          </dgm:else>
+        </dgm:choose>
+        <dgm:presOf axis="desOrSelf" ptType="node"/>
+        <dgm:constrLst>
+          <dgm:constr type="primFontSz" val="65"/>
+          <dgm:constr type="tMarg"/>
+          <dgm:constr type="bMarg"/>
+          <dgm:constr type="lMarg" refType="primFontSz" fact="0.5"/>
+          <dgm:constr type="rMarg" refType="lMarg"/>
+        </dgm:constrLst>
+        <dgm:ruleLst>
+          <dgm:rule type="primFontSz" val="5" fact="NaN" max="NaN"/>
+        </dgm:ruleLst>
+      </dgm:layoutNode>
+      <dgm:forEach name="sibTransForEach" axis="followSib" ptType="sibTrans" cnt="1">
+        <dgm:layoutNode name="sibTrans">
+          <dgm:alg type="sp"/>
+          <dgm:shape xmlns:r="http://schemas.openxmlformats.org/officeDocument/2006/relationships" r:blip="">
+            <dgm:adjLst/>
+          </dgm:shape>
+          <dgm:presOf/>
+          <dgm:constrLst/>
+          <dgm:ruleLst/>
+        </dgm:layoutNode>
+      </dgm:forEach>
+    </dgm:forEach>
+  </dgm:layoutNode>
+</dgm:layoutDef>
+</file>
+
 <file path=ppt/diagrams/quickStyle1.xml><?xml version="1.0" encoding="utf-8"?>
 <dgm:styleDef xmlns:dgm="http://schemas.openxmlformats.org/drawingml/2006/diagram" xmlns:a="http://schemas.openxmlformats.org/drawingml/2006/main" uniqueId="urn:microsoft.com/office/officeart/2005/8/quickstyle/3d2">
   <dgm:title val=""/>
@@ -3380,6 +6119,1850 @@
     </dgm:style>
   </dgm:styleLbl>
 </dgm:styleDef>
+</file>
+
+<file path=ppt/diagrams/quickStyle2.xml><?xml version="1.0" encoding="utf-8"?>
+<dgm:styleDef xmlns:dgm="http://schemas.openxmlformats.org/drawingml/2006/diagram" xmlns:a="http://schemas.openxmlformats.org/drawingml/2006/main" uniqueId="urn:microsoft.com/office/officeart/2005/8/quickstyle/simple1">
+  <dgm:title val=""/>
+  <dgm:desc val=""/>
+  <dgm:catLst>
+    <dgm:cat type="simple" pri="10100"/>
+  </dgm:catLst>
+  <dgm:scene3d>
+    <a:camera prst="orthographicFront"/>
+    <a:lightRig rig="threePt" dir="t"/>
+  </dgm:scene3d>
+  <dgm:styleLbl name="node0">
+    <dgm:scene3d>
+      <a:camera prst="orthographicFront"/>
+      <a:lightRig rig="threePt" dir="t"/>
+    </dgm:scene3d>
+    <dgm:sp3d/>
+    <dgm:txPr/>
+    <dgm:style>
+      <a:lnRef idx="2">
+        <a:scrgbClr r="0" g="0" b="0"/>
+      </a:lnRef>
+      <a:fillRef idx="1">
+        <a:scrgbClr r="0" g="0" b="0"/>
+      </a:fillRef>
+      <a:effectRef idx="0">
+        <a:scrgbClr r="0" g="0" b="0"/>
+      </a:effectRef>
+      <a:fontRef idx="minor">
+        <a:schemeClr val="lt1"/>
+      </a:fontRef>
+    </dgm:style>
+  </dgm:styleLbl>
+  <dgm:styleLbl name="lnNode1">
+    <dgm:scene3d>
+      <a:camera prst="orthographicFront"/>
+      <a:lightRig rig="threePt" dir="t"/>
+    </dgm:scene3d>
+    <dgm:sp3d/>
+    <dgm:txPr/>
+    <dgm:style>
+      <a:lnRef idx="2">
+        <a:scrgbClr r="0" g="0" b="0"/>
+      </a:lnRef>
+      <a:fillRef idx="1">
+        <a:scrgbClr r="0" g="0" b="0"/>
+      </a:fillRef>
+      <a:effectRef idx="0">
+        <a:scrgbClr r="0" g="0" b="0"/>
+      </a:effectRef>
+      <a:fontRef idx="minor">
+        <a:schemeClr val="lt1"/>
+      </a:fontRef>
+    </dgm:style>
+  </dgm:styleLbl>
+  <dgm:styleLbl name="vennNode1">
+    <dgm:scene3d>
+      <a:camera prst="orthographicFront"/>
+      <a:lightRig rig="threePt" dir="t"/>
+    </dgm:scene3d>
+    <dgm:sp3d/>
+    <dgm:txPr/>
+    <dgm:style>
+      <a:lnRef idx="2">
+        <a:scrgbClr r="0" g="0" b="0"/>
+      </a:lnRef>
+      <a:fillRef idx="1">
+        <a:scrgbClr r="0" g="0" b="0"/>
+      </a:fillRef>
+      <a:effectRef idx="0">
+        <a:scrgbClr r="0" g="0" b="0"/>
+      </a:effectRef>
+      <a:fontRef idx="minor">
+        <a:schemeClr val="tx1"/>
+      </a:fontRef>
+    </dgm:style>
+  </dgm:styleLbl>
+  <dgm:styleLbl name="alignNode1">
+    <dgm:scene3d>
+      <a:camera prst="orthographicFront"/>
+      <a:lightRig rig="threePt" dir="t"/>
+    </dgm:scene3d>
+    <dgm:sp3d/>
+    <dgm:txPr/>
+    <dgm:style>
+      <a:lnRef idx="2">
+        <a:scrgbClr r="0" g="0" b="0"/>
+      </a:lnRef>
+      <a:fillRef idx="1">
+        <a:scrgbClr r="0" g="0" b="0"/>
+      </a:fillRef>
+      <a:effectRef idx="0">
+        <a:scrgbClr r="0" g="0" b="0"/>
+      </a:effectRef>
+      <a:fontRef idx="minor">
+        <a:schemeClr val="lt1"/>
+      </a:fontRef>
+    </dgm:style>
+  </dgm:styleLbl>
+  <dgm:styleLbl name="node1">
+    <dgm:scene3d>
+      <a:camera prst="orthographicFront"/>
+      <a:lightRig rig="threePt" dir="t"/>
+    </dgm:scene3d>
+    <dgm:sp3d/>
+    <dgm:txPr/>
+    <dgm:style>
+      <a:lnRef idx="2">
+        <a:scrgbClr r="0" g="0" b="0"/>
+      </a:lnRef>
+      <a:fillRef idx="1">
+        <a:scrgbClr r="0" g="0" b="0"/>
+      </a:fillRef>
+      <a:effectRef idx="0">
+        <a:scrgbClr r="0" g="0" b="0"/>
+      </a:effectRef>
+      <a:fontRef idx="minor">
+        <a:schemeClr val="lt1"/>
+      </a:fontRef>
+    </dgm:style>
+  </dgm:styleLbl>
+  <dgm:styleLbl name="node2">
+    <dgm:scene3d>
+      <a:camera prst="orthographicFront"/>
+      <a:lightRig rig="threePt" dir="t"/>
+    </dgm:scene3d>
+    <dgm:sp3d/>
+    <dgm:txPr/>
+    <dgm:style>
+      <a:lnRef idx="2">
+        <a:scrgbClr r="0" g="0" b="0"/>
+      </a:lnRef>
+      <a:fillRef idx="1">
+        <a:scrgbClr r="0" g="0" b="0"/>
+      </a:fillRef>
+      <a:effectRef idx="0">
+        <a:scrgbClr r="0" g="0" b="0"/>
+      </a:effectRef>
+      <a:fontRef idx="minor">
+        <a:schemeClr val="lt1"/>
+      </a:fontRef>
+    </dgm:style>
+  </dgm:styleLbl>
+  <dgm:styleLbl name="node3">
+    <dgm:scene3d>
+      <a:camera prst="orthographicFront"/>
+      <a:lightRig rig="threePt" dir="t"/>
+    </dgm:scene3d>
+    <dgm:sp3d/>
+    <dgm:txPr/>
+    <dgm:style>
+      <a:lnRef idx="2">
+        <a:scrgbClr r="0" g="0" b="0"/>
+      </a:lnRef>
+      <a:fillRef idx="1">
+        <a:scrgbClr r="0" g="0" b="0"/>
+      </a:fillRef>
+      <a:effectRef idx="0">
+        <a:scrgbClr r="0" g="0" b="0"/>
+      </a:effectRef>
+      <a:fontRef idx="minor">
+        <a:schemeClr val="lt1"/>
+      </a:fontRef>
+    </dgm:style>
+  </dgm:styleLbl>
+  <dgm:styleLbl name="node4">
+    <dgm:scene3d>
+      <a:camera prst="orthographicFront"/>
+      <a:lightRig rig="threePt" dir="t"/>
+    </dgm:scene3d>
+    <dgm:sp3d/>
+    <dgm:txPr/>
+    <dgm:style>
+      <a:lnRef idx="2">
+        <a:scrgbClr r="0" g="0" b="0"/>
+      </a:lnRef>
+      <a:fillRef idx="1">
+        <a:scrgbClr r="0" g="0" b="0"/>
+      </a:fillRef>
+      <a:effectRef idx="0">
+        <a:scrgbClr r="0" g="0" b="0"/>
+      </a:effectRef>
+      <a:fontRef idx="minor">
+        <a:schemeClr val="lt1"/>
+      </a:fontRef>
+    </dgm:style>
+  </dgm:styleLbl>
+  <dgm:styleLbl name="fgImgPlace1">
+    <dgm:scene3d>
+      <a:camera prst="orthographicFront"/>
+      <a:lightRig rig="threePt" dir="t"/>
+    </dgm:scene3d>
+    <dgm:sp3d/>
+    <dgm:txPr/>
+    <dgm:style>
+      <a:lnRef idx="2">
+        <a:scrgbClr r="0" g="0" b="0"/>
+      </a:lnRef>
+      <a:fillRef idx="1">
+        <a:scrgbClr r="0" g="0" b="0"/>
+      </a:fillRef>
+      <a:effectRef idx="0">
+        <a:scrgbClr r="0" g="0" b="0"/>
+      </a:effectRef>
+      <a:fontRef idx="minor"/>
+    </dgm:style>
+  </dgm:styleLbl>
+  <dgm:styleLbl name="alignImgPlace1">
+    <dgm:scene3d>
+      <a:camera prst="orthographicFront"/>
+      <a:lightRig rig="threePt" dir="t"/>
+    </dgm:scene3d>
+    <dgm:sp3d/>
+    <dgm:txPr/>
+    <dgm:style>
+      <a:lnRef idx="2">
+        <a:scrgbClr r="0" g="0" b="0"/>
+      </a:lnRef>
+      <a:fillRef idx="1">
+        <a:scrgbClr r="0" g="0" b="0"/>
+      </a:fillRef>
+      <a:effectRef idx="0">
+        <a:scrgbClr r="0" g="0" b="0"/>
+      </a:effectRef>
+      <a:fontRef idx="minor"/>
+    </dgm:style>
+  </dgm:styleLbl>
+  <dgm:styleLbl name="bgImgPlace1">
+    <dgm:scene3d>
+      <a:camera prst="orthographicFront"/>
+      <a:lightRig rig="threePt" dir="t"/>
+    </dgm:scene3d>
+    <dgm:sp3d/>
+    <dgm:txPr/>
+    <dgm:style>
+      <a:lnRef idx="2">
+        <a:scrgbClr r="0" g="0" b="0"/>
+      </a:lnRef>
+      <a:fillRef idx="1">
+        <a:scrgbClr r="0" g="0" b="0"/>
+      </a:fillRef>
+      <a:effectRef idx="0">
+        <a:scrgbClr r="0" g="0" b="0"/>
+      </a:effectRef>
+      <a:fontRef idx="minor"/>
+    </dgm:style>
+  </dgm:styleLbl>
+  <dgm:styleLbl name="sibTrans2D1">
+    <dgm:scene3d>
+      <a:camera prst="orthographicFront"/>
+      <a:lightRig rig="threePt" dir="t"/>
+    </dgm:scene3d>
+    <dgm:sp3d/>
+    <dgm:txPr/>
+    <dgm:style>
+      <a:lnRef idx="0">
+        <a:scrgbClr r="0" g="0" b="0"/>
+      </a:lnRef>
+      <a:fillRef idx="1">
+        <a:scrgbClr r="0" g="0" b="0"/>
+      </a:fillRef>
+      <a:effectRef idx="0">
+        <a:scrgbClr r="0" g="0" b="0"/>
+      </a:effectRef>
+      <a:fontRef idx="minor">
+        <a:schemeClr val="lt1"/>
+      </a:fontRef>
+    </dgm:style>
+  </dgm:styleLbl>
+  <dgm:styleLbl name="fgSibTrans2D1">
+    <dgm:scene3d>
+      <a:camera prst="orthographicFront"/>
+      <a:lightRig rig="threePt" dir="t"/>
+    </dgm:scene3d>
+    <dgm:sp3d/>
+    <dgm:txPr/>
+    <dgm:style>
+      <a:lnRef idx="0">
+        <a:scrgbClr r="0" g="0" b="0"/>
+      </a:lnRef>
+      <a:fillRef idx="1">
+        <a:scrgbClr r="0" g="0" b="0"/>
+      </a:fillRef>
+      <a:effectRef idx="0">
+        <a:scrgbClr r="0" g="0" b="0"/>
+      </a:effectRef>
+      <a:fontRef idx="minor">
+        <a:schemeClr val="lt1"/>
+      </a:fontRef>
+    </dgm:style>
+  </dgm:styleLbl>
+  <dgm:styleLbl name="bgSibTrans2D1">
+    <dgm:scene3d>
+      <a:camera prst="orthographicFront"/>
+      <a:lightRig rig="threePt" dir="t"/>
+    </dgm:scene3d>
+    <dgm:sp3d/>
+    <dgm:txPr/>
+    <dgm:style>
+      <a:lnRef idx="0">
+        <a:scrgbClr r="0" g="0" b="0"/>
+      </a:lnRef>
+      <a:fillRef idx="1">
+        <a:scrgbClr r="0" g="0" b="0"/>
+      </a:fillRef>
+      <a:effectRef idx="0">
+        <a:scrgbClr r="0" g="0" b="0"/>
+      </a:effectRef>
+      <a:fontRef idx="minor">
+        <a:schemeClr val="lt1"/>
+      </a:fontRef>
+    </dgm:style>
+  </dgm:styleLbl>
+  <dgm:styleLbl name="sibTrans1D1">
+    <dgm:scene3d>
+      <a:camera prst="orthographicFront"/>
+      <a:lightRig rig="threePt" dir="t"/>
+    </dgm:scene3d>
+    <dgm:sp3d/>
+    <dgm:txPr/>
+    <dgm:style>
+      <a:lnRef idx="1">
+        <a:scrgbClr r="0" g="0" b="0"/>
+      </a:lnRef>
+      <a:fillRef idx="0">
+        <a:scrgbClr r="0" g="0" b="0"/>
+      </a:fillRef>
+      <a:effectRef idx="0">
+        <a:scrgbClr r="0" g="0" b="0"/>
+      </a:effectRef>
+      <a:fontRef idx="minor"/>
+    </dgm:style>
+  </dgm:styleLbl>
+  <dgm:styleLbl name="callout">
+    <dgm:scene3d>
+      <a:camera prst="orthographicFront"/>
+      <a:lightRig rig="threePt" dir="t"/>
+    </dgm:scene3d>
+    <dgm:sp3d/>
+    <dgm:txPr/>
+    <dgm:style>
+      <a:lnRef idx="2">
+        <a:scrgbClr r="0" g="0" b="0"/>
+      </a:lnRef>
+      <a:fillRef idx="1">
+        <a:scrgbClr r="0" g="0" b="0"/>
+      </a:fillRef>
+      <a:effectRef idx="0">
+        <a:scrgbClr r="0" g="0" b="0"/>
+      </a:effectRef>
+      <a:fontRef idx="minor"/>
+    </dgm:style>
+  </dgm:styleLbl>
+  <dgm:styleLbl name="asst0">
+    <dgm:scene3d>
+      <a:camera prst="orthographicFront"/>
+      <a:lightRig rig="threePt" dir="t"/>
+    </dgm:scene3d>
+    <dgm:sp3d/>
+    <dgm:txPr/>
+    <dgm:style>
+      <a:lnRef idx="2">
+        <a:scrgbClr r="0" g="0" b="0"/>
+      </a:lnRef>
+      <a:fillRef idx="1">
+        <a:scrgbClr r="0" g="0" b="0"/>
+      </a:fillRef>
+      <a:effectRef idx="0">
+        <a:scrgbClr r="0" g="0" b="0"/>
+      </a:effectRef>
+      <a:fontRef idx="minor">
+        <a:schemeClr val="lt1"/>
+      </a:fontRef>
+    </dgm:style>
+  </dgm:styleLbl>
+  <dgm:styleLbl name="asst1">
+    <dgm:scene3d>
+      <a:camera prst="orthographicFront"/>
+      <a:lightRig rig="threePt" dir="t"/>
+    </dgm:scene3d>
+    <dgm:sp3d/>
+    <dgm:txPr/>
+    <dgm:style>
+      <a:lnRef idx="2">
+        <a:scrgbClr r="0" g="0" b="0"/>
+      </a:lnRef>
+      <a:fillRef idx="1">
+        <a:scrgbClr r="0" g="0" b="0"/>
+      </a:fillRef>
+      <a:effectRef idx="0">
+        <a:scrgbClr r="0" g="0" b="0"/>
+      </a:effectRef>
+      <a:fontRef idx="minor">
+        <a:schemeClr val="lt1"/>
+      </a:fontRef>
+    </dgm:style>
+  </dgm:styleLbl>
+  <dgm:styleLbl name="asst2">
+    <dgm:scene3d>
+      <a:camera prst="orthographicFront"/>
+      <a:lightRig rig="threePt" dir="t"/>
+    </dgm:scene3d>
+    <dgm:sp3d/>
+    <dgm:txPr/>
+    <dgm:style>
+      <a:lnRef idx="2">
+        <a:scrgbClr r="0" g="0" b="0"/>
+      </a:lnRef>
+      <a:fillRef idx="1">
+        <a:scrgbClr r="0" g="0" b="0"/>
+      </a:fillRef>
+      <a:effectRef idx="0">
+        <a:scrgbClr r="0" g="0" b="0"/>
+      </a:effectRef>
+      <a:fontRef idx="minor">
+        <a:schemeClr val="lt1"/>
+      </a:fontRef>
+    </dgm:style>
+  </dgm:styleLbl>
+  <dgm:styleLbl name="asst3">
+    <dgm:scene3d>
+      <a:camera prst="orthographicFront"/>
+      <a:lightRig rig="threePt" dir="t"/>
+    </dgm:scene3d>
+    <dgm:sp3d/>
+    <dgm:txPr/>
+    <dgm:style>
+      <a:lnRef idx="2">
+        <a:scrgbClr r="0" g="0" b="0"/>
+      </a:lnRef>
+      <a:fillRef idx="1">
+        <a:scrgbClr r="0" g="0" b="0"/>
+      </a:fillRef>
+      <a:effectRef idx="0">
+        <a:scrgbClr r="0" g="0" b="0"/>
+      </a:effectRef>
+      <a:fontRef idx="minor">
+        <a:schemeClr val="lt1"/>
+      </a:fontRef>
+    </dgm:style>
+  </dgm:styleLbl>
+  <dgm:styleLbl name="asst4">
+    <dgm:scene3d>
+      <a:camera prst="orthographicFront"/>
+      <a:lightRig rig="threePt" dir="t"/>
+    </dgm:scene3d>
+    <dgm:sp3d/>
+    <dgm:txPr/>
+    <dgm:style>
+      <a:lnRef idx="2">
+        <a:scrgbClr r="0" g="0" b="0"/>
+      </a:lnRef>
+      <a:fillRef idx="1">
+        <a:scrgbClr r="0" g="0" b="0"/>
+      </a:fillRef>
+      <a:effectRef idx="0">
+        <a:scrgbClr r="0" g="0" b="0"/>
+      </a:effectRef>
+      <a:fontRef idx="minor">
+        <a:schemeClr val="lt1"/>
+      </a:fontRef>
+    </dgm:style>
+  </dgm:styleLbl>
+  <dgm:styleLbl name="parChTrans2D1">
+    <dgm:scene3d>
+      <a:camera prst="orthographicFront"/>
+      <a:lightRig rig="threePt" dir="t"/>
+    </dgm:scene3d>
+    <dgm:sp3d/>
+    <dgm:txPr/>
+    <dgm:style>
+      <a:lnRef idx="2">
+        <a:scrgbClr r="0" g="0" b="0"/>
+      </a:lnRef>
+      <a:fillRef idx="1">
+        <a:scrgbClr r="0" g="0" b="0"/>
+      </a:fillRef>
+      <a:effectRef idx="0">
+        <a:scrgbClr r="0" g="0" b="0"/>
+      </a:effectRef>
+      <a:fontRef idx="minor">
+        <a:schemeClr val="lt1"/>
+      </a:fontRef>
+    </dgm:style>
+  </dgm:styleLbl>
+  <dgm:styleLbl name="parChTrans2D2">
+    <dgm:scene3d>
+      <a:camera prst="orthographicFront"/>
+      <a:lightRig rig="threePt" dir="t"/>
+    </dgm:scene3d>
+    <dgm:sp3d/>
+    <dgm:txPr/>
+    <dgm:style>
+      <a:lnRef idx="2">
+        <a:scrgbClr r="0" g="0" b="0"/>
+      </a:lnRef>
+      <a:fillRef idx="1">
+        <a:scrgbClr r="0" g="0" b="0"/>
+      </a:fillRef>
+      <a:effectRef idx="0">
+        <a:scrgbClr r="0" g="0" b="0"/>
+      </a:effectRef>
+      <a:fontRef idx="minor">
+        <a:schemeClr val="lt1"/>
+      </a:fontRef>
+    </dgm:style>
+  </dgm:styleLbl>
+  <dgm:styleLbl name="parChTrans2D3">
+    <dgm:scene3d>
+      <a:camera prst="orthographicFront"/>
+      <a:lightRig rig="threePt" dir="t"/>
+    </dgm:scene3d>
+    <dgm:sp3d/>
+    <dgm:txPr/>
+    <dgm:style>
+      <a:lnRef idx="2">
+        <a:scrgbClr r="0" g="0" b="0"/>
+      </a:lnRef>
+      <a:fillRef idx="1">
+        <a:scrgbClr r="0" g="0" b="0"/>
+      </a:fillRef>
+      <a:effectRef idx="0">
+        <a:scrgbClr r="0" g="0" b="0"/>
+      </a:effectRef>
+      <a:fontRef idx="minor">
+        <a:schemeClr val="lt1"/>
+      </a:fontRef>
+    </dgm:style>
+  </dgm:styleLbl>
+  <dgm:styleLbl name="parChTrans2D4">
+    <dgm:scene3d>
+      <a:camera prst="orthographicFront"/>
+      <a:lightRig rig="threePt" dir="t"/>
+    </dgm:scene3d>
+    <dgm:sp3d/>
+    <dgm:txPr/>
+    <dgm:style>
+      <a:lnRef idx="2">
+        <a:scrgbClr r="0" g="0" b="0"/>
+      </a:lnRef>
+      <a:fillRef idx="1">
+        <a:scrgbClr r="0" g="0" b="0"/>
+      </a:fillRef>
+      <a:effectRef idx="0">
+        <a:scrgbClr r="0" g="0" b="0"/>
+      </a:effectRef>
+      <a:fontRef idx="minor">
+        <a:schemeClr val="lt1"/>
+      </a:fontRef>
+    </dgm:style>
+  </dgm:styleLbl>
+  <dgm:styleLbl name="parChTrans1D1">
+    <dgm:scene3d>
+      <a:camera prst="orthographicFront"/>
+      <a:lightRig rig="threePt" dir="t"/>
+    </dgm:scene3d>
+    <dgm:sp3d/>
+    <dgm:txPr/>
+    <dgm:style>
+      <a:lnRef idx="2">
+        <a:scrgbClr r="0" g="0" b="0"/>
+      </a:lnRef>
+      <a:fillRef idx="0">
+        <a:scrgbClr r="0" g="0" b="0"/>
+      </a:fillRef>
+      <a:effectRef idx="0">
+        <a:scrgbClr r="0" g="0" b="0"/>
+      </a:effectRef>
+      <a:fontRef idx="minor"/>
+    </dgm:style>
+  </dgm:styleLbl>
+  <dgm:styleLbl name="parChTrans1D2">
+    <dgm:scene3d>
+      <a:camera prst="orthographicFront"/>
+      <a:lightRig rig="threePt" dir="t"/>
+    </dgm:scene3d>
+    <dgm:sp3d/>
+    <dgm:txPr/>
+    <dgm:style>
+      <a:lnRef idx="2">
+        <a:scrgbClr r="0" g="0" b="0"/>
+      </a:lnRef>
+      <a:fillRef idx="0">
+        <a:scrgbClr r="0" g="0" b="0"/>
+      </a:fillRef>
+      <a:effectRef idx="0">
+        <a:scrgbClr r="0" g="0" b="0"/>
+      </a:effectRef>
+      <a:fontRef idx="minor"/>
+    </dgm:style>
+  </dgm:styleLbl>
+  <dgm:styleLbl name="parChTrans1D3">
+    <dgm:scene3d>
+      <a:camera prst="orthographicFront"/>
+      <a:lightRig rig="threePt" dir="t"/>
+    </dgm:scene3d>
+    <dgm:sp3d/>
+    <dgm:txPr/>
+    <dgm:style>
+      <a:lnRef idx="2">
+        <a:scrgbClr r="0" g="0" b="0"/>
+      </a:lnRef>
+      <a:fillRef idx="0">
+        <a:scrgbClr r="0" g="0" b="0"/>
+      </a:fillRef>
+      <a:effectRef idx="0">
+        <a:scrgbClr r="0" g="0" b="0"/>
+      </a:effectRef>
+      <a:fontRef idx="minor"/>
+    </dgm:style>
+  </dgm:styleLbl>
+  <dgm:styleLbl name="parChTrans1D4">
+    <dgm:scene3d>
+      <a:camera prst="orthographicFront"/>
+      <a:lightRig rig="threePt" dir="t"/>
+    </dgm:scene3d>
+    <dgm:sp3d/>
+    <dgm:txPr/>
+    <dgm:style>
+      <a:lnRef idx="2">
+        <a:scrgbClr r="0" g="0" b="0"/>
+      </a:lnRef>
+      <a:fillRef idx="0">
+        <a:scrgbClr r="0" g="0" b="0"/>
+      </a:fillRef>
+      <a:effectRef idx="0">
+        <a:scrgbClr r="0" g="0" b="0"/>
+      </a:effectRef>
+      <a:fontRef idx="minor"/>
+    </dgm:style>
+  </dgm:styleLbl>
+  <dgm:styleLbl name="fgAcc1">
+    <dgm:scene3d>
+      <a:camera prst="orthographicFront"/>
+      <a:lightRig rig="threePt" dir="t"/>
+    </dgm:scene3d>
+    <dgm:sp3d/>
+    <dgm:txPr/>
+    <dgm:style>
+      <a:lnRef idx="2">
+        <a:scrgbClr r="0" g="0" b="0"/>
+      </a:lnRef>
+      <a:fillRef idx="1">
+        <a:scrgbClr r="0" g="0" b="0"/>
+      </a:fillRef>
+      <a:effectRef idx="0">
+        <a:scrgbClr r="0" g="0" b="0"/>
+      </a:effectRef>
+      <a:fontRef idx="minor"/>
+    </dgm:style>
+  </dgm:styleLbl>
+  <dgm:styleLbl name="conFgAcc1">
+    <dgm:scene3d>
+      <a:camera prst="orthographicFront"/>
+      <a:lightRig rig="threePt" dir="t"/>
+    </dgm:scene3d>
+    <dgm:sp3d/>
+    <dgm:txPr/>
+    <dgm:style>
+      <a:lnRef idx="2">
+        <a:scrgbClr r="0" g="0" b="0"/>
+      </a:lnRef>
+      <a:fillRef idx="1">
+        <a:scrgbClr r="0" g="0" b="0"/>
+      </a:fillRef>
+      <a:effectRef idx="0">
+        <a:scrgbClr r="0" g="0" b="0"/>
+      </a:effectRef>
+      <a:fontRef idx="minor"/>
+    </dgm:style>
+  </dgm:styleLbl>
+  <dgm:styleLbl name="alignAcc1">
+    <dgm:scene3d>
+      <a:camera prst="orthographicFront"/>
+      <a:lightRig rig="threePt" dir="t"/>
+    </dgm:scene3d>
+    <dgm:sp3d/>
+    <dgm:txPr/>
+    <dgm:style>
+      <a:lnRef idx="2">
+        <a:scrgbClr r="0" g="0" b="0"/>
+      </a:lnRef>
+      <a:fillRef idx="1">
+        <a:scrgbClr r="0" g="0" b="0"/>
+      </a:fillRef>
+      <a:effectRef idx="0">
+        <a:scrgbClr r="0" g="0" b="0"/>
+      </a:effectRef>
+      <a:fontRef idx="minor"/>
+    </dgm:style>
+  </dgm:styleLbl>
+  <dgm:styleLbl name="trAlignAcc1">
+    <dgm:scene3d>
+      <a:camera prst="orthographicFront"/>
+      <a:lightRig rig="threePt" dir="t"/>
+    </dgm:scene3d>
+    <dgm:sp3d/>
+    <dgm:txPr/>
+    <dgm:style>
+      <a:lnRef idx="1">
+        <a:scrgbClr r="0" g="0" b="0"/>
+      </a:lnRef>
+      <a:fillRef idx="1">
+        <a:scrgbClr r="0" g="0" b="0"/>
+      </a:fillRef>
+      <a:effectRef idx="0">
+        <a:scrgbClr r="0" g="0" b="0"/>
+      </a:effectRef>
+      <a:fontRef idx="minor"/>
+    </dgm:style>
+  </dgm:styleLbl>
+  <dgm:styleLbl name="bgAcc1">
+    <dgm:scene3d>
+      <a:camera prst="orthographicFront"/>
+      <a:lightRig rig="threePt" dir="t"/>
+    </dgm:scene3d>
+    <dgm:sp3d/>
+    <dgm:txPr/>
+    <dgm:style>
+      <a:lnRef idx="2">
+        <a:scrgbClr r="0" g="0" b="0"/>
+      </a:lnRef>
+      <a:fillRef idx="1">
+        <a:scrgbClr r="0" g="0" b="0"/>
+      </a:fillRef>
+      <a:effectRef idx="0">
+        <a:scrgbClr r="0" g="0" b="0"/>
+      </a:effectRef>
+      <a:fontRef idx="minor"/>
+    </dgm:style>
+  </dgm:styleLbl>
+  <dgm:styleLbl name="solidFgAcc1">
+    <dgm:scene3d>
+      <a:camera prst="orthographicFront"/>
+      <a:lightRig rig="threePt" dir="t"/>
+    </dgm:scene3d>
+    <dgm:sp3d/>
+    <dgm:txPr/>
+    <dgm:style>
+      <a:lnRef idx="2">
+        <a:scrgbClr r="0" g="0" b="0"/>
+      </a:lnRef>
+      <a:fillRef idx="1">
+        <a:scrgbClr r="0" g="0" b="0"/>
+      </a:fillRef>
+      <a:effectRef idx="0">
+        <a:scrgbClr r="0" g="0" b="0"/>
+      </a:effectRef>
+      <a:fontRef idx="minor"/>
+    </dgm:style>
+  </dgm:styleLbl>
+  <dgm:styleLbl name="solidAlignAcc1">
+    <dgm:scene3d>
+      <a:camera prst="orthographicFront"/>
+      <a:lightRig rig="threePt" dir="t"/>
+    </dgm:scene3d>
+    <dgm:sp3d/>
+    <dgm:txPr/>
+    <dgm:style>
+      <a:lnRef idx="2">
+        <a:scrgbClr r="0" g="0" b="0"/>
+      </a:lnRef>
+      <a:fillRef idx="1">
+        <a:scrgbClr r="0" g="0" b="0"/>
+      </a:fillRef>
+      <a:effectRef idx="0">
+        <a:scrgbClr r="0" g="0" b="0"/>
+      </a:effectRef>
+      <a:fontRef idx="minor"/>
+    </dgm:style>
+  </dgm:styleLbl>
+  <dgm:styleLbl name="solidBgAcc1">
+    <dgm:scene3d>
+      <a:camera prst="orthographicFront"/>
+      <a:lightRig rig="threePt" dir="t"/>
+    </dgm:scene3d>
+    <dgm:sp3d/>
+    <dgm:txPr/>
+    <dgm:style>
+      <a:lnRef idx="2">
+        <a:scrgbClr r="0" g="0" b="0"/>
+      </a:lnRef>
+      <a:fillRef idx="1">
+        <a:scrgbClr r="0" g="0" b="0"/>
+      </a:fillRef>
+      <a:effectRef idx="0">
+        <a:scrgbClr r="0" g="0" b="0"/>
+      </a:effectRef>
+      <a:fontRef idx="minor"/>
+    </dgm:style>
+  </dgm:styleLbl>
+  <dgm:styleLbl name="fgAccFollowNode1">
+    <dgm:scene3d>
+      <a:camera prst="orthographicFront"/>
+      <a:lightRig rig="threePt" dir="t"/>
+    </dgm:scene3d>
+    <dgm:sp3d/>
+    <dgm:txPr/>
+    <dgm:style>
+      <a:lnRef idx="2">
+        <a:scrgbClr r="0" g="0" b="0"/>
+      </a:lnRef>
+      <a:fillRef idx="1">
+        <a:scrgbClr r="0" g="0" b="0"/>
+      </a:fillRef>
+      <a:effectRef idx="0">
+        <a:scrgbClr r="0" g="0" b="0"/>
+      </a:effectRef>
+      <a:fontRef idx="minor"/>
+    </dgm:style>
+  </dgm:styleLbl>
+  <dgm:styleLbl name="alignAccFollowNode1">
+    <dgm:scene3d>
+      <a:camera prst="orthographicFront"/>
+      <a:lightRig rig="threePt" dir="t"/>
+    </dgm:scene3d>
+    <dgm:sp3d/>
+    <dgm:txPr/>
+    <dgm:style>
+      <a:lnRef idx="2">
+        <a:scrgbClr r="0" g="0" b="0"/>
+      </a:lnRef>
+      <a:fillRef idx="1">
+        <a:scrgbClr r="0" g="0" b="0"/>
+      </a:fillRef>
+      <a:effectRef idx="0">
+        <a:scrgbClr r="0" g="0" b="0"/>
+      </a:effectRef>
+      <a:fontRef idx="minor"/>
+    </dgm:style>
+  </dgm:styleLbl>
+  <dgm:styleLbl name="bgAccFollowNode1">
+    <dgm:scene3d>
+      <a:camera prst="orthographicFront"/>
+      <a:lightRig rig="threePt" dir="t"/>
+    </dgm:scene3d>
+    <dgm:sp3d/>
+    <dgm:txPr/>
+    <dgm:style>
+      <a:lnRef idx="2">
+        <a:scrgbClr r="0" g="0" b="0"/>
+      </a:lnRef>
+      <a:fillRef idx="1">
+        <a:scrgbClr r="0" g="0" b="0"/>
+      </a:fillRef>
+      <a:effectRef idx="0">
+        <a:scrgbClr r="0" g="0" b="0"/>
+      </a:effectRef>
+      <a:fontRef idx="minor"/>
+    </dgm:style>
+  </dgm:styleLbl>
+  <dgm:styleLbl name="fgAcc0">
+    <dgm:scene3d>
+      <a:camera prst="orthographicFront"/>
+      <a:lightRig rig="threePt" dir="t"/>
+    </dgm:scene3d>
+    <dgm:sp3d/>
+    <dgm:txPr/>
+    <dgm:style>
+      <a:lnRef idx="2">
+        <a:scrgbClr r="0" g="0" b="0"/>
+      </a:lnRef>
+      <a:fillRef idx="1">
+        <a:scrgbClr r="0" g="0" b="0"/>
+      </a:fillRef>
+      <a:effectRef idx="0">
+        <a:scrgbClr r="0" g="0" b="0"/>
+      </a:effectRef>
+      <a:fontRef idx="minor"/>
+    </dgm:style>
+  </dgm:styleLbl>
+  <dgm:styleLbl name="fgAcc2">
+    <dgm:scene3d>
+      <a:camera prst="orthographicFront"/>
+      <a:lightRig rig="threePt" dir="t"/>
+    </dgm:scene3d>
+    <dgm:sp3d/>
+    <dgm:txPr/>
+    <dgm:style>
+      <a:lnRef idx="2">
+        <a:scrgbClr r="0" g="0" b="0"/>
+      </a:lnRef>
+      <a:fillRef idx="1">
+        <a:scrgbClr r="0" g="0" b="0"/>
+      </a:fillRef>
+      <a:effectRef idx="0">
+        <a:scrgbClr r="0" g="0" b="0"/>
+      </a:effectRef>
+      <a:fontRef idx="minor"/>
+    </dgm:style>
+  </dgm:styleLbl>
+  <dgm:styleLbl name="fgAcc3">
+    <dgm:scene3d>
+      <a:camera prst="orthographicFront"/>
+      <a:lightRig rig="threePt" dir="t"/>
+    </dgm:scene3d>
+    <dgm:sp3d/>
+    <dgm:txPr/>
+    <dgm:style>
+      <a:lnRef idx="2">
+        <a:scrgbClr r="0" g="0" b="0"/>
+      </a:lnRef>
+      <a:fillRef idx="1">
+        <a:scrgbClr r="0" g="0" b="0"/>
+      </a:fillRef>
+      <a:effectRef idx="0">
+        <a:scrgbClr r="0" g="0" b="0"/>
+      </a:effectRef>
+      <a:fontRef idx="minor"/>
+    </dgm:style>
+  </dgm:styleLbl>
+  <dgm:styleLbl name="fgAcc4">
+    <dgm:scene3d>
+      <a:camera prst="orthographicFront"/>
+      <a:lightRig rig="threePt" dir="t"/>
+    </dgm:scene3d>
+    <dgm:sp3d/>
+    <dgm:txPr/>
+    <dgm:style>
+      <a:lnRef idx="2">
+        <a:scrgbClr r="0" g="0" b="0"/>
+      </a:lnRef>
+      <a:fillRef idx="1">
+        <a:scrgbClr r="0" g="0" b="0"/>
+      </a:fillRef>
+      <a:effectRef idx="0">
+        <a:scrgbClr r="0" g="0" b="0"/>
+      </a:effectRef>
+      <a:fontRef idx="minor"/>
+    </dgm:style>
+  </dgm:styleLbl>
+  <dgm:styleLbl name="bgShp">
+    <dgm:scene3d>
+      <a:camera prst="orthographicFront"/>
+      <a:lightRig rig="threePt" dir="t"/>
+    </dgm:scene3d>
+    <dgm:sp3d/>
+    <dgm:txPr/>
+    <dgm:style>
+      <a:lnRef idx="0">
+        <a:scrgbClr r="0" g="0" b="0"/>
+      </a:lnRef>
+      <a:fillRef idx="1">
+        <a:scrgbClr r="0" g="0" b="0"/>
+      </a:fillRef>
+      <a:effectRef idx="0">
+        <a:scrgbClr r="0" g="0" b="0"/>
+      </a:effectRef>
+      <a:fontRef idx="minor"/>
+    </dgm:style>
+  </dgm:styleLbl>
+  <dgm:styleLbl name="dkBgShp">
+    <dgm:scene3d>
+      <a:camera prst="orthographicFront"/>
+      <a:lightRig rig="threePt" dir="t"/>
+    </dgm:scene3d>
+    <dgm:sp3d/>
+    <dgm:txPr/>
+    <dgm:style>
+      <a:lnRef idx="0">
+        <a:scrgbClr r="0" g="0" b="0"/>
+      </a:lnRef>
+      <a:fillRef idx="1">
+        <a:scrgbClr r="0" g="0" b="0"/>
+      </a:fillRef>
+      <a:effectRef idx="0">
+        <a:scrgbClr r="0" g="0" b="0"/>
+      </a:effectRef>
+      <a:fontRef idx="minor"/>
+    </dgm:style>
+  </dgm:styleLbl>
+  <dgm:styleLbl name="trBgShp">
+    <dgm:scene3d>
+      <a:camera prst="orthographicFront"/>
+      <a:lightRig rig="threePt" dir="t"/>
+    </dgm:scene3d>
+    <dgm:sp3d/>
+    <dgm:txPr/>
+    <dgm:style>
+      <a:lnRef idx="0">
+        <a:scrgbClr r="0" g="0" b="0"/>
+      </a:lnRef>
+      <a:fillRef idx="1">
+        <a:scrgbClr r="0" g="0" b="0"/>
+      </a:fillRef>
+      <a:effectRef idx="0">
+        <a:scrgbClr r="0" g="0" b="0"/>
+      </a:effectRef>
+      <a:fontRef idx="minor"/>
+    </dgm:style>
+  </dgm:styleLbl>
+  <dgm:styleLbl name="fgShp">
+    <dgm:scene3d>
+      <a:camera prst="orthographicFront"/>
+      <a:lightRig rig="threePt" dir="t"/>
+    </dgm:scene3d>
+    <dgm:sp3d/>
+    <dgm:txPr/>
+    <dgm:style>
+      <a:lnRef idx="2">
+        <a:scrgbClr r="0" g="0" b="0"/>
+      </a:lnRef>
+      <a:fillRef idx="1">
+        <a:scrgbClr r="0" g="0" b="0"/>
+      </a:fillRef>
+      <a:effectRef idx="0">
+        <a:scrgbClr r="0" g="0" b="0"/>
+      </a:effectRef>
+      <a:fontRef idx="minor"/>
+    </dgm:style>
+  </dgm:styleLbl>
+  <dgm:styleLbl name="revTx">
+    <dgm:scene3d>
+      <a:camera prst="orthographicFront"/>
+      <a:lightRig rig="threePt" dir="t"/>
+    </dgm:scene3d>
+    <dgm:sp3d/>
+    <dgm:txPr/>
+    <dgm:style>
+      <a:lnRef idx="0">
+        <a:scrgbClr r="0" g="0" b="0"/>
+      </a:lnRef>
+      <a:fillRef idx="0">
+        <a:scrgbClr r="0" g="0" b="0"/>
+      </a:fillRef>
+      <a:effectRef idx="0">
+        <a:scrgbClr r="0" g="0" b="0"/>
+      </a:effectRef>
+      <a:fontRef idx="minor"/>
+    </dgm:style>
+  </dgm:styleLbl>
+</dgm:styleDef>
+</file>
+
+<file path=ppt/notesMasters/notesMaster1.xml><?xml version="1.0" encoding="utf-8"?>
+<p:notesMaster xmlns:a="http://schemas.openxmlformats.org/drawingml/2006/main" xmlns:r="http://schemas.openxmlformats.org/officeDocument/2006/relationships" xmlns:p="http://schemas.openxmlformats.org/presentationml/2006/main">
+  <p:cSld>
+    <p:bg>
+      <p:bgRef idx="1001">
+        <a:schemeClr val="bg1"/>
+      </p:bgRef>
+    </p:bg>
+    <p:spTree>
+      <p:nvGrpSpPr>
+        <p:cNvPr id="1" name=""/>
+        <p:cNvGrpSpPr/>
+        <p:nvPr/>
+      </p:nvGrpSpPr>
+      <p:grpSpPr>
+        <a:xfrm>
+          <a:off x="0" y="0"/>
+          <a:ext cx="0" cy="0"/>
+          <a:chOff x="0" y="0"/>
+          <a:chExt cx="0" cy="0"/>
+        </a:xfrm>
+      </p:grpSpPr>
+      <p:sp>
+        <p:nvSpPr>
+          <p:cNvPr id="2" name="Header Placeholder 1"/>
+          <p:cNvSpPr>
+            <a:spLocks noGrp="1"/>
+          </p:cNvSpPr>
+          <p:nvPr>
+            <p:ph type="hdr" sz="quarter"/>
+          </p:nvPr>
+        </p:nvSpPr>
+        <p:spPr>
+          <a:xfrm>
+            <a:off x="0" y="0"/>
+            <a:ext cx="2971800" cy="458788"/>
+          </a:xfrm>
+          <a:prstGeom prst="rect">
+            <a:avLst/>
+          </a:prstGeom>
+        </p:spPr>
+        <p:txBody>
+          <a:bodyPr vert="horz" lIns="91440" tIns="45720" rIns="91440" bIns="45720" rtlCol="0"/>
+          <a:lstStyle>
+            <a:lvl1pPr algn="l">
+              <a:defRPr sz="1200"/>
+            </a:lvl1pPr>
+          </a:lstStyle>
+          <a:p>
+            <a:endParaRPr lang="hr-HR"/>
+          </a:p>
+        </p:txBody>
+      </p:sp>
+      <p:sp>
+        <p:nvSpPr>
+          <p:cNvPr id="3" name="Date Placeholder 2"/>
+          <p:cNvSpPr>
+            <a:spLocks noGrp="1"/>
+          </p:cNvSpPr>
+          <p:nvPr>
+            <p:ph type="dt" idx="1"/>
+          </p:nvPr>
+        </p:nvSpPr>
+        <p:spPr>
+          <a:xfrm>
+            <a:off x="3884613" y="0"/>
+            <a:ext cx="2971800" cy="458788"/>
+          </a:xfrm>
+          <a:prstGeom prst="rect">
+            <a:avLst/>
+          </a:prstGeom>
+        </p:spPr>
+        <p:txBody>
+          <a:bodyPr vert="horz" lIns="91440" tIns="45720" rIns="91440" bIns="45720" rtlCol="0"/>
+          <a:lstStyle>
+            <a:lvl1pPr algn="r">
+              <a:defRPr sz="1200"/>
+            </a:lvl1pPr>
+          </a:lstStyle>
+          <a:p>
+            <a:fld id="{E5AD8088-E7FE-4EF9-BB50-33C9FC39B6BE}" type="datetimeFigureOut">
+              <a:rPr lang="hr-HR" smtClean="0"/>
+              <a:t>1.5.2017.</a:t>
+            </a:fld>
+            <a:endParaRPr lang="hr-HR"/>
+          </a:p>
+        </p:txBody>
+      </p:sp>
+      <p:sp>
+        <p:nvSpPr>
+          <p:cNvPr id="4" name="Slide Image Placeholder 3"/>
+          <p:cNvSpPr>
+            <a:spLocks noGrp="1" noRot="1" noChangeAspect="1"/>
+          </p:cNvSpPr>
+          <p:nvPr>
+            <p:ph type="sldImg" idx="2"/>
+          </p:nvPr>
+        </p:nvSpPr>
+        <p:spPr>
+          <a:xfrm>
+            <a:off x="685800" y="1143000"/>
+            <a:ext cx="5486400" cy="3086100"/>
+          </a:xfrm>
+          <a:prstGeom prst="rect">
+            <a:avLst/>
+          </a:prstGeom>
+          <a:noFill/>
+          <a:ln w="12700">
+            <a:solidFill>
+              <a:prstClr val="black"/>
+            </a:solidFill>
+          </a:ln>
+        </p:spPr>
+        <p:txBody>
+          <a:bodyPr vert="horz" lIns="91440" tIns="45720" rIns="91440" bIns="45720" rtlCol="0" anchor="ctr"/>
+          <a:lstStyle/>
+          <a:p>
+            <a:endParaRPr lang="hr-HR"/>
+          </a:p>
+        </p:txBody>
+      </p:sp>
+      <p:sp>
+        <p:nvSpPr>
+          <p:cNvPr id="5" name="Notes Placeholder 4"/>
+          <p:cNvSpPr>
+            <a:spLocks noGrp="1"/>
+          </p:cNvSpPr>
+          <p:nvPr>
+            <p:ph type="body" sz="quarter" idx="3"/>
+          </p:nvPr>
+        </p:nvSpPr>
+        <p:spPr>
+          <a:xfrm>
+            <a:off x="685800" y="4400550"/>
+            <a:ext cx="5486400" cy="3600450"/>
+          </a:xfrm>
+          <a:prstGeom prst="rect">
+            <a:avLst/>
+          </a:prstGeom>
+        </p:spPr>
+        <p:txBody>
+          <a:bodyPr vert="horz" lIns="91440" tIns="45720" rIns="91440" bIns="45720" rtlCol="0"/>
+          <a:lstStyle/>
+          <a:p>
+            <a:pPr lvl="0"/>
+            <a:r>
+              <a:rPr lang="en-US" smtClean="0"/>
+              <a:t>Click to edit Master text styles</a:t>
+            </a:r>
+          </a:p>
+          <a:p>
+            <a:pPr lvl="1"/>
+            <a:r>
+              <a:rPr lang="en-US" smtClean="0"/>
+              <a:t>Second level</a:t>
+            </a:r>
+          </a:p>
+          <a:p>
+            <a:pPr lvl="2"/>
+            <a:r>
+              <a:rPr lang="en-US" smtClean="0"/>
+              <a:t>Third level</a:t>
+            </a:r>
+          </a:p>
+          <a:p>
+            <a:pPr lvl="3"/>
+            <a:r>
+              <a:rPr lang="en-US" smtClean="0"/>
+              <a:t>Fourth level</a:t>
+            </a:r>
+          </a:p>
+          <a:p>
+            <a:pPr lvl="4"/>
+            <a:r>
+              <a:rPr lang="en-US" smtClean="0"/>
+              <a:t>Fifth level</a:t>
+            </a:r>
+            <a:endParaRPr lang="hr-HR"/>
+          </a:p>
+        </p:txBody>
+      </p:sp>
+      <p:sp>
+        <p:nvSpPr>
+          <p:cNvPr id="6" name="Footer Placeholder 5"/>
+          <p:cNvSpPr>
+            <a:spLocks noGrp="1"/>
+          </p:cNvSpPr>
+          <p:nvPr>
+            <p:ph type="ftr" sz="quarter" idx="4"/>
+          </p:nvPr>
+        </p:nvSpPr>
+        <p:spPr>
+          <a:xfrm>
+            <a:off x="0" y="8685213"/>
+            <a:ext cx="2971800" cy="458787"/>
+          </a:xfrm>
+          <a:prstGeom prst="rect">
+            <a:avLst/>
+          </a:prstGeom>
+        </p:spPr>
+        <p:txBody>
+          <a:bodyPr vert="horz" lIns="91440" tIns="45720" rIns="91440" bIns="45720" rtlCol="0" anchor="b"/>
+          <a:lstStyle>
+            <a:lvl1pPr algn="l">
+              <a:defRPr sz="1200"/>
+            </a:lvl1pPr>
+          </a:lstStyle>
+          <a:p>
+            <a:endParaRPr lang="hr-HR"/>
+          </a:p>
+        </p:txBody>
+      </p:sp>
+      <p:sp>
+        <p:nvSpPr>
+          <p:cNvPr id="7" name="Slide Number Placeholder 6"/>
+          <p:cNvSpPr>
+            <a:spLocks noGrp="1"/>
+          </p:cNvSpPr>
+          <p:nvPr>
+            <p:ph type="sldNum" sz="quarter" idx="5"/>
+          </p:nvPr>
+        </p:nvSpPr>
+        <p:spPr>
+          <a:xfrm>
+            <a:off x="3884613" y="8685213"/>
+            <a:ext cx="2971800" cy="458787"/>
+          </a:xfrm>
+          <a:prstGeom prst="rect">
+            <a:avLst/>
+          </a:prstGeom>
+        </p:spPr>
+        <p:txBody>
+          <a:bodyPr vert="horz" lIns="91440" tIns="45720" rIns="91440" bIns="45720" rtlCol="0" anchor="b"/>
+          <a:lstStyle>
+            <a:lvl1pPr algn="r">
+              <a:defRPr sz="1200"/>
+            </a:lvl1pPr>
+          </a:lstStyle>
+          <a:p>
+            <a:fld id="{94A492C1-975F-4A2D-B84B-BA0020F8CC79}" type="slidenum">
+              <a:rPr lang="hr-HR" smtClean="0"/>
+              <a:t>‹#›</a:t>
+            </a:fld>
+            <a:endParaRPr lang="hr-HR"/>
+          </a:p>
+        </p:txBody>
+      </p:sp>
+    </p:spTree>
+    <p:extLst>
+      <p:ext uri="{BB962C8B-B14F-4D97-AF65-F5344CB8AC3E}">
+        <p14:creationId xmlns:p14="http://schemas.microsoft.com/office/powerpoint/2010/main" val="3402734045"/>
+      </p:ext>
+    </p:extLst>
+  </p:cSld>
+  <p:clrMap bg1="lt1" tx1="dk1" bg2="lt2" tx2="dk2" accent1="accent1" accent2="accent2" accent3="accent3" accent4="accent4" accent5="accent5" accent6="accent6" hlink="hlink" folHlink="folHlink"/>
+  <p:notesStyle>
+    <a:lvl1pPr marL="0" algn="l" defTabSz="914400" rtl="0" eaLnBrk="1" latinLnBrk="0" hangingPunct="1">
+      <a:defRPr sz="1200" kern="1200">
+        <a:solidFill>
+          <a:schemeClr val="tx1"/>
+        </a:solidFill>
+        <a:latin typeface="+mn-lt"/>
+        <a:ea typeface="+mn-ea"/>
+        <a:cs typeface="+mn-cs"/>
+      </a:defRPr>
+    </a:lvl1pPr>
+    <a:lvl2pPr marL="457200" algn="l" defTabSz="914400" rtl="0" eaLnBrk="1" latinLnBrk="0" hangingPunct="1">
+      <a:defRPr sz="1200" kern="1200">
+        <a:solidFill>
+          <a:schemeClr val="tx1"/>
+        </a:solidFill>
+        <a:latin typeface="+mn-lt"/>
+        <a:ea typeface="+mn-ea"/>
+        <a:cs typeface="+mn-cs"/>
+      </a:defRPr>
+    </a:lvl2pPr>
+    <a:lvl3pPr marL="914400" algn="l" defTabSz="914400" rtl="0" eaLnBrk="1" latinLnBrk="0" hangingPunct="1">
+      <a:defRPr sz="1200" kern="1200">
+        <a:solidFill>
+          <a:schemeClr val="tx1"/>
+        </a:solidFill>
+        <a:latin typeface="+mn-lt"/>
+        <a:ea typeface="+mn-ea"/>
+        <a:cs typeface="+mn-cs"/>
+      </a:defRPr>
+    </a:lvl3pPr>
+    <a:lvl4pPr marL="1371600" algn="l" defTabSz="914400" rtl="0" eaLnBrk="1" latinLnBrk="0" hangingPunct="1">
+      <a:defRPr sz="1200" kern="1200">
+        <a:solidFill>
+          <a:schemeClr val="tx1"/>
+        </a:solidFill>
+        <a:latin typeface="+mn-lt"/>
+        <a:ea typeface="+mn-ea"/>
+        <a:cs typeface="+mn-cs"/>
+      </a:defRPr>
+    </a:lvl4pPr>
+    <a:lvl5pPr marL="1828800" algn="l" defTabSz="914400" rtl="0" eaLnBrk="1" latinLnBrk="0" hangingPunct="1">
+      <a:defRPr sz="1200" kern="1200">
+        <a:solidFill>
+          <a:schemeClr val="tx1"/>
+        </a:solidFill>
+        <a:latin typeface="+mn-lt"/>
+        <a:ea typeface="+mn-ea"/>
+        <a:cs typeface="+mn-cs"/>
+      </a:defRPr>
+    </a:lvl5pPr>
+    <a:lvl6pPr marL="2286000" algn="l" defTabSz="914400" rtl="0" eaLnBrk="1" latinLnBrk="0" hangingPunct="1">
+      <a:defRPr sz="1200" kern="1200">
+        <a:solidFill>
+          <a:schemeClr val="tx1"/>
+        </a:solidFill>
+        <a:latin typeface="+mn-lt"/>
+        <a:ea typeface="+mn-ea"/>
+        <a:cs typeface="+mn-cs"/>
+      </a:defRPr>
+    </a:lvl6pPr>
+    <a:lvl7pPr marL="2743200" algn="l" defTabSz="914400" rtl="0" eaLnBrk="1" latinLnBrk="0" hangingPunct="1">
+      <a:defRPr sz="1200" kern="1200">
+        <a:solidFill>
+          <a:schemeClr val="tx1"/>
+        </a:solidFill>
+        <a:latin typeface="+mn-lt"/>
+        <a:ea typeface="+mn-ea"/>
+        <a:cs typeface="+mn-cs"/>
+      </a:defRPr>
+    </a:lvl7pPr>
+    <a:lvl8pPr marL="3200400" algn="l" defTabSz="914400" rtl="0" eaLnBrk="1" latinLnBrk="0" hangingPunct="1">
+      <a:defRPr sz="1200" kern="1200">
+        <a:solidFill>
+          <a:schemeClr val="tx1"/>
+        </a:solidFill>
+        <a:latin typeface="+mn-lt"/>
+        <a:ea typeface="+mn-ea"/>
+        <a:cs typeface="+mn-cs"/>
+      </a:defRPr>
+    </a:lvl8pPr>
+    <a:lvl9pPr marL="3657600" algn="l" defTabSz="914400" rtl="0" eaLnBrk="1" latinLnBrk="0" hangingPunct="1">
+      <a:defRPr sz="1200" kern="1200">
+        <a:solidFill>
+          <a:schemeClr val="tx1"/>
+        </a:solidFill>
+        <a:latin typeface="+mn-lt"/>
+        <a:ea typeface="+mn-ea"/>
+        <a:cs typeface="+mn-cs"/>
+      </a:defRPr>
+    </a:lvl9pPr>
+  </p:notesStyle>
+</p:notesMaster>
+</file>
+
+<file path=ppt/notesSlides/notesSlide1.xml><?xml version="1.0" encoding="utf-8"?>
+<p:notes xmlns:a="http://schemas.openxmlformats.org/drawingml/2006/main" xmlns:r="http://schemas.openxmlformats.org/officeDocument/2006/relationships" xmlns:p="http://schemas.openxmlformats.org/presentationml/2006/main">
+  <p:cSld>
+    <p:spTree>
+      <p:nvGrpSpPr>
+        <p:cNvPr id="1" name=""/>
+        <p:cNvGrpSpPr/>
+        <p:nvPr/>
+      </p:nvGrpSpPr>
+      <p:grpSpPr>
+        <a:xfrm>
+          <a:off x="0" y="0"/>
+          <a:ext cx="0" cy="0"/>
+          <a:chOff x="0" y="0"/>
+          <a:chExt cx="0" cy="0"/>
+        </a:xfrm>
+      </p:grpSpPr>
+      <p:sp>
+        <p:nvSpPr>
+          <p:cNvPr id="2" name="Slide Image Placeholder 1"/>
+          <p:cNvSpPr>
+            <a:spLocks noGrp="1" noRot="1" noChangeAspect="1"/>
+          </p:cNvSpPr>
+          <p:nvPr>
+            <p:ph type="sldImg"/>
+          </p:nvPr>
+        </p:nvSpPr>
+        <p:spPr/>
+      </p:sp>
+      <p:sp>
+        <p:nvSpPr>
+          <p:cNvPr id="3" name="Notes Placeholder 2"/>
+          <p:cNvSpPr>
+            <a:spLocks noGrp="1"/>
+          </p:cNvSpPr>
+          <p:nvPr>
+            <p:ph type="body" idx="1"/>
+          </p:nvPr>
+        </p:nvSpPr>
+        <p:spPr/>
+        <p:txBody>
+          <a:bodyPr/>
+          <a:lstStyle/>
+          <a:p>
+            <a:r>
+              <a:rPr lang="hr-HR" dirty="0" smtClean="0"/>
+              <a:t>http://webfoundation.org/about/vision/history-of-the-web/</a:t>
+            </a:r>
+            <a:endParaRPr lang="hr-HR" dirty="0"/>
+          </a:p>
+        </p:txBody>
+      </p:sp>
+      <p:sp>
+        <p:nvSpPr>
+          <p:cNvPr id="4" name="Slide Number Placeholder 3"/>
+          <p:cNvSpPr>
+            <a:spLocks noGrp="1"/>
+          </p:cNvSpPr>
+          <p:nvPr>
+            <p:ph type="sldNum" sz="quarter" idx="10"/>
+          </p:nvPr>
+        </p:nvSpPr>
+        <p:spPr/>
+        <p:txBody>
+          <a:bodyPr/>
+          <a:lstStyle/>
+          <a:p>
+            <a:fld id="{94A492C1-975F-4A2D-B84B-BA0020F8CC79}" type="slidenum">
+              <a:rPr lang="hr-HR" smtClean="0"/>
+              <a:t>4</a:t>
+            </a:fld>
+            <a:endParaRPr lang="hr-HR"/>
+          </a:p>
+        </p:txBody>
+      </p:sp>
+    </p:spTree>
+    <p:extLst>
+      <p:ext uri="{BB962C8B-B14F-4D97-AF65-F5344CB8AC3E}">
+        <p14:creationId xmlns:p14="http://schemas.microsoft.com/office/powerpoint/2010/main" val="948518297"/>
+      </p:ext>
+    </p:extLst>
+  </p:cSld>
+  <p:clrMapOvr>
+    <a:masterClrMapping/>
+  </p:clrMapOvr>
+</p:notes>
+</file>
+
+<file path=ppt/notesSlides/notesSlide2.xml><?xml version="1.0" encoding="utf-8"?>
+<p:notes xmlns:a="http://schemas.openxmlformats.org/drawingml/2006/main" xmlns:r="http://schemas.openxmlformats.org/officeDocument/2006/relationships" xmlns:p="http://schemas.openxmlformats.org/presentationml/2006/main">
+  <p:cSld>
+    <p:spTree>
+      <p:nvGrpSpPr>
+        <p:cNvPr id="1" name=""/>
+        <p:cNvGrpSpPr/>
+        <p:nvPr/>
+      </p:nvGrpSpPr>
+      <p:grpSpPr>
+        <a:xfrm>
+          <a:off x="0" y="0"/>
+          <a:ext cx="0" cy="0"/>
+          <a:chOff x="0" y="0"/>
+          <a:chExt cx="0" cy="0"/>
+        </a:xfrm>
+      </p:grpSpPr>
+      <p:sp>
+        <p:nvSpPr>
+          <p:cNvPr id="2" name="Slide Image Placeholder 1"/>
+          <p:cNvSpPr>
+            <a:spLocks noGrp="1" noRot="1" noChangeAspect="1"/>
+          </p:cNvSpPr>
+          <p:nvPr>
+            <p:ph type="sldImg"/>
+          </p:nvPr>
+        </p:nvSpPr>
+        <p:spPr/>
+      </p:sp>
+      <p:sp>
+        <p:nvSpPr>
+          <p:cNvPr id="3" name="Notes Placeholder 2"/>
+          <p:cNvSpPr>
+            <a:spLocks noGrp="1"/>
+          </p:cNvSpPr>
+          <p:nvPr>
+            <p:ph type="body" idx="1"/>
+          </p:nvPr>
+        </p:nvSpPr>
+        <p:spPr/>
+        <p:txBody>
+          <a:bodyPr/>
+          <a:lstStyle/>
+          <a:p>
+            <a:r>
+              <a:rPr lang="hr-HR" dirty="0" smtClean="0"/>
+              <a:t>https://www.w3.org/community/webed/wiki/A_Short_History_of_JavaScript</a:t>
+            </a:r>
+          </a:p>
+          <a:p>
+            <a:r>
+              <a:rPr lang="hr-HR" dirty="0" smtClean="0"/>
+              <a:t>https://en.wikipedia.org/wiki/Cascading_Style_Sheets#History</a:t>
+            </a:r>
+            <a:endParaRPr lang="hr-HR" dirty="0"/>
+          </a:p>
+        </p:txBody>
+      </p:sp>
+      <p:sp>
+        <p:nvSpPr>
+          <p:cNvPr id="4" name="Slide Number Placeholder 3"/>
+          <p:cNvSpPr>
+            <a:spLocks noGrp="1"/>
+          </p:cNvSpPr>
+          <p:nvPr>
+            <p:ph type="sldNum" sz="quarter" idx="10"/>
+          </p:nvPr>
+        </p:nvSpPr>
+        <p:spPr/>
+        <p:txBody>
+          <a:bodyPr/>
+          <a:lstStyle/>
+          <a:p>
+            <a:fld id="{94A492C1-975F-4A2D-B84B-BA0020F8CC79}" type="slidenum">
+              <a:rPr lang="hr-HR" smtClean="0"/>
+              <a:t>5</a:t>
+            </a:fld>
+            <a:endParaRPr lang="hr-HR"/>
+          </a:p>
+        </p:txBody>
+      </p:sp>
+    </p:spTree>
+    <p:extLst>
+      <p:ext uri="{BB962C8B-B14F-4D97-AF65-F5344CB8AC3E}">
+        <p14:creationId xmlns:p14="http://schemas.microsoft.com/office/powerpoint/2010/main" val="134319114"/>
+      </p:ext>
+    </p:extLst>
+  </p:cSld>
+  <p:clrMapOvr>
+    <a:masterClrMapping/>
+  </p:clrMapOvr>
+</p:notes>
+</file>
+
+<file path=ppt/notesSlides/notesSlide3.xml><?xml version="1.0" encoding="utf-8"?>
+<p:notes xmlns:a="http://schemas.openxmlformats.org/drawingml/2006/main" xmlns:r="http://schemas.openxmlformats.org/officeDocument/2006/relationships" xmlns:p="http://schemas.openxmlformats.org/presentationml/2006/main">
+  <p:cSld>
+    <p:spTree>
+      <p:nvGrpSpPr>
+        <p:cNvPr id="1" name=""/>
+        <p:cNvGrpSpPr/>
+        <p:nvPr/>
+      </p:nvGrpSpPr>
+      <p:grpSpPr>
+        <a:xfrm>
+          <a:off x="0" y="0"/>
+          <a:ext cx="0" cy="0"/>
+          <a:chOff x="0" y="0"/>
+          <a:chExt cx="0" cy="0"/>
+        </a:xfrm>
+      </p:grpSpPr>
+      <p:sp>
+        <p:nvSpPr>
+          <p:cNvPr id="2" name="Slide Image Placeholder 1"/>
+          <p:cNvSpPr>
+            <a:spLocks noGrp="1" noRot="1" noChangeAspect="1"/>
+          </p:cNvSpPr>
+          <p:nvPr>
+            <p:ph type="sldImg"/>
+          </p:nvPr>
+        </p:nvSpPr>
+        <p:spPr/>
+      </p:sp>
+      <p:sp>
+        <p:nvSpPr>
+          <p:cNvPr id="3" name="Notes Placeholder 2"/>
+          <p:cNvSpPr>
+            <a:spLocks noGrp="1"/>
+          </p:cNvSpPr>
+          <p:nvPr>
+            <p:ph type="body" idx="1"/>
+          </p:nvPr>
+        </p:nvSpPr>
+        <p:spPr/>
+        <p:txBody>
+          <a:bodyPr/>
+          <a:lstStyle/>
+          <a:p>
+            <a:r>
+              <a:rPr lang="hr-HR" dirty="0" smtClean="0"/>
+              <a:t>https://developer.mozilla.org/en-US/docs/AJAX/Getting_Started</a:t>
+            </a:r>
+          </a:p>
+          <a:p>
+            <a:r>
+              <a:rPr lang="hr-HR" dirty="0" smtClean="0"/>
+              <a:t>https://en.wikipedia.org/wiki/Adobe_Flash#History</a:t>
+            </a:r>
+          </a:p>
+          <a:p>
+            <a:r>
+              <a:rPr lang="hr-HR" dirty="0" smtClean="0"/>
+              <a:t>https://en.wikipedia.org/wiki/Java_applet#1997:_Sun_vs_Microsoft</a:t>
+            </a:r>
+            <a:endParaRPr lang="hr-HR" dirty="0"/>
+          </a:p>
+        </p:txBody>
+      </p:sp>
+      <p:sp>
+        <p:nvSpPr>
+          <p:cNvPr id="4" name="Slide Number Placeholder 3"/>
+          <p:cNvSpPr>
+            <a:spLocks noGrp="1"/>
+          </p:cNvSpPr>
+          <p:nvPr>
+            <p:ph type="sldNum" sz="quarter" idx="10"/>
+          </p:nvPr>
+        </p:nvSpPr>
+        <p:spPr/>
+        <p:txBody>
+          <a:bodyPr/>
+          <a:lstStyle/>
+          <a:p>
+            <a:fld id="{94A492C1-975F-4A2D-B84B-BA0020F8CC79}" type="slidenum">
+              <a:rPr lang="hr-HR" smtClean="0"/>
+              <a:t>6</a:t>
+            </a:fld>
+            <a:endParaRPr lang="hr-HR"/>
+          </a:p>
+        </p:txBody>
+      </p:sp>
+    </p:spTree>
+    <p:extLst>
+      <p:ext uri="{BB962C8B-B14F-4D97-AF65-F5344CB8AC3E}">
+        <p14:creationId xmlns:p14="http://schemas.microsoft.com/office/powerpoint/2010/main" val="1650505056"/>
+      </p:ext>
+    </p:extLst>
+  </p:cSld>
+  <p:clrMapOvr>
+    <a:masterClrMapping/>
+  </p:clrMapOvr>
+</p:notes>
+</file>
+
+<file path=ppt/notesSlides/notesSlide4.xml><?xml version="1.0" encoding="utf-8"?>
+<p:notes xmlns:a="http://schemas.openxmlformats.org/drawingml/2006/main" xmlns:r="http://schemas.openxmlformats.org/officeDocument/2006/relationships" xmlns:p="http://schemas.openxmlformats.org/presentationml/2006/main">
+  <p:cSld>
+    <p:spTree>
+      <p:nvGrpSpPr>
+        <p:cNvPr id="1" name=""/>
+        <p:cNvGrpSpPr/>
+        <p:nvPr/>
+      </p:nvGrpSpPr>
+      <p:grpSpPr>
+        <a:xfrm>
+          <a:off x="0" y="0"/>
+          <a:ext cx="0" cy="0"/>
+          <a:chOff x="0" y="0"/>
+          <a:chExt cx="0" cy="0"/>
+        </a:xfrm>
+      </p:grpSpPr>
+      <p:sp>
+        <p:nvSpPr>
+          <p:cNvPr id="2" name="Slide Image Placeholder 1"/>
+          <p:cNvSpPr>
+            <a:spLocks noGrp="1" noRot="1" noChangeAspect="1"/>
+          </p:cNvSpPr>
+          <p:nvPr>
+            <p:ph type="sldImg"/>
+          </p:nvPr>
+        </p:nvSpPr>
+        <p:spPr/>
+      </p:sp>
+      <p:sp>
+        <p:nvSpPr>
+          <p:cNvPr id="3" name="Notes Placeholder 2"/>
+          <p:cNvSpPr>
+            <a:spLocks noGrp="1"/>
+          </p:cNvSpPr>
+          <p:nvPr>
+            <p:ph type="body" idx="1"/>
+          </p:nvPr>
+        </p:nvSpPr>
+        <p:spPr/>
+        <p:txBody>
+          <a:bodyPr/>
+          <a:lstStyle/>
+          <a:p>
+            <a:r>
+              <a:rPr lang="hr-HR" dirty="0" smtClean="0"/>
+              <a:t>http://www.dotnettricks.com/learn/mvc/a-brief-history-of-aspnet-mvc-framework</a:t>
+            </a:r>
+          </a:p>
+          <a:p>
+            <a:r>
+              <a:rPr lang="hr-HR" dirty="0" smtClean="0"/>
+              <a:t>http://www.tutorialsteacher.com/mvc/asp.net-mvc-version-history</a:t>
+            </a:r>
+            <a:endParaRPr lang="hr-HR" dirty="0"/>
+          </a:p>
+        </p:txBody>
+      </p:sp>
+      <p:sp>
+        <p:nvSpPr>
+          <p:cNvPr id="4" name="Slide Number Placeholder 3"/>
+          <p:cNvSpPr>
+            <a:spLocks noGrp="1"/>
+          </p:cNvSpPr>
+          <p:nvPr>
+            <p:ph type="sldNum" sz="quarter" idx="10"/>
+          </p:nvPr>
+        </p:nvSpPr>
+        <p:spPr/>
+        <p:txBody>
+          <a:bodyPr/>
+          <a:lstStyle/>
+          <a:p>
+            <a:fld id="{94A492C1-975F-4A2D-B84B-BA0020F8CC79}" type="slidenum">
+              <a:rPr lang="hr-HR" smtClean="0"/>
+              <a:t>7</a:t>
+            </a:fld>
+            <a:endParaRPr lang="hr-HR"/>
+          </a:p>
+        </p:txBody>
+      </p:sp>
+    </p:spTree>
+    <p:extLst>
+      <p:ext uri="{BB962C8B-B14F-4D97-AF65-F5344CB8AC3E}">
+        <p14:creationId xmlns:p14="http://schemas.microsoft.com/office/powerpoint/2010/main" val="2415529592"/>
+      </p:ext>
+    </p:extLst>
+  </p:cSld>
+  <p:clrMapOvr>
+    <a:masterClrMapping/>
+  </p:clrMapOvr>
+</p:notes>
+</file>
+
+<file path=ppt/notesSlides/notesSlide5.xml><?xml version="1.0" encoding="utf-8"?>
+<p:notes xmlns:a="http://schemas.openxmlformats.org/drawingml/2006/main" xmlns:r="http://schemas.openxmlformats.org/officeDocument/2006/relationships" xmlns:p="http://schemas.openxmlformats.org/presentationml/2006/main">
+  <p:cSld>
+    <p:spTree>
+      <p:nvGrpSpPr>
+        <p:cNvPr id="1" name=""/>
+        <p:cNvGrpSpPr/>
+        <p:nvPr/>
+      </p:nvGrpSpPr>
+      <p:grpSpPr>
+        <a:xfrm>
+          <a:off x="0" y="0"/>
+          <a:ext cx="0" cy="0"/>
+          <a:chOff x="0" y="0"/>
+          <a:chExt cx="0" cy="0"/>
+        </a:xfrm>
+      </p:grpSpPr>
+      <p:sp>
+        <p:nvSpPr>
+          <p:cNvPr id="2" name="Slide Image Placeholder 1"/>
+          <p:cNvSpPr>
+            <a:spLocks noGrp="1" noRot="1" noChangeAspect="1"/>
+          </p:cNvSpPr>
+          <p:nvPr>
+            <p:ph type="sldImg"/>
+          </p:nvPr>
+        </p:nvSpPr>
+        <p:spPr/>
+      </p:sp>
+      <p:sp>
+        <p:nvSpPr>
+          <p:cNvPr id="3" name="Notes Placeholder 2"/>
+          <p:cNvSpPr>
+            <a:spLocks noGrp="1"/>
+          </p:cNvSpPr>
+          <p:nvPr>
+            <p:ph type="body" idx="1"/>
+          </p:nvPr>
+        </p:nvSpPr>
+        <p:spPr/>
+        <p:txBody>
+          <a:bodyPr/>
+          <a:lstStyle/>
+          <a:p>
+            <a:endParaRPr lang="hr-HR" dirty="0"/>
+          </a:p>
+        </p:txBody>
+      </p:sp>
+      <p:sp>
+        <p:nvSpPr>
+          <p:cNvPr id="4" name="Slide Number Placeholder 3"/>
+          <p:cNvSpPr>
+            <a:spLocks noGrp="1"/>
+          </p:cNvSpPr>
+          <p:nvPr>
+            <p:ph type="sldNum" sz="quarter" idx="10"/>
+          </p:nvPr>
+        </p:nvSpPr>
+        <p:spPr/>
+        <p:txBody>
+          <a:bodyPr/>
+          <a:lstStyle/>
+          <a:p>
+            <a:fld id="{94A492C1-975F-4A2D-B84B-BA0020F8CC79}" type="slidenum">
+              <a:rPr lang="hr-HR" smtClean="0"/>
+              <a:t>9</a:t>
+            </a:fld>
+            <a:endParaRPr lang="hr-HR"/>
+          </a:p>
+        </p:txBody>
+      </p:sp>
+    </p:spTree>
+    <p:extLst>
+      <p:ext uri="{BB962C8B-B14F-4D97-AF65-F5344CB8AC3E}">
+        <p14:creationId xmlns:p14="http://schemas.microsoft.com/office/powerpoint/2010/main" val="3506734092"/>
+      </p:ext>
+    </p:extLst>
+  </p:cSld>
+  <p:clrMapOvr>
+    <a:masterClrMapping/>
+  </p:clrMapOvr>
+</p:notes>
 </file>
 
 <file path=ppt/slideLayouts/slideLayout1.xml><?xml version="1.0" encoding="utf-8"?>
@@ -6244,148 +10827,155 @@
           <a:chExt cx="0" cy="0"/>
         </a:xfrm>
       </p:grpSpPr>
+      <p:pic>
+        <p:nvPicPr>
+          <p:cNvPr id="7" name="Picture 6"/>
+          <p:cNvPicPr>
+            <a:picLocks noChangeAspect="1"/>
+          </p:cNvPicPr>
+          <p:nvPr/>
+        </p:nvPicPr>
+        <p:blipFill rotWithShape="1">
+          <a:blip r:embed="rId2"/>
+          <a:srcRect l="27535" t="4176" r="27697" b="2733"/>
+          <a:stretch/>
+        </p:blipFill>
+        <p:spPr>
+          <a:xfrm>
+            <a:off x="3158836" y="2616273"/>
+            <a:ext cx="1625696" cy="1690255"/>
+          </a:xfrm>
+          <a:prstGeom prst="rect">
+            <a:avLst/>
+          </a:prstGeom>
+        </p:spPr>
+      </p:pic>
       <p:sp>
         <p:nvSpPr>
-          <p:cNvPr id="4" name="Title 3"/>
+          <p:cNvPr id="2" name="Title 1"/>
           <p:cNvSpPr>
             <a:spLocks noGrp="1"/>
           </p:cNvSpPr>
           <p:nvPr>
-            <p:ph type="title"/>
+            <p:ph type="ctrTitle"/>
           </p:nvPr>
         </p:nvSpPr>
-        <p:spPr/>
+        <p:spPr>
+          <a:xfrm>
+            <a:off x="1524000" y="171595"/>
+            <a:ext cx="9144000" cy="2387600"/>
+          </a:xfrm>
+        </p:spPr>
         <p:txBody>
           <a:bodyPr/>
           <a:lstStyle/>
           <a:p>
             <a:r>
-              <a:rPr lang="hr-HR" dirty="0"/>
-              <a:t>Ciljevi radionice</a:t>
-            </a:r>
+              <a:rPr lang="hr-HR" dirty="0" err="1" smtClean="0"/>
+              <a:t>Angular</a:t>
+            </a:r>
+            <a:r>
+              <a:rPr lang="hr-HR" dirty="0" smtClean="0"/>
+              <a:t> 2 + MS „</a:t>
+            </a:r>
+            <a:r>
+              <a:rPr lang="hr-HR" dirty="0" err="1" smtClean="0"/>
+              <a:t>full</a:t>
+            </a:r>
+            <a:r>
+              <a:rPr lang="hr-HR" dirty="0" smtClean="0"/>
+              <a:t> </a:t>
+            </a:r>
+            <a:r>
+              <a:rPr lang="hr-HR" dirty="0" err="1" smtClean="0"/>
+              <a:t>stack</a:t>
+            </a:r>
+            <a:r>
+              <a:rPr lang="hr-HR" dirty="0" smtClean="0"/>
+              <a:t>” radionica</a:t>
+            </a:r>
+            <a:endParaRPr lang="hr-HR" dirty="0"/>
           </a:p>
         </p:txBody>
       </p:sp>
       <p:sp>
         <p:nvSpPr>
-          <p:cNvPr id="5" name="Content Placeholder 4"/>
+          <p:cNvPr id="3" name="Subtitle 2"/>
           <p:cNvSpPr>
             <a:spLocks noGrp="1"/>
           </p:cNvSpPr>
           <p:nvPr>
-            <p:ph idx="1"/>
+            <p:ph type="subTitle" idx="1"/>
           </p:nvPr>
         </p:nvSpPr>
-        <p:spPr/>
+        <p:spPr>
+          <a:xfrm>
+            <a:off x="1524000" y="4802765"/>
+            <a:ext cx="9144000" cy="1655762"/>
+          </a:xfrm>
+        </p:spPr>
         <p:txBody>
-          <a:bodyPr/>
+          <a:bodyPr>
+            <a:normAutofit lnSpcReduction="10000"/>
+          </a:bodyPr>
           <a:lstStyle/>
           <a:p>
             <a:r>
               <a:rPr lang="hr-HR" dirty="0" smtClean="0"/>
-              <a:t>Smjernice za razvoj kvalitetnih </a:t>
-            </a:r>
-            <a:r>
-              <a:rPr lang="hr-HR" dirty="0"/>
-              <a:t>web </a:t>
-            </a:r>
-            <a:r>
-              <a:rPr lang="hr-HR" dirty="0" smtClean="0"/>
-              <a:t>aplikacije</a:t>
-            </a:r>
+              <a:t>Maro Marčinko</a:t>
+            </a:r>
+          </a:p>
+          <a:p>
+            <a:r>
+              <a:rPr lang="hr-HR" dirty="0" smtClean="0"/>
+              <a:t>Matija Hrženjak</a:t>
+            </a:r>
+          </a:p>
+          <a:p>
             <a:endParaRPr lang="hr-HR" dirty="0"/>
           </a:p>
           <a:p>
             <a:r>
               <a:rPr lang="hr-HR" dirty="0" smtClean="0"/>
-              <a:t>Upoznavanje sa </a:t>
-            </a:r>
-            <a:r>
-              <a:rPr lang="hr-HR" dirty="0" err="1" smtClean="0"/>
-              <a:t>Angular</a:t>
-            </a:r>
-            <a:r>
-              <a:rPr lang="hr-HR" dirty="0" smtClean="0"/>
-              <a:t> </a:t>
-            </a:r>
-            <a:r>
-              <a:rPr lang="hr-HR" dirty="0"/>
-              <a:t>2</a:t>
-            </a:r>
-          </a:p>
-          <a:p>
-            <a:r>
-              <a:rPr lang="hr-HR" dirty="0" smtClean="0"/>
-              <a:t>Detaljno upoznavanje sa „MS </a:t>
-            </a:r>
-            <a:r>
-              <a:rPr lang="hr-HR" dirty="0" err="1" smtClean="0"/>
-              <a:t>Stack</a:t>
-            </a:r>
-            <a:r>
-              <a:rPr lang="hr-HR" dirty="0" smtClean="0"/>
-              <a:t>”</a:t>
-            </a:r>
-          </a:p>
-          <a:p>
-            <a:pPr lvl="1"/>
-            <a:r>
-              <a:rPr lang="hr-HR" dirty="0" smtClean="0"/>
-              <a:t>Upoznavanje sa Web </a:t>
-            </a:r>
-            <a:r>
-              <a:rPr lang="hr-HR" dirty="0"/>
-              <a:t>API</a:t>
-            </a:r>
-          </a:p>
-          <a:p>
-            <a:pPr lvl="1"/>
-            <a:r>
-              <a:rPr lang="hr-HR" dirty="0" smtClean="0"/>
-              <a:t>Upoznavanje sa </a:t>
-            </a:r>
-            <a:r>
-              <a:rPr lang="hr-HR" dirty="0" err="1" smtClean="0"/>
-              <a:t>Entity</a:t>
-            </a:r>
-            <a:r>
-              <a:rPr lang="hr-HR" dirty="0" smtClean="0"/>
-              <a:t> </a:t>
-            </a:r>
-            <a:r>
-              <a:rPr lang="hr-HR" dirty="0"/>
-              <a:t>Framework</a:t>
-            </a:r>
-          </a:p>
-          <a:p>
-            <a:r>
-              <a:rPr lang="hr-HR" dirty="0" smtClean="0"/>
-              <a:t>Upoznavanje sa razvojnim alatima vezanim </a:t>
-            </a:r>
-            <a:r>
-              <a:rPr lang="hr-HR" dirty="0"/>
-              <a:t>za web razvoj</a:t>
-            </a:r>
+              <a:t>IN2, 2017.</a:t>
+            </a:r>
+            <a:endParaRPr lang="hr-HR" dirty="0"/>
           </a:p>
         </p:txBody>
       </p:sp>
+      <p:pic>
+        <p:nvPicPr>
+          <p:cNvPr id="8" name="Picture 7"/>
+          <p:cNvPicPr>
+            <a:picLocks noChangeAspect="1"/>
+          </p:cNvPicPr>
+          <p:nvPr/>
+        </p:nvPicPr>
+        <p:blipFill rotWithShape="1">
+          <a:blip r:embed="rId3"/>
+          <a:srcRect t="37740" b="36771"/>
+          <a:stretch/>
+        </p:blipFill>
+        <p:spPr>
+          <a:xfrm>
+            <a:off x="5418556" y="2950876"/>
+            <a:ext cx="4005820" cy="1021050"/>
+          </a:xfrm>
+          <a:prstGeom prst="rect">
+            <a:avLst/>
+          </a:prstGeom>
+        </p:spPr>
+      </p:pic>
     </p:spTree>
     <p:extLst>
       <p:ext uri="{BB962C8B-B14F-4D97-AF65-F5344CB8AC3E}">
-        <p14:creationId xmlns:p14="http://schemas.microsoft.com/office/powerpoint/2010/main" val="3002409444"/>
+        <p14:creationId xmlns:p14="http://schemas.microsoft.com/office/powerpoint/2010/main" val="4025199846"/>
       </p:ext>
     </p:extLst>
   </p:cSld>
   <p:clrMapOvr>
     <a:masterClrMapping/>
   </p:clrMapOvr>
-  <p:timing>
-    <p:tnLst>
-      <p:par>
-        <p:cTn id="1" dur="indefinite" restart="never" nodeType="tmRoot"/>
-      </p:par>
-    </p:tnLst>
-  </p:timing>
 </p:sld>
 </file>
 
@@ -6422,24 +11012,12 @@
           <a:lstStyle/>
           <a:p>
             <a:r>
-              <a:rPr lang="hr-HR" dirty="0" smtClean="0"/>
-              <a:t>ASP.NET </a:t>
-            </a:r>
-            <a:r>
-              <a:rPr lang="hr-HR" dirty="0" err="1" smtClean="0"/>
-              <a:t>Simple</a:t>
-            </a:r>
-            <a:r>
-              <a:rPr lang="hr-HR" dirty="0" smtClean="0"/>
-              <a:t> </a:t>
-            </a:r>
-            <a:r>
-              <a:rPr lang="hr-HR" dirty="0" err="1" smtClean="0"/>
-              <a:t>Membership</a:t>
-            </a:r>
-            <a:r>
-              <a:rPr lang="hr-HR" dirty="0" smtClean="0"/>
-              <a:t> (2010)</a:t>
+              <a:rPr lang="hr-HR" dirty="0"/>
+              <a:t>Web </a:t>
+            </a:r>
+            <a:r>
+              <a:rPr lang="hr-HR" dirty="0" smtClean="0"/>
+              <a:t>aplikacije – dodatni izazovi</a:t>
             </a:r>
             <a:endParaRPr lang="hr-HR" dirty="0"/>
           </a:p>
@@ -6457,31 +11035,76 @@
         </p:nvSpPr>
         <p:spPr/>
         <p:txBody>
-          <a:bodyPr/>
+          <a:bodyPr>
+            <a:normAutofit/>
+          </a:bodyPr>
           <a:lstStyle/>
           <a:p>
             <a:r>
               <a:rPr lang="hr-HR" dirty="0" smtClean="0"/>
-              <a:t>Kreirano za korištenje u web aplikacijama</a:t>
-            </a:r>
-          </a:p>
-          <a:p>
-            <a:r>
-              <a:rPr lang="hr-HR" dirty="0" smtClean="0"/>
-              <a:t>Lakše povezivanje s ostalim bazama</a:t>
-            </a:r>
-          </a:p>
-          <a:p>
-            <a:r>
-              <a:rPr lang="hr-HR" dirty="0" smtClean="0"/>
-              <a:t>Teško promijeniti strukturu potrebnih tablica</a:t>
-            </a:r>
-          </a:p>
-          <a:p>
-            <a:r>
-              <a:rPr lang="hr-HR" dirty="0" smtClean="0"/>
-              <a:t>Nema OWIN</a:t>
-            </a:r>
+              <a:t>Performanse</a:t>
+            </a:r>
+            <a:endParaRPr lang="hr-HR" dirty="0" smtClean="0"/>
+          </a:p>
+          <a:p>
+            <a:pPr lvl="1"/>
+            <a:r>
+              <a:rPr lang="hr-HR" dirty="0" smtClean="0"/>
+              <a:t>Koliko korisnik smije čekati na otvaranje stranice?</a:t>
+            </a:r>
+          </a:p>
+          <a:p>
+            <a:pPr lvl="1"/>
+            <a:r>
+              <a:rPr lang="hr-HR" dirty="0" smtClean="0"/>
+              <a:t>Što ako je u pitanju ogroman izvještaj?</a:t>
+            </a:r>
+          </a:p>
+          <a:p>
+            <a:pPr lvl="1"/>
+            <a:r>
+              <a:rPr lang="hr-HR" dirty="0" err="1" smtClean="0"/>
+              <a:t>Broadband</a:t>
+            </a:r>
+            <a:r>
+              <a:rPr lang="hr-HR" dirty="0" smtClean="0"/>
+              <a:t> ograničenja</a:t>
+            </a:r>
+            <a:endParaRPr lang="hr-HR" dirty="0"/>
+          </a:p>
+          <a:p>
+            <a:r>
+              <a:rPr lang="hr-HR" dirty="0"/>
+              <a:t>Pohrana </a:t>
+            </a:r>
+            <a:r>
+              <a:rPr lang="hr-HR" dirty="0" smtClean="0"/>
+              <a:t>podataka</a:t>
+            </a:r>
+          </a:p>
+          <a:p>
+            <a:pPr lvl="1"/>
+            <a:r>
+              <a:rPr lang="hr-HR" dirty="0" smtClean="0"/>
+              <a:t>Model na bazi</a:t>
+            </a:r>
+          </a:p>
+          <a:p>
+            <a:pPr lvl="1"/>
+            <a:r>
+              <a:rPr lang="hr-HR" dirty="0" smtClean="0"/>
+              <a:t>Audit, log</a:t>
+            </a:r>
+          </a:p>
+          <a:p>
+            <a:pPr lvl="1"/>
+            <a:r>
+              <a:rPr lang="hr-HR" dirty="0" smtClean="0"/>
+              <a:t>Backup</a:t>
+            </a:r>
+            <a:endParaRPr lang="hr-HR" dirty="0"/>
+          </a:p>
+          <a:p>
             <a:endParaRPr lang="hr-HR" dirty="0"/>
           </a:p>
         </p:txBody>
@@ -6489,7 +11112,7 @@
     </p:spTree>
     <p:extLst>
       <p:ext uri="{BB962C8B-B14F-4D97-AF65-F5344CB8AC3E}">
-        <p14:creationId xmlns:p14="http://schemas.microsoft.com/office/powerpoint/2010/main" val="4156174377"/>
+        <p14:creationId xmlns:p14="http://schemas.microsoft.com/office/powerpoint/2010/main" val="2211947655"/>
       </p:ext>
     </p:extLst>
   </p:cSld>
@@ -6539,99 +11162,43 @@
           <a:lstStyle/>
           <a:p>
             <a:r>
-              <a:rPr lang="hr-HR" dirty="0" smtClean="0"/>
-              <a:t>ASP.NET </a:t>
-            </a:r>
-            <a:r>
-              <a:rPr lang="hr-HR" dirty="0" err="1" smtClean="0"/>
-              <a:t>Identity</a:t>
-            </a:r>
-            <a:r>
-              <a:rPr lang="hr-HR" dirty="0" smtClean="0"/>
-              <a:t> (2013)</a:t>
+              <a:rPr lang="hr-HR" dirty="0"/>
+              <a:t>Web </a:t>
+            </a:r>
+            <a:r>
+              <a:rPr lang="hr-HR" dirty="0" smtClean="0"/>
+              <a:t>aplikacije - hodogram</a:t>
             </a:r>
             <a:endParaRPr lang="hr-HR" dirty="0"/>
           </a:p>
         </p:txBody>
       </p:sp>
-      <p:sp>
-        <p:nvSpPr>
-          <p:cNvPr id="3" name="Content Placeholder 2"/>
-          <p:cNvSpPr>
-            <a:spLocks noGrp="1"/>
-          </p:cNvSpPr>
+      <p:graphicFrame>
+        <p:nvGraphicFramePr>
+          <p:cNvPr id="5" name="Diagram 4"/>
+          <p:cNvGraphicFramePr/>
           <p:nvPr>
-            <p:ph idx="1"/>
+            <p:extLst>
+              <p:ext uri="{D42A27DB-BD31-4B8C-83A1-F6EECF244321}">
+                <p14:modId xmlns:p14="http://schemas.microsoft.com/office/powerpoint/2010/main" val="3250298917"/>
+              </p:ext>
+            </p:extLst>
           </p:nvPr>
-        </p:nvSpPr>
-        <p:spPr/>
-        <p:txBody>
-          <a:bodyPr/>
-          <a:lstStyle/>
-          <a:p>
-            <a:r>
-              <a:rPr lang="hr-HR" dirty="0" smtClean="0"/>
-              <a:t>Moguće točno definirati korisničke podatke na jednom mjestu</a:t>
-            </a:r>
-          </a:p>
-          <a:p>
-            <a:r>
-              <a:rPr lang="hr-HR" dirty="0" smtClean="0"/>
-              <a:t>Moguće mijenjati strukturu u bazi</a:t>
-            </a:r>
-          </a:p>
-          <a:p>
-            <a:r>
-              <a:rPr lang="hr-HR" dirty="0" smtClean="0"/>
-              <a:t>Podržava OWIN</a:t>
-            </a:r>
-          </a:p>
-          <a:p>
-            <a:r>
-              <a:rPr lang="hr-HR" dirty="0" err="1" smtClean="0"/>
-              <a:t>Testabilno</a:t>
-            </a:r>
-            <a:endParaRPr lang="hr-HR" dirty="0" smtClean="0"/>
-          </a:p>
-          <a:p>
-            <a:r>
-              <a:rPr lang="hr-HR" dirty="0" smtClean="0"/>
-              <a:t>Omogućuje jednostavne </a:t>
-            </a:r>
-            <a:r>
-              <a:rPr lang="hr-HR" dirty="0" err="1" smtClean="0"/>
-              <a:t>third</a:t>
-            </a:r>
-            <a:r>
-              <a:rPr lang="hr-HR" dirty="0" smtClean="0"/>
-              <a:t>-party logine</a:t>
-            </a:r>
-          </a:p>
-          <a:p>
-            <a:r>
-              <a:rPr lang="hr-HR" dirty="0" smtClean="0"/>
-              <a:t>Moguće preuzeti kao </a:t>
-            </a:r>
-            <a:r>
-              <a:rPr lang="hr-HR" dirty="0" err="1" smtClean="0"/>
-              <a:t>NuGet</a:t>
-            </a:r>
-            <a:r>
-              <a:rPr lang="hr-HR" dirty="0" smtClean="0"/>
-              <a:t> </a:t>
-            </a:r>
-            <a:r>
-              <a:rPr lang="hr-HR" dirty="0" err="1" smtClean="0"/>
-              <a:t>package</a:t>
-            </a:r>
-            <a:endParaRPr lang="hr-HR" dirty="0"/>
-          </a:p>
-        </p:txBody>
-      </p:sp>
+        </p:nvGraphicFramePr>
+        <p:xfrm>
+          <a:off x="636336" y="1364560"/>
+          <a:ext cx="10717463" cy="4843736"/>
+        </p:xfrm>
+        <a:graphic>
+          <a:graphicData uri="http://schemas.openxmlformats.org/drawingml/2006/diagram">
+            <dgm:relIds xmlns:dgm="http://schemas.openxmlformats.org/drawingml/2006/diagram" xmlns:r="http://schemas.openxmlformats.org/officeDocument/2006/relationships" r:dm="rId2" r:lo="rId3" r:qs="rId4" r:cs="rId5"/>
+          </a:graphicData>
+        </a:graphic>
+      </p:graphicFrame>
     </p:spTree>
     <p:extLst>
       <p:ext uri="{BB962C8B-B14F-4D97-AF65-F5344CB8AC3E}">
-        <p14:creationId xmlns:p14="http://schemas.microsoft.com/office/powerpoint/2010/main" val="1445774910"/>
+        <p14:creationId xmlns:p14="http://schemas.microsoft.com/office/powerpoint/2010/main" val="2471576672"/>
       </p:ext>
     </p:extLst>
   </p:cSld>
@@ -6681,8 +11248,12 @@
           <a:lstStyle/>
           <a:p>
             <a:r>
+              <a:rPr lang="hr-HR" dirty="0" smtClean="0"/>
+              <a:t>ASP.NET </a:t>
+            </a:r>
+            <a:r>
               <a:rPr lang="hr-HR" dirty="0" err="1" smtClean="0"/>
-              <a:t>Token</a:t>
+              <a:t>Membership</a:t>
             </a:r>
             <a:r>
               <a:rPr lang="hr-HR" dirty="0" smtClean="0"/>
@@ -6690,15 +11261,15 @@
             </a:r>
             <a:r>
               <a:rPr lang="hr-HR" dirty="0" err="1" smtClean="0"/>
-              <a:t>based</a:t>
+              <a:t>Provider</a:t>
             </a:r>
             <a:r>
               <a:rPr lang="hr-HR" dirty="0" smtClean="0"/>
               <a:t> </a:t>
             </a:r>
             <a:r>
-              <a:rPr lang="hr-HR" dirty="0" err="1" smtClean="0"/>
-              <a:t>security</a:t>
+              <a:rPr lang="hr-HR" dirty="0" smtClean="0"/>
+              <a:t>(2005)</a:t>
             </a:r>
             <a:endParaRPr lang="hr-HR" dirty="0"/>
           </a:p>
@@ -6721,37 +11292,73 @@
           <a:p>
             <a:r>
               <a:rPr lang="hr-HR" dirty="0" smtClean="0"/>
-              <a:t>Prilikom korištenja SPA + Web API</a:t>
-            </a:r>
-          </a:p>
-          <a:p>
-            <a:r>
-              <a:rPr lang="hr-HR" dirty="0" smtClean="0"/>
-              <a:t>Nakon autentikacije SPA aplikacija sadrži podatke o korisniku i njegov pristupni </a:t>
+              <a:t>Ugrađeni način za upravljanje korisnicima (kreiranje, autorizacija i autentikacija)</a:t>
+            </a:r>
+          </a:p>
+          <a:p>
+            <a:r>
+              <a:rPr lang="hr-HR" dirty="0" smtClean="0"/>
+              <a:t>Povezivanje s bazom, AD-om ili nekom alternativom</a:t>
+            </a:r>
+          </a:p>
+          <a:p>
+            <a:r>
+              <a:rPr lang="hr-HR" dirty="0" smtClean="0"/>
+              <a:t>Resetiranje i mijenjanje lozinka</a:t>
+            </a:r>
+          </a:p>
+          <a:p>
+            <a:r>
+              <a:rPr lang="hr-HR" dirty="0" smtClean="0"/>
+              <a:t>Upravljanje ulogama</a:t>
+            </a:r>
+            <a:r>
+              <a:rPr lang="hr-HR" dirty="0"/>
+              <a:t> </a:t>
+            </a:r>
+            <a:r>
+              <a:rPr lang="hr-HR" dirty="0" smtClean="0"/>
+              <a:t>(role)</a:t>
+            </a:r>
+          </a:p>
+          <a:p>
+            <a:r>
+              <a:rPr lang="hr-HR" dirty="0" smtClean="0"/>
+              <a:t>Brz i jednostavan način za uključivanje korisničkog sustava u aplikaciju u (isključivo) MS okruženju</a:t>
+            </a:r>
+          </a:p>
+          <a:p>
+            <a:r>
+              <a:rPr lang="hr-HR" dirty="0" smtClean="0"/>
+              <a:t>Bazirano na </a:t>
             </a:r>
             <a:r>
               <a:rPr lang="hr-HR" dirty="0" err="1" smtClean="0"/>
-              <a:t>token</a:t>
-            </a:r>
-            <a:endParaRPr lang="hr-HR" dirty="0" smtClean="0"/>
-          </a:p>
-          <a:p>
-            <a:r>
-              <a:rPr lang="hr-HR" dirty="0" smtClean="0"/>
-              <a:t>Nije potreban </a:t>
+              <a:t>Forms</a:t>
+            </a:r>
+            <a:r>
+              <a:rPr lang="hr-HR" dirty="0" smtClean="0"/>
+              <a:t> </a:t>
+            </a:r>
+            <a:r>
+              <a:rPr lang="hr-HR" dirty="0" err="1"/>
+              <a:t>A</a:t>
             </a:r>
             <a:r>
               <a:rPr lang="hr-HR" dirty="0" err="1" smtClean="0"/>
-              <a:t>cookie</a:t>
-            </a:r>
-            <a:endParaRPr lang="hr-HR" dirty="0"/>
+              <a:t>utenthicationu</a:t>
+            </a:r>
+            <a:r>
+              <a:rPr lang="hr-HR" dirty="0" smtClean="0"/>
+              <a:t> (nema OWIN)</a:t>
+            </a:r>
           </a:p>
         </p:txBody>
       </p:sp>
     </p:spTree>
     <p:extLst>
       <p:ext uri="{BB962C8B-B14F-4D97-AF65-F5344CB8AC3E}">
-        <p14:creationId xmlns:p14="http://schemas.microsoft.com/office/powerpoint/2010/main" val="188020796"/>
+        <p14:creationId xmlns:p14="http://schemas.microsoft.com/office/powerpoint/2010/main" val="3131248140"/>
       </p:ext>
     </p:extLst>
   </p:cSld>
@@ -6801,8 +11408,12 @@
           <a:lstStyle/>
           <a:p>
             <a:r>
+              <a:rPr lang="hr-HR" dirty="0" smtClean="0"/>
+              <a:t>ASP.NET </a:t>
+            </a:r>
+            <a:r>
               <a:rPr lang="hr-HR" dirty="0" err="1" smtClean="0"/>
-              <a:t>Token</a:t>
+              <a:t>Simple</a:t>
             </a:r>
             <a:r>
               <a:rPr lang="hr-HR" dirty="0" smtClean="0"/>
@@ -6810,7 +11421,7 @@
             </a:r>
             <a:r>
               <a:rPr lang="hr-HR" dirty="0" err="1" smtClean="0"/>
-              <a:t>based</a:t>
+              <a:t>Membership</a:t>
             </a:r>
             <a:r>
               <a:rPr lang="hr-HR" dirty="0" smtClean="0"/>
@@ -6818,7 +11429,15 @@
             </a:r>
             <a:r>
               <a:rPr lang="hr-HR" dirty="0" err="1" smtClean="0"/>
-              <a:t>security</a:t>
+              <a:t>Provider</a:t>
+            </a:r>
+            <a:r>
+              <a:rPr lang="hr-HR" dirty="0" smtClean="0"/>
+              <a:t> (2010</a:t>
+            </a:r>
+            <a:r>
+              <a:rPr lang="hr-HR" dirty="0" smtClean="0"/>
+              <a:t>)</a:t>
             </a:r>
             <a:endParaRPr lang="hr-HR" dirty="0"/>
           </a:p>
@@ -6834,92 +11453,75 @@
             <p:ph idx="1"/>
           </p:nvPr>
         </p:nvSpPr>
-        <p:spPr/>
+        <p:spPr>
+          <a:xfrm>
+            <a:off x="838200" y="1825625"/>
+            <a:ext cx="5283467" cy="4351338"/>
+          </a:xfrm>
+        </p:spPr>
         <p:txBody>
           <a:bodyPr/>
           <a:lstStyle/>
           <a:p>
             <a:r>
               <a:rPr lang="hr-HR" dirty="0" smtClean="0"/>
-              <a:t>Posebna adresa za autentikaciju: /</a:t>
-            </a:r>
-            <a:r>
-              <a:rPr lang="hr-HR" dirty="0" err="1" smtClean="0"/>
-              <a:t>token</a:t>
-            </a:r>
-            <a:endParaRPr lang="hr-HR" dirty="0" smtClean="0"/>
-          </a:p>
-          <a:p>
-            <a:r>
-              <a:rPr lang="hr-HR" dirty="0" smtClean="0"/>
-              <a:t>Mjesta konfiguracije:</a:t>
-            </a:r>
-          </a:p>
-          <a:p>
-            <a:pPr lvl="1"/>
-            <a:r>
-              <a:rPr lang="hr-HR" dirty="0" err="1" smtClean="0"/>
-              <a:t>Startup.Auth.cs</a:t>
-            </a:r>
-            <a:endParaRPr lang="hr-HR" dirty="0" smtClean="0"/>
-          </a:p>
-          <a:p>
-            <a:pPr lvl="1"/>
-            <a:r>
-              <a:rPr lang="hr-HR" dirty="0" err="1" smtClean="0"/>
-              <a:t>ApplicationOAuthProvider.cs</a:t>
-            </a:r>
-            <a:endParaRPr lang="hr-HR" dirty="0"/>
-          </a:p>
-          <a:p>
-            <a:r>
-              <a:rPr lang="hr-HR" dirty="0" smtClean="0"/>
-              <a:t>Moguće jednostavno postaviti koje se sve vrijednosti dohvate prilikom autentikacije (nije uvijek bilo tako)</a:t>
-            </a:r>
-          </a:p>
-          <a:p>
-            <a:r>
-              <a:rPr lang="hr-HR" dirty="0" smtClean="0"/>
-              <a:t>Po </a:t>
-            </a:r>
-            <a:r>
-              <a:rPr lang="hr-HR" dirty="0" err="1" smtClean="0"/>
-              <a:t>defaultu</a:t>
-            </a:r>
-            <a:r>
-              <a:rPr lang="hr-HR" dirty="0"/>
-              <a:t> </a:t>
-            </a:r>
-            <a:r>
-              <a:rPr lang="hr-HR" dirty="0" smtClean="0"/>
-              <a:t>se vraća samo </a:t>
-            </a:r>
-            <a:r>
-              <a:rPr lang="hr-HR" dirty="0" err="1" smtClean="0"/>
-              <a:t>userName</a:t>
-            </a:r>
-            <a:r>
-              <a:rPr lang="hr-HR" dirty="0" smtClean="0"/>
-              <a:t> (i </a:t>
-            </a:r>
-            <a:r>
-              <a:rPr lang="hr-HR" dirty="0" err="1" smtClean="0"/>
-              <a:t>token</a:t>
-            </a:r>
-            <a:r>
-              <a:rPr lang="hr-HR" dirty="0" smtClean="0"/>
-              <a:t>)</a:t>
-            </a:r>
-          </a:p>
-          <a:p>
+              <a:t>Kreirano za korištenje u web aplikacijama</a:t>
+            </a:r>
+          </a:p>
+          <a:p>
+            <a:r>
+              <a:rPr lang="hr-HR" dirty="0" smtClean="0"/>
+              <a:t>Lakše povezivanje s ostalim bazama</a:t>
+            </a:r>
+          </a:p>
+          <a:p>
+            <a:r>
+              <a:rPr lang="hr-HR" dirty="0" smtClean="0"/>
+              <a:t>Teško promijeniti strukturu potrebnih tablica</a:t>
+            </a:r>
+          </a:p>
+          <a:p>
+            <a:r>
+              <a:rPr lang="hr-HR" dirty="0" smtClean="0"/>
+              <a:t>Nema OWIN</a:t>
+            </a:r>
             <a:endParaRPr lang="hr-HR" dirty="0"/>
           </a:p>
         </p:txBody>
       </p:sp>
+      <p:pic>
+        <p:nvPicPr>
+          <p:cNvPr id="4" name="Picture 3"/>
+          <p:cNvPicPr>
+            <a:picLocks noChangeAspect="1"/>
+          </p:cNvPicPr>
+          <p:nvPr/>
+        </p:nvPicPr>
+        <p:blipFill rotWithShape="1">
+          <a:blip r:embed="rId2">
+            <a:extLst>
+              <a:ext uri="{28A0092B-C50C-407E-A947-70E740481C1C}">
+                <a14:useLocalDpi xmlns:a14="http://schemas.microsoft.com/office/drawing/2010/main" val="0"/>
+              </a:ext>
+            </a:extLst>
+          </a:blip>
+          <a:srcRect r="-2329" b="4180"/>
+          <a:stretch/>
+        </p:blipFill>
+        <p:spPr>
+          <a:xfrm>
+            <a:off x="5962349" y="1825625"/>
+            <a:ext cx="5828597" cy="4700303"/>
+          </a:xfrm>
+          <a:prstGeom prst="rect">
+            <a:avLst/>
+          </a:prstGeom>
+        </p:spPr>
+      </p:pic>
     </p:spTree>
     <p:extLst>
       <p:ext uri="{BB962C8B-B14F-4D97-AF65-F5344CB8AC3E}">
-        <p14:creationId xmlns:p14="http://schemas.microsoft.com/office/powerpoint/2010/main" val="2194123090"/>
+        <p14:creationId xmlns:p14="http://schemas.microsoft.com/office/powerpoint/2010/main" val="4156174377"/>
       </p:ext>
     </p:extLst>
   </p:cSld>
@@ -6953,6 +11555,36 @@
           <a:chExt cx="0" cy="0"/>
         </a:xfrm>
       </p:grpSpPr>
+      <p:pic>
+        <p:nvPicPr>
+          <p:cNvPr id="4" name="Picture 3"/>
+          <p:cNvPicPr>
+            <a:picLocks noChangeAspect="1"/>
+          </p:cNvPicPr>
+          <p:nvPr/>
+        </p:nvPicPr>
+        <p:blipFill>
+          <a:blip r:embed="rId2">
+            <a:extLst>
+              <a:ext uri="{28A0092B-C50C-407E-A947-70E740481C1C}">
+                <a14:useLocalDpi xmlns:a14="http://schemas.microsoft.com/office/drawing/2010/main" val="0"/>
+              </a:ext>
+            </a:extLst>
+          </a:blip>
+          <a:stretch>
+            <a:fillRect/>
+          </a:stretch>
+        </p:blipFill>
+        <p:spPr>
+          <a:xfrm>
+            <a:off x="5001746" y="1027906"/>
+            <a:ext cx="7190254" cy="5146708"/>
+          </a:xfrm>
+          <a:prstGeom prst="rect">
+            <a:avLst/>
+          </a:prstGeom>
+        </p:spPr>
+      </p:pic>
       <p:sp>
         <p:nvSpPr>
           <p:cNvPr id="2" name="Title 1"/>
@@ -6970,7 +11602,15 @@
           <a:p>
             <a:r>
               <a:rPr lang="hr-HR" dirty="0" smtClean="0"/>
-              <a:t>OWIN (2014)</a:t>
+              <a:t>ASP.NET </a:t>
+            </a:r>
+            <a:r>
+              <a:rPr lang="hr-HR" dirty="0" err="1" smtClean="0"/>
+              <a:t>Identity</a:t>
+            </a:r>
+            <a:r>
+              <a:rPr lang="hr-HR" dirty="0" smtClean="0"/>
+              <a:t> (2013)</a:t>
             </a:r>
             <a:endParaRPr lang="hr-HR" dirty="0"/>
           </a:p>
@@ -6986,40 +11626,64 @@
             <p:ph idx="1"/>
           </p:nvPr>
         </p:nvSpPr>
-        <p:spPr/>
+        <p:spPr>
+          <a:xfrm>
+            <a:off x="838200" y="1825625"/>
+            <a:ext cx="4320941" cy="4351338"/>
+          </a:xfrm>
+        </p:spPr>
         <p:txBody>
-          <a:bodyPr/>
+          <a:bodyPr>
+            <a:normAutofit fontScale="92500" lnSpcReduction="10000"/>
+          </a:bodyPr>
           <a:lstStyle/>
           <a:p>
             <a:r>
               <a:rPr lang="hr-HR" dirty="0" smtClean="0"/>
-              <a:t>Standardni </a:t>
-            </a:r>
+              <a:t>Moguće točno definirati korisničke podatke na jednom mjestu</a:t>
+            </a:r>
+          </a:p>
+          <a:p>
+            <a:r>
+              <a:rPr lang="hr-HR" dirty="0" smtClean="0"/>
+              <a:t>Moguće mijenjati strukturu u bazi</a:t>
+            </a:r>
+          </a:p>
+          <a:p>
+            <a:r>
+              <a:rPr lang="hr-HR" dirty="0" smtClean="0"/>
+              <a:t>Podržava OWIN</a:t>
+            </a:r>
+          </a:p>
+          <a:p>
             <a:r>
               <a:rPr lang="hr-HR" dirty="0" err="1" smtClean="0"/>
-              <a:t>interface</a:t>
-            </a:r>
-            <a:r>
-              <a:rPr lang="hr-HR" dirty="0" smtClean="0"/>
-              <a:t> između .</a:t>
+              <a:t>Testabilno</a:t>
+            </a:r>
+            <a:endParaRPr lang="hr-HR" dirty="0" smtClean="0"/>
+          </a:p>
+          <a:p>
+            <a:r>
+              <a:rPr lang="hr-HR" dirty="0" smtClean="0"/>
+              <a:t>Omogućuje jednostavne </a:t>
             </a:r>
             <a:r>
               <a:rPr lang="hr-HR" dirty="0" err="1" smtClean="0"/>
-              <a:t>Net</a:t>
-            </a:r>
-            <a:r>
-              <a:rPr lang="hr-HR" dirty="0" smtClean="0"/>
-              <a:t> web servera i web aplikacija</a:t>
-            </a:r>
-          </a:p>
-          <a:p>
-            <a:r>
-              <a:rPr lang="hr-HR" dirty="0" smtClean="0"/>
-              <a:t>Microsoftovo rješenje za rastuće </a:t>
+              <a:t>third</a:t>
+            </a:r>
+            <a:r>
+              <a:rPr lang="hr-HR" dirty="0" smtClean="0"/>
+              <a:t>-party logine</a:t>
+            </a:r>
+          </a:p>
+          <a:p>
+            <a:r>
+              <a:rPr lang="hr-HR" dirty="0" smtClean="0"/>
+              <a:t>Moguće preuzeti kao </a:t>
             </a:r>
             <a:r>
               <a:rPr lang="hr-HR" dirty="0" err="1" smtClean="0"/>
-              <a:t>open</a:t>
+              <a:t>NuGet</a:t>
             </a:r>
             <a:r>
               <a:rPr lang="hr-HR" dirty="0" smtClean="0"/>
@@ -7027,33 +11691,16 @@
             </a:r>
             <a:r>
               <a:rPr lang="hr-HR" dirty="0" err="1" smtClean="0"/>
-              <a:t>source</a:t>
-            </a:r>
-            <a:r>
-              <a:rPr lang="hr-HR" dirty="0" smtClean="0"/>
-              <a:t> tržište</a:t>
-            </a:r>
-          </a:p>
-          <a:p>
-            <a:r>
-              <a:rPr lang="hr-HR" dirty="0" smtClean="0"/>
-              <a:t>Sadrži implementacije </a:t>
-            </a:r>
-            <a:r>
-              <a:rPr lang="hr-HR" dirty="0" err="1" smtClean="0"/>
-              <a:t>OAuth</a:t>
-            </a:r>
-            <a:r>
-              <a:rPr lang="hr-HR" dirty="0" smtClean="0"/>
-              <a:t> standarda</a:t>
-            </a:r>
+              <a:t>package</a:t>
+            </a:r>
+            <a:endParaRPr lang="hr-HR" dirty="0"/>
           </a:p>
         </p:txBody>
       </p:sp>
     </p:spTree>
     <p:extLst>
       <p:ext uri="{BB962C8B-B14F-4D97-AF65-F5344CB8AC3E}">
-        <p14:creationId xmlns:p14="http://schemas.microsoft.com/office/powerpoint/2010/main" val="1255571744"/>
+        <p14:creationId xmlns:p14="http://schemas.microsoft.com/office/powerpoint/2010/main" val="1445774910"/>
       </p:ext>
     </p:extLst>
   </p:cSld>
@@ -7104,11 +11751,23 @@
           <a:p>
             <a:r>
               <a:rPr lang="hr-HR" dirty="0" err="1" smtClean="0"/>
-              <a:t>Oauth</a:t>
-            </a:r>
-            <a:r>
-              <a:rPr lang="hr-HR" dirty="0" smtClean="0"/>
-              <a:t> 2</a:t>
+              <a:t>Token</a:t>
+            </a:r>
+            <a:r>
+              <a:rPr lang="hr-HR" dirty="0" smtClean="0"/>
+              <a:t> </a:t>
+            </a:r>
+            <a:r>
+              <a:rPr lang="hr-HR" dirty="0" err="1" smtClean="0"/>
+              <a:t>based</a:t>
+            </a:r>
+            <a:r>
+              <a:rPr lang="hr-HR" dirty="0" smtClean="0"/>
+              <a:t> </a:t>
+            </a:r>
+            <a:r>
+              <a:rPr lang="hr-HR" dirty="0" err="1" smtClean="0"/>
+              <a:t>security</a:t>
             </a:r>
             <a:endParaRPr lang="hr-HR" dirty="0"/>
           </a:p>
@@ -7131,52 +11790,67 @@
           <a:p>
             <a:r>
               <a:rPr lang="hr-HR" dirty="0" smtClean="0"/>
-              <a:t>Standard za </a:t>
+              <a:t>Prilikom korištenja SPA + Web API</a:t>
+            </a:r>
+          </a:p>
+          <a:p>
+            <a:r>
+              <a:rPr lang="hr-HR" dirty="0" smtClean="0"/>
+              <a:t>Nakon autentikacije SPA aplikacija sadrži podatke o korisniku i njegov pristupni </a:t>
             </a:r>
             <a:r>
               <a:rPr lang="hr-HR" dirty="0" err="1" smtClean="0"/>
-              <a:t>token-based</a:t>
-            </a:r>
-            <a:r>
-              <a:rPr lang="hr-HR" dirty="0" smtClean="0"/>
-              <a:t> autentikaciju</a:t>
-            </a:r>
-          </a:p>
-          <a:p>
-            <a:r>
-              <a:rPr lang="hr-HR" dirty="0" smtClean="0"/>
-              <a:t>Omogućuje 3rd party login</a:t>
-            </a:r>
-          </a:p>
-          <a:p>
-            <a:pPr lvl="1"/>
-            <a:r>
-              <a:rPr lang="hr-HR" dirty="0" smtClean="0"/>
-              <a:t>Prijavite se u aplikaciju sa svojim MS ili Google računom</a:t>
-            </a:r>
-          </a:p>
-          <a:p>
-            <a:r>
-              <a:rPr lang="hr-HR" dirty="0" smtClean="0"/>
-              <a:t>Omogućuje ograničeni pristup drugih aplikacija web serveru bez da one imaju informacije o korisnikovoj lozinki</a:t>
-            </a:r>
-          </a:p>
-          <a:p>
-            <a:pPr lvl="1"/>
-            <a:r>
-              <a:rPr lang="hr-HR" dirty="0" smtClean="0"/>
-              <a:t>Aplikacija u koju ste se prijavili može čitati vaš MS ili Google kalendar i ubacivati nove stavke</a:t>
-            </a:r>
-          </a:p>
-          <a:p>
+              <a:t>token</a:t>
+            </a:r>
+            <a:endParaRPr lang="hr-HR" dirty="0" smtClean="0"/>
+          </a:p>
+          <a:p>
+            <a:r>
+              <a:rPr lang="hr-HR" dirty="0" smtClean="0"/>
+              <a:t>Nema </a:t>
+            </a:r>
+            <a:r>
+              <a:rPr lang="hr-HR" dirty="0" err="1" smtClean="0"/>
+              <a:t>cookie</a:t>
+            </a:r>
             <a:endParaRPr lang="hr-HR" dirty="0"/>
           </a:p>
         </p:txBody>
       </p:sp>
+      <p:pic>
+        <p:nvPicPr>
+          <p:cNvPr id="5" name="Picture 4"/>
+          <p:cNvPicPr>
+            <a:picLocks noChangeAspect="1"/>
+          </p:cNvPicPr>
+          <p:nvPr/>
+        </p:nvPicPr>
+        <p:blipFill>
+          <a:blip r:embed="rId2">
+            <a:extLst>
+              <a:ext uri="{28A0092B-C50C-407E-A947-70E740481C1C}">
+                <a14:useLocalDpi xmlns:a14="http://schemas.microsoft.com/office/drawing/2010/main" val="0"/>
+              </a:ext>
+            </a:extLst>
+          </a:blip>
+          <a:stretch>
+            <a:fillRect/>
+          </a:stretch>
+        </p:blipFill>
+        <p:spPr>
+          <a:xfrm>
+            <a:off x="4156613" y="2752058"/>
+            <a:ext cx="6843353" cy="3817951"/>
+          </a:xfrm>
+          <a:prstGeom prst="rect">
+            <a:avLst/>
+          </a:prstGeom>
+        </p:spPr>
+      </p:pic>
     </p:spTree>
     <p:extLst>
       <p:ext uri="{BB962C8B-B14F-4D97-AF65-F5344CB8AC3E}">
-        <p14:creationId xmlns:p14="http://schemas.microsoft.com/office/powerpoint/2010/main" val="3961074411"/>
+        <p14:creationId xmlns:p14="http://schemas.microsoft.com/office/powerpoint/2010/main" val="188020796"/>
       </p:ext>
     </p:extLst>
   </p:cSld>
@@ -7226,8 +11900,24 @@
           <a:lstStyle/>
           <a:p>
             <a:r>
-              <a:rPr lang="hr-HR" dirty="0" err="1"/>
-              <a:t>Security</a:t>
+              <a:rPr lang="hr-HR" dirty="0" err="1" smtClean="0"/>
+              <a:t>Token</a:t>
+            </a:r>
+            <a:r>
+              <a:rPr lang="hr-HR" dirty="0" smtClean="0"/>
+              <a:t> </a:t>
+            </a:r>
+            <a:r>
+              <a:rPr lang="hr-HR" dirty="0" err="1" smtClean="0"/>
+              <a:t>based</a:t>
+            </a:r>
+            <a:r>
+              <a:rPr lang="hr-HR" dirty="0" smtClean="0"/>
+              <a:t> </a:t>
+            </a:r>
+            <a:r>
+              <a:rPr lang="hr-HR" dirty="0" err="1" smtClean="0"/>
+              <a:t>security</a:t>
             </a:r>
             <a:endParaRPr lang="hr-HR" dirty="0"/>
           </a:p>
@@ -7249,39 +11939,87 @@
           <a:lstStyle/>
           <a:p>
             <a:r>
-              <a:rPr lang="hr-HR" dirty="0" err="1"/>
-              <a:t>Owasp</a:t>
+              <a:rPr lang="hr-HR" dirty="0" smtClean="0"/>
+              <a:t>Posebna adresa za autentikaciju: /</a:t>
+            </a:r>
+            <a:r>
+              <a:rPr lang="hr-HR" dirty="0" err="1" smtClean="0"/>
+              <a:t>token</a:t>
+            </a:r>
+            <a:endParaRPr lang="hr-HR" dirty="0" smtClean="0"/>
+          </a:p>
+          <a:p>
+            <a:r>
+              <a:rPr lang="hr-HR" dirty="0" smtClean="0"/>
+              <a:t>Mjesta konfiguracije:</a:t>
+            </a:r>
+          </a:p>
+          <a:p>
+            <a:pPr lvl="1"/>
+            <a:r>
+              <a:rPr lang="hr-HR" dirty="0" err="1" smtClean="0"/>
+              <a:t>Startup.Auth.cs</a:t>
+            </a:r>
+            <a:endParaRPr lang="hr-HR" dirty="0" smtClean="0"/>
+          </a:p>
+          <a:p>
+            <a:pPr lvl="1"/>
+            <a:r>
+              <a:rPr lang="hr-HR" dirty="0" err="1" smtClean="0"/>
+              <a:t>ApplicationOAuthProvider.cs</a:t>
+            </a:r>
+            <a:endParaRPr lang="hr-HR" dirty="0"/>
+          </a:p>
+          <a:p>
+            <a:r>
+              <a:rPr lang="hr-HR" dirty="0" smtClean="0"/>
+              <a:t>Moguće jednostavno postaviti koje se sve vrijednosti dohvate prilikom autentikacije </a:t>
+            </a:r>
+            <a:endParaRPr lang="hr-HR" dirty="0"/>
+          </a:p>
+          <a:p>
+            <a:r>
+              <a:rPr lang="hr-HR" dirty="0" smtClean="0"/>
+              <a:t>Po </a:t>
+            </a:r>
+            <a:r>
+              <a:rPr lang="hr-HR" dirty="0" err="1" smtClean="0"/>
+              <a:t>defaultu</a:t>
             </a:r>
             <a:r>
               <a:rPr lang="hr-HR" dirty="0"/>
-              <a:t> top 10</a:t>
-            </a:r>
-          </a:p>
-          <a:p>
-            <a:r>
-              <a:rPr lang="hr-HR" dirty="0" err="1"/>
-              <a:t>Injection</a:t>
-            </a:r>
+              <a:t> </a:t>
+            </a:r>
+            <a:r>
+              <a:rPr lang="hr-HR" dirty="0" smtClean="0"/>
+              <a:t>se vraća samo </a:t>
+            </a:r>
+            <a:r>
+              <a:rPr lang="hr-HR" dirty="0" err="1" smtClean="0"/>
+              <a:t>userName</a:t>
+            </a:r>
+            <a:r>
+              <a:rPr lang="hr-HR" dirty="0" smtClean="0"/>
+              <a:t> (i </a:t>
+            </a:r>
+            <a:r>
+              <a:rPr lang="hr-HR" dirty="0" err="1" smtClean="0"/>
+              <a:t>token</a:t>
+            </a:r>
+            <a:r>
+              <a:rPr lang="hr-HR" dirty="0" smtClean="0"/>
+              <a:t>)</a:t>
+            </a:r>
+          </a:p>
+          <a:p>
             <a:endParaRPr lang="hr-HR" dirty="0"/>
-          </a:p>
-          <a:p>
-            <a:r>
-              <a:rPr lang="hr-HR" dirty="0"/>
-              <a:t>XSS</a:t>
-            </a:r>
-          </a:p>
-          <a:p>
-            <a:r>
-              <a:rPr lang="hr-HR" dirty="0"/>
-              <a:t>CSRF</a:t>
-            </a:r>
           </a:p>
         </p:txBody>
       </p:sp>
     </p:spTree>
     <p:extLst>
       <p:ext uri="{BB962C8B-B14F-4D97-AF65-F5344CB8AC3E}">
-        <p14:creationId xmlns:p14="http://schemas.microsoft.com/office/powerpoint/2010/main" val="2652944189"/>
+        <p14:creationId xmlns:p14="http://schemas.microsoft.com/office/powerpoint/2010/main" val="2194123090"/>
       </p:ext>
     </p:extLst>
   </p:cSld>
@@ -7299,6 +12037,259 @@
 </file>
 
 <file path=ppt/slides/slide17.xml><?xml version="1.0" encoding="utf-8"?>
+<p:sld xmlns:a="http://schemas.openxmlformats.org/drawingml/2006/main" xmlns:r="http://schemas.openxmlformats.org/officeDocument/2006/relationships" xmlns:p="http://schemas.openxmlformats.org/presentationml/2006/main">
+  <p:cSld>
+    <p:spTree>
+      <p:nvGrpSpPr>
+        <p:cNvPr id="1" name=""/>
+        <p:cNvGrpSpPr/>
+        <p:nvPr/>
+      </p:nvGrpSpPr>
+      <p:grpSpPr>
+        <a:xfrm>
+          <a:off x="0" y="0"/>
+          <a:ext cx="0" cy="0"/>
+          <a:chOff x="0" y="0"/>
+          <a:chExt cx="0" cy="0"/>
+        </a:xfrm>
+      </p:grpSpPr>
+      <p:sp>
+        <p:nvSpPr>
+          <p:cNvPr id="2" name="Title 1"/>
+          <p:cNvSpPr>
+            <a:spLocks noGrp="1"/>
+          </p:cNvSpPr>
+          <p:nvPr>
+            <p:ph type="title"/>
+          </p:nvPr>
+        </p:nvSpPr>
+        <p:spPr/>
+        <p:txBody>
+          <a:bodyPr/>
+          <a:lstStyle/>
+          <a:p>
+            <a:r>
+              <a:rPr lang="hr-HR" dirty="0" smtClean="0"/>
+              <a:t>OWIN (2014)</a:t>
+            </a:r>
+            <a:endParaRPr lang="hr-HR" dirty="0"/>
+          </a:p>
+        </p:txBody>
+      </p:sp>
+      <p:sp>
+        <p:nvSpPr>
+          <p:cNvPr id="3" name="Content Placeholder 2"/>
+          <p:cNvSpPr>
+            <a:spLocks noGrp="1"/>
+          </p:cNvSpPr>
+          <p:nvPr>
+            <p:ph idx="1"/>
+          </p:nvPr>
+        </p:nvSpPr>
+        <p:spPr/>
+        <p:txBody>
+          <a:bodyPr/>
+          <a:lstStyle/>
+          <a:p>
+            <a:r>
+              <a:rPr lang="hr-HR" dirty="0" smtClean="0"/>
+              <a:t>Standardni </a:t>
+            </a:r>
+            <a:r>
+              <a:rPr lang="hr-HR" dirty="0" err="1" smtClean="0"/>
+              <a:t>interface</a:t>
+            </a:r>
+            <a:r>
+              <a:rPr lang="hr-HR" dirty="0" smtClean="0"/>
+              <a:t> između .</a:t>
+            </a:r>
+            <a:r>
+              <a:rPr lang="hr-HR" dirty="0" err="1" smtClean="0"/>
+              <a:t>Net</a:t>
+            </a:r>
+            <a:r>
+              <a:rPr lang="hr-HR" dirty="0" smtClean="0"/>
+              <a:t> web servera i web aplikacija</a:t>
+            </a:r>
+          </a:p>
+          <a:p>
+            <a:r>
+              <a:rPr lang="hr-HR" dirty="0" smtClean="0"/>
+              <a:t>Microsoftovo rješenje za rastuće </a:t>
+            </a:r>
+            <a:r>
+              <a:rPr lang="hr-HR" dirty="0" err="1" smtClean="0"/>
+              <a:t>open</a:t>
+            </a:r>
+            <a:r>
+              <a:rPr lang="hr-HR" dirty="0" smtClean="0"/>
+              <a:t> </a:t>
+            </a:r>
+            <a:r>
+              <a:rPr lang="hr-HR" dirty="0" err="1" smtClean="0"/>
+              <a:t>source</a:t>
+            </a:r>
+            <a:r>
+              <a:rPr lang="hr-HR" dirty="0" smtClean="0"/>
+              <a:t> tržište</a:t>
+            </a:r>
+          </a:p>
+          <a:p>
+            <a:r>
+              <a:rPr lang="hr-HR" dirty="0" smtClean="0"/>
+              <a:t>Sadrži implementacije </a:t>
+            </a:r>
+            <a:r>
+              <a:rPr lang="hr-HR" dirty="0" err="1" smtClean="0"/>
+              <a:t>OAuth</a:t>
+            </a:r>
+            <a:r>
+              <a:rPr lang="hr-HR" dirty="0" smtClean="0"/>
+              <a:t> standarda</a:t>
+            </a:r>
+          </a:p>
+        </p:txBody>
+      </p:sp>
+    </p:spTree>
+    <p:extLst>
+      <p:ext uri="{BB962C8B-B14F-4D97-AF65-F5344CB8AC3E}">
+        <p14:creationId xmlns:p14="http://schemas.microsoft.com/office/powerpoint/2010/main" val="1255571744"/>
+      </p:ext>
+    </p:extLst>
+  </p:cSld>
+  <p:clrMapOvr>
+    <a:masterClrMapping/>
+  </p:clrMapOvr>
+  <p:timing>
+    <p:tnLst>
+      <p:par>
+        <p:cTn id="1" dur="indefinite" restart="never" nodeType="tmRoot"/>
+      </p:par>
+    </p:tnLst>
+  </p:timing>
+</p:sld>
+</file>
+
+<file path=ppt/slides/slide18.xml><?xml version="1.0" encoding="utf-8"?>
+<p:sld xmlns:a="http://schemas.openxmlformats.org/drawingml/2006/main" xmlns:r="http://schemas.openxmlformats.org/officeDocument/2006/relationships" xmlns:p="http://schemas.openxmlformats.org/presentationml/2006/main">
+  <p:cSld>
+    <p:spTree>
+      <p:nvGrpSpPr>
+        <p:cNvPr id="1" name=""/>
+        <p:cNvGrpSpPr/>
+        <p:nvPr/>
+      </p:nvGrpSpPr>
+      <p:grpSpPr>
+        <a:xfrm>
+          <a:off x="0" y="0"/>
+          <a:ext cx="0" cy="0"/>
+          <a:chOff x="0" y="0"/>
+          <a:chExt cx="0" cy="0"/>
+        </a:xfrm>
+      </p:grpSpPr>
+      <p:sp>
+        <p:nvSpPr>
+          <p:cNvPr id="2" name="Title 1"/>
+          <p:cNvSpPr>
+            <a:spLocks noGrp="1"/>
+          </p:cNvSpPr>
+          <p:nvPr>
+            <p:ph type="title"/>
+          </p:nvPr>
+        </p:nvSpPr>
+        <p:spPr/>
+        <p:txBody>
+          <a:bodyPr/>
+          <a:lstStyle/>
+          <a:p>
+            <a:r>
+              <a:rPr lang="hr-HR" dirty="0" err="1" smtClean="0"/>
+              <a:t>OAuth</a:t>
+            </a:r>
+            <a:endParaRPr lang="hr-HR" dirty="0"/>
+          </a:p>
+        </p:txBody>
+      </p:sp>
+      <p:sp>
+        <p:nvSpPr>
+          <p:cNvPr id="3" name="Content Placeholder 2"/>
+          <p:cNvSpPr>
+            <a:spLocks noGrp="1"/>
+          </p:cNvSpPr>
+          <p:nvPr>
+            <p:ph idx="1"/>
+          </p:nvPr>
+        </p:nvSpPr>
+        <p:spPr/>
+        <p:txBody>
+          <a:bodyPr/>
+          <a:lstStyle/>
+          <a:p>
+            <a:r>
+              <a:rPr lang="hr-HR" dirty="0" smtClean="0"/>
+              <a:t>Standard za </a:t>
+            </a:r>
+            <a:r>
+              <a:rPr lang="hr-HR" dirty="0" err="1" smtClean="0"/>
+              <a:t>token-based</a:t>
+            </a:r>
+            <a:r>
+              <a:rPr lang="hr-HR" dirty="0" smtClean="0"/>
+              <a:t> autentikaciju</a:t>
+            </a:r>
+          </a:p>
+          <a:p>
+            <a:r>
+              <a:rPr lang="hr-HR" dirty="0" smtClean="0"/>
+              <a:t>Omogućuje 3rd party login</a:t>
+            </a:r>
+          </a:p>
+          <a:p>
+            <a:pPr lvl="1"/>
+            <a:r>
+              <a:rPr lang="hr-HR" dirty="0" smtClean="0"/>
+              <a:t>Prijavite se u aplikaciju sa svojim MS ili Google računom</a:t>
+            </a:r>
+          </a:p>
+          <a:p>
+            <a:r>
+              <a:rPr lang="hr-HR" dirty="0" smtClean="0"/>
+              <a:t>Omogućuje ograničeni pristup drugih aplikacija web serveru bez da one imaju informacije o korisnikovoj lozinki</a:t>
+            </a:r>
+          </a:p>
+          <a:p>
+            <a:pPr lvl="1"/>
+            <a:r>
+              <a:rPr lang="hr-HR" dirty="0" smtClean="0"/>
+              <a:t>Aplikacija u koju ste se prijavili može čitati vaš MS ili Google kalendar i ubacivati nove stavke</a:t>
+            </a:r>
+          </a:p>
+          <a:p>
+            <a:endParaRPr lang="hr-HR" dirty="0"/>
+          </a:p>
+        </p:txBody>
+      </p:sp>
+    </p:spTree>
+    <p:extLst>
+      <p:ext uri="{BB962C8B-B14F-4D97-AF65-F5344CB8AC3E}">
+        <p14:creationId xmlns:p14="http://schemas.microsoft.com/office/powerpoint/2010/main" val="3961074411"/>
+      </p:ext>
+    </p:extLst>
+  </p:cSld>
+  <p:clrMapOvr>
+    <a:masterClrMapping/>
+  </p:clrMapOvr>
+  <p:timing>
+    <p:tnLst>
+      <p:par>
+        <p:cTn id="1" dur="indefinite" restart="never" nodeType="tmRoot"/>
+      </p:par>
+    </p:tnLst>
+  </p:timing>
+</p:sld>
+</file>
+
+<file path=ppt/slides/slide19.xml><?xml version="1.0" encoding="utf-8"?>
 <p:sld xmlns:a="http://schemas.openxmlformats.org/drawingml/2006/main" xmlns:r="http://schemas.openxmlformats.org/officeDocument/2006/relationships" xmlns:p="http://schemas.openxmlformats.org/presentationml/2006/main">
   <p:cSld>
     <p:spTree>
@@ -7406,6 +12397,168 @@
       </p:grpSpPr>
       <p:sp>
         <p:nvSpPr>
+          <p:cNvPr id="4" name="Title 3"/>
+          <p:cNvSpPr>
+            <a:spLocks noGrp="1"/>
+          </p:cNvSpPr>
+          <p:nvPr>
+            <p:ph type="title"/>
+          </p:nvPr>
+        </p:nvSpPr>
+        <p:spPr/>
+        <p:txBody>
+          <a:bodyPr/>
+          <a:lstStyle/>
+          <a:p>
+            <a:r>
+              <a:rPr lang="hr-HR" dirty="0"/>
+              <a:t>Ciljevi radionice</a:t>
+            </a:r>
+          </a:p>
+        </p:txBody>
+      </p:sp>
+      <p:sp>
+        <p:nvSpPr>
+          <p:cNvPr id="5" name="Content Placeholder 4"/>
+          <p:cNvSpPr>
+            <a:spLocks noGrp="1"/>
+          </p:cNvSpPr>
+          <p:nvPr>
+            <p:ph idx="1"/>
+          </p:nvPr>
+        </p:nvSpPr>
+        <p:spPr/>
+        <p:txBody>
+          <a:bodyPr/>
+          <a:lstStyle/>
+          <a:p>
+            <a:r>
+              <a:rPr lang="hr-HR" dirty="0" smtClean="0"/>
+              <a:t>Smjernice za razvoj kvalitetnih </a:t>
+            </a:r>
+            <a:r>
+              <a:rPr lang="hr-HR" dirty="0"/>
+              <a:t>web </a:t>
+            </a:r>
+            <a:r>
+              <a:rPr lang="hr-HR" dirty="0" smtClean="0"/>
+              <a:t>aplikacije</a:t>
+            </a:r>
+            <a:endParaRPr lang="hr-HR" dirty="0"/>
+          </a:p>
+          <a:p>
+            <a:r>
+              <a:rPr lang="hr-HR" dirty="0" smtClean="0"/>
+              <a:t>Upoznavanje sa </a:t>
+            </a:r>
+            <a:r>
+              <a:rPr lang="hr-HR" dirty="0" err="1" smtClean="0"/>
+              <a:t>Angular</a:t>
+            </a:r>
+            <a:r>
+              <a:rPr lang="hr-HR" dirty="0" smtClean="0"/>
+              <a:t> </a:t>
+            </a:r>
+            <a:r>
+              <a:rPr lang="hr-HR" dirty="0"/>
+              <a:t>2</a:t>
+            </a:r>
+          </a:p>
+          <a:p>
+            <a:r>
+              <a:rPr lang="hr-HR" dirty="0" smtClean="0"/>
+              <a:t>Detaljno upoznavanje sa „MS </a:t>
+            </a:r>
+            <a:r>
+              <a:rPr lang="hr-HR" dirty="0" err="1" smtClean="0"/>
+              <a:t>Stack</a:t>
+            </a:r>
+            <a:r>
+              <a:rPr lang="hr-HR" dirty="0" smtClean="0"/>
+              <a:t>”</a:t>
+            </a:r>
+          </a:p>
+          <a:p>
+            <a:pPr lvl="1"/>
+            <a:r>
+              <a:rPr lang="hr-HR" dirty="0" smtClean="0"/>
+              <a:t>Upoznavanje sa Web </a:t>
+            </a:r>
+            <a:r>
+              <a:rPr lang="hr-HR" dirty="0"/>
+              <a:t>API</a:t>
+            </a:r>
+          </a:p>
+          <a:p>
+            <a:pPr lvl="1"/>
+            <a:r>
+              <a:rPr lang="hr-HR" dirty="0" smtClean="0"/>
+              <a:t>Upoznavanje sa </a:t>
+            </a:r>
+            <a:r>
+              <a:rPr lang="hr-HR" dirty="0" err="1" smtClean="0"/>
+              <a:t>Entity</a:t>
+            </a:r>
+            <a:r>
+              <a:rPr lang="hr-HR" dirty="0" smtClean="0"/>
+              <a:t> </a:t>
+            </a:r>
+            <a:r>
+              <a:rPr lang="hr-HR" dirty="0"/>
+              <a:t>Framework</a:t>
+            </a:r>
+          </a:p>
+          <a:p>
+            <a:r>
+              <a:rPr lang="hr-HR" dirty="0" smtClean="0"/>
+              <a:t>Upoznavanje sa razvojnim alatima vezanim </a:t>
+            </a:r>
+            <a:r>
+              <a:rPr lang="hr-HR" dirty="0"/>
+              <a:t>za web razvoj</a:t>
+            </a:r>
+          </a:p>
+        </p:txBody>
+      </p:sp>
+    </p:spTree>
+    <p:extLst>
+      <p:ext uri="{BB962C8B-B14F-4D97-AF65-F5344CB8AC3E}">
+        <p14:creationId xmlns:p14="http://schemas.microsoft.com/office/powerpoint/2010/main" val="3002409444"/>
+      </p:ext>
+    </p:extLst>
+  </p:cSld>
+  <p:clrMapOvr>
+    <a:masterClrMapping/>
+  </p:clrMapOvr>
+  <p:timing>
+    <p:tnLst>
+      <p:par>
+        <p:cTn id="1" dur="indefinite" restart="never" nodeType="tmRoot"/>
+      </p:par>
+    </p:tnLst>
+  </p:timing>
+</p:sld>
+</file>
+
+<file path=ppt/slides/slide3.xml><?xml version="1.0" encoding="utf-8"?>
+<p:sld xmlns:a="http://schemas.openxmlformats.org/drawingml/2006/main" xmlns:r="http://schemas.openxmlformats.org/officeDocument/2006/relationships" xmlns:p="http://schemas.openxmlformats.org/presentationml/2006/main">
+  <p:cSld>
+    <p:spTree>
+      <p:nvGrpSpPr>
+        <p:cNvPr id="1" name=""/>
+        <p:cNvGrpSpPr/>
+        <p:nvPr/>
+      </p:nvGrpSpPr>
+      <p:grpSpPr>
+        <a:xfrm>
+          <a:off x="0" y="0"/>
+          <a:ext cx="0" cy="0"/>
+          <a:chOff x="0" y="0"/>
+          <a:chExt cx="0" cy="0"/>
+        </a:xfrm>
+      </p:grpSpPr>
+      <p:sp>
+        <p:nvSpPr>
           <p:cNvPr id="2" name="Title 1"/>
           <p:cNvSpPr>
             <a:spLocks noGrp="1"/>
@@ -7437,14 +12590,14 @@
             <p:ph idx="1"/>
             <p:extLst>
               <p:ext uri="{D42A27DB-BD31-4B8C-83A1-F6EECF244321}">
-                <p14:modId xmlns:p14="http://schemas.microsoft.com/office/powerpoint/2010/main" val="1781505642"/>
+                <p14:modId xmlns:p14="http://schemas.microsoft.com/office/powerpoint/2010/main" val="2875171912"/>
               </p:ext>
             </p:extLst>
           </p:nvPr>
         </p:nvGraphicFramePr>
         <p:xfrm>
-          <a:off x="838200" y="1772871"/>
-          <a:ext cx="10515600" cy="4351338"/>
+          <a:off x="530192" y="1772871"/>
+          <a:ext cx="8604183" cy="4351338"/>
         </p:xfrm>
         <a:graphic>
           <a:graphicData uri="http://schemas.openxmlformats.org/drawingml/2006/diagram">
@@ -7496,151 +12649,13 @@
     </p:spTree>
     <p:extLst>
       <p:ext uri="{BB962C8B-B14F-4D97-AF65-F5344CB8AC3E}">
-        <p14:creationId xmlns:p14="http://schemas.microsoft.com/office/powerpoint/2010/main" val="2383672195"/>
+        <p14:creationId xmlns:p14="http://schemas.microsoft.com/office/powerpoint/2010/main" val="1821454566"/>
       </p:ext>
     </p:extLst>
   </p:cSld>
   <p:clrMapOvr>
     <a:masterClrMapping/>
   </p:clrMapOvr>
-</p:sld>
-</file>
-
-<file path=ppt/slides/slide3.xml><?xml version="1.0" encoding="utf-8"?>
-<p:sld xmlns:a="http://schemas.openxmlformats.org/drawingml/2006/main" xmlns:r="http://schemas.openxmlformats.org/officeDocument/2006/relationships" xmlns:p="http://schemas.openxmlformats.org/presentationml/2006/main">
-  <p:cSld>
-    <p:spTree>
-      <p:nvGrpSpPr>
-        <p:cNvPr id="1" name=""/>
-        <p:cNvGrpSpPr/>
-        <p:nvPr/>
-      </p:nvGrpSpPr>
-      <p:grpSpPr>
-        <a:xfrm>
-          <a:off x="0" y="0"/>
-          <a:ext cx="0" cy="0"/>
-          <a:chOff x="0" y="0"/>
-          <a:chExt cx="0" cy="0"/>
-        </a:xfrm>
-      </p:grpSpPr>
-      <p:sp>
-        <p:nvSpPr>
-          <p:cNvPr id="2" name="Title 1"/>
-          <p:cNvSpPr>
-            <a:spLocks noGrp="1"/>
-          </p:cNvSpPr>
-          <p:nvPr>
-            <p:ph type="title"/>
-          </p:nvPr>
-        </p:nvSpPr>
-        <p:spPr/>
-        <p:txBody>
-          <a:bodyPr/>
-          <a:lstStyle/>
-          <a:p>
-            <a:r>
-              <a:rPr lang="hr-HR" dirty="0"/>
-              <a:t>Web </a:t>
-            </a:r>
-            <a:r>
-              <a:rPr lang="hr-HR" dirty="0" smtClean="0"/>
-              <a:t>aplikacije -povijest</a:t>
-            </a:r>
-            <a:endParaRPr lang="hr-HR" dirty="0"/>
-          </a:p>
-        </p:txBody>
-      </p:sp>
-      <p:sp>
-        <p:nvSpPr>
-          <p:cNvPr id="3" name="Content Placeholder 2"/>
-          <p:cNvSpPr>
-            <a:spLocks noGrp="1"/>
-          </p:cNvSpPr>
-          <p:nvPr>
-            <p:ph idx="1"/>
-          </p:nvPr>
-        </p:nvSpPr>
-        <p:spPr/>
-        <p:txBody>
-          <a:bodyPr>
-            <a:normAutofit/>
-          </a:bodyPr>
-          <a:lstStyle/>
-          <a:p>
-            <a:r>
-              <a:rPr lang="hr-HR" dirty="0"/>
-              <a:t>Statični sadržaj (</a:t>
-            </a:r>
-            <a:r>
-              <a:rPr lang="hr-HR" dirty="0">
-                <a:hlinkClick r:id="rId2"/>
-              </a:rPr>
-              <a:t>http://www.pmf.unizg.hr/phy/nastava/nastavni_materijali</a:t>
-            </a:r>
-            <a:r>
-              <a:rPr lang="hr-HR" dirty="0"/>
-              <a:t>)</a:t>
-            </a:r>
-          </a:p>
-          <a:p>
-            <a:r>
-              <a:rPr lang="hr-HR" dirty="0"/>
-              <a:t>Potreba pohrane podataka i prikaz dinamičkog sadržaja</a:t>
-            </a:r>
-          </a:p>
-          <a:p>
-            <a:pPr lvl="1"/>
-            <a:r>
-              <a:rPr lang="hr-HR" dirty="0"/>
-              <a:t>Za male promjene na stranici potreban dohvat cijele stranice</a:t>
-            </a:r>
-          </a:p>
-          <a:p>
-            <a:r>
-              <a:rPr lang="hr-HR" dirty="0" err="1"/>
-              <a:t>Javascript</a:t>
-            </a:r>
-            <a:r>
-              <a:rPr lang="hr-HR" dirty="0"/>
-              <a:t> i CSS (</a:t>
-            </a:r>
-            <a:r>
-              <a:rPr lang="hr-HR" dirty="0">
-                <a:hlinkClick r:id="rId3"/>
-              </a:rPr>
-              <a:t>https://www.lingscars.com</a:t>
-            </a:r>
-            <a:r>
-              <a:rPr lang="hr-HR" dirty="0" smtClean="0">
-                <a:hlinkClick r:id="rId3"/>
-              </a:rPr>
-              <a:t>/</a:t>
-            </a:r>
-            <a:r>
-              <a:rPr lang="hr-HR" dirty="0" smtClean="0"/>
-              <a:t>)</a:t>
-            </a:r>
-            <a:endParaRPr lang="hr-HR" dirty="0"/>
-          </a:p>
-        </p:txBody>
-      </p:sp>
-    </p:spTree>
-    <p:extLst>
-      <p:ext uri="{BB962C8B-B14F-4D97-AF65-F5344CB8AC3E}">
-        <p14:creationId xmlns:p14="http://schemas.microsoft.com/office/powerpoint/2010/main" val="2238752516"/>
-      </p:ext>
-    </p:extLst>
-  </p:cSld>
-  <p:clrMapOvr>
-    <a:masterClrMapping/>
-  </p:clrMapOvr>
-  <p:timing>
-    <p:tnLst>
-      <p:par>
-        <p:cTn id="1" dur="indefinite" restart="never" nodeType="tmRoot"/>
-      </p:par>
-    </p:tnLst>
-  </p:timing>
 </p:sld>
 </file>
 
@@ -7682,7 +12697,7 @@
             </a:r>
             <a:r>
               <a:rPr lang="hr-HR" dirty="0" smtClean="0"/>
-              <a:t>aplikacije - povijest</a:t>
+              <a:t>aplikacije -povijest</a:t>
             </a:r>
             <a:endParaRPr lang="hr-HR" dirty="0"/>
           </a:p>
@@ -7698,184 +12713,127 @@
             <p:ph idx="1"/>
           </p:nvPr>
         </p:nvSpPr>
-        <p:spPr/>
+        <p:spPr>
+          <a:xfrm>
+            <a:off x="838200" y="1825625"/>
+            <a:ext cx="8074794" cy="4351338"/>
+          </a:xfrm>
+        </p:spPr>
         <p:txBody>
           <a:bodyPr>
-            <a:normAutofit lnSpcReduction="10000"/>
+            <a:normAutofit/>
           </a:bodyPr>
           <a:lstStyle/>
           <a:p>
             <a:r>
               <a:rPr lang="hr-HR" dirty="0"/>
-              <a:t>AJAX</a:t>
+              <a:t>Statični sadržaj </a:t>
+            </a:r>
+            <a:r>
+              <a:rPr lang="hr-HR" dirty="0" smtClean="0"/>
+              <a:t>(Sir Tim </a:t>
+            </a:r>
+            <a:r>
+              <a:rPr lang="hr-HR" dirty="0" err="1" smtClean="0"/>
+              <a:t>Berners</a:t>
+            </a:r>
+            <a:r>
+              <a:rPr lang="hr-HR" dirty="0" smtClean="0"/>
+              <a:t>-Lee, CERN, 1989)</a:t>
             </a:r>
           </a:p>
           <a:p>
             <a:pPr lvl="1"/>
             <a:r>
-              <a:rPr lang="hr-HR" dirty="0" err="1"/>
-              <a:t>iframe</a:t>
+              <a:rPr lang="hr-HR" dirty="0" smtClean="0"/>
+              <a:t>Početni oblik web stranica</a:t>
+            </a:r>
+          </a:p>
+          <a:p>
+            <a:pPr lvl="1"/>
+            <a:r>
+              <a:rPr lang="hr-HR" dirty="0" smtClean="0"/>
+              <a:t>Ukoliko smo željeli prikazati neki sadržaj na web stranici morali smo ga ručno unijeti u samu datoteku (HTML) koju stranica prikazuje</a:t>
+            </a:r>
+          </a:p>
+          <a:p>
+            <a:pPr lvl="1"/>
+            <a:r>
+              <a:rPr lang="hr-HR" dirty="0" smtClean="0"/>
+              <a:t>Na svaki zahtjev dohvaćamo cijelu stranicu</a:t>
+            </a:r>
+          </a:p>
+          <a:p>
+            <a:pPr lvl="1"/>
+            <a:r>
+              <a:rPr lang="hr-HR" dirty="0" smtClean="0">
+                <a:hlinkClick r:id="rId3"/>
+              </a:rPr>
+              <a:t>http</a:t>
+            </a:r>
+            <a:r>
+              <a:rPr lang="hr-HR" dirty="0">
+                <a:hlinkClick r:id="rId3"/>
+              </a:rPr>
+              <a:t>://</a:t>
+            </a:r>
+            <a:r>
+              <a:rPr lang="hr-HR" dirty="0" smtClean="0">
+                <a:hlinkClick r:id="rId3"/>
+              </a:rPr>
+              <a:t>www.pmf.unizg.hr/phy/nastava/nastavni_materijali</a:t>
+            </a:r>
+            <a:endParaRPr lang="hr-HR" dirty="0"/>
+          </a:p>
+          <a:p>
+            <a:pPr lvl="1"/>
+            <a:r>
+              <a:rPr lang="hr-HR" dirty="0" smtClean="0"/>
+              <a:t>Pojavila se potreba </a:t>
             </a:r>
             <a:r>
               <a:rPr lang="hr-HR" dirty="0"/>
-              <a:t> (1996)</a:t>
+              <a:t>pohrane podataka i prikaz dinamičkog sadržaja</a:t>
             </a:r>
           </a:p>
           <a:p>
             <a:pPr lvl="1"/>
             <a:r>
-              <a:rPr lang="hr-HR" dirty="0" err="1"/>
-              <a:t>ActiveX</a:t>
-            </a:r>
-            <a:r>
-              <a:rPr lang="hr-HR" dirty="0"/>
-              <a:t> (IE 5, 1999)</a:t>
-            </a:r>
-          </a:p>
-          <a:p>
-            <a:pPr lvl="1"/>
-            <a:r>
-              <a:rPr lang="hr-HR" dirty="0" err="1"/>
-              <a:t>Gmail</a:t>
-            </a:r>
-            <a:r>
-              <a:rPr lang="hr-HR" dirty="0"/>
-              <a:t> (2004)</a:t>
-            </a:r>
-          </a:p>
-          <a:p>
-            <a:r>
-              <a:rPr lang="hr-HR" dirty="0"/>
-              <a:t>MVC – </a:t>
-            </a:r>
-            <a:r>
-              <a:rPr lang="hr-HR" dirty="0" err="1"/>
-              <a:t>partial</a:t>
-            </a:r>
-            <a:r>
-              <a:rPr lang="hr-HR" dirty="0"/>
-              <a:t> </a:t>
-            </a:r>
-            <a:r>
-              <a:rPr lang="hr-HR" dirty="0" err="1"/>
-              <a:t>view</a:t>
-            </a:r>
-            <a:endParaRPr lang="hr-HR" dirty="0"/>
-          </a:p>
-          <a:p>
-            <a:pPr lvl="1"/>
-            <a:r>
-              <a:rPr lang="hr-HR" dirty="0" err="1" smtClean="0"/>
-              <a:t>Mvc</a:t>
-            </a:r>
-            <a:r>
-              <a:rPr lang="hr-HR" dirty="0" smtClean="0"/>
-              <a:t> </a:t>
-            </a:r>
-            <a:r>
-              <a:rPr lang="hr-HR" dirty="0" err="1" smtClean="0"/>
-              <a:t>pre</a:t>
-            </a:r>
-            <a:r>
-              <a:rPr lang="hr-HR" dirty="0" smtClean="0"/>
-              <a:t> 1 (2008) – </a:t>
-            </a:r>
-            <a:r>
-              <a:rPr lang="hr-HR" dirty="0" err="1" smtClean="0"/>
-              <a:t>Phil</a:t>
-            </a:r>
-            <a:r>
-              <a:rPr lang="hr-HR" dirty="0" smtClean="0"/>
-              <a:t> </a:t>
-            </a:r>
-            <a:r>
-              <a:rPr lang="hr-HR" dirty="0" err="1" smtClean="0"/>
-              <a:t>Haack</a:t>
-            </a:r>
-            <a:endParaRPr lang="hr-HR" dirty="0" smtClean="0"/>
-          </a:p>
-          <a:p>
-            <a:pPr lvl="1"/>
-            <a:r>
-              <a:rPr lang="hr-HR" dirty="0" smtClean="0"/>
-              <a:t>MVC </a:t>
-            </a:r>
-            <a:r>
-              <a:rPr lang="hr-HR" dirty="0"/>
-              <a:t>1 (2009) – web </a:t>
-            </a:r>
-            <a:r>
-              <a:rPr lang="hr-HR" dirty="0" err="1"/>
-              <a:t>pages</a:t>
-            </a:r>
-            <a:endParaRPr lang="hr-HR" dirty="0"/>
-          </a:p>
-          <a:p>
-            <a:pPr lvl="1"/>
-            <a:r>
-              <a:rPr lang="hr-HR" dirty="0"/>
-              <a:t>MVC 3 (2011) </a:t>
-            </a:r>
-            <a:r>
-              <a:rPr lang="hr-HR" dirty="0" smtClean="0"/>
-              <a:t>– razor</a:t>
-            </a:r>
-          </a:p>
-          <a:p>
-            <a:pPr lvl="1"/>
-            <a:r>
-              <a:rPr lang="hr-HR" dirty="0" smtClean="0"/>
-              <a:t>MVC 4 (2011-2012) -  </a:t>
-            </a:r>
-            <a:r>
-              <a:rPr lang="hr-HR" dirty="0" err="1" smtClean="0"/>
-              <a:t>Visual</a:t>
-            </a:r>
-            <a:r>
-              <a:rPr lang="hr-HR" dirty="0" smtClean="0"/>
-              <a:t> Studio 2010-2012</a:t>
-            </a:r>
-          </a:p>
-          <a:p>
-            <a:pPr lvl="1"/>
-            <a:r>
-              <a:rPr lang="hr-HR" dirty="0"/>
-              <a:t>„ASP.NET One” </a:t>
-            </a:r>
-            <a:r>
-              <a:rPr lang="hr-HR" dirty="0" smtClean="0"/>
-              <a:t>- MVC 5 (2016) – </a:t>
-            </a:r>
-            <a:r>
-              <a:rPr lang="hr-HR" dirty="0" err="1" smtClean="0"/>
-              <a:t>Visual</a:t>
-            </a:r>
-            <a:r>
-              <a:rPr lang="hr-HR" dirty="0" smtClean="0"/>
-              <a:t> Studio 2013-2015</a:t>
-            </a:r>
-          </a:p>
-          <a:p>
-            <a:pPr lvl="1"/>
-            <a:r>
-              <a:rPr lang="hr-HR" dirty="0" err="1" smtClean="0"/>
-              <a:t>Mvc</a:t>
-            </a:r>
-            <a:r>
-              <a:rPr lang="hr-HR" dirty="0" smtClean="0"/>
-              <a:t> &amp; Web API Core</a:t>
-            </a:r>
-            <a:endParaRPr lang="hr-HR" dirty="0"/>
-          </a:p>
-          <a:p>
+              <a:rPr lang="hr-HR" dirty="0" smtClean="0"/>
+              <a:t>Ne želimo učitavati cijelu stranicu kako bismo samo promijenili boju elementa ili sl.</a:t>
+            </a:r>
             <a:endParaRPr lang="hr-HR" dirty="0"/>
           </a:p>
         </p:txBody>
       </p:sp>
+      <p:pic>
+        <p:nvPicPr>
+          <p:cNvPr id="4" name="Picture 3"/>
+          <p:cNvPicPr>
+            <a:picLocks noChangeAspect="1"/>
+          </p:cNvPicPr>
+          <p:nvPr/>
+        </p:nvPicPr>
+        <p:blipFill>
+          <a:blip r:embed="rId4"/>
+          <a:stretch>
+            <a:fillRect/>
+          </a:stretch>
+        </p:blipFill>
+        <p:spPr>
+          <a:xfrm>
+            <a:off x="9543248" y="2667794"/>
+            <a:ext cx="2095500" cy="2667000"/>
+          </a:xfrm>
+          <a:prstGeom prst="rect">
+            <a:avLst/>
+          </a:prstGeom>
+        </p:spPr>
+      </p:pic>
     </p:spTree>
     <p:extLst>
       <p:ext uri="{BB962C8B-B14F-4D97-AF65-F5344CB8AC3E}">
-        <p14:creationId xmlns:p14="http://schemas.microsoft.com/office/powerpoint/2010/main" val="112139646"/>
+        <p14:creationId xmlns:p14="http://schemas.microsoft.com/office/powerpoint/2010/main" val="2238752516"/>
       </p:ext>
     </p:extLst>
   </p:cSld>
@@ -7930,7 +12888,7 @@
             </a:r>
             <a:r>
               <a:rPr lang="hr-HR" dirty="0" smtClean="0"/>
-              <a:t>aplikacije - povijest</a:t>
+              <a:t>aplikacije -povijest</a:t>
             </a:r>
             <a:endParaRPr lang="hr-HR" dirty="0"/>
           </a:p>
@@ -7948,117 +12906,261 @@
         </p:nvSpPr>
         <p:spPr/>
         <p:txBody>
-          <a:bodyPr/>
+          <a:bodyPr>
+            <a:normAutofit lnSpcReduction="10000"/>
+          </a:bodyPr>
           <a:lstStyle/>
           <a:p>
             <a:r>
+              <a:rPr lang="hr-HR" dirty="0" err="1"/>
+              <a:t>Javascript</a:t>
+            </a:r>
+            <a:r>
               <a:rPr lang="hr-HR" dirty="0"/>
-              <a:t>Single </a:t>
-            </a:r>
+              <a:t> i CSS </a:t>
+            </a:r>
+            <a:endParaRPr lang="hr-HR" dirty="0" smtClean="0"/>
+          </a:p>
+          <a:p>
+            <a:pPr lvl="1"/>
+            <a:r>
+              <a:rPr lang="hr-HR" dirty="0" err="1" smtClean="0"/>
+              <a:t>Javascript</a:t>
+            </a:r>
+            <a:endParaRPr lang="hr-HR" dirty="0" smtClean="0"/>
+          </a:p>
+          <a:p>
+            <a:pPr lvl="2"/>
+            <a:r>
+              <a:rPr lang="hr-HR" dirty="0" err="1" smtClean="0"/>
+              <a:t>Brendan</a:t>
+            </a:r>
+            <a:r>
+              <a:rPr lang="hr-HR" dirty="0" smtClean="0"/>
+              <a:t> </a:t>
+            </a:r>
+            <a:r>
+              <a:rPr lang="hr-HR" dirty="0" err="1" smtClean="0"/>
+              <a:t>Eich</a:t>
+            </a:r>
+            <a:r>
+              <a:rPr lang="hr-HR" dirty="0" smtClean="0"/>
+              <a:t>, </a:t>
+            </a:r>
+            <a:r>
+              <a:rPr lang="hr-HR" dirty="0" err="1" smtClean="0"/>
+              <a:t>Netscape</a:t>
+            </a:r>
+            <a:r>
+              <a:rPr lang="hr-HR" dirty="0" smtClean="0"/>
+              <a:t>, 1995 (</a:t>
+            </a:r>
+            <a:r>
+              <a:rPr lang="hr-HR" dirty="0" err="1" smtClean="0"/>
+              <a:t>Mocha</a:t>
+            </a:r>
+            <a:r>
+              <a:rPr lang="hr-HR" dirty="0" smtClean="0"/>
+              <a:t>)</a:t>
+            </a:r>
+            <a:endParaRPr lang="hr-HR" dirty="0"/>
+          </a:p>
+          <a:p>
+            <a:pPr lvl="2"/>
+            <a:r>
+              <a:rPr lang="hr-HR" dirty="0" smtClean="0"/>
+              <a:t>Kreiran u 10 dana</a:t>
+            </a:r>
+          </a:p>
+          <a:p>
+            <a:pPr lvl="1"/>
+            <a:r>
+              <a:rPr lang="hr-HR" dirty="0" smtClean="0"/>
+              <a:t>CSS (</a:t>
+            </a:r>
+            <a:r>
+              <a:rPr lang="hr-HR" dirty="0" err="1" smtClean="0"/>
+              <a:t>Cascading</a:t>
+            </a:r>
+            <a:r>
+              <a:rPr lang="hr-HR" dirty="0" smtClean="0"/>
+              <a:t> </a:t>
+            </a:r>
+            <a:r>
+              <a:rPr lang="hr-HR" dirty="0" err="1" smtClean="0"/>
+              <a:t>style</a:t>
+            </a:r>
+            <a:r>
+              <a:rPr lang="hr-HR" dirty="0" smtClean="0"/>
+              <a:t> </a:t>
+            </a:r>
+            <a:r>
+              <a:rPr lang="hr-HR" dirty="0" err="1" smtClean="0"/>
+              <a:t>sheets</a:t>
+            </a:r>
+            <a:r>
+              <a:rPr lang="hr-HR" dirty="0" smtClean="0"/>
+              <a:t>)</a:t>
+            </a:r>
+          </a:p>
+          <a:p>
+            <a:pPr lvl="2"/>
             <a:r>
               <a:rPr lang="hr-HR" dirty="0" err="1"/>
-              <a:t>page</a:t>
+              <a:t>Håkon</a:t>
             </a:r>
             <a:r>
               <a:rPr lang="hr-HR" dirty="0"/>
-              <a:t> (patent 2004)</a:t>
+              <a:t> </a:t>
+            </a:r>
+            <a:r>
+              <a:rPr lang="hr-HR" dirty="0" err="1"/>
+              <a:t>Wium</a:t>
+            </a:r>
+            <a:r>
+              <a:rPr lang="hr-HR" dirty="0"/>
+              <a:t> </a:t>
+            </a:r>
+            <a:r>
+              <a:rPr lang="hr-HR" dirty="0" err="1" smtClean="0"/>
+              <a:t>Lie</a:t>
+            </a:r>
+            <a:r>
+              <a:rPr lang="hr-HR" dirty="0" smtClean="0"/>
+              <a:t>, CERN, 1994</a:t>
+            </a:r>
+          </a:p>
+          <a:p>
+            <a:pPr lvl="2"/>
+            <a:r>
+              <a:rPr lang="hr-HR" dirty="0" err="1"/>
+              <a:t>Bert</a:t>
+            </a:r>
+            <a:r>
+              <a:rPr lang="hr-HR" dirty="0"/>
+              <a:t> </a:t>
+            </a:r>
+            <a:r>
+              <a:rPr lang="hr-HR" dirty="0" smtClean="0"/>
+              <a:t>Bos, W3C, 1996</a:t>
             </a:r>
           </a:p>
           <a:p>
             <a:pPr lvl="1"/>
             <a:r>
               <a:rPr lang="hr-HR" dirty="0" smtClean="0"/>
-              <a:t>Učitavanje cijele (ili dijelova) </a:t>
-            </a:r>
-            <a:r>
-              <a:rPr lang="hr-HR" dirty="0"/>
-              <a:t>aplikacije </a:t>
-            </a:r>
-            <a:r>
-              <a:rPr lang="hr-HR" dirty="0" smtClean="0"/>
-              <a:t>u browser</a:t>
-            </a:r>
-            <a:endParaRPr lang="hr-HR" dirty="0"/>
+              <a:t>Korak naprijed u odnosu na statični sadržaj</a:t>
+            </a:r>
           </a:p>
           <a:p>
             <a:pPr lvl="1"/>
             <a:r>
-              <a:rPr lang="hr-HR" dirty="0" err="1" smtClean="0"/>
-              <a:t>Ajax-XHttpRequest</a:t>
-            </a:r>
-            <a:r>
-              <a:rPr lang="hr-HR" dirty="0" smtClean="0"/>
-              <a:t> komunikacija sa serverom (podaci)</a:t>
-            </a:r>
-            <a:endParaRPr lang="hr-HR" dirty="0"/>
+              <a:rPr lang="hr-HR" dirty="0" smtClean="0"/>
+              <a:t>Možemo reagirati na korisničke akcije bez ponovnog učitavanja stranice</a:t>
+            </a:r>
           </a:p>
           <a:p>
             <a:pPr lvl="1"/>
             <a:r>
-              <a:rPr lang="hr-HR" dirty="0" err="1"/>
-              <a:t>AngularJS</a:t>
-            </a:r>
-            <a:r>
-              <a:rPr lang="hr-HR" dirty="0"/>
-              <a:t> (2010</a:t>
-            </a:r>
-            <a:r>
-              <a:rPr lang="hr-HR" dirty="0" smtClean="0"/>
-              <a:t>)</a:t>
+              <a:rPr lang="hr-HR" dirty="0" smtClean="0"/>
+              <a:t>Moguće je dinamički generirati HTML </a:t>
             </a:r>
           </a:p>
           <a:p>
             <a:pPr lvl="1"/>
             <a:r>
               <a:rPr lang="hr-HR" dirty="0" smtClean="0"/>
-              <a:t>Izazovi</a:t>
-            </a:r>
-            <a:endParaRPr lang="hr-HR" dirty="0"/>
-          </a:p>
-          <a:p>
-            <a:pPr lvl="2"/>
-            <a:r>
-              <a:rPr lang="hr-HR" dirty="0" err="1"/>
-              <a:t>Routing</a:t>
-            </a:r>
-            <a:endParaRPr lang="hr-HR" dirty="0"/>
-          </a:p>
-          <a:p>
-            <a:pPr lvl="2"/>
-            <a:r>
-              <a:rPr lang="hr-HR" dirty="0" smtClean="0"/>
-              <a:t>SEO</a:t>
-            </a:r>
-          </a:p>
-          <a:p>
-            <a:pPr lvl="2"/>
-            <a:r>
-              <a:rPr lang="hr-HR" dirty="0" smtClean="0"/>
-              <a:t>Parcijalni </a:t>
-            </a:r>
-            <a:r>
-              <a:rPr lang="hr-HR" dirty="0" err="1" smtClean="0"/>
-              <a:t>loading</a:t>
-            </a:r>
-            <a:r>
-              <a:rPr lang="hr-HR" dirty="0" smtClean="0"/>
-              <a:t> templatea</a:t>
-            </a:r>
-            <a:endParaRPr lang="hr-HR" dirty="0"/>
+              <a:t>Moguće razdvojiti strukturu (HTML) od stila (CSS)</a:t>
+            </a:r>
           </a:p>
           <a:p>
             <a:pPr lvl="1"/>
-            <a:endParaRPr lang="hr-HR" dirty="0"/>
-          </a:p>
-          <a:p>
+            <a:r>
+              <a:rPr lang="hr-HR" dirty="0" smtClean="0">
+                <a:hlinkClick r:id="rId3"/>
+              </a:rPr>
+              <a:t>https</a:t>
+            </a:r>
+            <a:r>
+              <a:rPr lang="hr-HR" dirty="0">
+                <a:hlinkClick r:id="rId3"/>
+              </a:rPr>
+              <a:t>://www.lingscars.com</a:t>
+            </a:r>
+            <a:r>
+              <a:rPr lang="hr-HR" dirty="0" smtClean="0">
+                <a:hlinkClick r:id="rId3"/>
+              </a:rPr>
+              <a:t>/</a:t>
+            </a:r>
             <a:endParaRPr lang="hr-HR" dirty="0"/>
           </a:p>
         </p:txBody>
       </p:sp>
+      <p:pic>
+        <p:nvPicPr>
+          <p:cNvPr id="4" name="Picture 3"/>
+          <p:cNvPicPr>
+            <a:picLocks noChangeAspect="1"/>
+          </p:cNvPicPr>
+          <p:nvPr/>
+        </p:nvPicPr>
+        <p:blipFill>
+          <a:blip r:embed="rId4">
+            <a:extLst>
+              <a:ext uri="{28A0092B-C50C-407E-A947-70E740481C1C}">
+                <a14:useLocalDpi xmlns:a14="http://schemas.microsoft.com/office/drawing/2010/main" val="0"/>
+              </a:ext>
+            </a:extLst>
+          </a:blip>
+          <a:stretch>
+            <a:fillRect/>
+          </a:stretch>
+        </p:blipFill>
+        <p:spPr>
+          <a:xfrm>
+            <a:off x="9101990" y="365125"/>
+            <a:ext cx="1857375" cy="1857375"/>
+          </a:xfrm>
+          <a:prstGeom prst="rect">
+            <a:avLst/>
+          </a:prstGeom>
+        </p:spPr>
+      </p:pic>
+      <p:pic>
+        <p:nvPicPr>
+          <p:cNvPr id="5" name="Picture 4"/>
+          <p:cNvPicPr>
+            <a:picLocks noChangeAspect="1"/>
+          </p:cNvPicPr>
+          <p:nvPr/>
+        </p:nvPicPr>
+        <p:blipFill>
+          <a:blip r:embed="rId5">
+            <a:extLst>
+              <a:ext uri="{28A0092B-C50C-407E-A947-70E740481C1C}">
+                <a14:useLocalDpi xmlns:a14="http://schemas.microsoft.com/office/drawing/2010/main" val="0"/>
+              </a:ext>
+            </a:extLst>
+          </a:blip>
+          <a:stretch>
+            <a:fillRect/>
+          </a:stretch>
+        </p:blipFill>
+        <p:spPr>
+          <a:xfrm>
+            <a:off x="7244615" y="365125"/>
+            <a:ext cx="1857375" cy="1857375"/>
+          </a:xfrm>
+          <a:prstGeom prst="rect">
+            <a:avLst/>
+          </a:prstGeom>
+        </p:spPr>
+      </p:pic>
     </p:spTree>
     <p:extLst>
       <p:ext uri="{BB962C8B-B14F-4D97-AF65-F5344CB8AC3E}">
-        <p14:creationId xmlns:p14="http://schemas.microsoft.com/office/powerpoint/2010/main" val="393142116"/>
+        <p14:creationId xmlns:p14="http://schemas.microsoft.com/office/powerpoint/2010/main" val="2273994340"/>
       </p:ext>
     </p:extLst>
   </p:cSld>
@@ -8109,8 +13211,13 @@
           <a:p>
             <a:r>
               <a:rPr lang="hr-HR" dirty="0"/>
-              <a:t>Web aplikacije</a:t>
-            </a:r>
+              <a:t>Web </a:t>
+            </a:r>
+            <a:r>
+              <a:rPr lang="hr-HR" dirty="0" smtClean="0"/>
+              <a:t>aplikacije - povijest</a:t>
+            </a:r>
+            <a:endParaRPr lang="hr-HR" dirty="0"/>
           </a:p>
         </p:txBody>
       </p:sp>
@@ -8133,85 +13240,194 @@
           <a:p>
             <a:r>
               <a:rPr lang="hr-HR" dirty="0" smtClean="0"/>
-              <a:t>UI/UX</a:t>
+              <a:t>AJAX</a:t>
             </a:r>
           </a:p>
           <a:p>
             <a:pPr lvl="1"/>
             <a:r>
-              <a:rPr lang="hr-HR" dirty="0" smtClean="0"/>
-              <a:t>Pratimo generalne smjernice, ukoliko naručitelj ne traži nešto određeno</a:t>
+              <a:rPr lang="hr-HR" b="1" dirty="0" err="1"/>
+              <a:t>A</a:t>
+            </a:r>
+            <a:r>
+              <a:rPr lang="hr-HR" dirty="0" err="1"/>
+              <a:t>synchronous</a:t>
+            </a:r>
+            <a:r>
+              <a:rPr lang="hr-HR" dirty="0"/>
+              <a:t> </a:t>
+            </a:r>
+            <a:r>
+              <a:rPr lang="hr-HR" b="1" dirty="0" err="1"/>
+              <a:t>J</a:t>
+            </a:r>
+            <a:r>
+              <a:rPr lang="hr-HR" dirty="0" err="1"/>
+              <a:t>avaScript</a:t>
+            </a:r>
+            <a:r>
+              <a:rPr lang="hr-HR" dirty="0"/>
+              <a:t> </a:t>
+            </a:r>
+            <a:r>
+              <a:rPr lang="hr-HR" b="1" dirty="0" err="1"/>
+              <a:t>A</a:t>
+            </a:r>
+            <a:r>
+              <a:rPr lang="hr-HR" dirty="0" err="1"/>
+              <a:t>nd</a:t>
+            </a:r>
+            <a:r>
+              <a:rPr lang="hr-HR" dirty="0"/>
+              <a:t> </a:t>
+            </a:r>
+            <a:r>
+              <a:rPr lang="hr-HR" b="1" dirty="0" smtClean="0"/>
+              <a:t>X</a:t>
+            </a:r>
+            <a:r>
+              <a:rPr lang="hr-HR" dirty="0" smtClean="0"/>
+              <a:t>ML</a:t>
             </a:r>
           </a:p>
           <a:p>
             <a:pPr lvl="1"/>
             <a:r>
               <a:rPr lang="hr-HR" dirty="0" smtClean="0"/>
-              <a:t>Većinom interne aplikacije – jednostavan dizajn</a:t>
+              <a:t>Korištenje </a:t>
+            </a:r>
+            <a:r>
+              <a:rPr lang="hr-HR" dirty="0" err="1" smtClean="0"/>
+              <a:t>XMLHttpRequesta</a:t>
+            </a:r>
+            <a:r>
+              <a:rPr lang="hr-HR" dirty="0" smtClean="0"/>
+              <a:t> (</a:t>
+            </a:r>
+            <a:r>
+              <a:rPr lang="hr-HR" dirty="0" err="1" smtClean="0"/>
+              <a:t>XHttpRequesta</a:t>
+            </a:r>
+            <a:r>
+              <a:rPr lang="hr-HR" dirty="0" smtClean="0"/>
+              <a:t>) za asinkronu komunikaciju sa serverom</a:t>
+            </a:r>
+          </a:p>
+          <a:p>
+            <a:pPr lvl="1"/>
+            <a:r>
+              <a:rPr lang="hr-HR" dirty="0" smtClean="0"/>
+              <a:t>Pošto je proces asinkron, moguće je izmijeniti samo dio stranice </a:t>
+            </a:r>
+            <a:r>
+              <a:rPr lang="hr-HR" dirty="0" err="1"/>
+              <a:t>J</a:t>
+            </a:r>
+            <a:r>
+              <a:rPr lang="hr-HR" dirty="0" err="1" smtClean="0"/>
+              <a:t>avascriptom</a:t>
+            </a:r>
+            <a:r>
+              <a:rPr lang="hr-HR" dirty="0" smtClean="0"/>
+              <a:t> nakon primljenog odgovora</a:t>
             </a:r>
             <a:endParaRPr lang="hr-HR" dirty="0"/>
           </a:p>
           <a:p>
-            <a:r>
-              <a:rPr lang="hr-HR" dirty="0" smtClean="0"/>
-              <a:t>Performanse</a:t>
-            </a:r>
-          </a:p>
-          <a:p>
             <a:pPr lvl="1"/>
             <a:r>
-              <a:rPr lang="hr-HR" dirty="0" smtClean="0"/>
-              <a:t>Koliko korisnik smije čekati na otvaranje stranice?</a:t>
-            </a:r>
+              <a:rPr lang="hr-HR" dirty="0" err="1"/>
+              <a:t>iframe</a:t>
+            </a:r>
+            <a:r>
+              <a:rPr lang="hr-HR" dirty="0"/>
+              <a:t> (1996</a:t>
+            </a:r>
+            <a:r>
+              <a:rPr lang="hr-HR" dirty="0" smtClean="0"/>
+              <a:t>)</a:t>
+            </a:r>
+          </a:p>
+          <a:p>
+            <a:pPr lvl="2"/>
+            <a:r>
+              <a:rPr lang="hr-HR" dirty="0"/>
+              <a:t>K</a:t>
+            </a:r>
+            <a:r>
+              <a:rPr lang="hr-HR" dirty="0" smtClean="0"/>
+              <a:t>oristi AJAX za prikaz sadržaja</a:t>
+            </a:r>
+            <a:endParaRPr lang="hr-HR" dirty="0" smtClean="0"/>
           </a:p>
           <a:p>
             <a:pPr lvl="1"/>
             <a:r>
-              <a:rPr lang="hr-HR" dirty="0" smtClean="0"/>
-              <a:t>Što ako je u pitanju ogroman izvještaj?</a:t>
-            </a:r>
+              <a:rPr lang="hr-HR" dirty="0" err="1" smtClean="0"/>
+              <a:t>ActiveX</a:t>
+            </a:r>
+            <a:r>
+              <a:rPr lang="hr-HR" dirty="0" smtClean="0"/>
+              <a:t> </a:t>
+            </a:r>
+            <a:r>
+              <a:rPr lang="hr-HR" dirty="0"/>
+              <a:t>(IE 5, 1999</a:t>
+            </a:r>
+            <a:r>
+              <a:rPr lang="hr-HR" dirty="0" smtClean="0"/>
+              <a:t>) / Java </a:t>
+            </a:r>
+            <a:r>
+              <a:rPr lang="hr-HR" dirty="0" err="1" smtClean="0"/>
+              <a:t>applet</a:t>
+            </a:r>
+            <a:r>
+              <a:rPr lang="hr-HR" dirty="0" smtClean="0"/>
+              <a:t> (</a:t>
+            </a:r>
+            <a:r>
+              <a:rPr lang="hr-HR" dirty="0" smtClean="0"/>
+              <a:t>1997) / </a:t>
+            </a:r>
+            <a:r>
+              <a:rPr lang="hr-HR" dirty="0" err="1" smtClean="0"/>
+              <a:t>Macromedia</a:t>
+            </a:r>
+            <a:r>
+              <a:rPr lang="hr-HR" dirty="0" smtClean="0"/>
+              <a:t> Flash (1996)</a:t>
+            </a:r>
+            <a:endParaRPr lang="hr-HR" dirty="0" smtClean="0"/>
+          </a:p>
+          <a:p>
+            <a:pPr lvl="2"/>
+            <a:r>
+              <a:rPr lang="hr-HR" dirty="0" smtClean="0"/>
+              <a:t>Alternativni pokušaji obogaćivanja sadržaja web stranica</a:t>
+            </a:r>
+            <a:endParaRPr lang="hr-HR" dirty="0"/>
           </a:p>
           <a:p>
             <a:pPr lvl="1"/>
             <a:r>
-              <a:rPr lang="hr-HR" dirty="0" err="1" smtClean="0"/>
-              <a:t>Broadband</a:t>
-            </a:r>
-            <a:r>
-              <a:rPr lang="hr-HR" dirty="0" smtClean="0"/>
-              <a:t> ograničenja</a:t>
-            </a:r>
-            <a:endParaRPr lang="hr-HR" dirty="0"/>
-          </a:p>
-          <a:p>
+              <a:rPr lang="hr-HR" dirty="0" err="1"/>
+              <a:t>Gmail</a:t>
+            </a:r>
             <a:r>
               <a:rPr lang="hr-HR" dirty="0"/>
-              <a:t>Pohrana </a:t>
-            </a:r>
-            <a:r>
-              <a:rPr lang="hr-HR" dirty="0" smtClean="0"/>
-              <a:t>podataka</a:t>
-            </a:r>
-          </a:p>
-          <a:p>
-            <a:pPr lvl="1"/>
-            <a:r>
-              <a:rPr lang="hr-HR" dirty="0" smtClean="0"/>
-              <a:t>Model na bazi</a:t>
-            </a:r>
-          </a:p>
-          <a:p>
-            <a:pPr lvl="1"/>
-            <a:r>
-              <a:rPr lang="hr-HR" dirty="0" smtClean="0"/>
-              <a:t>Audit, log</a:t>
-            </a:r>
-          </a:p>
-          <a:p>
-            <a:pPr lvl="1"/>
-            <a:r>
-              <a:rPr lang="hr-HR" dirty="0" smtClean="0"/>
-              <a:t>Backup</a:t>
+              <a:t> (2004</a:t>
+            </a:r>
+            <a:r>
+              <a:rPr lang="hr-HR" dirty="0" smtClean="0"/>
+              <a:t>)</a:t>
+            </a:r>
+          </a:p>
+          <a:p>
+            <a:pPr lvl="2"/>
+            <a:r>
+              <a:rPr lang="hr-HR" dirty="0" smtClean="0"/>
+              <a:t>Jedna od prvih, većih web aplikacija koja intenzivno koristi AJAX</a:t>
             </a:r>
             <a:endParaRPr lang="hr-HR" dirty="0"/>
           </a:p>
@@ -8223,7 +13439,7 @@
     </p:spTree>
     <p:extLst>
       <p:ext uri="{BB962C8B-B14F-4D97-AF65-F5344CB8AC3E}">
-        <p14:creationId xmlns:p14="http://schemas.microsoft.com/office/powerpoint/2010/main" val="738608312"/>
+        <p14:creationId xmlns:p14="http://schemas.microsoft.com/office/powerpoint/2010/main" val="112139646"/>
       </p:ext>
     </p:extLst>
   </p:cSld>
@@ -8274,8 +13490,13 @@
           <a:p>
             <a:r>
               <a:rPr lang="hr-HR" dirty="0"/>
-              <a:t>Web aplikacije</a:t>
-            </a:r>
+              <a:t>Web </a:t>
+            </a:r>
+            <a:r>
+              <a:rPr lang="hr-HR" dirty="0" smtClean="0"/>
+              <a:t>aplikacije -povijest</a:t>
+            </a:r>
+            <a:endParaRPr lang="hr-HR" dirty="0"/>
           </a:p>
         </p:txBody>
       </p:sp>
@@ -8292,174 +13513,183 @@
         <p:spPr/>
         <p:txBody>
           <a:bodyPr>
-            <a:normAutofit fontScale="55000" lnSpcReduction="20000"/>
+            <a:normAutofit lnSpcReduction="10000"/>
           </a:bodyPr>
           <a:lstStyle/>
           <a:p>
             <a:r>
               <a:rPr lang="hr-HR" dirty="0"/>
-              <a:t>Hodogram poslovne aplikacije</a:t>
-            </a:r>
+              <a:t>MVC </a:t>
+            </a:r>
+            <a:endParaRPr lang="hr-HR" dirty="0" smtClean="0"/>
           </a:p>
           <a:p>
             <a:pPr lvl="1"/>
             <a:r>
+              <a:rPr lang="hr-HR" dirty="0" err="1" smtClean="0"/>
+              <a:t>Mvc</a:t>
+            </a:r>
+            <a:r>
+              <a:rPr lang="hr-HR" dirty="0" smtClean="0"/>
+              <a:t> </a:t>
+            </a:r>
+            <a:r>
+              <a:rPr lang="hr-HR" dirty="0" err="1"/>
+              <a:t>pre</a:t>
+            </a:r>
+            <a:r>
               <a:rPr lang="hr-HR" dirty="0"/>
-              <a:t>Analiza</a:t>
-            </a:r>
+              <a:t> 1 (2008) </a:t>
+            </a:r>
+          </a:p>
+          <a:p>
+            <a:pPr lvl="2"/>
+            <a:r>
+              <a:rPr lang="hr-HR" dirty="0" err="1" smtClean="0"/>
+              <a:t>Phil</a:t>
+            </a:r>
+            <a:r>
+              <a:rPr lang="hr-HR" dirty="0" smtClean="0"/>
+              <a:t> </a:t>
+            </a:r>
+            <a:r>
+              <a:rPr lang="hr-HR" dirty="0" err="1"/>
+              <a:t>Haack</a:t>
+            </a:r>
+            <a:endParaRPr lang="hr-HR" dirty="0"/>
           </a:p>
           <a:p>
             <a:pPr lvl="1"/>
             <a:r>
               <a:rPr lang="hr-HR" dirty="0"/>
-              <a:t>Funkcionalna</a:t>
-            </a:r>
+              <a:t>MVC 1 (2009) </a:t>
+            </a:r>
+            <a:endParaRPr lang="hr-HR" dirty="0" smtClean="0"/>
           </a:p>
           <a:p>
             <a:pPr lvl="2"/>
             <a:r>
+              <a:rPr lang="en-US" dirty="0"/>
+              <a:t>MVC </a:t>
+            </a:r>
+            <a:r>
+              <a:rPr lang="hr-HR" dirty="0" smtClean="0"/>
+              <a:t>arhitektura sa Web </a:t>
+            </a:r>
+            <a:r>
+              <a:rPr lang="hr-HR" dirty="0" err="1" smtClean="0"/>
+              <a:t>formsima</a:t>
+            </a:r>
+            <a:endParaRPr lang="hr-HR" dirty="0" smtClean="0"/>
+          </a:p>
+          <a:p>
+            <a:pPr lvl="1"/>
+            <a:r>
+              <a:rPr lang="hr-HR" dirty="0" smtClean="0"/>
+              <a:t>MVC 3 (2011) </a:t>
+            </a:r>
+          </a:p>
+          <a:p>
+            <a:pPr lvl="2"/>
+            <a:r>
+              <a:rPr lang="hr-HR" dirty="0" smtClean="0"/>
+              <a:t>Uvodi Razor kao sintaksu za dinamičke web stranice</a:t>
+            </a:r>
+          </a:p>
+          <a:p>
+            <a:pPr lvl="1"/>
+            <a:r>
+              <a:rPr lang="hr-HR" dirty="0" smtClean="0"/>
+              <a:t>MVC </a:t>
+            </a:r>
+            <a:r>
               <a:rPr lang="hr-HR" dirty="0"/>
-              <a:t>Tehnologija</a:t>
+              <a:t>4 (2011-2012</a:t>
+            </a:r>
+            <a:r>
+              <a:rPr lang="hr-HR" dirty="0" smtClean="0"/>
+              <a:t>)</a:t>
             </a:r>
           </a:p>
           <a:p>
             <a:pPr lvl="2"/>
             <a:r>
+              <a:rPr lang="hr-HR" dirty="0" smtClean="0"/>
+              <a:t>Podrška za mobilni razvoj</a:t>
+            </a:r>
+            <a:endParaRPr lang="hr-HR" dirty="0"/>
+          </a:p>
+          <a:p>
+            <a:pPr lvl="1"/>
+            <a:r>
               <a:rPr lang="hr-HR" dirty="0"/>
-              <a:t>Arhitektura</a:t>
+              <a:t>„ASP.NET One” - MVC 5 (2016</a:t>
+            </a:r>
+            <a:r>
+              <a:rPr lang="hr-HR" dirty="0" smtClean="0"/>
+              <a:t>)</a:t>
+            </a:r>
+          </a:p>
+          <a:p>
+            <a:pPr lvl="1"/>
+            <a:r>
+              <a:rPr lang="hr-HR" dirty="0" err="1" smtClean="0"/>
+              <a:t>Mvc</a:t>
+            </a:r>
+            <a:r>
+              <a:rPr lang="hr-HR" dirty="0" smtClean="0"/>
+              <a:t> </a:t>
+            </a:r>
+            <a:r>
+              <a:rPr lang="hr-HR" dirty="0"/>
+              <a:t>&amp; Web API </a:t>
+            </a:r>
+            <a:r>
+              <a:rPr lang="hr-HR" dirty="0" smtClean="0"/>
+              <a:t>Core</a:t>
             </a:r>
           </a:p>
           <a:p>
             <a:pPr lvl="2"/>
             <a:r>
-              <a:rPr lang="hr-HR" dirty="0"/>
-              <a:t>Model</a:t>
-            </a:r>
-          </a:p>
-          <a:p>
-            <a:pPr lvl="2"/>
-            <a:r>
-              <a:rPr lang="hr-HR" dirty="0" err="1"/>
-              <a:t>Mockovi</a:t>
-            </a:r>
-            <a:endParaRPr lang="hr-HR" dirty="0"/>
-          </a:p>
-          <a:p>
-            <a:pPr lvl="1"/>
-            <a:r>
-              <a:rPr lang="hr-HR" dirty="0"/>
-              <a:t>Razvoj</a:t>
-            </a:r>
-          </a:p>
-          <a:p>
-            <a:pPr lvl="2"/>
-            <a:r>
-              <a:rPr lang="hr-HR" dirty="0"/>
-              <a:t>Baza</a:t>
-            </a:r>
-          </a:p>
-          <a:p>
-            <a:pPr lvl="2"/>
-            <a:r>
-              <a:rPr lang="hr-HR" dirty="0"/>
-              <a:t>Poslovna logika</a:t>
-            </a:r>
-          </a:p>
-          <a:p>
-            <a:pPr lvl="2"/>
-            <a:r>
-              <a:rPr lang="hr-HR" dirty="0"/>
-              <a:t>Sučelje</a:t>
-            </a:r>
-          </a:p>
-          <a:p>
-            <a:pPr lvl="2"/>
-            <a:r>
-              <a:rPr lang="hr-HR" dirty="0"/>
-              <a:t>Infrastruktura (mail, </a:t>
-            </a:r>
-            <a:r>
-              <a:rPr lang="hr-HR" dirty="0" err="1"/>
-              <a:t>logiranje</a:t>
-            </a:r>
-            <a:r>
-              <a:rPr lang="hr-HR" dirty="0"/>
-              <a:t>)</a:t>
-            </a:r>
-          </a:p>
-          <a:p>
-            <a:pPr lvl="2"/>
-            <a:r>
-              <a:rPr lang="hr-HR" dirty="0"/>
-              <a:t>Testiranje</a:t>
-            </a:r>
-          </a:p>
-          <a:p>
-            <a:pPr lvl="2"/>
-            <a:r>
-              <a:rPr lang="hr-HR" dirty="0"/>
-              <a:t>Timski rad</a:t>
-            </a:r>
-          </a:p>
-          <a:p>
-            <a:pPr lvl="1"/>
-            <a:r>
-              <a:rPr lang="hr-HR" dirty="0"/>
-              <a:t>Test/Produkcija</a:t>
-            </a:r>
-          </a:p>
-          <a:p>
-            <a:pPr lvl="2"/>
-            <a:r>
-              <a:rPr lang="hr-HR" dirty="0"/>
-              <a:t>Okoline</a:t>
-            </a:r>
-          </a:p>
-          <a:p>
-            <a:pPr lvl="2"/>
-            <a:r>
-              <a:rPr lang="hr-HR" dirty="0"/>
-              <a:t>Migracije</a:t>
-            </a:r>
-          </a:p>
-          <a:p>
-            <a:pPr lvl="2"/>
-            <a:r>
-              <a:rPr lang="hr-HR" dirty="0"/>
-              <a:t>Dostupnost/Backup</a:t>
-            </a:r>
-          </a:p>
-          <a:p>
-            <a:pPr lvl="2"/>
-            <a:r>
-              <a:rPr lang="hr-HR" dirty="0"/>
-              <a:t>Izmjene modela/poslovne logike</a:t>
-            </a:r>
-          </a:p>
-          <a:p>
-            <a:pPr lvl="1"/>
-            <a:r>
-              <a:rPr lang="hr-HR" dirty="0"/>
-              <a:t>Održavanje</a:t>
-            </a:r>
-          </a:p>
-          <a:p>
-            <a:pPr lvl="2"/>
-            <a:r>
-              <a:rPr lang="hr-HR" dirty="0"/>
-              <a:t>Pohrana znanja/How to</a:t>
-            </a:r>
-          </a:p>
-          <a:p>
-            <a:pPr lvl="2"/>
+              <a:rPr lang="hr-HR" dirty="0" smtClean="0"/>
+              <a:t>Podrška za Linux i </a:t>
+            </a:r>
+            <a:r>
+              <a:rPr lang="hr-HR" dirty="0" err="1" smtClean="0"/>
+              <a:t>MacOs</a:t>
+            </a:r>
             <a:endParaRPr lang="hr-HR" dirty="0"/>
           </a:p>
         </p:txBody>
       </p:sp>
+      <p:pic>
+        <p:nvPicPr>
+          <p:cNvPr id="6" name="Picture 5"/>
+          <p:cNvPicPr>
+            <a:picLocks noChangeAspect="1"/>
+          </p:cNvPicPr>
+          <p:nvPr/>
+        </p:nvPicPr>
+        <p:blipFill rotWithShape="1">
+          <a:blip r:embed="rId3"/>
+          <a:srcRect t="27386"/>
+          <a:stretch/>
+        </p:blipFill>
+        <p:spPr>
+          <a:xfrm>
+            <a:off x="7887201" y="1733112"/>
+            <a:ext cx="2000250" cy="1044399"/>
+          </a:xfrm>
+          <a:prstGeom prst="rect">
+            <a:avLst/>
+          </a:prstGeom>
+        </p:spPr>
+      </p:pic>
     </p:spTree>
     <p:extLst>
       <p:ext uri="{BB962C8B-B14F-4D97-AF65-F5344CB8AC3E}">
-        <p14:creationId xmlns:p14="http://schemas.microsoft.com/office/powerpoint/2010/main" val="2471576672"/>
+        <p14:creationId xmlns:p14="http://schemas.microsoft.com/office/powerpoint/2010/main" val="2461799955"/>
       </p:ext>
     </p:extLst>
   </p:cSld>
@@ -8509,12 +13739,12 @@
           <a:lstStyle/>
           <a:p>
             <a:r>
-              <a:rPr lang="hr-HR" dirty="0" smtClean="0"/>
-              <a:t>Twitter </a:t>
-            </a:r>
-            <a:r>
-              <a:rPr lang="hr-HR" dirty="0" err="1" smtClean="0"/>
-              <a:t>Bootstrap</a:t>
+              <a:rPr lang="hr-HR" dirty="0"/>
+              <a:t>Web </a:t>
+            </a:r>
+            <a:r>
+              <a:rPr lang="hr-HR" dirty="0" smtClean="0"/>
+              <a:t>aplikacije - povijest</a:t>
             </a:r>
             <a:endParaRPr lang="hr-HR" dirty="0"/>
           </a:p>
@@ -8536,64 +13766,141 @@
           <a:lstStyle/>
           <a:p>
             <a:r>
-              <a:rPr lang="hr-HR" dirty="0" smtClean="0"/>
-              <a:t>Jednostavan za korištenje i modifikaciju</a:t>
-            </a:r>
-          </a:p>
-          <a:p>
-            <a:r>
-              <a:rPr lang="hr-HR" dirty="0" smtClean="0"/>
-              <a:t>„</a:t>
-            </a:r>
+              <a:rPr lang="hr-HR" dirty="0"/>
+              <a:t>Single </a:t>
+            </a:r>
+            <a:r>
+              <a:rPr lang="hr-HR" dirty="0" err="1"/>
+              <a:t>page</a:t>
+            </a:r>
+            <a:r>
+              <a:rPr lang="hr-HR" dirty="0"/>
+              <a:t> (patent 2004)</a:t>
+            </a:r>
+          </a:p>
+          <a:p>
+            <a:pPr lvl="1"/>
+            <a:r>
+              <a:rPr lang="hr-HR" dirty="0" smtClean="0"/>
+              <a:t>Učitavanje cijele (ili dijelova) </a:t>
+            </a:r>
+            <a:r>
+              <a:rPr lang="hr-HR" dirty="0"/>
+              <a:t>aplikacije </a:t>
+            </a:r>
+            <a:r>
+              <a:rPr lang="hr-HR" dirty="0" smtClean="0"/>
+              <a:t>u browser</a:t>
+            </a:r>
+            <a:endParaRPr lang="hr-HR" dirty="0"/>
+          </a:p>
+          <a:p>
+            <a:pPr lvl="1"/>
             <a:r>
               <a:rPr lang="hr-HR" dirty="0" err="1" smtClean="0"/>
-              <a:t>Responsive</a:t>
-            </a:r>
-            <a:r>
-              <a:rPr lang="hr-HR" dirty="0" smtClean="0"/>
-              <a:t> design” - </a:t>
-            </a:r>
+              <a:t>Ajax-XHttpRequest</a:t>
+            </a:r>
+            <a:r>
+              <a:rPr lang="hr-HR" dirty="0" smtClean="0"/>
+              <a:t> komunikacija sa serverom (podaci)</a:t>
+            </a:r>
+            <a:endParaRPr lang="hr-HR" dirty="0"/>
+          </a:p>
+          <a:p>
+            <a:pPr lvl="1"/>
+            <a:r>
+              <a:rPr lang="hr-HR" dirty="0" err="1"/>
+              <a:t>AngularJS</a:t>
+            </a:r>
+            <a:r>
+              <a:rPr lang="hr-HR" dirty="0"/>
+              <a:t> (2010</a:t>
+            </a:r>
+            <a:r>
+              <a:rPr lang="hr-HR" dirty="0" smtClean="0"/>
+              <a:t>)</a:t>
+            </a:r>
+          </a:p>
+          <a:p>
+            <a:pPr lvl="1"/>
+            <a:r>
+              <a:rPr lang="hr-HR" dirty="0" smtClean="0"/>
+              <a:t>Izazovi</a:t>
+            </a:r>
+            <a:endParaRPr lang="hr-HR" dirty="0"/>
+          </a:p>
+          <a:p>
+            <a:pPr lvl="2"/>
             <a:r>
               <a:rPr lang="hr-HR" dirty="0" err="1" smtClean="0"/>
-              <a:t>responzivan</a:t>
-            </a:r>
-            <a:r>
-              <a:rPr lang="hr-HR" dirty="0" smtClean="0"/>
-              <a:t> dizajn </a:t>
-            </a:r>
-          </a:p>
-          <a:p>
-            <a:r>
-              <a:rPr lang="hr-HR" dirty="0" smtClean="0"/>
-              <a:t>Primjeri lako dostupni</a:t>
-            </a:r>
-          </a:p>
-          <a:p>
-            <a:r>
-              <a:rPr lang="hr-HR" dirty="0" smtClean="0"/>
-              <a:t>Ogroman </a:t>
+              <a:t>Routing</a:t>
+            </a:r>
+            <a:endParaRPr lang="hr-HR" dirty="0" smtClean="0"/>
+          </a:p>
+          <a:p>
+            <a:pPr lvl="3"/>
+            <a:r>
+              <a:rPr lang="hr-HR" dirty="0" smtClean="0"/>
+              <a:t>Aplikacija ima jednu ulaznu web adresu</a:t>
+            </a:r>
+            <a:endParaRPr lang="hr-HR" dirty="0"/>
+          </a:p>
+          <a:p>
+            <a:pPr lvl="2"/>
+            <a:r>
+              <a:rPr lang="hr-HR" dirty="0" smtClean="0"/>
+              <a:t>SEO</a:t>
+            </a:r>
+          </a:p>
+          <a:p>
+            <a:pPr lvl="3"/>
+            <a:r>
+              <a:rPr lang="hr-HR" dirty="0" smtClean="0"/>
+              <a:t>Stranica izgleda znatno drugačije </a:t>
             </a:r>
             <a:r>
               <a:rPr lang="hr-HR" dirty="0" err="1" smtClean="0"/>
-              <a:t>community</a:t>
+              <a:t>crawlerima</a:t>
+            </a:r>
+            <a:r>
+              <a:rPr lang="hr-HR" dirty="0" smtClean="0"/>
+              <a:t> koji generalno ignoriraju </a:t>
+            </a:r>
+            <a:r>
+              <a:rPr lang="hr-HR" dirty="0" err="1" smtClean="0"/>
+              <a:t>Javascript</a:t>
             </a:r>
             <a:endParaRPr lang="hr-HR" dirty="0" smtClean="0"/>
           </a:p>
           <a:p>
-            <a:r>
-              <a:rPr lang="hr-HR" dirty="0" smtClean="0">
-                <a:hlinkClick r:id="rId2"/>
-              </a:rPr>
-              <a:t>http://getbootstrap.com/</a:t>
-            </a:r>
-            <a:endParaRPr lang="hr-HR" dirty="0" smtClean="0"/>
+            <a:pPr lvl="2"/>
+            <a:r>
+              <a:rPr lang="hr-HR" dirty="0" smtClean="0"/>
+              <a:t>Parcijalni </a:t>
+            </a:r>
+            <a:r>
+              <a:rPr lang="hr-HR" dirty="0" err="1" smtClean="0"/>
+              <a:t>loading</a:t>
+            </a:r>
+            <a:r>
+              <a:rPr lang="hr-HR" dirty="0" smtClean="0"/>
+              <a:t> templatea</a:t>
+            </a:r>
+            <a:endParaRPr lang="hr-HR" dirty="0"/>
+          </a:p>
+          <a:p>
+            <a:pPr lvl="1"/>
+            <a:endParaRPr lang="hr-HR" dirty="0"/>
+          </a:p>
+          <a:p>
+            <a:endParaRPr lang="hr-HR" dirty="0"/>
           </a:p>
         </p:txBody>
       </p:sp>
     </p:spTree>
     <p:extLst>
       <p:ext uri="{BB962C8B-B14F-4D97-AF65-F5344CB8AC3E}">
-        <p14:creationId xmlns:p14="http://schemas.microsoft.com/office/powerpoint/2010/main" val="1057266439"/>
+        <p14:creationId xmlns:p14="http://schemas.microsoft.com/office/powerpoint/2010/main" val="393142116"/>
       </p:ext>
     </p:extLst>
   </p:cSld>
@@ -8643,16 +13950,12 @@
           <a:lstStyle/>
           <a:p>
             <a:r>
-              <a:rPr lang="hr-HR" dirty="0" smtClean="0"/>
-              <a:t>ASP.NET </a:t>
-            </a:r>
-            <a:r>
-              <a:rPr lang="hr-HR" dirty="0" err="1" smtClean="0"/>
-              <a:t>Membership</a:t>
-            </a:r>
-            <a:r>
-              <a:rPr lang="hr-HR" dirty="0" smtClean="0"/>
-              <a:t> (2005)</a:t>
+              <a:rPr lang="hr-HR" dirty="0"/>
+              <a:t>Web </a:t>
+            </a:r>
+            <a:r>
+              <a:rPr lang="hr-HR" dirty="0" smtClean="0"/>
+              <a:t>aplikacije – dodatni izazovi</a:t>
             </a:r>
             <a:endParaRPr lang="hr-HR" dirty="0"/>
           </a:p>
@@ -8668,80 +13971,107 @@
             <p:ph idx="1"/>
           </p:nvPr>
         </p:nvSpPr>
-        <p:spPr/>
+        <p:spPr>
+          <a:xfrm>
+            <a:off x="838200" y="1825625"/>
+            <a:ext cx="5774356" cy="4351338"/>
+          </a:xfrm>
+        </p:spPr>
         <p:txBody>
-          <a:bodyPr/>
+          <a:bodyPr>
+            <a:normAutofit/>
+          </a:bodyPr>
           <a:lstStyle/>
           <a:p>
             <a:r>
               <a:rPr lang="hr-HR" dirty="0" smtClean="0"/>
-              <a:t>Ugrađeni način za upravljanje korisnicima (kreiranje, autorizacija i autentikacija)</a:t>
-            </a:r>
-          </a:p>
-          <a:p>
-            <a:r>
-              <a:rPr lang="hr-HR" dirty="0" smtClean="0"/>
-              <a:t>Povezivanje s bazom, AD-om ili nekom alternativom</a:t>
-            </a:r>
-          </a:p>
-          <a:p>
-            <a:r>
-              <a:rPr lang="hr-HR" dirty="0" smtClean="0"/>
-              <a:t>Resetiranje i mijenjanje lozinka</a:t>
-            </a:r>
-          </a:p>
-          <a:p>
-            <a:r>
-              <a:rPr lang="hr-HR" dirty="0" smtClean="0"/>
-              <a:t>Upravljanje ulogama</a:t>
-            </a:r>
-            <a:r>
-              <a:rPr lang="hr-HR" dirty="0"/>
-              <a:t> </a:t>
-            </a:r>
-            <a:r>
-              <a:rPr lang="hr-HR" dirty="0" smtClean="0"/>
-              <a:t>(role)</a:t>
-            </a:r>
-          </a:p>
-          <a:p>
-            <a:r>
-              <a:rPr lang="hr-HR" dirty="0" smtClean="0"/>
-              <a:t>Brz i jednostavan način za uključivanje korisničkog sustava u aplikaciju u (isključivo) MS okruženju</a:t>
-            </a:r>
-          </a:p>
-          <a:p>
-            <a:r>
-              <a:rPr lang="hr-HR" dirty="0" smtClean="0"/>
-              <a:t>Bazirano na </a:t>
-            </a:r>
-            <a:r>
-              <a:rPr lang="hr-HR" dirty="0" err="1" smtClean="0"/>
-              <a:t>Forms</a:t>
-            </a:r>
-            <a:r>
-              <a:rPr lang="hr-HR" dirty="0" smtClean="0"/>
-              <a:t> </a:t>
-            </a:r>
-            <a:r>
-              <a:rPr lang="hr-HR" dirty="0" err="1"/>
-              <a:t>A</a:t>
-            </a:r>
-            <a:r>
-              <a:rPr lang="hr-HR" dirty="0" err="1" smtClean="0"/>
-              <a:t>utenthicationu</a:t>
-            </a:r>
-            <a:r>
-              <a:rPr lang="hr-HR" dirty="0" smtClean="0"/>
-              <a:t> (nema OWIN)</a:t>
-            </a:r>
+              <a:t>UI/UX</a:t>
+            </a:r>
+          </a:p>
+          <a:p>
+            <a:pPr lvl="1"/>
+            <a:r>
+              <a:rPr lang="hr-HR" dirty="0" smtClean="0"/>
+              <a:t>Hoće li sučelje biti intuitivno korisniku?</a:t>
+            </a:r>
+          </a:p>
+          <a:p>
+            <a:pPr lvl="1"/>
+            <a:r>
+              <a:rPr lang="hr-HR" dirty="0" smtClean="0"/>
+              <a:t>Treba li aplikacija imati prepoznatljiv, vizualno primamljiv dizajn ili je u pitanja interna aplikacija s naglaskom na jednostavnost i brzinu korištenja?</a:t>
+            </a:r>
+            <a:endParaRPr lang="hr-HR" dirty="0"/>
+          </a:p>
+          <a:p>
+            <a:endParaRPr lang="hr-HR" dirty="0"/>
+          </a:p>
+        </p:txBody>
+      </p:sp>
+      <p:pic>
+        <p:nvPicPr>
+          <p:cNvPr id="4" name="Picture 3"/>
+          <p:cNvPicPr>
+            <a:picLocks noChangeAspect="1"/>
+          </p:cNvPicPr>
+          <p:nvPr/>
+        </p:nvPicPr>
+        <p:blipFill>
+          <a:blip r:embed="rId3">
+            <a:extLst>
+              <a:ext uri="{28A0092B-C50C-407E-A947-70E740481C1C}">
+                <a14:useLocalDpi xmlns:a14="http://schemas.microsoft.com/office/drawing/2010/main" val="0"/>
+              </a:ext>
+            </a:extLst>
+          </a:blip>
+          <a:stretch>
+            <a:fillRect/>
+          </a:stretch>
+        </p:blipFill>
+        <p:spPr>
+          <a:xfrm>
+            <a:off x="6612556" y="2663031"/>
+            <a:ext cx="4762500" cy="2676525"/>
+          </a:xfrm>
+          <a:prstGeom prst="rect">
+            <a:avLst/>
+          </a:prstGeom>
+        </p:spPr>
+      </p:pic>
+      <p:sp>
+        <p:nvSpPr>
+          <p:cNvPr id="5" name="TextBox 4"/>
+          <p:cNvSpPr txBox="1"/>
+          <p:nvPr/>
+        </p:nvSpPr>
+        <p:spPr>
+          <a:xfrm>
+            <a:off x="6920565" y="5388927"/>
+            <a:ext cx="4100362" cy="369332"/>
+          </a:xfrm>
+          <a:prstGeom prst="rect">
+            <a:avLst/>
+          </a:prstGeom>
+          <a:noFill/>
+        </p:spPr>
+        <p:txBody>
+          <a:bodyPr wrap="square" rtlCol="0">
+            <a:spAutoFit/>
+          </a:bodyPr>
+          <a:lstStyle/>
+          <a:p>
+            <a:r>
+              <a:rPr lang="hr-HR" dirty="0" smtClean="0"/>
+              <a:t>Korisnik – iz pogleda softverskog inženjera</a:t>
+            </a:r>
+            <a:endParaRPr lang="hr-HR" dirty="0"/>
           </a:p>
         </p:txBody>
       </p:sp>
     </p:spTree>
     <p:extLst>
       <p:ext uri="{BB962C8B-B14F-4D97-AF65-F5344CB8AC3E}">
-        <p14:creationId xmlns:p14="http://schemas.microsoft.com/office/powerpoint/2010/main" val="3131248140"/>
+        <p14:creationId xmlns:p14="http://schemas.microsoft.com/office/powerpoint/2010/main" val="738608312"/>
       </p:ext>
     </p:extLst>
   </p:cSld>
@@ -9017,4 +14347,265 @@
     </a:ext>
   </a:extLst>
 </a:theme>
+</file>
+
+<file path=ppt/theme/theme2.xml><?xml version="1.0" encoding="utf-8"?>
+<a:theme xmlns:a="http://schemas.openxmlformats.org/drawingml/2006/main" name="Office Theme">
+  <a:themeElements>
+    <a:clrScheme name="Office">
+      <a:dk1>
+        <a:sysClr val="windowText" lastClr="000000"/>
+      </a:dk1>
+      <a:lt1>
+        <a:sysClr val="window" lastClr="FFFFFF"/>
+      </a:lt1>
+      <a:dk2>
+        <a:srgbClr val="44546A"/>
+      </a:dk2>
+      <a:lt2>
+        <a:srgbClr val="E7E6E6"/>
+      </a:lt2>
+      <a:accent1>
+        <a:srgbClr val="5B9BD5"/>
+      </a:accent1>
+      <a:accent2>
+        <a:srgbClr val="ED7D31"/>
+      </a:accent2>
+      <a:accent3>
+        <a:srgbClr val="A5A5A5"/>
+      </a:accent3>
+      <a:accent4>
+        <a:srgbClr val="FFC000"/>
+      </a:accent4>
+      <a:accent5>
+        <a:srgbClr val="4472C4"/>
+      </a:accent5>
+      <a:accent6>
+        <a:srgbClr val="70AD47"/>
+      </a:accent6>
+      <a:hlink>
+        <a:srgbClr val="0563C1"/>
+      </a:hlink>
+      <a:folHlink>
+        <a:srgbClr val="954F72"/>
+      </a:folHlink>
+    </a:clrScheme>
+    <a:fontScheme name="Office">
+      <a:majorFont>
+        <a:latin typeface="Calibri Light" panose="020F0302020204030204"/>
+        <a:ea typeface=""/>
+        <a:cs typeface=""/>
+        <a:font script="Jpan" typeface="ＭＳ Ｐゴシック"/>
+        <a:font script="Hang" typeface="맑은 고딕"/>
+        <a:font script="Hans" typeface="宋体"/>
+        <a:font script="Hant" typeface="新細明體"/>
+        <a:font script="Arab" typeface="Times New Roman"/>
+        <a:font script="Hebr" typeface="Times New Roman"/>
+        <a:font script="Thai" typeface="Angsana New"/>
+        <a:font script="Ethi" typeface="Nyala"/>
+        <a:font script="Beng" typeface="Vrinda"/>
+        <a:font script="Gujr" typeface="Shruti"/>
+        <a:font script="Khmr" typeface="MoolBoran"/>
+        <a:font script="Knda" typeface="Tunga"/>
+        <a:font script="Guru" typeface="Raavi"/>
+        <a:font script="Cans" typeface="Euphemia"/>
+        <a:font script="Cher" typeface="Plantagenet Cherokee"/>
+        <a:font script="Yiii" typeface="Microsoft Yi Baiti"/>
+        <a:font script="Tibt" typeface="Microsoft Himalaya"/>
+        <a:font script="Thaa" typeface="MV Boli"/>
+        <a:font script="Deva" typeface="Mangal"/>
+        <a:font script="Telu" typeface="Gautami"/>
+        <a:font script="Taml" typeface="Latha"/>
+        <a:font script="Syrc" typeface="Estrangelo Edessa"/>
+        <a:font script="Orya" typeface="Kalinga"/>
+        <a:font script="Mlym" typeface="Kartika"/>
+        <a:font script="Laoo" typeface="DokChampa"/>
+        <a:font script="Sinh" typeface="Iskoola Pota"/>
+        <a:font script="Mong" typeface="Mongolian Baiti"/>
+        <a:font script="Viet" typeface="Times New Roman"/>
+        <a:font script="Uigh" typeface="Microsoft Uighur"/>
+        <a:font script="Geor" typeface="Sylfaen"/>
+      </a:majorFont>
+      <a:minorFont>
+        <a:latin typeface="Calibri" panose="020F0502020204030204"/>
+        <a:ea typeface=""/>
+        <a:cs typeface=""/>
+        <a:font script="Jpan" typeface="ＭＳ Ｐゴシック"/>
+        <a:font script="Hang" typeface="맑은 고딕"/>
+        <a:font script="Hans" typeface="宋体"/>
+        <a:font script="Hant" typeface="新細明體"/>
+        <a:font script="Arab" typeface="Arial"/>
+        <a:font script="Hebr" typeface="Arial"/>
+        <a:font script="Thai" typeface="Cordia New"/>
+        <a:font script="Ethi" typeface="Nyala"/>
+        <a:font script="Beng" typeface="Vrinda"/>
+        <a:font script="Gujr" typeface="Shruti"/>
+        <a:font script="Khmr" typeface="DaunPenh"/>
+        <a:font script="Knda" typeface="Tunga"/>
+        <a:font script="Guru" typeface="Raavi"/>
+        <a:font script="Cans" typeface="Euphemia"/>
+        <a:font script="Cher" typeface="Plantagenet Cherokee"/>
+        <a:font script="Yiii" typeface="Microsoft Yi Baiti"/>
+        <a:font script="Tibt" typeface="Microsoft Himalaya"/>
+        <a:font script="Thaa" typeface="MV Boli"/>
+        <a:font script="Deva" typeface="Mangal"/>
+        <a:font script="Telu" typeface="Gautami"/>
+        <a:font script="Taml" typeface="Latha"/>
+        <a:font script="Syrc" typeface="Estrangelo Edessa"/>
+        <a:font script="Orya" typeface="Kalinga"/>
+        <a:font script="Mlym" typeface="Kartika"/>
+        <a:font script="Laoo" typeface="DokChampa"/>
+        <a:font script="Sinh" typeface="Iskoola Pota"/>
+        <a:font script="Mong" typeface="Mongolian Baiti"/>
+        <a:font script="Viet" typeface="Arial"/>
+        <a:font script="Uigh" typeface="Microsoft Uighur"/>
+        <a:font script="Geor" typeface="Sylfaen"/>
+      </a:minorFont>
+    </a:fontScheme>
+    <a:fmtScheme name="Office">
+      <a:fillStyleLst>
+        <a:solidFill>
+          <a:schemeClr val="phClr"/>
+        </a:solidFill>
+        <a:gradFill rotWithShape="1">
+          <a:gsLst>
+            <a:gs pos="0">
+              <a:schemeClr val="phClr">
+                <a:lumMod val="110000"/>
+                <a:satMod val="105000"/>
+                <a:tint val="67000"/>
+              </a:schemeClr>
+            </a:gs>
+            <a:gs pos="50000">
+              <a:schemeClr val="phClr">
+                <a:lumMod val="105000"/>
+                <a:satMod val="103000"/>
+                <a:tint val="73000"/>
+              </a:schemeClr>
+            </a:gs>
+            <a:gs pos="100000">
+              <a:schemeClr val="phClr">
+                <a:lumMod val="105000"/>
+                <a:satMod val="109000"/>
+                <a:tint val="81000"/>
+              </a:schemeClr>
+            </a:gs>
+          </a:gsLst>
+          <a:lin ang="5400000" scaled="0"/>
+        </a:gradFill>
+        <a:gradFill rotWithShape="1">
+          <a:gsLst>
+            <a:gs pos="0">
+              <a:schemeClr val="phClr">
+                <a:satMod val="103000"/>
+                <a:lumMod val="102000"/>
+                <a:tint val="94000"/>
+              </a:schemeClr>
+            </a:gs>
+            <a:gs pos="50000">
+              <a:schemeClr val="phClr">
+                <a:satMod val="110000"/>
+                <a:lumMod val="100000"/>
+                <a:shade val="100000"/>
+              </a:schemeClr>
+            </a:gs>
+            <a:gs pos="100000">
+              <a:schemeClr val="phClr">
+                <a:lumMod val="99000"/>
+                <a:satMod val="120000"/>
+                <a:shade val="78000"/>
+              </a:schemeClr>
+            </a:gs>
+          </a:gsLst>
+          <a:lin ang="5400000" scaled="0"/>
+        </a:gradFill>
+      </a:fillStyleLst>
+      <a:lnStyleLst>
+        <a:ln w="6350" cap="flat" cmpd="sng" algn="ctr">
+          <a:solidFill>
+            <a:schemeClr val="phClr"/>
+          </a:solidFill>
+          <a:prstDash val="solid"/>
+          <a:miter lim="800000"/>
+        </a:ln>
+        <a:ln w="12700" cap="flat" cmpd="sng" algn="ctr">
+          <a:solidFill>
+            <a:schemeClr val="phClr"/>
+          </a:solidFill>
+          <a:prstDash val="solid"/>
+          <a:miter lim="800000"/>
+        </a:ln>
+        <a:ln w="19050" cap="flat" cmpd="sng" algn="ctr">
+          <a:solidFill>
+            <a:schemeClr val="phClr"/>
+          </a:solidFill>
+          <a:prstDash val="solid"/>
+          <a:miter lim="800000"/>
+        </a:ln>
+      </a:lnStyleLst>
+      <a:effectStyleLst>
+        <a:effectStyle>
+          <a:effectLst/>
+        </a:effectStyle>
+        <a:effectStyle>
+          <a:effectLst/>
+        </a:effectStyle>
+        <a:effectStyle>
+          <a:effectLst>
+            <a:outerShdw blurRad="57150" dist="19050" dir="5400000" algn="ctr" rotWithShape="0">
+              <a:srgbClr val="000000">
+                <a:alpha val="63000"/>
+              </a:srgbClr>
+            </a:outerShdw>
+          </a:effectLst>
+        </a:effectStyle>
+      </a:effectStyleLst>
+      <a:bgFillStyleLst>
+        <a:solidFill>
+          <a:schemeClr val="phClr"/>
+        </a:solidFill>
+        <a:solidFill>
+          <a:schemeClr val="phClr">
+            <a:tint val="95000"/>
+            <a:satMod val="170000"/>
+          </a:schemeClr>
+        </a:solidFill>
+        <a:gradFill rotWithShape="1">
+          <a:gsLst>
+            <a:gs pos="0">
+              <a:schemeClr val="phClr">
+                <a:tint val="93000"/>
+                <a:satMod val="150000"/>
+                <a:shade val="98000"/>
+                <a:lumMod val="102000"/>
+              </a:schemeClr>
+            </a:gs>
+            <a:gs pos="50000">
+              <a:schemeClr val="phClr">
+                <a:tint val="98000"/>
+                <a:satMod val="130000"/>
+                <a:shade val="90000"/>
+                <a:lumMod val="103000"/>
+              </a:schemeClr>
+            </a:gs>
+            <a:gs pos="100000">
+              <a:schemeClr val="phClr">
+                <a:shade val="63000"/>
+                <a:satMod val="120000"/>
+              </a:schemeClr>
+            </a:gs>
+          </a:gsLst>
+          <a:lin ang="5400000" scaled="0"/>
+        </a:gradFill>
+      </a:bgFillStyleLst>
+    </a:fmtScheme>
+  </a:themeElements>
+  <a:objectDefaults/>
+  <a:extraClrSchemeLst/>
+  <a:extLst>
+    <a:ext uri="{05A4C25C-085E-4340-85A3-A5531E510DB2}">
+      <thm15:themeFamily xmlns:thm15="http://schemas.microsoft.com/office/thememl/2012/main" name="Office Theme" id="{62F939B6-93AF-4DB8-9C6B-D6C7DFDC589F}" vid="{4A3C46E8-61CC-4603-A589-7422A47A8E4A}"/>
+    </a:ext>
+  </a:extLst>
+</a:theme>
 </file>
--- a/prezentacije/1-1 Uvod i SPA aplikacije.pptx
+++ b/prezentacije/1-1 Uvod i SPA aplikacije.pptx
@@ -1735,12 +1735,16 @@
         <a:lstStyle/>
         <a:p>
           <a:r>
+            <a:rPr lang="hr-HR" dirty="0" err="1" smtClean="0"/>
+            <a:t>Lower</a:t>
+          </a:r>
+          <a:r>
             <a:rPr lang="hr-HR" dirty="0" smtClean="0"/>
-            <a:t>DB </a:t>
+            <a:t> </a:t>
           </a:r>
           <a:r>
             <a:rPr lang="hr-HR" dirty="0" err="1" smtClean="0"/>
-            <a:t>Layer</a:t>
+            <a:t>Layers</a:t>
           </a:r>
           <a:endParaRPr lang="en-US" dirty="0"/>
         </a:p>
@@ -1854,8 +1858,8 @@
     </dgm:pt>
   </dgm:ptLst>
   <dgm:cxnLst>
+    <dgm:cxn modelId="{A113C94E-A924-4FE3-A6E6-53D68CEBF546}" type="presOf" srcId="{2DA210DE-FE0C-4B3B-89B8-A00BB3546F6A}" destId="{7A28A5AA-2B56-4A15-88DE-CAA686D0B70E}" srcOrd="0" destOrd="0" presId="urn:microsoft.com/office/officeart/2008/layout/VerticalCircleList"/>
     <dgm:cxn modelId="{5BB5FE89-0B53-45F9-8204-708B4ED3AAB3}" srcId="{2DA210DE-FE0C-4B3B-89B8-A00BB3546F6A}" destId="{DCB8CB4E-7253-46DE-8E3E-F11374DE2A61}" srcOrd="2" destOrd="0" parTransId="{19CDCB69-CB6C-44E0-B9BC-B28980643FB5}" sibTransId="{CB5A19D8-A0FD-4013-9985-8E045AD0E3DD}"/>
-    <dgm:cxn modelId="{A113C94E-A924-4FE3-A6E6-53D68CEBF546}" type="presOf" srcId="{2DA210DE-FE0C-4B3B-89B8-A00BB3546F6A}" destId="{7A28A5AA-2B56-4A15-88DE-CAA686D0B70E}" srcOrd="0" destOrd="0" presId="urn:microsoft.com/office/officeart/2008/layout/VerticalCircleList"/>
     <dgm:cxn modelId="{90BEE8E2-35F4-418C-A574-7FBAFF81E45D}" srcId="{2DA210DE-FE0C-4B3B-89B8-A00BB3546F6A}" destId="{2F1E487F-2ACD-4231-9EFC-4CE2620704C7}" srcOrd="1" destOrd="0" parTransId="{AE2E371C-104C-4188-83A5-74192CC2B0C9}" sibTransId="{28E51C51-1C74-4065-8EA8-DFFC220C766A}"/>
     <dgm:cxn modelId="{893D6F66-28F1-4F63-A22B-219BDBF9C6F5}" srcId="{2DA210DE-FE0C-4B3B-89B8-A00BB3546F6A}" destId="{2C8FE126-A270-4EC9-B868-7F246BEB0D3D}" srcOrd="0" destOrd="0" parTransId="{FEF451F7-6A6A-4709-AE82-EF247B1FFE7C}" sibTransId="{099B9A72-A153-4DC9-A60C-5A54C8A03A86}"/>
     <dgm:cxn modelId="{9FC1FC5A-73BE-49B8-BCB5-323E9D9EE27A}" type="presOf" srcId="{DCB8CB4E-7253-46DE-8E3E-F11374DE2A61}" destId="{1F059929-B777-41D1-91B9-102593774C2B}" srcOrd="0" destOrd="0" presId="urn:microsoft.com/office/officeart/2008/layout/VerticalCircleList"/>
@@ -2765,6 +2769,13 @@
         </dgm:presLayoutVars>
       </dgm:prSet>
       <dgm:spPr/>
+      <dgm:t>
+        <a:bodyPr/>
+        <a:lstStyle/>
+        <a:p>
+          <a:endParaRPr lang="hr-HR"/>
+        </a:p>
+      </dgm:t>
     </dgm:pt>
     <dgm:pt modelId="{0B8DEF10-C16E-4ECD-A446-EE1D34333F49}" type="pres">
       <dgm:prSet presAssocID="{32D1E580-7805-4C49-8175-E59639465B48}" presName="node" presStyleLbl="node1" presStyleIdx="0" presStyleCnt="5">
@@ -2792,6 +2803,13 @@
         </dgm:presLayoutVars>
       </dgm:prSet>
       <dgm:spPr/>
+      <dgm:t>
+        <a:bodyPr/>
+        <a:lstStyle/>
+        <a:p>
+          <a:endParaRPr lang="hr-HR"/>
+        </a:p>
+      </dgm:t>
     </dgm:pt>
     <dgm:pt modelId="{C3AFEAC3-BB48-4CA2-9A21-5FEF64ED0F9B}" type="pres">
       <dgm:prSet presAssocID="{256641AB-6A4B-4A1F-BE1B-B1F02240829D}" presName="sibTrans" presStyleCnt="0"/>
@@ -2852,53 +2870,53 @@
     </dgm:pt>
   </dgm:ptLst>
   <dgm:cxnLst>
-    <dgm:cxn modelId="{81D7C3F3-590D-4803-9769-DD1338481ECE}" type="presOf" srcId="{FFD56F99-641F-4B2D-9917-50F72CF58CE7}" destId="{F03815A2-C455-46F1-B2A2-9AC73B0971CC}" srcOrd="0" destOrd="0" presId="urn:microsoft.com/office/officeart/2005/8/layout/hList6"/>
+    <dgm:cxn modelId="{B3E9AA02-B7EA-4407-80B1-4D16894C71AC}" srcId="{021222F5-6B0E-40EE-9844-702FAEC14D7F}" destId="{399CFABA-9DCD-499B-9F93-D460C99DB130}" srcOrd="0" destOrd="0" parTransId="{4A517A51-3E4D-4923-87C2-8469F791CE1E}" sibTransId="{0A5FEDBA-1344-46F6-B548-D35DA34CA058}"/>
+    <dgm:cxn modelId="{550FA7CC-FAB0-41B0-9272-03EBFC882C10}" srcId="{B1AB659D-68B9-46C7-87BF-1B3F92BEEAFD}" destId="{5F246740-F13D-41D8-9EF0-165B171093DC}" srcOrd="1" destOrd="0" parTransId="{A8C443EA-3564-43C0-B448-14269126039B}" sibTransId="{5A4C820B-EA16-4A49-BC70-7AF9DF403863}"/>
+    <dgm:cxn modelId="{96CFF873-6FB9-41AC-A677-A5200554CE28}" srcId="{4B49BD48-E233-480D-9484-0B0C6BF3E920}" destId="{EBD95B23-ADF8-404F-B023-DF47EBE42698}" srcOrd="1" destOrd="0" parTransId="{B9864C03-BDEF-4384-B151-693DCEBC4C91}" sibTransId="{F250DA66-04AD-4D16-9CD7-26FF8A80E027}"/>
+    <dgm:cxn modelId="{7C757474-D876-46EA-878F-97C256F858AF}" type="presOf" srcId="{EBD95B23-ADF8-404F-B023-DF47EBE42698}" destId="{76F5135D-1869-476D-B91B-DBFEC739BC55}" srcOrd="0" destOrd="2" presId="urn:microsoft.com/office/officeart/2005/8/layout/hList6"/>
+    <dgm:cxn modelId="{618FA2C2-86AB-4384-AA2F-5808B9B03921}" type="presOf" srcId="{5F246740-F13D-41D8-9EF0-165B171093DC}" destId="{B56701B6-E80B-4C29-A40F-6313C5E52D49}" srcOrd="0" destOrd="2" presId="urn:microsoft.com/office/officeart/2005/8/layout/hList6"/>
+    <dgm:cxn modelId="{A5FEDFB6-10FB-402D-A8AC-DD83EA0F2D1F}" srcId="{96053194-2830-47F2-B9AA-C16B954A6038}" destId="{FFD56F99-641F-4B2D-9917-50F72CF58CE7}" srcOrd="4" destOrd="0" parTransId="{50ECB940-B420-4E09-B536-DBBE14C7540F}" sibTransId="{F3F6B772-1BE2-48BF-92C7-7AC922CDC9A3}"/>
+    <dgm:cxn modelId="{67E07108-7220-472A-8E48-C9C6868E7946}" type="presOf" srcId="{82E82329-D67A-4768-A3F0-CB4B13938DCC}" destId="{425320D0-5357-4FA4-96F9-A6464D6C1A69}" srcOrd="0" destOrd="4" presId="urn:microsoft.com/office/officeart/2005/8/layout/hList6"/>
+    <dgm:cxn modelId="{1F7A13E5-90C1-431E-B8B1-E30C682D9D41}" srcId="{FFD56F99-641F-4B2D-9917-50F72CF58CE7}" destId="{EE9385D3-404A-41DF-A26B-2B7A446067B4}" srcOrd="1" destOrd="0" parTransId="{19C040C3-A0BF-4D19-8B13-ABEC9AFAA198}" sibTransId="{2DC71E8A-9806-43C9-8DE3-D787446261FC}"/>
+    <dgm:cxn modelId="{F055040B-EF6D-4023-BAC4-799F40CDB214}" type="presOf" srcId="{EE9385D3-404A-41DF-A26B-2B7A446067B4}" destId="{F03815A2-C455-46F1-B2A2-9AC73B0971CC}" srcOrd="0" destOrd="2" presId="urn:microsoft.com/office/officeart/2005/8/layout/hList6"/>
+    <dgm:cxn modelId="{9A6D1C3D-FEA8-4094-8926-C3B1EBC549DE}" type="presOf" srcId="{96053194-2830-47F2-B9AA-C16B954A6038}" destId="{0E443411-006A-41EA-8DAD-643B52420A1C}" srcOrd="0" destOrd="0" presId="urn:microsoft.com/office/officeart/2005/8/layout/hList6"/>
+    <dgm:cxn modelId="{8A8408DB-355D-4A47-A9CA-40F5324C0A8A}" srcId="{4B49BD48-E233-480D-9484-0B0C6BF3E920}" destId="{AD858CDF-A244-45BC-9D01-5CE54F13AF2F}" srcOrd="5" destOrd="0" parTransId="{8C743F3B-DBC8-492D-BF8F-33D4D048CA86}" sibTransId="{21E660B4-2EED-47F9-9949-E166236C19C8}"/>
+    <dgm:cxn modelId="{A4F613F2-9B06-4ECC-A557-6B689078E498}" type="presOf" srcId="{CB4DCD56-4C7C-42EE-BBB3-A7E85BCA3C69}" destId="{76F5135D-1869-476D-B91B-DBFEC739BC55}" srcOrd="0" destOrd="4" presId="urn:microsoft.com/office/officeart/2005/8/layout/hList6"/>
+    <dgm:cxn modelId="{A21FF2DB-F800-4C34-B6DC-A29C4A1C2F4D}" srcId="{96053194-2830-47F2-B9AA-C16B954A6038}" destId="{021222F5-6B0E-40EE-9844-702FAEC14D7F}" srcOrd="1" destOrd="0" parTransId="{857B28AF-5691-4797-9ED7-2DF50D94D460}" sibTransId="{256641AB-6A4B-4A1F-BE1B-B1F02240829D}"/>
+    <dgm:cxn modelId="{08B86C2A-6A08-4896-991D-06E36D6FE38D}" type="presOf" srcId="{152CFA65-AD6F-4B05-8472-1643A1A8B048}" destId="{B56701B6-E80B-4C29-A40F-6313C5E52D49}" srcOrd="0" destOrd="4" presId="urn:microsoft.com/office/officeart/2005/8/layout/hList6"/>
     <dgm:cxn modelId="{44926C56-4937-4967-BEA9-3AA11C4F1CBB}" type="presOf" srcId="{4B49BD48-E233-480D-9484-0B0C6BF3E920}" destId="{76F5135D-1869-476D-B91B-DBFEC739BC55}" srcOrd="0" destOrd="0" presId="urn:microsoft.com/office/officeart/2005/8/layout/hList6"/>
-    <dgm:cxn modelId="{F1D1689F-B27A-4C07-842D-F0AFB8B218D4}" type="presOf" srcId="{399CFABA-9DCD-499B-9F93-D460C99DB130}" destId="{425320D0-5357-4FA4-96F9-A6464D6C1A69}" srcOrd="0" destOrd="1" presId="urn:microsoft.com/office/officeart/2005/8/layout/hList6"/>
+    <dgm:cxn modelId="{3F93B313-C09A-4DF0-83AF-C24CFF0D6435}" type="presOf" srcId="{30EAE4E6-2BBF-444C-B421-413C995674D7}" destId="{76F5135D-1869-476D-B91B-DBFEC739BC55}" srcOrd="0" destOrd="5" presId="urn:microsoft.com/office/officeart/2005/8/layout/hList6"/>
+    <dgm:cxn modelId="{0F144493-0483-49FA-A1C7-6F55ED777E4C}" srcId="{96053194-2830-47F2-B9AA-C16B954A6038}" destId="{B1AB659D-68B9-46C7-87BF-1B3F92BEEAFD}" srcOrd="3" destOrd="0" parTransId="{B1FFF2A8-0674-42EF-88CF-46EC6038CB54}" sibTransId="{95B85F28-9630-4B45-B699-0BF9589700FC}"/>
+    <dgm:cxn modelId="{3A457700-AFAE-4032-82C1-3BEB4BCEF969}" type="presOf" srcId="{B1AB659D-68B9-46C7-87BF-1B3F92BEEAFD}" destId="{B56701B6-E80B-4C29-A40F-6313C5E52D49}" srcOrd="0" destOrd="0" presId="urn:microsoft.com/office/officeart/2005/8/layout/hList6"/>
+    <dgm:cxn modelId="{790353DE-4B0A-4545-911F-3FCF801AF194}" type="presOf" srcId="{D8F95E2A-BEFE-4E41-BAE5-15C74D2B1175}" destId="{76F5135D-1869-476D-B91B-DBFEC739BC55}" srcOrd="0" destOrd="1" presId="urn:microsoft.com/office/officeart/2005/8/layout/hList6"/>
+    <dgm:cxn modelId="{52E882CC-4C7D-4830-997E-E4205EC840E2}" type="presOf" srcId="{36F3CC71-9792-4DB7-892D-8CDDE3BE04F1}" destId="{B56701B6-E80B-4C29-A40F-6313C5E52D49}" srcOrd="0" destOrd="3" presId="urn:microsoft.com/office/officeart/2005/8/layout/hList6"/>
+    <dgm:cxn modelId="{1F320E69-FD67-4CBC-BEE5-8FC07EBABCB6}" srcId="{4B49BD48-E233-480D-9484-0B0C6BF3E920}" destId="{B97CD944-9041-47A2-9789-2D781237D5C0}" srcOrd="2" destOrd="0" parTransId="{0897DA8F-FC4B-4873-93A6-36C57FC16E96}" sibTransId="{21B06515-5CBE-453A-965A-026009C021E6}"/>
+    <dgm:cxn modelId="{9B40ED27-AB8D-4720-B030-7AD2F90F9A73}" srcId="{B1AB659D-68B9-46C7-87BF-1B3F92BEEAFD}" destId="{152CFA65-AD6F-4B05-8472-1643A1A8B048}" srcOrd="3" destOrd="0" parTransId="{3B1DA925-D025-411F-BEAF-4BF817A0EEAF}" sibTransId="{1C1BDA7E-3176-4480-8AC5-2C5112D03AB1}"/>
+    <dgm:cxn modelId="{99C76777-DB33-4AE6-92D7-2C5DF0188CBB}" type="presOf" srcId="{B2EDB1EE-A638-405E-B809-CBD4E330B21B}" destId="{425320D0-5357-4FA4-96F9-A6464D6C1A69}" srcOrd="0" destOrd="2" presId="urn:microsoft.com/office/officeart/2005/8/layout/hList6"/>
+    <dgm:cxn modelId="{2AC8D76C-94F5-4083-B462-50C883A44BF1}" srcId="{32D1E580-7805-4C49-8175-E59639465B48}" destId="{545A4A61-88E0-4373-A4B2-BF1954121E86}" srcOrd="0" destOrd="0" parTransId="{C4AF34D3-BAD4-4137-9B30-1897893F29B1}" sibTransId="{CA3BE091-C98F-4D21-BCB9-B990C1EADE20}"/>
+    <dgm:cxn modelId="{6A86EA6D-27AA-46B4-B677-44AA588D2005}" type="presOf" srcId="{AD858CDF-A244-45BC-9D01-5CE54F13AF2F}" destId="{76F5135D-1869-476D-B91B-DBFEC739BC55}" srcOrd="0" destOrd="6" presId="urn:microsoft.com/office/officeart/2005/8/layout/hList6"/>
+    <dgm:cxn modelId="{1E2A3818-8AE2-4E3F-A24A-FC59905B980D}" srcId="{96053194-2830-47F2-B9AA-C16B954A6038}" destId="{32D1E580-7805-4C49-8175-E59639465B48}" srcOrd="0" destOrd="0" parTransId="{B45064AD-9C66-4474-BB44-E2E142CB487E}" sibTransId="{5175410B-E21D-4770-B5F1-29A06D51E532}"/>
+    <dgm:cxn modelId="{79015171-2884-4631-B8CC-5699F1C3CE78}" srcId="{32D1E580-7805-4C49-8175-E59639465B48}" destId="{23CEB5D0-C416-4E04-83B7-0615440EAE59}" srcOrd="1" destOrd="0" parTransId="{7C9B704B-E7F5-4788-8F5D-99E7896C1DBF}" sibTransId="{058B7670-B1DD-4BDE-A991-F0E232E99650}"/>
+    <dgm:cxn modelId="{DF388B3D-2D67-4AFB-88A9-F1D57C9347CF}" type="presOf" srcId="{F31D5DF1-EA74-45A8-858D-0FCBA2D0C82D}" destId="{425320D0-5357-4FA4-96F9-A6464D6C1A69}" srcOrd="0" destOrd="3" presId="urn:microsoft.com/office/officeart/2005/8/layout/hList6"/>
+    <dgm:cxn modelId="{BACA43FB-7580-49D5-8654-AFE736125E28}" type="presOf" srcId="{BF1DA917-093C-4F92-AD1C-B2DFA55A0CE8}" destId="{B56701B6-E80B-4C29-A40F-6313C5E52D49}" srcOrd="0" destOrd="1" presId="urn:microsoft.com/office/officeart/2005/8/layout/hList6"/>
+    <dgm:cxn modelId="{B2CB7C6D-7EC7-461F-BFC1-5FDF4756EBB4}" srcId="{021222F5-6B0E-40EE-9844-702FAEC14D7F}" destId="{82E82329-D67A-4768-A3F0-CB4B13938DCC}" srcOrd="3" destOrd="0" parTransId="{F50F2E0D-1DBF-478C-BFD2-3FB201148857}" sibTransId="{B8746B8E-0387-4229-81DB-3D24589B763A}"/>
+    <dgm:cxn modelId="{ECDB5C3D-8030-4A5B-93B0-2855D85B136D}" type="presOf" srcId="{545A4A61-88E0-4373-A4B2-BF1954121E86}" destId="{0B8DEF10-C16E-4ECD-A446-EE1D34333F49}" srcOrd="0" destOrd="1" presId="urn:microsoft.com/office/officeart/2005/8/layout/hList6"/>
     <dgm:cxn modelId="{67C33CD2-ADBE-47B0-A8B2-C448FC2C0E58}" srcId="{B1AB659D-68B9-46C7-87BF-1B3F92BEEAFD}" destId="{BF1DA917-093C-4F92-AD1C-B2DFA55A0CE8}" srcOrd="0" destOrd="0" parTransId="{D5BC28C7-A1B2-414F-8E01-A03584207184}" sibTransId="{CA611534-AA46-464F-93E4-E953E269B22A}"/>
-    <dgm:cxn modelId="{08B86C2A-6A08-4896-991D-06E36D6FE38D}" type="presOf" srcId="{152CFA65-AD6F-4B05-8472-1643A1A8B048}" destId="{B56701B6-E80B-4C29-A40F-6313C5E52D49}" srcOrd="0" destOrd="4" presId="urn:microsoft.com/office/officeart/2005/8/layout/hList6"/>
+    <dgm:cxn modelId="{5A0C694D-CFB4-4938-9DD8-E9870F74B4C0}" type="presOf" srcId="{021222F5-6B0E-40EE-9844-702FAEC14D7F}" destId="{425320D0-5357-4FA4-96F9-A6464D6C1A69}" srcOrd="0" destOrd="0" presId="urn:microsoft.com/office/officeart/2005/8/layout/hList6"/>
     <dgm:cxn modelId="{F981A2C3-1CEF-4A02-BE25-2D28504437AF}" srcId="{021222F5-6B0E-40EE-9844-702FAEC14D7F}" destId="{F31D5DF1-EA74-45A8-858D-0FCBA2D0C82D}" srcOrd="2" destOrd="0" parTransId="{2CC3F496-9DF3-4437-9012-FF427A506051}" sibTransId="{3E0D0DEA-77A8-4653-834A-4EC68E3F2436}"/>
-    <dgm:cxn modelId="{67E07108-7220-472A-8E48-C9C6868E7946}" type="presOf" srcId="{82E82329-D67A-4768-A3F0-CB4B13938DCC}" destId="{425320D0-5357-4FA4-96F9-A6464D6C1A69}" srcOrd="0" destOrd="4" presId="urn:microsoft.com/office/officeart/2005/8/layout/hList6"/>
-    <dgm:cxn modelId="{1E2A3818-8AE2-4E3F-A24A-FC59905B980D}" srcId="{96053194-2830-47F2-B9AA-C16B954A6038}" destId="{32D1E580-7805-4C49-8175-E59639465B48}" srcOrd="0" destOrd="0" parTransId="{B45064AD-9C66-4474-BB44-E2E142CB487E}" sibTransId="{5175410B-E21D-4770-B5F1-29A06D51E532}"/>
-    <dgm:cxn modelId="{1F320E69-FD67-4CBC-BEE5-8FC07EBABCB6}" srcId="{4B49BD48-E233-480D-9484-0B0C6BF3E920}" destId="{B97CD944-9041-47A2-9789-2D781237D5C0}" srcOrd="2" destOrd="0" parTransId="{0897DA8F-FC4B-4873-93A6-36C57FC16E96}" sibTransId="{21B06515-5CBE-453A-965A-026009C021E6}"/>
-    <dgm:cxn modelId="{DC121E5A-3C8B-41E8-AF8F-6ADAB84300B5}" type="presOf" srcId="{23CEB5D0-C416-4E04-83B7-0615440EAE59}" destId="{0B8DEF10-C16E-4ECD-A446-EE1D34333F49}" srcOrd="0" destOrd="2" presId="urn:microsoft.com/office/officeart/2005/8/layout/hList6"/>
-    <dgm:cxn modelId="{4D7D3C62-BDB1-4CD5-B9C9-334878C95E61}" type="presOf" srcId="{B97CD944-9041-47A2-9789-2D781237D5C0}" destId="{76F5135D-1869-476D-B91B-DBFEC739BC55}" srcOrd="0" destOrd="3" presId="urn:microsoft.com/office/officeart/2005/8/layout/hList6"/>
-    <dgm:cxn modelId="{8FEA4E3E-C3F9-4603-B7AD-FF1C92762714}" srcId="{4B49BD48-E233-480D-9484-0B0C6BF3E920}" destId="{CB4DCD56-4C7C-42EE-BBB3-A7E85BCA3C69}" srcOrd="3" destOrd="0" parTransId="{6C13377B-D92D-4A8C-8F1C-D92FE4C6C1EE}" sibTransId="{FFC591BD-EA68-4E92-8E02-828F5BC3CF3B}"/>
-    <dgm:cxn modelId="{B2CB7C6D-7EC7-461F-BFC1-5FDF4756EBB4}" srcId="{021222F5-6B0E-40EE-9844-702FAEC14D7F}" destId="{82E82329-D67A-4768-A3F0-CB4B13938DCC}" srcOrd="3" destOrd="0" parTransId="{F50F2E0D-1DBF-478C-BFD2-3FB201148857}" sibTransId="{B8746B8E-0387-4229-81DB-3D24589B763A}"/>
-    <dgm:cxn modelId="{E8921C59-B1A6-4561-8E0B-770C580A614B}" srcId="{021222F5-6B0E-40EE-9844-702FAEC14D7F}" destId="{B2EDB1EE-A638-405E-B809-CBD4E330B21B}" srcOrd="1" destOrd="0" parTransId="{62A352B7-3889-4299-80E1-5C56A4E418F6}" sibTransId="{0A069DCF-2DED-4DBC-A2EC-B75378A75A57}"/>
-    <dgm:cxn modelId="{52E882CC-4C7D-4830-997E-E4205EC840E2}" type="presOf" srcId="{36F3CC71-9792-4DB7-892D-8CDDE3BE04F1}" destId="{B56701B6-E80B-4C29-A40F-6313C5E52D49}" srcOrd="0" destOrd="3" presId="urn:microsoft.com/office/officeart/2005/8/layout/hList6"/>
-    <dgm:cxn modelId="{BB542484-FE1F-4F46-AB64-E12E9A99DB6C}" srcId="{B1AB659D-68B9-46C7-87BF-1B3F92BEEAFD}" destId="{36F3CC71-9792-4DB7-892D-8CDDE3BE04F1}" srcOrd="2" destOrd="0" parTransId="{EFF0A38A-8B38-4BE2-BA7A-3DC3374F3D69}" sibTransId="{7AB5465F-AD93-4693-9954-E0260425845D}"/>
-    <dgm:cxn modelId="{79015171-2884-4631-B8CC-5699F1C3CE78}" srcId="{32D1E580-7805-4C49-8175-E59639465B48}" destId="{23CEB5D0-C416-4E04-83B7-0615440EAE59}" srcOrd="1" destOrd="0" parTransId="{7C9B704B-E7F5-4788-8F5D-99E7896C1DBF}" sibTransId="{058B7670-B1DD-4BDE-A991-F0E232E99650}"/>
-    <dgm:cxn modelId="{96CFF873-6FB9-41AC-A677-A5200554CE28}" srcId="{4B49BD48-E233-480D-9484-0B0C6BF3E920}" destId="{EBD95B23-ADF8-404F-B023-DF47EBE42698}" srcOrd="1" destOrd="0" parTransId="{B9864C03-BDEF-4384-B151-693DCEBC4C91}" sibTransId="{F250DA66-04AD-4D16-9CD7-26FF8A80E027}"/>
-    <dgm:cxn modelId="{B3E9AA02-B7EA-4407-80B1-4D16894C71AC}" srcId="{021222F5-6B0E-40EE-9844-702FAEC14D7F}" destId="{399CFABA-9DCD-499B-9F93-D460C99DB130}" srcOrd="0" destOrd="0" parTransId="{4A517A51-3E4D-4923-87C2-8469F791CE1E}" sibTransId="{0A5FEDBA-1344-46F6-B548-D35DA34CA058}"/>
-    <dgm:cxn modelId="{DF388B3D-2D67-4AFB-88A9-F1D57C9347CF}" type="presOf" srcId="{F31D5DF1-EA74-45A8-858D-0FCBA2D0C82D}" destId="{425320D0-5357-4FA4-96F9-A6464D6C1A69}" srcOrd="0" destOrd="3" presId="urn:microsoft.com/office/officeart/2005/8/layout/hList6"/>
-    <dgm:cxn modelId="{0F144493-0483-49FA-A1C7-6F55ED777E4C}" srcId="{96053194-2830-47F2-B9AA-C16B954A6038}" destId="{B1AB659D-68B9-46C7-87BF-1B3F92BEEAFD}" srcOrd="3" destOrd="0" parTransId="{B1FFF2A8-0674-42EF-88CF-46EC6038CB54}" sibTransId="{95B85F28-9630-4B45-B699-0BF9589700FC}"/>
-    <dgm:cxn modelId="{3F93B313-C09A-4DF0-83AF-C24CFF0D6435}" type="presOf" srcId="{30EAE4E6-2BBF-444C-B421-413C995674D7}" destId="{76F5135D-1869-476D-B91B-DBFEC739BC55}" srcOrd="0" destOrd="5" presId="urn:microsoft.com/office/officeart/2005/8/layout/hList6"/>
-    <dgm:cxn modelId="{550FA7CC-FAB0-41B0-9272-03EBFC882C10}" srcId="{B1AB659D-68B9-46C7-87BF-1B3F92BEEAFD}" destId="{5F246740-F13D-41D8-9EF0-165B171093DC}" srcOrd="1" destOrd="0" parTransId="{A8C443EA-3564-43C0-B448-14269126039B}" sibTransId="{5A4C820B-EA16-4A49-BC70-7AF9DF403863}"/>
-    <dgm:cxn modelId="{A5FEDFB6-10FB-402D-A8AC-DD83EA0F2D1F}" srcId="{96053194-2830-47F2-B9AA-C16B954A6038}" destId="{FFD56F99-641F-4B2D-9917-50F72CF58CE7}" srcOrd="4" destOrd="0" parTransId="{50ECB940-B420-4E09-B536-DBBE14C7540F}" sibTransId="{F3F6B772-1BE2-48BF-92C7-7AC922CDC9A3}"/>
-    <dgm:cxn modelId="{618FA2C2-86AB-4384-AA2F-5808B9B03921}" type="presOf" srcId="{5F246740-F13D-41D8-9EF0-165B171093DC}" destId="{B56701B6-E80B-4C29-A40F-6313C5E52D49}" srcOrd="0" destOrd="2" presId="urn:microsoft.com/office/officeart/2005/8/layout/hList6"/>
-    <dgm:cxn modelId="{9A6D1C3D-FEA8-4094-8926-C3B1EBC549DE}" type="presOf" srcId="{96053194-2830-47F2-B9AA-C16B954A6038}" destId="{0E443411-006A-41EA-8DAD-643B52420A1C}" srcOrd="0" destOrd="0" presId="urn:microsoft.com/office/officeart/2005/8/layout/hList6"/>
-    <dgm:cxn modelId="{BACA43FB-7580-49D5-8654-AFE736125E28}" type="presOf" srcId="{BF1DA917-093C-4F92-AD1C-B2DFA55A0CE8}" destId="{B56701B6-E80B-4C29-A40F-6313C5E52D49}" srcOrd="0" destOrd="1" presId="urn:microsoft.com/office/officeart/2005/8/layout/hList6"/>
-    <dgm:cxn modelId="{5A0C694D-CFB4-4938-9DD8-E9870F74B4C0}" type="presOf" srcId="{021222F5-6B0E-40EE-9844-702FAEC14D7F}" destId="{425320D0-5357-4FA4-96F9-A6464D6C1A69}" srcOrd="0" destOrd="0" presId="urn:microsoft.com/office/officeart/2005/8/layout/hList6"/>
-    <dgm:cxn modelId="{9B40ED27-AB8D-4720-B030-7AD2F90F9A73}" srcId="{B1AB659D-68B9-46C7-87BF-1B3F92BEEAFD}" destId="{152CFA65-AD6F-4B05-8472-1643A1A8B048}" srcOrd="3" destOrd="0" parTransId="{3B1DA925-D025-411F-BEAF-4BF817A0EEAF}" sibTransId="{1C1BDA7E-3176-4480-8AC5-2C5112D03AB1}"/>
-    <dgm:cxn modelId="{5F025CF5-43AB-477A-8F0F-C163D758A3A4}" srcId="{FFD56F99-641F-4B2D-9917-50F72CF58CE7}" destId="{39967756-AA97-4D3A-96E6-D00FC7EBFDEE}" srcOrd="0" destOrd="0" parTransId="{300B68CD-5ACA-4252-90C7-5013B4ACF6DA}" sibTransId="{ED3B2489-3471-48B0-8B6B-C4C1E1AA5A38}"/>
-    <dgm:cxn modelId="{99C76777-DB33-4AE6-92D7-2C5DF0188CBB}" type="presOf" srcId="{B2EDB1EE-A638-405E-B809-CBD4E330B21B}" destId="{425320D0-5357-4FA4-96F9-A6464D6C1A69}" srcOrd="0" destOrd="2" presId="urn:microsoft.com/office/officeart/2005/8/layout/hList6"/>
-    <dgm:cxn modelId="{7C757474-D876-46EA-878F-97C256F858AF}" type="presOf" srcId="{EBD95B23-ADF8-404F-B023-DF47EBE42698}" destId="{76F5135D-1869-476D-B91B-DBFEC739BC55}" srcOrd="0" destOrd="2" presId="urn:microsoft.com/office/officeart/2005/8/layout/hList6"/>
-    <dgm:cxn modelId="{A4F613F2-9B06-4ECC-A557-6B689078E498}" type="presOf" srcId="{CB4DCD56-4C7C-42EE-BBB3-A7E85BCA3C69}" destId="{76F5135D-1869-476D-B91B-DBFEC739BC55}" srcOrd="0" destOrd="4" presId="urn:microsoft.com/office/officeart/2005/8/layout/hList6"/>
-    <dgm:cxn modelId="{F055040B-EF6D-4023-BAC4-799F40CDB214}" type="presOf" srcId="{EE9385D3-404A-41DF-A26B-2B7A446067B4}" destId="{F03815A2-C455-46F1-B2A2-9AC73B0971CC}" srcOrd="0" destOrd="2" presId="urn:microsoft.com/office/officeart/2005/8/layout/hList6"/>
     <dgm:cxn modelId="{0C95D5BB-7579-4C3B-A98C-D1C1FE6DCF67}" type="presOf" srcId="{32D1E580-7805-4C49-8175-E59639465B48}" destId="{0B8DEF10-C16E-4ECD-A446-EE1D34333F49}" srcOrd="0" destOrd="0" presId="urn:microsoft.com/office/officeart/2005/8/layout/hList6"/>
     <dgm:cxn modelId="{EF7625DC-57F6-4BBB-B72E-BB967831B2A3}" type="presOf" srcId="{39967756-AA97-4D3A-96E6-D00FC7EBFDEE}" destId="{F03815A2-C455-46F1-B2A2-9AC73B0971CC}" srcOrd="0" destOrd="1" presId="urn:microsoft.com/office/officeart/2005/8/layout/hList6"/>
+    <dgm:cxn modelId="{8FEA4E3E-C3F9-4603-B7AD-FF1C92762714}" srcId="{4B49BD48-E233-480D-9484-0B0C6BF3E920}" destId="{CB4DCD56-4C7C-42EE-BBB3-A7E85BCA3C69}" srcOrd="3" destOrd="0" parTransId="{6C13377B-D92D-4A8C-8F1C-D92FE4C6C1EE}" sibTransId="{FFC591BD-EA68-4E92-8E02-828F5BC3CF3B}"/>
+    <dgm:cxn modelId="{5F025CF5-43AB-477A-8F0F-C163D758A3A4}" srcId="{FFD56F99-641F-4B2D-9917-50F72CF58CE7}" destId="{39967756-AA97-4D3A-96E6-D00FC7EBFDEE}" srcOrd="0" destOrd="0" parTransId="{300B68CD-5ACA-4252-90C7-5013B4ACF6DA}" sibTransId="{ED3B2489-3471-48B0-8B6B-C4C1E1AA5A38}"/>
     <dgm:cxn modelId="{702E5354-7747-442C-A161-C7D44BCEED7E}" srcId="{96053194-2830-47F2-B9AA-C16B954A6038}" destId="{4B49BD48-E233-480D-9484-0B0C6BF3E920}" srcOrd="2" destOrd="0" parTransId="{445368AF-AEB4-450F-944A-A382B8C0F746}" sibTransId="{D9D7AE36-DB83-48F7-B1F8-F434C5CD47BF}"/>
-    <dgm:cxn modelId="{ECDB5C3D-8030-4A5B-93B0-2855D85B136D}" type="presOf" srcId="{545A4A61-88E0-4373-A4B2-BF1954121E86}" destId="{0B8DEF10-C16E-4ECD-A446-EE1D34333F49}" srcOrd="0" destOrd="1" presId="urn:microsoft.com/office/officeart/2005/8/layout/hList6"/>
-    <dgm:cxn modelId="{A21FF2DB-F800-4C34-B6DC-A29C4A1C2F4D}" srcId="{96053194-2830-47F2-B9AA-C16B954A6038}" destId="{021222F5-6B0E-40EE-9844-702FAEC14D7F}" srcOrd="1" destOrd="0" parTransId="{857B28AF-5691-4797-9ED7-2DF50D94D460}" sibTransId="{256641AB-6A4B-4A1F-BE1B-B1F02240829D}"/>
     <dgm:cxn modelId="{C8766E87-285E-4267-880C-13618A079091}" srcId="{4B49BD48-E233-480D-9484-0B0C6BF3E920}" destId="{D8F95E2A-BEFE-4E41-BAE5-15C74D2B1175}" srcOrd="0" destOrd="0" parTransId="{194E6087-0E4B-46A5-B171-C9A5F32D8556}" sibTransId="{6755D4B8-1405-4128-802E-3FC21A058766}"/>
-    <dgm:cxn modelId="{3A457700-AFAE-4032-82C1-3BEB4BCEF969}" type="presOf" srcId="{B1AB659D-68B9-46C7-87BF-1B3F92BEEAFD}" destId="{B56701B6-E80B-4C29-A40F-6313C5E52D49}" srcOrd="0" destOrd="0" presId="urn:microsoft.com/office/officeart/2005/8/layout/hList6"/>
-    <dgm:cxn modelId="{6A86EA6D-27AA-46B4-B677-44AA588D2005}" type="presOf" srcId="{AD858CDF-A244-45BC-9D01-5CE54F13AF2F}" destId="{76F5135D-1869-476D-B91B-DBFEC739BC55}" srcOrd="0" destOrd="6" presId="urn:microsoft.com/office/officeart/2005/8/layout/hList6"/>
-    <dgm:cxn modelId="{2AC8D76C-94F5-4083-B462-50C883A44BF1}" srcId="{32D1E580-7805-4C49-8175-E59639465B48}" destId="{545A4A61-88E0-4373-A4B2-BF1954121E86}" srcOrd="0" destOrd="0" parTransId="{C4AF34D3-BAD4-4137-9B30-1897893F29B1}" sibTransId="{CA3BE091-C98F-4D21-BCB9-B990C1EADE20}"/>
-    <dgm:cxn modelId="{1F7A13E5-90C1-431E-B8B1-E30C682D9D41}" srcId="{FFD56F99-641F-4B2D-9917-50F72CF58CE7}" destId="{EE9385D3-404A-41DF-A26B-2B7A446067B4}" srcOrd="1" destOrd="0" parTransId="{19C040C3-A0BF-4D19-8B13-ABEC9AFAA198}" sibTransId="{2DC71E8A-9806-43C9-8DE3-D787446261FC}"/>
-    <dgm:cxn modelId="{8A8408DB-355D-4A47-A9CA-40F5324C0A8A}" srcId="{4B49BD48-E233-480D-9484-0B0C6BF3E920}" destId="{AD858CDF-A244-45BC-9D01-5CE54F13AF2F}" srcOrd="5" destOrd="0" parTransId="{8C743F3B-DBC8-492D-BF8F-33D4D048CA86}" sibTransId="{21E660B4-2EED-47F9-9949-E166236C19C8}"/>
+    <dgm:cxn modelId="{E8921C59-B1A6-4561-8E0B-770C580A614B}" srcId="{021222F5-6B0E-40EE-9844-702FAEC14D7F}" destId="{B2EDB1EE-A638-405E-B809-CBD4E330B21B}" srcOrd="1" destOrd="0" parTransId="{62A352B7-3889-4299-80E1-5C56A4E418F6}" sibTransId="{0A069DCF-2DED-4DBC-A2EC-B75378A75A57}"/>
+    <dgm:cxn modelId="{4D7D3C62-BDB1-4CD5-B9C9-334878C95E61}" type="presOf" srcId="{B97CD944-9041-47A2-9789-2D781237D5C0}" destId="{76F5135D-1869-476D-B91B-DBFEC739BC55}" srcOrd="0" destOrd="3" presId="urn:microsoft.com/office/officeart/2005/8/layout/hList6"/>
+    <dgm:cxn modelId="{DC121E5A-3C8B-41E8-AF8F-6ADAB84300B5}" type="presOf" srcId="{23CEB5D0-C416-4E04-83B7-0615440EAE59}" destId="{0B8DEF10-C16E-4ECD-A446-EE1D34333F49}" srcOrd="0" destOrd="2" presId="urn:microsoft.com/office/officeart/2005/8/layout/hList6"/>
+    <dgm:cxn modelId="{F1D1689F-B27A-4C07-842D-F0AFB8B218D4}" type="presOf" srcId="{399CFABA-9DCD-499B-9F93-D460C99DB130}" destId="{425320D0-5357-4FA4-96F9-A6464D6C1A69}" srcOrd="0" destOrd="1" presId="urn:microsoft.com/office/officeart/2005/8/layout/hList6"/>
     <dgm:cxn modelId="{902DD98E-9C1A-4D02-AC42-CF61F9C0F5E7}" srcId="{4B49BD48-E233-480D-9484-0B0C6BF3E920}" destId="{30EAE4E6-2BBF-444C-B421-413C995674D7}" srcOrd="4" destOrd="0" parTransId="{FB76FC0B-4C7D-490F-9928-C391CAEB7C3F}" sibTransId="{2ADEF977-947D-4C72-B829-D9ED324DA74E}"/>
-    <dgm:cxn modelId="{790353DE-4B0A-4545-911F-3FCF801AF194}" type="presOf" srcId="{D8F95E2A-BEFE-4E41-BAE5-15C74D2B1175}" destId="{76F5135D-1869-476D-B91B-DBFEC739BC55}" srcOrd="0" destOrd="1" presId="urn:microsoft.com/office/officeart/2005/8/layout/hList6"/>
+    <dgm:cxn modelId="{BB542484-FE1F-4F46-AB64-E12E9A99DB6C}" srcId="{B1AB659D-68B9-46C7-87BF-1B3F92BEEAFD}" destId="{36F3CC71-9792-4DB7-892D-8CDDE3BE04F1}" srcOrd="2" destOrd="0" parTransId="{EFF0A38A-8B38-4BE2-BA7A-3DC3374F3D69}" sibTransId="{7AB5465F-AD93-4693-9954-E0260425845D}"/>
+    <dgm:cxn modelId="{81D7C3F3-590D-4803-9769-DD1338481ECE}" type="presOf" srcId="{FFD56F99-641F-4B2D-9917-50F72CF58CE7}" destId="{F03815A2-C455-46F1-B2A2-9AC73B0971CC}" srcOrd="0" destOrd="0" presId="urn:microsoft.com/office/officeart/2005/8/layout/hList6"/>
     <dgm:cxn modelId="{14072721-DFF5-446E-ABBE-02CF24A30CD4}" type="presParOf" srcId="{0E443411-006A-41EA-8DAD-643B52420A1C}" destId="{0B8DEF10-C16E-4ECD-A446-EE1D34333F49}" srcOrd="0" destOrd="0" presId="urn:microsoft.com/office/officeart/2005/8/layout/hList6"/>
     <dgm:cxn modelId="{17F1EF6F-71E3-4BFB-8029-933F2E28F848}" type="presParOf" srcId="{0E443411-006A-41EA-8DAD-643B52420A1C}" destId="{022163A2-9FF8-4E41-B74D-4FFDE1502A2B}" srcOrd="1" destOrd="0" presId="urn:microsoft.com/office/officeart/2005/8/layout/hList6"/>
     <dgm:cxn modelId="{19D3791C-AF93-4220-A016-A3EA3F9A7B23}" type="presParOf" srcId="{0E443411-006A-41EA-8DAD-643B52420A1C}" destId="{425320D0-5357-4FA4-96F9-A6464D6C1A69}" srcOrd="2" destOrd="0" presId="urn:microsoft.com/office/officeart/2005/8/layout/hList6"/>
@@ -3357,12 +3375,16 @@
             </a:spcAft>
           </a:pPr>
           <a:r>
+            <a:rPr lang="hr-HR" sz="4700" kern="1200" dirty="0" err="1" smtClean="0"/>
+            <a:t>Lower</a:t>
+          </a:r>
+          <a:r>
             <a:rPr lang="hr-HR" sz="4700" kern="1200" dirty="0" smtClean="0"/>
-            <a:t>DB </a:t>
+            <a:t> </a:t>
           </a:r>
           <a:r>
             <a:rPr lang="hr-HR" sz="4700" kern="1200" dirty="0" err="1" smtClean="0"/>
-            <a:t>Layer</a:t>
+            <a:t>Layers</a:t>
           </a:r>
           <a:endParaRPr lang="en-US" sz="4700" kern="1200" dirty="0"/>
         </a:p>
@@ -3384,746 +3406,6 @@
       <dsp:cNvGrpSpPr/>
     </dsp:nvGrpSpPr>
     <dsp:grpSpPr/>
-    <dsp:sp modelId="{0B8DEF10-C16E-4ECD-A446-EE1D34333F49}">
-      <dsp:nvSpPr>
-        <dsp:cNvPr id="0" name=""/>
-        <dsp:cNvSpPr/>
-      </dsp:nvSpPr>
-      <dsp:spPr>
-        <a:xfrm rot="16200000">
-          <a:off x="-1406116" y="1411872"/>
-          <a:ext cx="4843736" cy="2019990"/>
-        </a:xfrm>
-        <a:prstGeom prst="flowChartManualOperation">
-          <a:avLst/>
-        </a:prstGeom>
-        <a:solidFill>
-          <a:schemeClr val="accent1">
-            <a:hueOff val="0"/>
-            <a:satOff val="0"/>
-            <a:lumOff val="0"/>
-            <a:alphaOff val="0"/>
-          </a:schemeClr>
-        </a:solidFill>
-        <a:ln w="12700" cap="flat" cmpd="sng" algn="ctr">
-          <a:solidFill>
-            <a:schemeClr val="lt1">
-              <a:hueOff val="0"/>
-              <a:satOff val="0"/>
-              <a:lumOff val="0"/>
-              <a:alphaOff val="0"/>
-            </a:schemeClr>
-          </a:solidFill>
-          <a:prstDash val="solid"/>
-          <a:miter lim="800000"/>
-        </a:ln>
-        <a:effectLst/>
-      </dsp:spPr>
-      <dsp:style>
-        <a:lnRef idx="2">
-          <a:scrgbClr r="0" g="0" b="0"/>
-        </a:lnRef>
-        <a:fillRef idx="1">
-          <a:scrgbClr r="0" g="0" b="0"/>
-        </a:fillRef>
-        <a:effectRef idx="0">
-          <a:scrgbClr r="0" g="0" b="0"/>
-        </a:effectRef>
-        <a:fontRef idx="minor">
-          <a:schemeClr val="lt1"/>
-        </a:fontRef>
-      </dsp:style>
-      <dsp:txBody>
-        <a:bodyPr spcFirstLastPara="0" vert="horz" wrap="square" lIns="120650" tIns="0" rIns="120710" bIns="0" numCol="1" spcCol="1270" anchor="t" anchorCtr="0">
-          <a:noAutofit/>
-        </a:bodyPr>
-        <a:lstStyle/>
-        <a:p>
-          <a:pPr lvl="0" algn="l" defTabSz="844550">
-            <a:lnSpc>
-              <a:spcPct val="90000"/>
-            </a:lnSpc>
-            <a:spcBef>
-              <a:spcPct val="0"/>
-            </a:spcBef>
-            <a:spcAft>
-              <a:spcPct val="35000"/>
-            </a:spcAft>
-          </a:pPr>
-          <a:r>
-            <a:rPr lang="hr-HR" sz="1900" kern="1200" dirty="0" smtClean="0"/>
-            <a:t>Analiza</a:t>
-          </a:r>
-          <a:endParaRPr lang="hr-HR" sz="1900" kern="1200" dirty="0"/>
-        </a:p>
-        <a:p>
-          <a:pPr marL="114300" lvl="1" indent="-114300" algn="l" defTabSz="666750">
-            <a:lnSpc>
-              <a:spcPct val="90000"/>
-            </a:lnSpc>
-            <a:spcBef>
-              <a:spcPct val="0"/>
-            </a:spcBef>
-            <a:spcAft>
-              <a:spcPct val="15000"/>
-            </a:spcAft>
-            <a:buChar char="••"/>
-          </a:pPr>
-          <a:r>
-            <a:rPr lang="hr-HR" sz="1500" kern="1200" dirty="0" smtClean="0"/>
-            <a:t>Sastanci s naručiteljem</a:t>
-          </a:r>
-          <a:endParaRPr lang="hr-HR" sz="1500" kern="1200" dirty="0"/>
-        </a:p>
-        <a:p>
-          <a:pPr marL="114300" lvl="1" indent="-114300" algn="l" defTabSz="666750">
-            <a:lnSpc>
-              <a:spcPct val="90000"/>
-            </a:lnSpc>
-            <a:spcBef>
-              <a:spcPct val="0"/>
-            </a:spcBef>
-            <a:spcAft>
-              <a:spcPct val="15000"/>
-            </a:spcAft>
-            <a:buChar char="••"/>
-          </a:pPr>
-          <a:r>
-            <a:rPr lang="hr-HR" sz="1500" kern="1200" dirty="0" smtClean="0"/>
-            <a:t>Shvaćanje poslovne logike</a:t>
-          </a:r>
-          <a:endParaRPr lang="hr-HR" sz="1500" kern="1200" dirty="0"/>
-        </a:p>
-      </dsp:txBody>
-      <dsp:txXfrm rot="5400000">
-        <a:off x="5757" y="968746"/>
-        <a:ext cx="2019990" cy="2906242"/>
-      </dsp:txXfrm>
-    </dsp:sp>
-    <dsp:sp modelId="{425320D0-5357-4FA4-96F9-A6464D6C1A69}">
-      <dsp:nvSpPr>
-        <dsp:cNvPr id="0" name=""/>
-        <dsp:cNvSpPr/>
-      </dsp:nvSpPr>
-      <dsp:spPr>
-        <a:xfrm rot="16200000">
-          <a:off x="765373" y="1411872"/>
-          <a:ext cx="4843736" cy="2019990"/>
-        </a:xfrm>
-        <a:prstGeom prst="flowChartManualOperation">
-          <a:avLst/>
-        </a:prstGeom>
-        <a:solidFill>
-          <a:schemeClr val="accent1">
-            <a:hueOff val="0"/>
-            <a:satOff val="0"/>
-            <a:lumOff val="0"/>
-            <a:alphaOff val="0"/>
-          </a:schemeClr>
-        </a:solidFill>
-        <a:ln w="12700" cap="flat" cmpd="sng" algn="ctr">
-          <a:solidFill>
-            <a:schemeClr val="lt1">
-              <a:hueOff val="0"/>
-              <a:satOff val="0"/>
-              <a:lumOff val="0"/>
-              <a:alphaOff val="0"/>
-            </a:schemeClr>
-          </a:solidFill>
-          <a:prstDash val="solid"/>
-          <a:miter lim="800000"/>
-        </a:ln>
-        <a:effectLst/>
-      </dsp:spPr>
-      <dsp:style>
-        <a:lnRef idx="2">
-          <a:scrgbClr r="0" g="0" b="0"/>
-        </a:lnRef>
-        <a:fillRef idx="1">
-          <a:scrgbClr r="0" g="0" b="0"/>
-        </a:fillRef>
-        <a:effectRef idx="0">
-          <a:scrgbClr r="0" g="0" b="0"/>
-        </a:effectRef>
-        <a:fontRef idx="minor">
-          <a:schemeClr val="lt1"/>
-        </a:fontRef>
-      </dsp:style>
-      <dsp:txBody>
-        <a:bodyPr spcFirstLastPara="0" vert="horz" wrap="square" lIns="120650" tIns="0" rIns="120710" bIns="0" numCol="1" spcCol="1270" anchor="t" anchorCtr="0">
-          <a:noAutofit/>
-        </a:bodyPr>
-        <a:lstStyle/>
-        <a:p>
-          <a:pPr lvl="0" algn="l" defTabSz="844550">
-            <a:lnSpc>
-              <a:spcPct val="90000"/>
-            </a:lnSpc>
-            <a:spcBef>
-              <a:spcPct val="0"/>
-            </a:spcBef>
-            <a:spcAft>
-              <a:spcPct val="35000"/>
-            </a:spcAft>
-          </a:pPr>
-          <a:r>
-            <a:rPr lang="hr-HR" sz="1900" kern="1200" dirty="0" smtClean="0"/>
-            <a:t>Funkcionalna i tehnička specifikacija</a:t>
-          </a:r>
-          <a:endParaRPr lang="hr-HR" sz="1900" kern="1200" dirty="0"/>
-        </a:p>
-        <a:p>
-          <a:pPr marL="114300" lvl="1" indent="-114300" algn="l" defTabSz="666750">
-            <a:lnSpc>
-              <a:spcPct val="90000"/>
-            </a:lnSpc>
-            <a:spcBef>
-              <a:spcPct val="0"/>
-            </a:spcBef>
-            <a:spcAft>
-              <a:spcPct val="15000"/>
-            </a:spcAft>
-            <a:buChar char="••"/>
-          </a:pPr>
-          <a:r>
-            <a:rPr lang="hr-HR" sz="1500" kern="1200" dirty="0" smtClean="0"/>
-            <a:t>Tehnologija</a:t>
-          </a:r>
-          <a:endParaRPr lang="hr-HR" sz="1500" kern="1200" dirty="0"/>
-        </a:p>
-        <a:p>
-          <a:pPr marL="114300" lvl="1" indent="-114300" algn="l" defTabSz="666750">
-            <a:lnSpc>
-              <a:spcPct val="90000"/>
-            </a:lnSpc>
-            <a:spcBef>
-              <a:spcPct val="0"/>
-            </a:spcBef>
-            <a:spcAft>
-              <a:spcPct val="15000"/>
-            </a:spcAft>
-            <a:buChar char="••"/>
-          </a:pPr>
-          <a:r>
-            <a:rPr lang="hr-HR" sz="1500" kern="1200" dirty="0" smtClean="0"/>
-            <a:t>Arhitektura</a:t>
-          </a:r>
-          <a:endParaRPr lang="hr-HR" sz="1500" kern="1200" dirty="0"/>
-        </a:p>
-        <a:p>
-          <a:pPr marL="114300" lvl="1" indent="-114300" algn="l" defTabSz="666750">
-            <a:lnSpc>
-              <a:spcPct val="90000"/>
-            </a:lnSpc>
-            <a:spcBef>
-              <a:spcPct val="0"/>
-            </a:spcBef>
-            <a:spcAft>
-              <a:spcPct val="15000"/>
-            </a:spcAft>
-            <a:buChar char="••"/>
-          </a:pPr>
-          <a:r>
-            <a:rPr lang="hr-HR" sz="1500" kern="1200" dirty="0" smtClean="0"/>
-            <a:t>Model</a:t>
-          </a:r>
-          <a:endParaRPr lang="hr-HR" sz="1500" kern="1200" dirty="0"/>
-        </a:p>
-        <a:p>
-          <a:pPr marL="114300" lvl="1" indent="-114300" algn="l" defTabSz="666750">
-            <a:lnSpc>
-              <a:spcPct val="90000"/>
-            </a:lnSpc>
-            <a:spcBef>
-              <a:spcPct val="0"/>
-            </a:spcBef>
-            <a:spcAft>
-              <a:spcPct val="15000"/>
-            </a:spcAft>
-            <a:buChar char="••"/>
-          </a:pPr>
-          <a:r>
-            <a:rPr lang="hr-HR" sz="1500" kern="1200" dirty="0" err="1" smtClean="0"/>
-            <a:t>Mockovi</a:t>
-          </a:r>
-          <a:endParaRPr lang="hr-HR" sz="1500" kern="1200" dirty="0"/>
-        </a:p>
-      </dsp:txBody>
-      <dsp:txXfrm rot="5400000">
-        <a:off x="2177246" y="968746"/>
-        <a:ext cx="2019990" cy="2906242"/>
-      </dsp:txXfrm>
-    </dsp:sp>
-    <dsp:sp modelId="{76F5135D-1869-476D-B91B-DBFEC739BC55}">
-      <dsp:nvSpPr>
-        <dsp:cNvPr id="0" name=""/>
-        <dsp:cNvSpPr/>
-      </dsp:nvSpPr>
-      <dsp:spPr>
-        <a:xfrm rot="16200000">
-          <a:off x="2936863" y="1411872"/>
-          <a:ext cx="4843736" cy="2019990"/>
-        </a:xfrm>
-        <a:prstGeom prst="flowChartManualOperation">
-          <a:avLst/>
-        </a:prstGeom>
-        <a:solidFill>
-          <a:schemeClr val="accent1">
-            <a:hueOff val="0"/>
-            <a:satOff val="0"/>
-            <a:lumOff val="0"/>
-            <a:alphaOff val="0"/>
-          </a:schemeClr>
-        </a:solidFill>
-        <a:ln w="12700" cap="flat" cmpd="sng" algn="ctr">
-          <a:solidFill>
-            <a:schemeClr val="lt1">
-              <a:hueOff val="0"/>
-              <a:satOff val="0"/>
-              <a:lumOff val="0"/>
-              <a:alphaOff val="0"/>
-            </a:schemeClr>
-          </a:solidFill>
-          <a:prstDash val="solid"/>
-          <a:miter lim="800000"/>
-        </a:ln>
-        <a:effectLst/>
-      </dsp:spPr>
-      <dsp:style>
-        <a:lnRef idx="2">
-          <a:scrgbClr r="0" g="0" b="0"/>
-        </a:lnRef>
-        <a:fillRef idx="1">
-          <a:scrgbClr r="0" g="0" b="0"/>
-        </a:fillRef>
-        <a:effectRef idx="0">
-          <a:scrgbClr r="0" g="0" b="0"/>
-        </a:effectRef>
-        <a:fontRef idx="minor">
-          <a:schemeClr val="lt1"/>
-        </a:fontRef>
-      </dsp:style>
-      <dsp:txBody>
-        <a:bodyPr spcFirstLastPara="0" vert="horz" wrap="square" lIns="120650" tIns="0" rIns="120710" bIns="0" numCol="1" spcCol="1270" anchor="t" anchorCtr="0">
-          <a:noAutofit/>
-        </a:bodyPr>
-        <a:lstStyle/>
-        <a:p>
-          <a:pPr lvl="0" algn="l" defTabSz="844550">
-            <a:lnSpc>
-              <a:spcPct val="90000"/>
-            </a:lnSpc>
-            <a:spcBef>
-              <a:spcPct val="0"/>
-            </a:spcBef>
-            <a:spcAft>
-              <a:spcPct val="35000"/>
-            </a:spcAft>
-          </a:pPr>
-          <a:r>
-            <a:rPr lang="hr-HR" sz="1900" kern="1200" dirty="0" smtClean="0"/>
-            <a:t>Razvoj</a:t>
-          </a:r>
-          <a:endParaRPr lang="hr-HR" sz="1900" kern="1200" dirty="0"/>
-        </a:p>
-        <a:p>
-          <a:pPr marL="114300" lvl="1" indent="-114300" algn="l" defTabSz="666750">
-            <a:lnSpc>
-              <a:spcPct val="90000"/>
-            </a:lnSpc>
-            <a:spcBef>
-              <a:spcPct val="0"/>
-            </a:spcBef>
-            <a:spcAft>
-              <a:spcPct val="15000"/>
-            </a:spcAft>
-            <a:buChar char="••"/>
-          </a:pPr>
-          <a:r>
-            <a:rPr lang="hr-HR" sz="1500" kern="1200" dirty="0" smtClean="0"/>
-            <a:t>Baza</a:t>
-          </a:r>
-          <a:endParaRPr lang="hr-HR" sz="1500" kern="1200" dirty="0"/>
-        </a:p>
-        <a:p>
-          <a:pPr marL="114300" lvl="1" indent="-114300" algn="l" defTabSz="666750">
-            <a:lnSpc>
-              <a:spcPct val="90000"/>
-            </a:lnSpc>
-            <a:spcBef>
-              <a:spcPct val="0"/>
-            </a:spcBef>
-            <a:spcAft>
-              <a:spcPct val="15000"/>
-            </a:spcAft>
-            <a:buChar char="••"/>
-          </a:pPr>
-          <a:r>
-            <a:rPr lang="hr-HR" sz="1500" kern="1200" smtClean="0"/>
-            <a:t>Poslovna logika</a:t>
-          </a:r>
-          <a:endParaRPr lang="hr-HR" sz="1500" kern="1200" dirty="0"/>
-        </a:p>
-        <a:p>
-          <a:pPr marL="114300" lvl="1" indent="-114300" algn="l" defTabSz="666750">
-            <a:lnSpc>
-              <a:spcPct val="90000"/>
-            </a:lnSpc>
-            <a:spcBef>
-              <a:spcPct val="0"/>
-            </a:spcBef>
-            <a:spcAft>
-              <a:spcPct val="15000"/>
-            </a:spcAft>
-            <a:buChar char="••"/>
-          </a:pPr>
-          <a:r>
-            <a:rPr lang="hr-HR" sz="1500" kern="1200" smtClean="0"/>
-            <a:t>Sučelje</a:t>
-          </a:r>
-          <a:endParaRPr lang="hr-HR" sz="1500" kern="1200" dirty="0"/>
-        </a:p>
-        <a:p>
-          <a:pPr marL="114300" lvl="1" indent="-114300" algn="l" defTabSz="666750">
-            <a:lnSpc>
-              <a:spcPct val="90000"/>
-            </a:lnSpc>
-            <a:spcBef>
-              <a:spcPct val="0"/>
-            </a:spcBef>
-            <a:spcAft>
-              <a:spcPct val="15000"/>
-            </a:spcAft>
-            <a:buChar char="••"/>
-          </a:pPr>
-          <a:r>
-            <a:rPr lang="hr-HR" sz="1500" kern="1200" dirty="0" smtClean="0"/>
-            <a:t>Infrastruktura (mail, </a:t>
-          </a:r>
-          <a:r>
-            <a:rPr lang="hr-HR" sz="1500" kern="1200" dirty="0" err="1" smtClean="0"/>
-            <a:t>logiranje</a:t>
-          </a:r>
-          <a:r>
-            <a:rPr lang="hr-HR" sz="1500" kern="1200" dirty="0" smtClean="0"/>
-            <a:t>)</a:t>
-          </a:r>
-          <a:endParaRPr lang="hr-HR" sz="1500" kern="1200" dirty="0"/>
-        </a:p>
-        <a:p>
-          <a:pPr marL="114300" lvl="1" indent="-114300" algn="l" defTabSz="666750">
-            <a:lnSpc>
-              <a:spcPct val="90000"/>
-            </a:lnSpc>
-            <a:spcBef>
-              <a:spcPct val="0"/>
-            </a:spcBef>
-            <a:spcAft>
-              <a:spcPct val="15000"/>
-            </a:spcAft>
-            <a:buChar char="••"/>
-          </a:pPr>
-          <a:r>
-            <a:rPr lang="hr-HR" sz="1500" kern="1200" smtClean="0"/>
-            <a:t>Testiranje</a:t>
-          </a:r>
-          <a:endParaRPr lang="hr-HR" sz="1500" kern="1200" dirty="0"/>
-        </a:p>
-        <a:p>
-          <a:pPr marL="114300" lvl="1" indent="-114300" algn="l" defTabSz="666750">
-            <a:lnSpc>
-              <a:spcPct val="90000"/>
-            </a:lnSpc>
-            <a:spcBef>
-              <a:spcPct val="0"/>
-            </a:spcBef>
-            <a:spcAft>
-              <a:spcPct val="15000"/>
-            </a:spcAft>
-            <a:buChar char="••"/>
-          </a:pPr>
-          <a:r>
-            <a:rPr lang="hr-HR" sz="1500" kern="1200" smtClean="0"/>
-            <a:t>Timski rad</a:t>
-          </a:r>
-          <a:endParaRPr lang="hr-HR" sz="1500" kern="1200" dirty="0"/>
-        </a:p>
-      </dsp:txBody>
-      <dsp:txXfrm rot="5400000">
-        <a:off x="4348736" y="968746"/>
-        <a:ext cx="2019990" cy="2906242"/>
-      </dsp:txXfrm>
-    </dsp:sp>
-    <dsp:sp modelId="{B56701B6-E80B-4C29-A40F-6313C5E52D49}">
-      <dsp:nvSpPr>
-        <dsp:cNvPr id="0" name=""/>
-        <dsp:cNvSpPr/>
-      </dsp:nvSpPr>
-      <dsp:spPr>
-        <a:xfrm rot="16200000">
-          <a:off x="5108353" y="1411872"/>
-          <a:ext cx="4843736" cy="2019990"/>
-        </a:xfrm>
-        <a:prstGeom prst="flowChartManualOperation">
-          <a:avLst/>
-        </a:prstGeom>
-        <a:solidFill>
-          <a:schemeClr val="accent1">
-            <a:hueOff val="0"/>
-            <a:satOff val="0"/>
-            <a:lumOff val="0"/>
-            <a:alphaOff val="0"/>
-          </a:schemeClr>
-        </a:solidFill>
-        <a:ln w="12700" cap="flat" cmpd="sng" algn="ctr">
-          <a:solidFill>
-            <a:schemeClr val="lt1">
-              <a:hueOff val="0"/>
-              <a:satOff val="0"/>
-              <a:lumOff val="0"/>
-              <a:alphaOff val="0"/>
-            </a:schemeClr>
-          </a:solidFill>
-          <a:prstDash val="solid"/>
-          <a:miter lim="800000"/>
-        </a:ln>
-        <a:effectLst/>
-      </dsp:spPr>
-      <dsp:style>
-        <a:lnRef idx="2">
-          <a:scrgbClr r="0" g="0" b="0"/>
-        </a:lnRef>
-        <a:fillRef idx="1">
-          <a:scrgbClr r="0" g="0" b="0"/>
-        </a:fillRef>
-        <a:effectRef idx="0">
-          <a:scrgbClr r="0" g="0" b="0"/>
-        </a:effectRef>
-        <a:fontRef idx="minor">
-          <a:schemeClr val="lt1"/>
-        </a:fontRef>
-      </dsp:style>
-      <dsp:txBody>
-        <a:bodyPr spcFirstLastPara="0" vert="horz" wrap="square" lIns="120650" tIns="0" rIns="120710" bIns="0" numCol="1" spcCol="1270" anchor="t" anchorCtr="0">
-          <a:noAutofit/>
-        </a:bodyPr>
-        <a:lstStyle/>
-        <a:p>
-          <a:pPr lvl="0" algn="l" defTabSz="844550">
-            <a:lnSpc>
-              <a:spcPct val="90000"/>
-            </a:lnSpc>
-            <a:spcBef>
-              <a:spcPct val="0"/>
-            </a:spcBef>
-            <a:spcAft>
-              <a:spcPct val="35000"/>
-            </a:spcAft>
-          </a:pPr>
-          <a:r>
-            <a:rPr lang="hr-HR" sz="1900" kern="1200" dirty="0" smtClean="0"/>
-            <a:t>Test / Produkcija</a:t>
-          </a:r>
-          <a:endParaRPr lang="hr-HR" sz="1900" kern="1200" dirty="0"/>
-        </a:p>
-        <a:p>
-          <a:pPr marL="114300" lvl="1" indent="-114300" algn="l" defTabSz="666750">
-            <a:lnSpc>
-              <a:spcPct val="90000"/>
-            </a:lnSpc>
-            <a:spcBef>
-              <a:spcPct val="0"/>
-            </a:spcBef>
-            <a:spcAft>
-              <a:spcPct val="15000"/>
-            </a:spcAft>
-            <a:buChar char="••"/>
-          </a:pPr>
-          <a:r>
-            <a:rPr lang="hr-HR" sz="1500" kern="1200" dirty="0" smtClean="0"/>
-            <a:t>Okoline</a:t>
-          </a:r>
-          <a:endParaRPr lang="hr-HR" sz="1500" kern="1200" dirty="0"/>
-        </a:p>
-        <a:p>
-          <a:pPr marL="114300" lvl="1" indent="-114300" algn="l" defTabSz="666750">
-            <a:lnSpc>
-              <a:spcPct val="90000"/>
-            </a:lnSpc>
-            <a:spcBef>
-              <a:spcPct val="0"/>
-            </a:spcBef>
-            <a:spcAft>
-              <a:spcPct val="15000"/>
-            </a:spcAft>
-            <a:buChar char="••"/>
-          </a:pPr>
-          <a:r>
-            <a:rPr lang="hr-HR" sz="1500" kern="1200" smtClean="0"/>
-            <a:t>Migracije</a:t>
-          </a:r>
-          <a:endParaRPr lang="hr-HR" sz="1500" kern="1200" dirty="0"/>
-        </a:p>
-        <a:p>
-          <a:pPr marL="114300" lvl="1" indent="-114300" algn="l" defTabSz="666750">
-            <a:lnSpc>
-              <a:spcPct val="90000"/>
-            </a:lnSpc>
-            <a:spcBef>
-              <a:spcPct val="0"/>
-            </a:spcBef>
-            <a:spcAft>
-              <a:spcPct val="15000"/>
-            </a:spcAft>
-            <a:buChar char="••"/>
-          </a:pPr>
-          <a:r>
-            <a:rPr lang="hr-HR" sz="1500" kern="1200" smtClean="0"/>
-            <a:t>Dostupnost/Backup</a:t>
-          </a:r>
-          <a:endParaRPr lang="hr-HR" sz="1500" kern="1200" dirty="0"/>
-        </a:p>
-        <a:p>
-          <a:pPr marL="114300" lvl="1" indent="-114300" algn="l" defTabSz="666750">
-            <a:lnSpc>
-              <a:spcPct val="90000"/>
-            </a:lnSpc>
-            <a:spcBef>
-              <a:spcPct val="0"/>
-            </a:spcBef>
-            <a:spcAft>
-              <a:spcPct val="15000"/>
-            </a:spcAft>
-            <a:buChar char="••"/>
-          </a:pPr>
-          <a:r>
-            <a:rPr lang="hr-HR" sz="1500" kern="1200" smtClean="0"/>
-            <a:t>Izmjene modela/poslovne logike</a:t>
-          </a:r>
-          <a:endParaRPr lang="hr-HR" sz="1500" kern="1200" dirty="0"/>
-        </a:p>
-      </dsp:txBody>
-      <dsp:txXfrm rot="5400000">
-        <a:off x="6520226" y="968746"/>
-        <a:ext cx="2019990" cy="2906242"/>
-      </dsp:txXfrm>
-    </dsp:sp>
-    <dsp:sp modelId="{F03815A2-C455-46F1-B2A2-9AC73B0971CC}">
-      <dsp:nvSpPr>
-        <dsp:cNvPr id="0" name=""/>
-        <dsp:cNvSpPr/>
-      </dsp:nvSpPr>
-      <dsp:spPr>
-        <a:xfrm rot="16200000">
-          <a:off x="7279843" y="1411872"/>
-          <a:ext cx="4843736" cy="2019990"/>
-        </a:xfrm>
-        <a:prstGeom prst="flowChartManualOperation">
-          <a:avLst/>
-        </a:prstGeom>
-        <a:solidFill>
-          <a:schemeClr val="accent1">
-            <a:hueOff val="0"/>
-            <a:satOff val="0"/>
-            <a:lumOff val="0"/>
-            <a:alphaOff val="0"/>
-          </a:schemeClr>
-        </a:solidFill>
-        <a:ln w="12700" cap="flat" cmpd="sng" algn="ctr">
-          <a:solidFill>
-            <a:schemeClr val="lt1">
-              <a:hueOff val="0"/>
-              <a:satOff val="0"/>
-              <a:lumOff val="0"/>
-              <a:alphaOff val="0"/>
-            </a:schemeClr>
-          </a:solidFill>
-          <a:prstDash val="solid"/>
-          <a:miter lim="800000"/>
-        </a:ln>
-        <a:effectLst/>
-      </dsp:spPr>
-      <dsp:style>
-        <a:lnRef idx="2">
-          <a:scrgbClr r="0" g="0" b="0"/>
-        </a:lnRef>
-        <a:fillRef idx="1">
-          <a:scrgbClr r="0" g="0" b="0"/>
-        </a:fillRef>
-        <a:effectRef idx="0">
-          <a:scrgbClr r="0" g="0" b="0"/>
-        </a:effectRef>
-        <a:fontRef idx="minor">
-          <a:schemeClr val="lt1"/>
-        </a:fontRef>
-      </dsp:style>
-      <dsp:txBody>
-        <a:bodyPr spcFirstLastPara="0" vert="horz" wrap="square" lIns="120650" tIns="0" rIns="120710" bIns="0" numCol="1" spcCol="1270" anchor="t" anchorCtr="0">
-          <a:noAutofit/>
-        </a:bodyPr>
-        <a:lstStyle/>
-        <a:p>
-          <a:pPr lvl="0" algn="l" defTabSz="844550">
-            <a:lnSpc>
-              <a:spcPct val="90000"/>
-            </a:lnSpc>
-            <a:spcBef>
-              <a:spcPct val="0"/>
-            </a:spcBef>
-            <a:spcAft>
-              <a:spcPct val="35000"/>
-            </a:spcAft>
-          </a:pPr>
-          <a:r>
-            <a:rPr lang="hr-HR" sz="1900" kern="1200" dirty="0" smtClean="0"/>
-            <a:t>Održavanje</a:t>
-          </a:r>
-          <a:endParaRPr lang="hr-HR" sz="1900" kern="1200" dirty="0"/>
-        </a:p>
-        <a:p>
-          <a:pPr marL="114300" lvl="1" indent="-114300" algn="l" defTabSz="666750">
-            <a:lnSpc>
-              <a:spcPct val="90000"/>
-            </a:lnSpc>
-            <a:spcBef>
-              <a:spcPct val="0"/>
-            </a:spcBef>
-            <a:spcAft>
-              <a:spcPct val="15000"/>
-            </a:spcAft>
-            <a:buChar char="••"/>
-          </a:pPr>
-          <a:r>
-            <a:rPr lang="hr-HR" sz="1500" kern="1200" dirty="0" smtClean="0"/>
-            <a:t>Pohrana znanja</a:t>
-          </a:r>
-          <a:endParaRPr lang="hr-HR" sz="1500" kern="1200" dirty="0"/>
-        </a:p>
-        <a:p>
-          <a:pPr marL="114300" lvl="1" indent="-114300" algn="l" defTabSz="666750">
-            <a:lnSpc>
-              <a:spcPct val="90000"/>
-            </a:lnSpc>
-            <a:spcBef>
-              <a:spcPct val="0"/>
-            </a:spcBef>
-            <a:spcAft>
-              <a:spcPct val="15000"/>
-            </a:spcAft>
-            <a:buChar char="••"/>
-          </a:pPr>
-          <a:r>
-            <a:rPr lang="hr-HR" sz="1500" kern="1200" dirty="0" smtClean="0"/>
-            <a:t>Dokumentacija</a:t>
-          </a:r>
-          <a:endParaRPr lang="hr-HR" sz="1500" kern="1200" dirty="0"/>
-        </a:p>
-      </dsp:txBody>
-      <dsp:txXfrm rot="5400000">
-        <a:off x="8691716" y="968746"/>
-        <a:ext cx="2019990" cy="2906242"/>
-      </dsp:txXfrm>
-    </dsp:sp>
   </dsp:spTree>
 </dsp:drawing>
 </file>
@@ -11044,7 +10326,6 @@
               <a:rPr lang="hr-HR" dirty="0" smtClean="0"/>
               <a:t>Performanse</a:t>
             </a:r>
-            <a:endParaRPr lang="hr-HR" dirty="0" smtClean="0"/>
           </a:p>
           <a:p>
             <a:pPr lvl="1"/>
@@ -11265,11 +10546,7 @@
             </a:r>
             <a:r>
               <a:rPr lang="hr-HR" dirty="0" smtClean="0"/>
-              <a:t> </a:t>
-            </a:r>
-            <a:r>
-              <a:rPr lang="hr-HR" dirty="0" smtClean="0"/>
-              <a:t>(2005)</a:t>
+              <a:t> (2005)</a:t>
             </a:r>
             <a:endParaRPr lang="hr-HR" dirty="0"/>
           </a:p>
@@ -11433,11 +10710,7 @@
             </a:r>
             <a:r>
               <a:rPr lang="hr-HR" dirty="0" smtClean="0"/>
-              <a:t> (2010</a:t>
-            </a:r>
-            <a:r>
-              <a:rPr lang="hr-HR" dirty="0" smtClean="0"/>
-              <a:t>)</a:t>
+              <a:t> (2010)</a:t>
             </a:r>
             <a:endParaRPr lang="hr-HR" dirty="0"/>
           </a:p>
@@ -12590,7 +11863,7 @@
             <p:ph idx="1"/>
             <p:extLst>
               <p:ext uri="{D42A27DB-BD31-4B8C-83A1-F6EECF244321}">
-                <p14:modId xmlns:p14="http://schemas.microsoft.com/office/powerpoint/2010/main" val="2875171912"/>
+                <p14:modId xmlns:p14="http://schemas.microsoft.com/office/powerpoint/2010/main" val="4068306192"/>
               </p:ext>
             </p:extLst>
           </p:nvPr>
@@ -13358,7 +12631,6 @@
               <a:rPr lang="hr-HR" dirty="0" smtClean="0"/>
               <a:t>oristi AJAX za prikaz sadržaja</a:t>
             </a:r>
-            <a:endParaRPr lang="hr-HR" dirty="0" smtClean="0"/>
           </a:p>
           <a:p>
             <a:pPr lvl="1"/>
@@ -13384,11 +12656,7 @@
             </a:r>
             <a:r>
               <a:rPr lang="hr-HR" dirty="0" smtClean="0"/>
-              <a:t> (</a:t>
-            </a:r>
-            <a:r>
-              <a:rPr lang="hr-HR" dirty="0" smtClean="0"/>
-              <a:t>1997) / </a:t>
+              <a:t> (1997) / </a:t>
             </a:r>
             <a:r>
               <a:rPr lang="hr-HR" dirty="0" err="1" smtClean="0"/>
@@ -13398,7 +12666,6 @@
               <a:rPr lang="hr-HR" dirty="0" smtClean="0"/>
               <a:t> Flash (1996)</a:t>
             </a:r>
-            <a:endParaRPr lang="hr-HR" dirty="0" smtClean="0"/>
           </a:p>
           <a:p>
             <a:pPr lvl="2"/>
